--- a/템플릿/환경켐페인소셜웹.pptx
+++ b/템플릿/환경켐페인소셜웹.pptx
@@ -6,6 +6,12 @@
   </p:sldMasterIdLst>
   <p:sldIdLst>
     <p:sldId id="256" r:id="rId2"/>
+    <p:sldId id="257" r:id="rId3"/>
+    <p:sldId id="258" r:id="rId4"/>
+    <p:sldId id="259" r:id="rId5"/>
+    <p:sldId id="260" r:id="rId6"/>
+    <p:sldId id="261" r:id="rId7"/>
+    <p:sldId id="262" r:id="rId8"/>
   </p:sldIdLst>
   <p:sldSz cx="12192000" cy="6858000"/>
   <p:notesSz cx="6858000" cy="9144000"/>
@@ -104,6 +110,11 @@
       </a:defRPr>
     </a:lvl9pPr>
   </p:defaultTextStyle>
+  <p:extLst>
+    <p:ext uri="{EFAFB233-063F-42B5-8137-9DF3F51BA10A}">
+      <p15:sldGuideLst xmlns:p15="http://schemas.microsoft.com/office/powerpoint/2012/main"/>
+    </p:ext>
+  </p:extLst>
 </p:presentation>
 </file>
 
@@ -787,7 +798,7 @@
         <p14:gallery dir="l"/>
       </p:transition>
     </mc:Choice>
-    <mc:Fallback xmlns="" xmlns:m="http://schemas.openxmlformats.org/officeDocument/2006/math" xmlns:w="http://schemas.openxmlformats.org/wordprocessingml/2006/main" xmlns:wp="http://schemas.openxmlformats.org/drawingml/2006/wordprocessingDrawing" xmlns:a14="http://schemas.microsoft.com/office/drawing/2010/main" xmlns:p15="http://schemas.microsoft.com/office/powerpoint/2012/main" xmlns:p159="http://schemas.microsoft.com/office/powerpoint/2015/09/main">
+    <mc:Fallback xmlns:p159="http://schemas.microsoft.com/office/powerpoint/2015/09/main" xmlns:p15="http://schemas.microsoft.com/office/powerpoint/2012/main" xmlns:a14="http://schemas.microsoft.com/office/drawing/2010/main" xmlns:wp="http://schemas.openxmlformats.org/drawingml/2006/wordprocessingDrawing" xmlns:w="http://schemas.openxmlformats.org/wordprocessingml/2006/main" xmlns:m="http://schemas.openxmlformats.org/officeDocument/2006/math" xmlns="">
       <p:transition spd="slow" advClick="0">
         <p:fade/>
       </p:transition>
@@ -974,6 +985,285 @@
 </file>
 
 <file path=ppt/slideLayouts/slideLayout10.xml><?xml version="1.0" encoding="utf-8"?>
+<p:sldLayout xmlns:a="http://schemas.openxmlformats.org/drawingml/2006/main" xmlns:r="http://schemas.openxmlformats.org/officeDocument/2006/relationships" xmlns:p="http://schemas.openxmlformats.org/presentationml/2006/main" type="picTx" preserve="1">
+  <p:cSld name="图片与标题">
+    <p:spTree>
+      <p:nvGrpSpPr>
+        <p:cNvPr id="1" name=""/>
+        <p:cNvGrpSpPr/>
+        <p:nvPr/>
+      </p:nvGrpSpPr>
+      <p:grpSpPr>
+        <a:xfrm>
+          <a:off x="0" y="0"/>
+          <a:ext cx="0" cy="0"/>
+          <a:chOff x="0" y="0"/>
+          <a:chExt cx="0" cy="0"/>
+        </a:xfrm>
+      </p:grpSpPr>
+      <p:sp>
+        <p:nvSpPr>
+          <p:cNvPr id="2" name="标题 1"/>
+          <p:cNvSpPr>
+            <a:spLocks noGrp="1"/>
+          </p:cNvSpPr>
+          <p:nvPr>
+            <p:ph type="title"/>
+          </p:nvPr>
+        </p:nvSpPr>
+        <p:spPr>
+          <a:xfrm>
+            <a:off x="839788" y="457200"/>
+            <a:ext cx="3932237" cy="1600200"/>
+          </a:xfrm>
+        </p:spPr>
+        <p:txBody>
+          <a:bodyPr anchor="t">
+            <a:normAutofit/>
+          </a:bodyPr>
+          <a:lstStyle>
+            <a:lvl1pPr>
+              <a:defRPr sz="3200"/>
+            </a:lvl1pPr>
+          </a:lstStyle>
+          <a:p>
+            <a:r>
+              <a:rPr lang="ko-KR" altLang="en-US" sz="2500">
+                <a:latin typeface="NanumGothic"/>
+              </a:rPr>
+              <a:t>마스터 제목 스타일 편집</a:t>
+            </a:r>
+            <a:endParaRPr lang="zh-CN" altLang="en-US"/>
+          </a:p>
+        </p:txBody>
+      </p:sp>
+      <p:sp>
+        <p:nvSpPr>
+          <p:cNvPr id="3" name="图片占位符 2"/>
+          <p:cNvSpPr>
+            <a:spLocks noGrp="1"/>
+          </p:cNvSpPr>
+          <p:nvPr>
+            <p:ph type="pic" idx="1"/>
+          </p:nvPr>
+        </p:nvSpPr>
+        <p:spPr>
+          <a:xfrm>
+            <a:off x="5183188" y="987425"/>
+            <a:ext cx="6172200" cy="4873625"/>
+          </a:xfrm>
+        </p:spPr>
+        <p:txBody>
+          <a:bodyPr/>
+          <a:lstStyle>
+            <a:lvl1pPr marL="0" indent="0">
+              <a:buNone/>
+              <a:defRPr sz="3200"/>
+            </a:lvl1pPr>
+            <a:lvl2pPr marL="457200" indent="0">
+              <a:buNone/>
+              <a:defRPr sz="2800"/>
+            </a:lvl2pPr>
+            <a:lvl3pPr marL="914400" indent="0">
+              <a:buNone/>
+              <a:defRPr sz="2400"/>
+            </a:lvl3pPr>
+            <a:lvl4pPr marL="1371600" indent="0">
+              <a:buNone/>
+              <a:defRPr sz="2000"/>
+            </a:lvl4pPr>
+            <a:lvl5pPr marL="1828800" indent="0">
+              <a:buNone/>
+              <a:defRPr sz="2000"/>
+            </a:lvl5pPr>
+            <a:lvl6pPr marL="2286000" indent="0">
+              <a:buNone/>
+              <a:defRPr sz="2000"/>
+            </a:lvl6pPr>
+            <a:lvl7pPr marL="2743200" indent="0">
+              <a:buNone/>
+              <a:defRPr sz="2000"/>
+            </a:lvl7pPr>
+            <a:lvl8pPr marL="3200400" indent="0">
+              <a:buNone/>
+              <a:defRPr sz="2000"/>
+            </a:lvl8pPr>
+            <a:lvl9pPr marL="3657600" indent="0">
+              <a:buNone/>
+              <a:defRPr sz="2000"/>
+            </a:lvl9pPr>
+          </a:lstStyle>
+          <a:p>
+            <a:r>
+              <a:rPr lang="ko-KR" altLang="en-US"/>
+              <a:t>그림을 추가하려면 아이콘을 클릭하십시오</a:t>
+            </a:r>
+            <a:endParaRPr lang="zh-CN" altLang="en-US"/>
+          </a:p>
+        </p:txBody>
+      </p:sp>
+      <p:sp>
+        <p:nvSpPr>
+          <p:cNvPr id="4" name="文本占位符 3"/>
+          <p:cNvSpPr>
+            <a:spLocks noGrp="1"/>
+          </p:cNvSpPr>
+          <p:nvPr>
+            <p:ph type="body" sz="half" idx="2" hasCustomPrompt="1"/>
+          </p:nvPr>
+        </p:nvSpPr>
+        <p:spPr>
+          <a:xfrm>
+            <a:off x="839788" y="2057400"/>
+            <a:ext cx="3932237" cy="3811588"/>
+          </a:xfrm>
+        </p:spPr>
+        <p:txBody>
+          <a:bodyPr>
+            <a:normAutofit/>
+          </a:bodyPr>
+          <a:lstStyle>
+            <a:lvl1pPr marL="0" indent="0">
+              <a:buNone/>
+              <a:defRPr sz="1600"/>
+            </a:lvl1pPr>
+            <a:lvl2pPr marL="457200" indent="0">
+              <a:buNone/>
+              <a:defRPr sz="1400"/>
+            </a:lvl2pPr>
+            <a:lvl3pPr marL="914400" indent="0">
+              <a:buNone/>
+              <a:defRPr sz="1200"/>
+            </a:lvl3pPr>
+            <a:lvl4pPr marL="1371600" indent="0">
+              <a:buNone/>
+              <a:defRPr sz="1000"/>
+            </a:lvl4pPr>
+            <a:lvl5pPr marL="1828800" indent="0">
+              <a:buNone/>
+              <a:defRPr sz="1000"/>
+            </a:lvl5pPr>
+            <a:lvl6pPr marL="2286000" indent="0">
+              <a:buNone/>
+              <a:defRPr sz="1000"/>
+            </a:lvl6pPr>
+            <a:lvl7pPr marL="2743200" indent="0">
+              <a:buNone/>
+              <a:defRPr sz="1000"/>
+            </a:lvl7pPr>
+            <a:lvl8pPr marL="3200400" indent="0">
+              <a:buNone/>
+              <a:defRPr sz="1000"/>
+            </a:lvl8pPr>
+            <a:lvl9pPr marL="3657600" indent="0">
+              <a:buNone/>
+              <a:defRPr sz="1000"/>
+            </a:lvl9pPr>
+          </a:lstStyle>
+          <a:p>
+            <a:pPr lvl="0"/>
+            <a:r>
+              <a:rPr lang="ko-KO" altLang="ko-KO" sz="1100">
+                <a:latin typeface="NanumGothic"/>
+                <a:ea typeface="NanumGothic"/>
+              </a:rPr>
+              <a:t>마스터 텍스트 스타일 편집</a:t>
+            </a:r>
+            <a:endParaRPr lang="zh-CN" altLang="en-US"/>
+          </a:p>
+        </p:txBody>
+      </p:sp>
+      <p:sp>
+        <p:nvSpPr>
+          <p:cNvPr id="5" name="日期占位符 4"/>
+          <p:cNvSpPr>
+            <a:spLocks noGrp="1"/>
+          </p:cNvSpPr>
+          <p:nvPr>
+            <p:ph type="dt" sz="half" idx="10"/>
+          </p:nvPr>
+        </p:nvSpPr>
+        <p:spPr/>
+        <p:txBody>
+          <a:bodyPr/>
+          <a:lstStyle/>
+          <a:p>
+            <a:fld id="{2E2EFF59-9DE3-4C3C-B8BB-39DE230C4F04}" type="datetimeFigureOut">
+              <a:rPr lang="ko-KR" altLang="en-US" smtClean="0"/>
+              <a:t>2024-02-20</a:t>
+            </a:fld>
+            <a:endParaRPr lang="ko-KR" altLang="en-US"/>
+          </a:p>
+        </p:txBody>
+      </p:sp>
+      <p:sp>
+        <p:nvSpPr>
+          <p:cNvPr id="6" name="页脚占位符 5"/>
+          <p:cNvSpPr>
+            <a:spLocks noGrp="1"/>
+          </p:cNvSpPr>
+          <p:nvPr>
+            <p:ph type="ftr" sz="quarter" idx="11"/>
+          </p:nvPr>
+        </p:nvSpPr>
+        <p:spPr/>
+        <p:txBody>
+          <a:bodyPr/>
+          <a:lstStyle/>
+          <a:p>
+            <a:endParaRPr lang="ko-KR" altLang="en-US"/>
+          </a:p>
+        </p:txBody>
+      </p:sp>
+      <p:sp>
+        <p:nvSpPr>
+          <p:cNvPr id="7" name="灯片编号占位符 6"/>
+          <p:cNvSpPr>
+            <a:spLocks noGrp="1"/>
+          </p:cNvSpPr>
+          <p:nvPr>
+            <p:ph type="sldNum" sz="quarter" idx="12"/>
+          </p:nvPr>
+        </p:nvSpPr>
+        <p:spPr/>
+        <p:txBody>
+          <a:bodyPr/>
+          <a:lstStyle/>
+          <a:p>
+            <a:fld id="{957431D7-CBEB-4A99-BE57-3A2CE7B47B94}" type="slidenum">
+              <a:rPr lang="ko-KR" altLang="en-US" smtClean="0"/>
+              <a:t>‹#›</a:t>
+            </a:fld>
+            <a:endParaRPr lang="ko-KR" altLang="en-US"/>
+          </a:p>
+        </p:txBody>
+      </p:sp>
+    </p:spTree>
+    <p:extLst>
+      <p:ext uri="{BB962C8B-B14F-4D97-AF65-F5344CB8AC3E}">
+        <p14:creationId xmlns:p14="http://schemas.microsoft.com/office/powerpoint/2010/main" val="4285094685"/>
+      </p:ext>
+    </p:extLst>
+  </p:cSld>
+  <p:clrMapOvr>
+    <a:masterClrMapping/>
+  </p:clrMapOvr>
+  <mc:AlternateContent xmlns:mc="http://schemas.openxmlformats.org/markup-compatibility/2006" xmlns:p14="http://schemas.microsoft.com/office/powerpoint/2010/main">
+    <mc:Choice Requires="p14">
+      <p:transition spd="slow" p14:dur="1250" advClick="0">
+        <p14:gallery dir="l"/>
+      </p:transition>
+    </mc:Choice>
+    <mc:Fallback xmlns:p159="http://schemas.microsoft.com/office/powerpoint/2015/09/main" xmlns:p15="http://schemas.microsoft.com/office/powerpoint/2012/main" xmlns:a14="http://schemas.microsoft.com/office/drawing/2010/main" xmlns:wp="http://schemas.openxmlformats.org/drawingml/2006/wordprocessingDrawing" xmlns:w="http://schemas.openxmlformats.org/wordprocessingml/2006/main" xmlns:m="http://schemas.openxmlformats.org/officeDocument/2006/math" xmlns="">
+      <p:transition spd="slow" advClick="0">
+        <p:fade/>
+      </p:transition>
+    </mc:Fallback>
+  </mc:AlternateContent>
+</p:sldLayout>
+</file>
+
+<file path=ppt/slideLayouts/slideLayout11.xml><?xml version="1.0" encoding="utf-8"?>
 <p:sldLayout xmlns:a="http://schemas.openxmlformats.org/drawingml/2006/main" xmlns:r="http://schemas.openxmlformats.org/officeDocument/2006/relationships" xmlns:p="http://schemas.openxmlformats.org/presentationml/2006/main" type="vertTx" preserve="1">
   <p:cSld name="标题和竖排文字">
     <p:spTree>
@@ -1171,7 +1461,7 @@
         <p14:gallery dir="l"/>
       </p:transition>
     </mc:Choice>
-    <mc:Fallback xmlns="" xmlns:m="http://schemas.openxmlformats.org/officeDocument/2006/math" xmlns:w="http://schemas.openxmlformats.org/wordprocessingml/2006/main" xmlns:wp="http://schemas.openxmlformats.org/drawingml/2006/wordprocessingDrawing" xmlns:a14="http://schemas.microsoft.com/office/drawing/2010/main" xmlns:p15="http://schemas.microsoft.com/office/powerpoint/2012/main" xmlns:p159="http://schemas.microsoft.com/office/powerpoint/2015/09/main">
+    <mc:Fallback xmlns:p159="http://schemas.microsoft.com/office/powerpoint/2015/09/main" xmlns:p15="http://schemas.microsoft.com/office/powerpoint/2012/main" xmlns:a14="http://schemas.microsoft.com/office/drawing/2010/main" xmlns:wp="http://schemas.openxmlformats.org/drawingml/2006/wordprocessingDrawing" xmlns:w="http://schemas.openxmlformats.org/wordprocessingml/2006/main" xmlns:m="http://schemas.openxmlformats.org/officeDocument/2006/math" xmlns="">
       <p:transition spd="slow" advClick="0">
         <p:fade/>
       </p:transition>
@@ -1180,7 +1470,7 @@
 </p:sldLayout>
 </file>
 
-<file path=ppt/slideLayouts/slideLayout11.xml><?xml version="1.0" encoding="utf-8"?>
+<file path=ppt/slideLayouts/slideLayout12.xml><?xml version="1.0" encoding="utf-8"?>
 <p:sldLayout xmlns:a="http://schemas.openxmlformats.org/drawingml/2006/main" xmlns:r="http://schemas.openxmlformats.org/officeDocument/2006/relationships" xmlns:p="http://schemas.openxmlformats.org/presentationml/2006/main" type="vertTitleAndTx" preserve="1">
   <p:cSld name="竖排标题与文本">
     <p:spTree>
@@ -1388,7 +1678,7 @@
         <p14:gallery dir="l"/>
       </p:transition>
     </mc:Choice>
-    <mc:Fallback xmlns="" xmlns:m="http://schemas.openxmlformats.org/officeDocument/2006/math" xmlns:w="http://schemas.openxmlformats.org/wordprocessingml/2006/main" xmlns:wp="http://schemas.openxmlformats.org/drawingml/2006/wordprocessingDrawing" xmlns:a14="http://schemas.microsoft.com/office/drawing/2010/main" xmlns:p15="http://schemas.microsoft.com/office/powerpoint/2012/main" xmlns:p159="http://schemas.microsoft.com/office/powerpoint/2015/09/main">
+    <mc:Fallback xmlns:p159="http://schemas.microsoft.com/office/powerpoint/2015/09/main" xmlns:p15="http://schemas.microsoft.com/office/powerpoint/2012/main" xmlns:a14="http://schemas.microsoft.com/office/drawing/2010/main" xmlns:wp="http://schemas.openxmlformats.org/drawingml/2006/wordprocessingDrawing" xmlns:w="http://schemas.openxmlformats.org/wordprocessingml/2006/main" xmlns:m="http://schemas.openxmlformats.org/officeDocument/2006/math" xmlns="">
       <p:transition spd="slow" advClick="0">
         <p:fade/>
       </p:transition>
@@ -1398,6 +1688,247 @@
 </file>
 
 <file path=ppt/slideLayouts/slideLayout2.xml><?xml version="1.0" encoding="utf-8"?>
+<p:sldLayout xmlns:a="http://schemas.openxmlformats.org/drawingml/2006/main" xmlns:r="http://schemas.openxmlformats.org/officeDocument/2006/relationships" xmlns:p="http://schemas.openxmlformats.org/presentationml/2006/main" preserve="1" userDrawn="1">
+  <p:cSld name="1_空白">
+    <p:spTree>
+      <p:nvGrpSpPr>
+        <p:cNvPr id="1" name=""/>
+        <p:cNvGrpSpPr/>
+        <p:nvPr/>
+      </p:nvGrpSpPr>
+      <p:grpSpPr>
+        <a:xfrm>
+          <a:off x="0" y="0"/>
+          <a:ext cx="0" cy="0"/>
+          <a:chOff x="0" y="0"/>
+          <a:chExt cx="0" cy="0"/>
+        </a:xfrm>
+      </p:grpSpPr>
+      <p:pic>
+        <p:nvPicPr>
+          <p:cNvPr id="7" name="图片 9">
+            <a:extLst>
+              <a:ext uri="{FF2B5EF4-FFF2-40B4-BE49-F238E27FC236}">
+                <a16:creationId xmlns:a16="http://schemas.microsoft.com/office/drawing/2014/main" id="{69C685E4-6FC0-439B-B216-BE016384EA94}"/>
+              </a:ext>
+            </a:extLst>
+          </p:cNvPr>
+          <p:cNvPicPr>
+            <a:picLocks noChangeAspect="1"/>
+          </p:cNvPicPr>
+          <p:nvPr userDrawn="1"/>
+        </p:nvPicPr>
+        <p:blipFill>
+          <a:blip r:embed="rId2">
+            <a:extLst>
+              <a:ext uri="{28A0092B-C50C-407E-A947-70E740481C1C}">
+                <a14:useLocalDpi xmlns:a14="http://schemas.microsoft.com/office/drawing/2010/main" val="0"/>
+              </a:ext>
+            </a:extLst>
+          </a:blip>
+          <a:stretch>
+            <a:fillRect/>
+          </a:stretch>
+        </p:blipFill>
+        <p:spPr>
+          <a:xfrm>
+            <a:off x="3917138" y="1864884"/>
+            <a:ext cx="3773288" cy="1564116"/>
+          </a:xfrm>
+          <a:prstGeom prst="rect">
+            <a:avLst/>
+          </a:prstGeom>
+          <a:ln>
+            <a:noFill/>
+          </a:ln>
+        </p:spPr>
+      </p:pic>
+      <p:sp>
+        <p:nvSpPr>
+          <p:cNvPr id="8" name="矩形 2">
+            <a:extLst>
+              <a:ext uri="{FF2B5EF4-FFF2-40B4-BE49-F238E27FC236}">
+                <a16:creationId xmlns:a16="http://schemas.microsoft.com/office/drawing/2014/main" id="{07929ADF-EAE7-414B-8319-22909929CDFF}"/>
+              </a:ext>
+            </a:extLst>
+          </p:cNvPr>
+          <p:cNvSpPr/>
+          <p:nvPr userDrawn="1"/>
+        </p:nvSpPr>
+        <p:spPr>
+          <a:xfrm>
+            <a:off x="1701800" y="3429000"/>
+            <a:ext cx="8407400" cy="3429000"/>
+          </a:xfrm>
+          <a:prstGeom prst="rect">
+            <a:avLst/>
+          </a:prstGeom>
+          <a:solidFill>
+            <a:srgbClr val="7EC3A2"/>
+          </a:solidFill>
+          <a:ln>
+            <a:noFill/>
+          </a:ln>
+        </p:spPr>
+        <p:style>
+          <a:lnRef idx="2">
+            <a:schemeClr val="accent1">
+              <a:shade val="50000"/>
+            </a:schemeClr>
+          </a:lnRef>
+          <a:fillRef idx="1">
+            <a:schemeClr val="accent1"/>
+          </a:fillRef>
+          <a:effectRef idx="0">
+            <a:schemeClr val="accent1"/>
+          </a:effectRef>
+          <a:fontRef idx="minor">
+            <a:schemeClr val="lt1"/>
+          </a:fontRef>
+        </p:style>
+        <p:txBody>
+          <a:bodyPr rtlCol="0" anchor="ctr"/>
+          <a:lstStyle/>
+          <a:p>
+            <a:pPr algn="ctr"/>
+            <a:endParaRPr lang="zh-CN" altLang="en-US">
+              <a:latin typeface="Elsie" panose="02000000000000000000" charset="0"/>
+              <a:ea typeface="Elsie" panose="02000000000000000000" charset="0"/>
+              <a:sym typeface="Source Han Sans SC"/>
+            </a:endParaRPr>
+          </a:p>
+        </p:txBody>
+      </p:sp>
+      <p:sp>
+        <p:nvSpPr>
+          <p:cNvPr id="9" name="제목 8">
+            <a:extLst>
+              <a:ext uri="{FF2B5EF4-FFF2-40B4-BE49-F238E27FC236}">
+                <a16:creationId xmlns:a16="http://schemas.microsoft.com/office/drawing/2014/main" id="{8689C383-A119-4309-A7C6-EC1D667D5FAC}"/>
+              </a:ext>
+            </a:extLst>
+          </p:cNvPr>
+          <p:cNvSpPr>
+            <a:spLocks noGrp="1"/>
+          </p:cNvSpPr>
+          <p:nvPr>
+            <p:ph type="title"/>
+          </p:nvPr>
+        </p:nvSpPr>
+        <p:spPr/>
+        <p:txBody>
+          <a:bodyPr anchor="ctr">
+            <a:normAutofit/>
+          </a:bodyPr>
+          <a:lstStyle>
+            <a:lvl1pPr algn="ctr">
+              <a:defRPr sz="3600" b="1">
+                <a:solidFill>
+                  <a:schemeClr val="accent1"/>
+                </a:solidFill>
+                <a:effectLst>
+                  <a:outerShdw blurRad="38100" dist="38100" dir="2700000" algn="tl">
+                    <a:srgbClr val="000000">
+                      <a:alpha val="43137"/>
+                    </a:srgbClr>
+                  </a:outerShdw>
+                </a:effectLst>
+                <a:latin typeface="Arial Rounded MT Bold" panose="020F0704030504030204" pitchFamily="34" charset="0"/>
+              </a:defRPr>
+            </a:lvl1pPr>
+          </a:lstStyle>
+          <a:p>
+            <a:r>
+              <a:rPr lang="ko-KR" altLang="en-US"/>
+              <a:t>마스터 제목 스타일 편집</a:t>
+            </a:r>
+          </a:p>
+        </p:txBody>
+      </p:sp>
+      <p:sp>
+        <p:nvSpPr>
+          <p:cNvPr id="11" name="텍스트 개체 틀 10">
+            <a:extLst>
+              <a:ext uri="{FF2B5EF4-FFF2-40B4-BE49-F238E27FC236}">
+                <a16:creationId xmlns:a16="http://schemas.microsoft.com/office/drawing/2014/main" id="{05862D40-2A3C-487A-8E1F-3DD8DA21CBA9}"/>
+              </a:ext>
+            </a:extLst>
+          </p:cNvPr>
+          <p:cNvSpPr>
+            <a:spLocks noGrp="1"/>
+          </p:cNvSpPr>
+          <p:nvPr>
+            <p:ph type="body" sz="quarter" idx="10"/>
+          </p:nvPr>
+        </p:nvSpPr>
+        <p:spPr>
+          <a:xfrm>
+            <a:off x="3425755" y="4203763"/>
+            <a:ext cx="5340489" cy="1879473"/>
+          </a:xfrm>
+        </p:spPr>
+        <p:txBody>
+          <a:bodyPr anchor="ctr"/>
+          <a:lstStyle>
+            <a:lvl1pPr>
+              <a:defRPr b="1">
+                <a:solidFill>
+                  <a:schemeClr val="bg1"/>
+                </a:solidFill>
+                <a:effectLst>
+                  <a:outerShdw blurRad="38100" dist="38100" dir="2700000" algn="tl">
+                    <a:srgbClr val="000000">
+                      <a:alpha val="43137"/>
+                    </a:srgbClr>
+                  </a:outerShdw>
+                </a:effectLst>
+              </a:defRPr>
+            </a:lvl1pPr>
+            <a:lvl2pPr marL="457200" indent="0">
+              <a:buNone/>
+              <a:defRPr/>
+            </a:lvl2pPr>
+          </a:lstStyle>
+          <a:p>
+            <a:pPr lvl="0"/>
+            <a:r>
+              <a:rPr lang="ko-KR" altLang="en-US" dirty="0"/>
+              <a:t>마스터 텍스트 스타일 편집</a:t>
+            </a:r>
+            <a:endParaRPr lang="en-US" altLang="ko-KR" dirty="0"/>
+          </a:p>
+          <a:p>
+            <a:pPr lvl="0"/>
+            <a:endParaRPr lang="ko-KR" altLang="en-US" dirty="0"/>
+          </a:p>
+        </p:txBody>
+      </p:sp>
+    </p:spTree>
+    <p:extLst>
+      <p:ext uri="{BB962C8B-B14F-4D97-AF65-F5344CB8AC3E}">
+        <p14:creationId xmlns:p14="http://schemas.microsoft.com/office/powerpoint/2010/main" val="3025528230"/>
+      </p:ext>
+    </p:extLst>
+  </p:cSld>
+  <p:clrMapOvr>
+    <a:masterClrMapping/>
+  </p:clrMapOvr>
+  <mc:AlternateContent xmlns:mc="http://schemas.openxmlformats.org/markup-compatibility/2006" xmlns:p14="http://schemas.microsoft.com/office/powerpoint/2010/main">
+    <mc:Choice Requires="p14">
+      <p:transition spd="slow" p14:dur="1250" advClick="0">
+        <p14:gallery dir="l"/>
+      </p:transition>
+    </mc:Choice>
+    <mc:Fallback xmlns:p159="http://schemas.microsoft.com/office/powerpoint/2015/09/main" xmlns:p15="http://schemas.microsoft.com/office/powerpoint/2012/main" xmlns:a14="http://schemas.microsoft.com/office/drawing/2010/main" xmlns:wp="http://schemas.openxmlformats.org/drawingml/2006/wordprocessingDrawing" xmlns:w="http://schemas.openxmlformats.org/wordprocessingml/2006/main" xmlns:m="http://schemas.openxmlformats.org/officeDocument/2006/math" xmlns="">
+      <p:transition spd="slow" advClick="0">
+        <p:fade/>
+      </p:transition>
+    </mc:Fallback>
+  </mc:AlternateContent>
+</p:sldLayout>
+</file>
+
+<file path=ppt/slideLayouts/slideLayout3.xml><?xml version="1.0" encoding="utf-8"?>
 <p:sldLayout xmlns:a="http://schemas.openxmlformats.org/drawingml/2006/main" xmlns:r="http://schemas.openxmlformats.org/officeDocument/2006/relationships" xmlns:p="http://schemas.openxmlformats.org/presentationml/2006/main" type="obj" preserve="1">
   <p:cSld name="标题和内容">
     <p:spTree>
@@ -1595,7 +2126,7 @@
         <p14:gallery dir="l"/>
       </p:transition>
     </mc:Choice>
-    <mc:Fallback xmlns="" xmlns:m="http://schemas.openxmlformats.org/officeDocument/2006/math" xmlns:w="http://schemas.openxmlformats.org/wordprocessingml/2006/main" xmlns:wp="http://schemas.openxmlformats.org/drawingml/2006/wordprocessingDrawing" xmlns:a14="http://schemas.microsoft.com/office/drawing/2010/main" xmlns:p15="http://schemas.microsoft.com/office/powerpoint/2012/main" xmlns:p159="http://schemas.microsoft.com/office/powerpoint/2015/09/main">
+    <mc:Fallback xmlns:p159="http://schemas.microsoft.com/office/powerpoint/2015/09/main" xmlns:p15="http://schemas.microsoft.com/office/powerpoint/2012/main" xmlns:a14="http://schemas.microsoft.com/office/drawing/2010/main" xmlns:wp="http://schemas.openxmlformats.org/drawingml/2006/wordprocessingDrawing" xmlns:w="http://schemas.openxmlformats.org/wordprocessingml/2006/main" xmlns:m="http://schemas.openxmlformats.org/officeDocument/2006/math" xmlns="">
       <p:transition spd="slow" advClick="0">
         <p:fade/>
       </p:transition>
@@ -1604,7 +2135,7 @@
 </p:sldLayout>
 </file>
 
-<file path=ppt/slideLayouts/slideLayout3.xml><?xml version="1.0" encoding="utf-8"?>
+<file path=ppt/slideLayouts/slideLayout4.xml><?xml version="1.0" encoding="utf-8"?>
 <p:sldLayout xmlns:a="http://schemas.openxmlformats.org/drawingml/2006/main" xmlns:r="http://schemas.openxmlformats.org/officeDocument/2006/relationships" xmlns:p="http://schemas.openxmlformats.org/presentationml/2006/main" type="secHead" preserve="1">
   <p:cSld name="节标题">
     <p:spTree>
@@ -1863,7 +2394,7 @@
         <p14:gallery dir="l"/>
       </p:transition>
     </mc:Choice>
-    <mc:Fallback xmlns="" xmlns:m="http://schemas.openxmlformats.org/officeDocument/2006/math" xmlns:w="http://schemas.openxmlformats.org/wordprocessingml/2006/main" xmlns:wp="http://schemas.openxmlformats.org/drawingml/2006/wordprocessingDrawing" xmlns:a14="http://schemas.microsoft.com/office/drawing/2010/main" xmlns:p15="http://schemas.microsoft.com/office/powerpoint/2012/main" xmlns:p159="http://schemas.microsoft.com/office/powerpoint/2015/09/main">
+    <mc:Fallback xmlns:p159="http://schemas.microsoft.com/office/powerpoint/2015/09/main" xmlns:p15="http://schemas.microsoft.com/office/powerpoint/2012/main" xmlns:a14="http://schemas.microsoft.com/office/drawing/2010/main" xmlns:wp="http://schemas.openxmlformats.org/drawingml/2006/wordprocessingDrawing" xmlns:w="http://schemas.openxmlformats.org/wordprocessingml/2006/main" xmlns:m="http://schemas.openxmlformats.org/officeDocument/2006/math" xmlns="">
       <p:transition spd="slow" advClick="0">
         <p:fade/>
       </p:transition>
@@ -1872,7 +2403,7 @@
 </p:sldLayout>
 </file>
 
-<file path=ppt/slideLayouts/slideLayout4.xml><?xml version="1.0" encoding="utf-8"?>
+<file path=ppt/slideLayouts/slideLayout5.xml><?xml version="1.0" encoding="utf-8"?>
 <p:sldLayout xmlns:a="http://schemas.openxmlformats.org/drawingml/2006/main" xmlns:r="http://schemas.openxmlformats.org/officeDocument/2006/relationships" xmlns:p="http://schemas.openxmlformats.org/presentationml/2006/main" type="twoObj" preserve="1">
   <p:cSld name="两栏内容">
     <p:spTree>
@@ -2153,7 +2684,7 @@
         <p14:gallery dir="l"/>
       </p:transition>
     </mc:Choice>
-    <mc:Fallback xmlns="" xmlns:m="http://schemas.openxmlformats.org/officeDocument/2006/math" xmlns:w="http://schemas.openxmlformats.org/wordprocessingml/2006/main" xmlns:wp="http://schemas.openxmlformats.org/drawingml/2006/wordprocessingDrawing" xmlns:a14="http://schemas.microsoft.com/office/drawing/2010/main" xmlns:p15="http://schemas.microsoft.com/office/powerpoint/2012/main" xmlns:p159="http://schemas.microsoft.com/office/powerpoint/2015/09/main">
+    <mc:Fallback xmlns:p159="http://schemas.microsoft.com/office/powerpoint/2015/09/main" xmlns:p15="http://schemas.microsoft.com/office/powerpoint/2012/main" xmlns:a14="http://schemas.microsoft.com/office/drawing/2010/main" xmlns:wp="http://schemas.openxmlformats.org/drawingml/2006/wordprocessingDrawing" xmlns:w="http://schemas.openxmlformats.org/wordprocessingml/2006/main" xmlns:m="http://schemas.openxmlformats.org/officeDocument/2006/math" xmlns="">
       <p:transition spd="slow" advClick="0">
         <p:fade/>
       </p:transition>
@@ -2162,7 +2693,7 @@
 </p:sldLayout>
 </file>
 
-<file path=ppt/slideLayouts/slideLayout5.xml><?xml version="1.0" encoding="utf-8"?>
+<file path=ppt/slideLayouts/slideLayout6.xml><?xml version="1.0" encoding="utf-8"?>
 <p:sldLayout xmlns:a="http://schemas.openxmlformats.org/drawingml/2006/main" xmlns:r="http://schemas.openxmlformats.org/officeDocument/2006/relationships" xmlns:p="http://schemas.openxmlformats.org/presentationml/2006/main" type="twoTxTwoObj" preserve="1">
   <p:cSld name="比较">
     <p:spTree>
@@ -2590,7 +3121,7 @@
         <p14:gallery dir="l"/>
       </p:transition>
     </mc:Choice>
-    <mc:Fallback xmlns="" xmlns:m="http://schemas.openxmlformats.org/officeDocument/2006/math" xmlns:w="http://schemas.openxmlformats.org/wordprocessingml/2006/main" xmlns:wp="http://schemas.openxmlformats.org/drawingml/2006/wordprocessingDrawing" xmlns:a14="http://schemas.microsoft.com/office/drawing/2010/main" xmlns:p15="http://schemas.microsoft.com/office/powerpoint/2012/main" xmlns:p159="http://schemas.microsoft.com/office/powerpoint/2015/09/main">
+    <mc:Fallback xmlns:p159="http://schemas.microsoft.com/office/powerpoint/2015/09/main" xmlns:p15="http://schemas.microsoft.com/office/powerpoint/2012/main" xmlns:a14="http://schemas.microsoft.com/office/drawing/2010/main" xmlns:wp="http://schemas.openxmlformats.org/drawingml/2006/wordprocessingDrawing" xmlns:w="http://schemas.openxmlformats.org/wordprocessingml/2006/main" xmlns:m="http://schemas.openxmlformats.org/officeDocument/2006/math" xmlns="">
       <p:transition spd="slow" advClick="0">
         <p:fade/>
       </p:transition>
@@ -2599,7 +3130,7 @@
 </p:sldLayout>
 </file>
 
-<file path=ppt/slideLayouts/slideLayout6.xml><?xml version="1.0" encoding="utf-8"?>
+<file path=ppt/slideLayouts/slideLayout7.xml><?xml version="1.0" encoding="utf-8"?>
 <p:sldLayout xmlns:a="http://schemas.openxmlformats.org/drawingml/2006/main" xmlns:r="http://schemas.openxmlformats.org/officeDocument/2006/relationships" xmlns:p="http://schemas.openxmlformats.org/presentationml/2006/main" type="titleOnly" preserve="1">
   <p:cSld name="仅标题">
     <p:spTree>
@@ -2724,7 +3255,7 @@
         <p14:gallery dir="l"/>
       </p:transition>
     </mc:Choice>
-    <mc:Fallback xmlns="" xmlns:m="http://schemas.openxmlformats.org/officeDocument/2006/math" xmlns:w="http://schemas.openxmlformats.org/wordprocessingml/2006/main" xmlns:wp="http://schemas.openxmlformats.org/drawingml/2006/wordprocessingDrawing" xmlns:a14="http://schemas.microsoft.com/office/drawing/2010/main" xmlns:p15="http://schemas.microsoft.com/office/powerpoint/2012/main" xmlns:p159="http://schemas.microsoft.com/office/powerpoint/2015/09/main">
+    <mc:Fallback xmlns:p159="http://schemas.microsoft.com/office/powerpoint/2015/09/main" xmlns:p15="http://schemas.microsoft.com/office/powerpoint/2012/main" xmlns:a14="http://schemas.microsoft.com/office/drawing/2010/main" xmlns:wp="http://schemas.openxmlformats.org/drawingml/2006/wordprocessingDrawing" xmlns:w="http://schemas.openxmlformats.org/wordprocessingml/2006/main" xmlns:m="http://schemas.openxmlformats.org/officeDocument/2006/math" xmlns="">
       <p:transition spd="slow" advClick="0">
         <p:fade/>
       </p:transition>
@@ -2733,7 +3264,7 @@
 </p:sldLayout>
 </file>
 
-<file path=ppt/slideLayouts/slideLayout7.xml><?xml version="1.0" encoding="utf-8"?>
+<file path=ppt/slideLayouts/slideLayout8.xml><?xml version="1.0" encoding="utf-8"?>
 <p:sldLayout xmlns:a="http://schemas.openxmlformats.org/drawingml/2006/main" xmlns:r="http://schemas.openxmlformats.org/officeDocument/2006/relationships" xmlns:p="http://schemas.openxmlformats.org/presentationml/2006/main" type="blank" preserve="1">
   <p:cSld name="空白">
     <p:spTree>
@@ -2831,7 +3362,7 @@
         <p14:gallery dir="l"/>
       </p:transition>
     </mc:Choice>
-    <mc:Fallback xmlns="" xmlns:m="http://schemas.openxmlformats.org/officeDocument/2006/math" xmlns:w="http://schemas.openxmlformats.org/wordprocessingml/2006/main" xmlns:wp="http://schemas.openxmlformats.org/drawingml/2006/wordprocessingDrawing" xmlns:a14="http://schemas.microsoft.com/office/drawing/2010/main" xmlns:p15="http://schemas.microsoft.com/office/powerpoint/2012/main" xmlns:p159="http://schemas.microsoft.com/office/powerpoint/2015/09/main">
+    <mc:Fallback xmlns:p159="http://schemas.microsoft.com/office/powerpoint/2015/09/main" xmlns:p15="http://schemas.microsoft.com/office/powerpoint/2012/main" xmlns:a14="http://schemas.microsoft.com/office/drawing/2010/main" xmlns:wp="http://schemas.openxmlformats.org/drawingml/2006/wordprocessingDrawing" xmlns:w="http://schemas.openxmlformats.org/wordprocessingml/2006/main" xmlns:m="http://schemas.openxmlformats.org/officeDocument/2006/math" xmlns="">
       <p:transition spd="slow" advClick="0">
         <p:fade/>
       </p:transition>
@@ -2840,7 +3371,7 @@
 </p:sldLayout>
 </file>
 
-<file path=ppt/slideLayouts/slideLayout8.xml><?xml version="1.0" encoding="utf-8"?>
+<file path=ppt/slideLayouts/slideLayout9.xml><?xml version="1.0" encoding="utf-8"?>
 <p:sldLayout xmlns:a="http://schemas.openxmlformats.org/drawingml/2006/main" xmlns:r="http://schemas.openxmlformats.org/officeDocument/2006/relationships" xmlns:p="http://schemas.openxmlformats.org/presentationml/2006/main" type="objTx" preserve="1">
   <p:cSld name="内容与标题">
     <p:spTree>
@@ -3151,286 +3682,7 @@
         <p14:gallery dir="l"/>
       </p:transition>
     </mc:Choice>
-    <mc:Fallback xmlns="" xmlns:m="http://schemas.openxmlformats.org/officeDocument/2006/math" xmlns:w="http://schemas.openxmlformats.org/wordprocessingml/2006/main" xmlns:wp="http://schemas.openxmlformats.org/drawingml/2006/wordprocessingDrawing" xmlns:a14="http://schemas.microsoft.com/office/drawing/2010/main" xmlns:p15="http://schemas.microsoft.com/office/powerpoint/2012/main" xmlns:p159="http://schemas.microsoft.com/office/powerpoint/2015/09/main">
-      <p:transition spd="slow" advClick="0">
-        <p:fade/>
-      </p:transition>
-    </mc:Fallback>
-  </mc:AlternateContent>
-</p:sldLayout>
-</file>
-
-<file path=ppt/slideLayouts/slideLayout9.xml><?xml version="1.0" encoding="utf-8"?>
-<p:sldLayout xmlns:a="http://schemas.openxmlformats.org/drawingml/2006/main" xmlns:r="http://schemas.openxmlformats.org/officeDocument/2006/relationships" xmlns:p="http://schemas.openxmlformats.org/presentationml/2006/main" type="picTx" preserve="1">
-  <p:cSld name="图片与标题">
-    <p:spTree>
-      <p:nvGrpSpPr>
-        <p:cNvPr id="1" name=""/>
-        <p:cNvGrpSpPr/>
-        <p:nvPr/>
-      </p:nvGrpSpPr>
-      <p:grpSpPr>
-        <a:xfrm>
-          <a:off x="0" y="0"/>
-          <a:ext cx="0" cy="0"/>
-          <a:chOff x="0" y="0"/>
-          <a:chExt cx="0" cy="0"/>
-        </a:xfrm>
-      </p:grpSpPr>
-      <p:sp>
-        <p:nvSpPr>
-          <p:cNvPr id="2" name="标题 1"/>
-          <p:cNvSpPr>
-            <a:spLocks noGrp="1"/>
-          </p:cNvSpPr>
-          <p:nvPr>
-            <p:ph type="title"/>
-          </p:nvPr>
-        </p:nvSpPr>
-        <p:spPr>
-          <a:xfrm>
-            <a:off x="839788" y="457200"/>
-            <a:ext cx="3932237" cy="1600200"/>
-          </a:xfrm>
-        </p:spPr>
-        <p:txBody>
-          <a:bodyPr anchor="t">
-            <a:normAutofit/>
-          </a:bodyPr>
-          <a:lstStyle>
-            <a:lvl1pPr>
-              <a:defRPr sz="3200"/>
-            </a:lvl1pPr>
-          </a:lstStyle>
-          <a:p>
-            <a:r>
-              <a:rPr lang="ko-KR" altLang="en-US" sz="2500">
-                <a:latin typeface="NanumGothic"/>
-              </a:rPr>
-              <a:t>마스터 제목 스타일 편집</a:t>
-            </a:r>
-            <a:endParaRPr lang="zh-CN" altLang="en-US"/>
-          </a:p>
-        </p:txBody>
-      </p:sp>
-      <p:sp>
-        <p:nvSpPr>
-          <p:cNvPr id="3" name="图片占位符 2"/>
-          <p:cNvSpPr>
-            <a:spLocks noGrp="1"/>
-          </p:cNvSpPr>
-          <p:nvPr>
-            <p:ph type="pic" idx="1"/>
-          </p:nvPr>
-        </p:nvSpPr>
-        <p:spPr>
-          <a:xfrm>
-            <a:off x="5183188" y="987425"/>
-            <a:ext cx="6172200" cy="4873625"/>
-          </a:xfrm>
-        </p:spPr>
-        <p:txBody>
-          <a:bodyPr/>
-          <a:lstStyle>
-            <a:lvl1pPr marL="0" indent="0">
-              <a:buNone/>
-              <a:defRPr sz="3200"/>
-            </a:lvl1pPr>
-            <a:lvl2pPr marL="457200" indent="0">
-              <a:buNone/>
-              <a:defRPr sz="2800"/>
-            </a:lvl2pPr>
-            <a:lvl3pPr marL="914400" indent="0">
-              <a:buNone/>
-              <a:defRPr sz="2400"/>
-            </a:lvl3pPr>
-            <a:lvl4pPr marL="1371600" indent="0">
-              <a:buNone/>
-              <a:defRPr sz="2000"/>
-            </a:lvl4pPr>
-            <a:lvl5pPr marL="1828800" indent="0">
-              <a:buNone/>
-              <a:defRPr sz="2000"/>
-            </a:lvl5pPr>
-            <a:lvl6pPr marL="2286000" indent="0">
-              <a:buNone/>
-              <a:defRPr sz="2000"/>
-            </a:lvl6pPr>
-            <a:lvl7pPr marL="2743200" indent="0">
-              <a:buNone/>
-              <a:defRPr sz="2000"/>
-            </a:lvl7pPr>
-            <a:lvl8pPr marL="3200400" indent="0">
-              <a:buNone/>
-              <a:defRPr sz="2000"/>
-            </a:lvl8pPr>
-            <a:lvl9pPr marL="3657600" indent="0">
-              <a:buNone/>
-              <a:defRPr sz="2000"/>
-            </a:lvl9pPr>
-          </a:lstStyle>
-          <a:p>
-            <a:r>
-              <a:rPr lang="ko-KR" altLang="en-US"/>
-              <a:t>그림을 추가하려면 아이콘을 클릭하십시오</a:t>
-            </a:r>
-            <a:endParaRPr lang="zh-CN" altLang="en-US"/>
-          </a:p>
-        </p:txBody>
-      </p:sp>
-      <p:sp>
-        <p:nvSpPr>
-          <p:cNvPr id="4" name="文本占位符 3"/>
-          <p:cNvSpPr>
-            <a:spLocks noGrp="1"/>
-          </p:cNvSpPr>
-          <p:nvPr>
-            <p:ph type="body" sz="half" idx="2" hasCustomPrompt="1"/>
-          </p:nvPr>
-        </p:nvSpPr>
-        <p:spPr>
-          <a:xfrm>
-            <a:off x="839788" y="2057400"/>
-            <a:ext cx="3932237" cy="3811588"/>
-          </a:xfrm>
-        </p:spPr>
-        <p:txBody>
-          <a:bodyPr>
-            <a:normAutofit/>
-          </a:bodyPr>
-          <a:lstStyle>
-            <a:lvl1pPr marL="0" indent="0">
-              <a:buNone/>
-              <a:defRPr sz="1600"/>
-            </a:lvl1pPr>
-            <a:lvl2pPr marL="457200" indent="0">
-              <a:buNone/>
-              <a:defRPr sz="1400"/>
-            </a:lvl2pPr>
-            <a:lvl3pPr marL="914400" indent="0">
-              <a:buNone/>
-              <a:defRPr sz="1200"/>
-            </a:lvl3pPr>
-            <a:lvl4pPr marL="1371600" indent="0">
-              <a:buNone/>
-              <a:defRPr sz="1000"/>
-            </a:lvl4pPr>
-            <a:lvl5pPr marL="1828800" indent="0">
-              <a:buNone/>
-              <a:defRPr sz="1000"/>
-            </a:lvl5pPr>
-            <a:lvl6pPr marL="2286000" indent="0">
-              <a:buNone/>
-              <a:defRPr sz="1000"/>
-            </a:lvl6pPr>
-            <a:lvl7pPr marL="2743200" indent="0">
-              <a:buNone/>
-              <a:defRPr sz="1000"/>
-            </a:lvl7pPr>
-            <a:lvl8pPr marL="3200400" indent="0">
-              <a:buNone/>
-              <a:defRPr sz="1000"/>
-            </a:lvl8pPr>
-            <a:lvl9pPr marL="3657600" indent="0">
-              <a:buNone/>
-              <a:defRPr sz="1000"/>
-            </a:lvl9pPr>
-          </a:lstStyle>
-          <a:p>
-            <a:pPr lvl="0"/>
-            <a:r>
-              <a:rPr lang="ko-KO" altLang="ko-KO" sz="1100">
-                <a:latin typeface="NanumGothic"/>
-                <a:ea typeface="NanumGothic"/>
-              </a:rPr>
-              <a:t>마스터 텍스트 스타일 편집</a:t>
-            </a:r>
-            <a:endParaRPr lang="zh-CN" altLang="en-US"/>
-          </a:p>
-        </p:txBody>
-      </p:sp>
-      <p:sp>
-        <p:nvSpPr>
-          <p:cNvPr id="5" name="日期占位符 4"/>
-          <p:cNvSpPr>
-            <a:spLocks noGrp="1"/>
-          </p:cNvSpPr>
-          <p:nvPr>
-            <p:ph type="dt" sz="half" idx="10"/>
-          </p:nvPr>
-        </p:nvSpPr>
-        <p:spPr/>
-        <p:txBody>
-          <a:bodyPr/>
-          <a:lstStyle/>
-          <a:p>
-            <a:fld id="{2E2EFF59-9DE3-4C3C-B8BB-39DE230C4F04}" type="datetimeFigureOut">
-              <a:rPr lang="ko-KR" altLang="en-US" smtClean="0"/>
-              <a:t>2024-02-20</a:t>
-            </a:fld>
-            <a:endParaRPr lang="ko-KR" altLang="en-US"/>
-          </a:p>
-        </p:txBody>
-      </p:sp>
-      <p:sp>
-        <p:nvSpPr>
-          <p:cNvPr id="6" name="页脚占位符 5"/>
-          <p:cNvSpPr>
-            <a:spLocks noGrp="1"/>
-          </p:cNvSpPr>
-          <p:nvPr>
-            <p:ph type="ftr" sz="quarter" idx="11"/>
-          </p:nvPr>
-        </p:nvSpPr>
-        <p:spPr/>
-        <p:txBody>
-          <a:bodyPr/>
-          <a:lstStyle/>
-          <a:p>
-            <a:endParaRPr lang="ko-KR" altLang="en-US"/>
-          </a:p>
-        </p:txBody>
-      </p:sp>
-      <p:sp>
-        <p:nvSpPr>
-          <p:cNvPr id="7" name="灯片编号占位符 6"/>
-          <p:cNvSpPr>
-            <a:spLocks noGrp="1"/>
-          </p:cNvSpPr>
-          <p:nvPr>
-            <p:ph type="sldNum" sz="quarter" idx="12"/>
-          </p:nvPr>
-        </p:nvSpPr>
-        <p:spPr/>
-        <p:txBody>
-          <a:bodyPr/>
-          <a:lstStyle/>
-          <a:p>
-            <a:fld id="{957431D7-CBEB-4A99-BE57-3A2CE7B47B94}" type="slidenum">
-              <a:rPr lang="ko-KR" altLang="en-US" smtClean="0"/>
-              <a:t>‹#›</a:t>
-            </a:fld>
-            <a:endParaRPr lang="ko-KR" altLang="en-US"/>
-          </a:p>
-        </p:txBody>
-      </p:sp>
-    </p:spTree>
-    <p:extLst>
-      <p:ext uri="{BB962C8B-B14F-4D97-AF65-F5344CB8AC3E}">
-        <p14:creationId xmlns:p14="http://schemas.microsoft.com/office/powerpoint/2010/main" val="4285094685"/>
-      </p:ext>
-    </p:extLst>
-  </p:cSld>
-  <p:clrMapOvr>
-    <a:masterClrMapping/>
-  </p:clrMapOvr>
-  <mc:AlternateContent xmlns:mc="http://schemas.openxmlformats.org/markup-compatibility/2006" xmlns:p14="http://schemas.microsoft.com/office/powerpoint/2010/main">
-    <mc:Choice Requires="p14">
-      <p:transition spd="slow" p14:dur="1250" advClick="0">
-        <p14:gallery dir="l"/>
-      </p:transition>
-    </mc:Choice>
-    <mc:Fallback xmlns="" xmlns:m="http://schemas.openxmlformats.org/officeDocument/2006/math" xmlns:w="http://schemas.openxmlformats.org/wordprocessingml/2006/main" xmlns:wp="http://schemas.openxmlformats.org/drawingml/2006/wordprocessingDrawing" xmlns:a14="http://schemas.microsoft.com/office/drawing/2010/main" xmlns:p15="http://schemas.microsoft.com/office/powerpoint/2012/main" xmlns:p159="http://schemas.microsoft.com/office/powerpoint/2015/09/main">
+    <mc:Fallback xmlns:p159="http://schemas.microsoft.com/office/powerpoint/2015/09/main" xmlns:p15="http://schemas.microsoft.com/office/powerpoint/2012/main" xmlns:a14="http://schemas.microsoft.com/office/drawing/2010/main" xmlns:wp="http://schemas.openxmlformats.org/drawingml/2006/wordprocessingDrawing" xmlns:w="http://schemas.openxmlformats.org/wordprocessingml/2006/main" xmlns:m="http://schemas.openxmlformats.org/officeDocument/2006/math" xmlns="">
       <p:transition spd="slow" advClick="0">
         <p:fade/>
       </p:transition>
@@ -3713,16 +3965,17 @@
   <p:clrMap bg1="lt1" tx1="dk1" bg2="lt2" tx2="dk2" accent1="accent1" accent2="accent2" accent3="accent3" accent4="accent4" accent5="accent5" accent6="accent6" hlink="hlink" folHlink="folHlink"/>
   <p:sldLayoutIdLst>
     <p:sldLayoutId id="2147483661" r:id="rId1"/>
-    <p:sldLayoutId id="2147483662" r:id="rId2"/>
-    <p:sldLayoutId id="2147483663" r:id="rId3"/>
-    <p:sldLayoutId id="2147483664" r:id="rId4"/>
-    <p:sldLayoutId id="2147483665" r:id="rId5"/>
-    <p:sldLayoutId id="2147483666" r:id="rId6"/>
-    <p:sldLayoutId id="2147483667" r:id="rId7"/>
-    <p:sldLayoutId id="2147483668" r:id="rId8"/>
-    <p:sldLayoutId id="2147483669" r:id="rId9"/>
-    <p:sldLayoutId id="2147483670" r:id="rId10"/>
-    <p:sldLayoutId id="2147483671" r:id="rId11"/>
+    <p:sldLayoutId id="2147483672" r:id="rId2"/>
+    <p:sldLayoutId id="2147483662" r:id="rId3"/>
+    <p:sldLayoutId id="2147483663" r:id="rId4"/>
+    <p:sldLayoutId id="2147483664" r:id="rId5"/>
+    <p:sldLayoutId id="2147483665" r:id="rId6"/>
+    <p:sldLayoutId id="2147483666" r:id="rId7"/>
+    <p:sldLayoutId id="2147483667" r:id="rId8"/>
+    <p:sldLayoutId id="2147483668" r:id="rId9"/>
+    <p:sldLayoutId id="2147483669" r:id="rId10"/>
+    <p:sldLayoutId id="2147483670" r:id="rId11"/>
+    <p:sldLayoutId id="2147483671" r:id="rId12"/>
   </p:sldLayoutIdLst>
   <mc:AlternateContent xmlns:mc="http://schemas.openxmlformats.org/markup-compatibility/2006" xmlns:p14="http://schemas.microsoft.com/office/powerpoint/2010/main">
     <mc:Choice Requires="p14">
@@ -3730,7 +3983,7 @@
         <p14:gallery dir="l"/>
       </p:transition>
     </mc:Choice>
-    <mc:Fallback xmlns="" xmlns:m="http://schemas.openxmlformats.org/officeDocument/2006/math" xmlns:w="http://schemas.openxmlformats.org/wordprocessingml/2006/main" xmlns:wp="http://schemas.openxmlformats.org/drawingml/2006/wordprocessingDrawing" xmlns:a14="http://schemas.microsoft.com/office/drawing/2010/main" xmlns:p15="http://schemas.microsoft.com/office/powerpoint/2012/main" xmlns:p159="http://schemas.microsoft.com/office/powerpoint/2015/09/main">
+    <mc:Fallback xmlns:p159="http://schemas.microsoft.com/office/powerpoint/2015/09/main" xmlns:p15="http://schemas.microsoft.com/office/powerpoint/2012/main" xmlns:a14="http://schemas.microsoft.com/office/drawing/2010/main" xmlns:wp="http://schemas.openxmlformats.org/drawingml/2006/wordprocessingDrawing" xmlns:w="http://schemas.openxmlformats.org/wordprocessingml/2006/main" xmlns:m="http://schemas.openxmlformats.org/officeDocument/2006/math" xmlns="">
       <p:transition spd="slow" advClick="0">
         <p:fade/>
       </p:transition>
@@ -4072,15 +4325,7 @@
             </a:r>
             <a:r>
               <a:rPr lang="ko-KR" altLang="en-US" sz="4800" dirty="0"/>
-              <a:t>끗 </a:t>
-            </a:r>
-            <a:r>
-              <a:rPr lang="ko-KR" altLang="en-US" sz="4800" dirty="0" err="1"/>
-              <a:t>켐페인</a:t>
-            </a:r>
-            <a:r>
-              <a:rPr lang="ko-KR" altLang="en-US" sz="4800" dirty="0"/>
-              <a:t> </a:t>
+              <a:t>끗 캠페인 </a:t>
             </a:r>
             <a:r>
               <a:rPr lang="en-US" altLang="ko-KR" sz="4800" dirty="0">
@@ -4108,8 +4353,8 @@
         </p:nvSpPr>
         <p:spPr>
           <a:xfrm>
-            <a:off x="4609054" y="1517684"/>
-            <a:ext cx="2973891" cy="369332"/>
+            <a:off x="4490432" y="1517684"/>
+            <a:ext cx="3211135" cy="369332"/>
           </a:xfrm>
           <a:prstGeom prst="rect">
             <a:avLst/>
@@ -4135,37 +4380,7 @@
                   </a:outerShdw>
                 </a:effectLst>
               </a:rPr>
-              <a:t>환경 </a:t>
-            </a:r>
-            <a:r>
-              <a:rPr lang="ko-KR" altLang="en-US" b="1" dirty="0" err="1">
-                <a:solidFill>
-                  <a:schemeClr val="bg1"/>
-                </a:solidFill>
-                <a:effectLst>
-                  <a:outerShdw blurRad="38100" dist="38100" dir="2700000" algn="tl">
-                    <a:srgbClr val="000000">
-                      <a:alpha val="43137"/>
-                    </a:srgbClr>
-                  </a:outerShdw>
-                </a:effectLst>
-              </a:rPr>
-              <a:t>켐페인</a:t>
-            </a:r>
-            <a:r>
-              <a:rPr lang="ko-KR" altLang="en-US" b="1" dirty="0">
-                <a:solidFill>
-                  <a:schemeClr val="bg1"/>
-                </a:solidFill>
-                <a:effectLst>
-                  <a:outerShdw blurRad="38100" dist="38100" dir="2700000" algn="tl">
-                    <a:srgbClr val="000000">
-                      <a:alpha val="43137"/>
-                    </a:srgbClr>
-                  </a:outerShdw>
-                </a:effectLst>
-              </a:rPr>
-              <a:t> 소셜 웹 서비스</a:t>
+              <a:t>환경 캠페인 게시판 웹 서비스</a:t>
             </a:r>
           </a:p>
         </p:txBody>
@@ -4186,7 +4401,1831 @@
         <p14:gallery dir="l"/>
       </p:transition>
     </mc:Choice>
-    <mc:Fallback xmlns="" xmlns:m="http://schemas.openxmlformats.org/officeDocument/2006/math" xmlns:w="http://schemas.openxmlformats.org/wordprocessingml/2006/main" xmlns:wp="http://schemas.openxmlformats.org/drawingml/2006/wordprocessingDrawing" xmlns:a14="http://schemas.microsoft.com/office/drawing/2010/main" xmlns:p15="http://schemas.microsoft.com/office/powerpoint/2012/main" xmlns:p159="http://schemas.microsoft.com/office/powerpoint/2015/09/main">
+    <mc:Fallback xmlns:p159="http://schemas.microsoft.com/office/powerpoint/2015/09/main" xmlns:p15="http://schemas.microsoft.com/office/powerpoint/2012/main" xmlns:a14="http://schemas.microsoft.com/office/drawing/2010/main" xmlns:wp="http://schemas.openxmlformats.org/drawingml/2006/wordprocessingDrawing" xmlns:w="http://schemas.openxmlformats.org/wordprocessingml/2006/main" xmlns:m="http://schemas.openxmlformats.org/officeDocument/2006/math" xmlns="">
+      <p:transition spd="slow" advClick="0">
+        <p:fade/>
+      </p:transition>
+    </mc:Fallback>
+  </mc:AlternateContent>
+</p:sld>
+</file>
+
+<file path=ppt/slides/slide2.xml><?xml version="1.0" encoding="utf-8"?>
+<p:sld xmlns:a="http://schemas.openxmlformats.org/drawingml/2006/main" xmlns:r="http://schemas.openxmlformats.org/officeDocument/2006/relationships" xmlns:p="http://schemas.openxmlformats.org/presentationml/2006/main">
+  <p:cSld>
+    <p:spTree>
+      <p:nvGrpSpPr>
+        <p:cNvPr id="1" name=""/>
+        <p:cNvGrpSpPr/>
+        <p:nvPr/>
+      </p:nvGrpSpPr>
+      <p:grpSpPr>
+        <a:xfrm>
+          <a:off x="0" y="0"/>
+          <a:ext cx="0" cy="0"/>
+          <a:chOff x="0" y="0"/>
+          <a:chExt cx="0" cy="0"/>
+        </a:xfrm>
+      </p:grpSpPr>
+      <p:sp>
+        <p:nvSpPr>
+          <p:cNvPr id="4" name="矩形 10">
+            <a:extLst>
+              <a:ext uri="{FF2B5EF4-FFF2-40B4-BE49-F238E27FC236}">
+                <a16:creationId xmlns:a16="http://schemas.microsoft.com/office/drawing/2014/main" id="{08B61D06-E468-4982-909F-E20F8652F708}"/>
+              </a:ext>
+            </a:extLst>
+          </p:cNvPr>
+          <p:cNvSpPr/>
+          <p:nvPr/>
+        </p:nvSpPr>
+        <p:spPr>
+          <a:xfrm>
+            <a:off x="0" y="0"/>
+            <a:ext cx="12192000" cy="3355731"/>
+          </a:xfrm>
+          <a:prstGeom prst="rect">
+            <a:avLst/>
+          </a:prstGeom>
+          <a:solidFill>
+            <a:srgbClr val="7EC3A2"/>
+          </a:solidFill>
+          <a:ln>
+            <a:noFill/>
+          </a:ln>
+        </p:spPr>
+        <p:style>
+          <a:lnRef idx="2">
+            <a:schemeClr val="accent1">
+              <a:shade val="50000"/>
+            </a:schemeClr>
+          </a:lnRef>
+          <a:fillRef idx="1">
+            <a:schemeClr val="accent1"/>
+          </a:fillRef>
+          <a:effectRef idx="0">
+            <a:schemeClr val="accent1"/>
+          </a:effectRef>
+          <a:fontRef idx="minor">
+            <a:schemeClr val="lt1"/>
+          </a:fontRef>
+        </p:style>
+        <p:txBody>
+          <a:bodyPr rtlCol="0" anchor="ctr"/>
+          <a:lstStyle/>
+          <a:p>
+            <a:pPr algn="ctr"/>
+            <a:endParaRPr lang="zh-CN" altLang="en-US">
+              <a:latin typeface="Elsie" panose="02000000000000000000" charset="0"/>
+              <a:ea typeface="Elsie" panose="02000000000000000000" charset="0"/>
+              <a:sym typeface="Source Han Sans SC"/>
+            </a:endParaRPr>
+          </a:p>
+        </p:txBody>
+      </p:sp>
+      <p:pic>
+        <p:nvPicPr>
+          <p:cNvPr id="5" name="图片 30">
+            <a:extLst>
+              <a:ext uri="{FF2B5EF4-FFF2-40B4-BE49-F238E27FC236}">
+                <a16:creationId xmlns:a16="http://schemas.microsoft.com/office/drawing/2014/main" id="{E1192C8C-5472-48AA-8002-C77184D4DE97}"/>
+              </a:ext>
+            </a:extLst>
+          </p:cNvPr>
+          <p:cNvPicPr>
+            <a:picLocks noChangeAspect="1"/>
+          </p:cNvPicPr>
+          <p:nvPr/>
+        </p:nvPicPr>
+        <p:blipFill>
+          <a:blip r:embed="rId2">
+            <a:extLst>
+              <a:ext uri="{28A0092B-C50C-407E-A947-70E740481C1C}">
+                <a14:useLocalDpi xmlns:a14="http://schemas.microsoft.com/office/drawing/2010/main" val="0"/>
+              </a:ext>
+            </a:extLst>
+          </a:blip>
+          <a:stretch>
+            <a:fillRect/>
+          </a:stretch>
+        </p:blipFill>
+        <p:spPr>
+          <a:xfrm>
+            <a:off x="2812798" y="764459"/>
+            <a:ext cx="6276576" cy="2601787"/>
+          </a:xfrm>
+          <a:prstGeom prst="rect">
+            <a:avLst/>
+          </a:prstGeom>
+          <a:ln>
+            <a:noFill/>
+          </a:ln>
+        </p:spPr>
+      </p:pic>
+      <p:sp>
+        <p:nvSpPr>
+          <p:cNvPr id="6" name="文本框 14">
+            <a:extLst>
+              <a:ext uri="{FF2B5EF4-FFF2-40B4-BE49-F238E27FC236}">
+                <a16:creationId xmlns:a16="http://schemas.microsoft.com/office/drawing/2014/main" id="{076427A4-7D91-4BF5-AD29-CFC959231ABB}"/>
+              </a:ext>
+            </a:extLst>
+          </p:cNvPr>
+          <p:cNvSpPr txBox="1"/>
+          <p:nvPr/>
+        </p:nvSpPr>
+        <p:spPr>
+          <a:xfrm>
+            <a:off x="254882" y="1354624"/>
+            <a:ext cx="2368802" cy="646481"/>
+          </a:xfrm>
+          <a:prstGeom prst="rect">
+            <a:avLst/>
+          </a:prstGeom>
+          <a:noFill/>
+        </p:spPr>
+        <p:txBody>
+          <a:bodyPr wrap="none" rtlCol="0" anchor="ctr">
+            <a:noAutofit/>
+          </a:bodyPr>
+          <a:lstStyle/>
+          <a:p>
+            <a:pPr algn="ctr"/>
+            <a:r>
+              <a:rPr lang="en-US" altLang="zh-CN" sz="4800" b="1" dirty="0">
+                <a:solidFill>
+                  <a:schemeClr val="bg1"/>
+                </a:solidFill>
+                <a:effectLst>
+                  <a:outerShdw blurRad="38100" dist="38100" dir="2700000" algn="tl">
+                    <a:srgbClr val="000000">
+                      <a:alpha val="43137"/>
+                    </a:srgbClr>
+                  </a:outerShdw>
+                </a:effectLst>
+                <a:latin typeface="Arial Rounded MT Bold" panose="020F0704030504030204" pitchFamily="34" charset="0"/>
+                <a:ea typeface="Elsie" panose="02000000000000000000" charset="0"/>
+                <a:sym typeface="Source Han Sans SC"/>
+              </a:rPr>
+              <a:t>INDEX</a:t>
+            </a:r>
+          </a:p>
+        </p:txBody>
+      </p:sp>
+      <p:sp>
+        <p:nvSpPr>
+          <p:cNvPr id="20" name="직사각형 19">
+            <a:extLst>
+              <a:ext uri="{FF2B5EF4-FFF2-40B4-BE49-F238E27FC236}">
+                <a16:creationId xmlns:a16="http://schemas.microsoft.com/office/drawing/2014/main" id="{A547D037-D45B-4503-8AC5-E585A01371BE}"/>
+              </a:ext>
+            </a:extLst>
+          </p:cNvPr>
+          <p:cNvSpPr/>
+          <p:nvPr/>
+        </p:nvSpPr>
+        <p:spPr>
+          <a:xfrm>
+            <a:off x="359834" y="3833447"/>
+            <a:ext cx="2067400" cy="2548886"/>
+          </a:xfrm>
+          <a:prstGeom prst="rect">
+            <a:avLst/>
+          </a:prstGeom>
+          <a:ln/>
+          <a:effectLst>
+            <a:outerShdw blurRad="50800" dist="38100" dir="2700000" algn="tl" rotWithShape="0">
+              <a:prstClr val="black">
+                <a:alpha val="40000"/>
+              </a:prstClr>
+            </a:outerShdw>
+          </a:effectLst>
+        </p:spPr>
+        <p:style>
+          <a:lnRef idx="2">
+            <a:schemeClr val="accent1"/>
+          </a:lnRef>
+          <a:fillRef idx="1">
+            <a:schemeClr val="lt1"/>
+          </a:fillRef>
+          <a:effectRef idx="0">
+            <a:schemeClr val="accent1"/>
+          </a:effectRef>
+          <a:fontRef idx="minor">
+            <a:schemeClr val="dk1"/>
+          </a:fontRef>
+        </p:style>
+        <p:txBody>
+          <a:bodyPr rtlCol="0" anchor="ctr"/>
+          <a:lstStyle/>
+          <a:p>
+            <a:pPr algn="ctr"/>
+            <a:endParaRPr lang="ko-KR" altLang="en-US"/>
+          </a:p>
+        </p:txBody>
+      </p:sp>
+      <p:grpSp>
+        <p:nvGrpSpPr>
+          <p:cNvPr id="21" name="그룹 20">
+            <a:extLst>
+              <a:ext uri="{FF2B5EF4-FFF2-40B4-BE49-F238E27FC236}">
+                <a16:creationId xmlns:a16="http://schemas.microsoft.com/office/drawing/2014/main" id="{012F9B80-62E9-4A50-9D06-44BAFFD29D98}"/>
+              </a:ext>
+            </a:extLst>
+          </p:cNvPr>
+          <p:cNvGrpSpPr/>
+          <p:nvPr/>
+        </p:nvGrpSpPr>
+        <p:grpSpPr>
+          <a:xfrm>
+            <a:off x="587690" y="4324879"/>
+            <a:ext cx="1671236" cy="1566021"/>
+            <a:chOff x="505872" y="4136566"/>
+            <a:chExt cx="1840916" cy="1725021"/>
+          </a:xfrm>
+        </p:grpSpPr>
+        <p:sp>
+          <p:nvSpPr>
+            <p:cNvPr id="8" name="TextBox 7">
+              <a:extLst>
+                <a:ext uri="{FF2B5EF4-FFF2-40B4-BE49-F238E27FC236}">
+                  <a16:creationId xmlns:a16="http://schemas.microsoft.com/office/drawing/2014/main" id="{1155B493-2144-484E-818B-948FF858FD79}"/>
+                </a:ext>
+              </a:extLst>
+            </p:cNvPr>
+            <p:cNvSpPr txBox="1"/>
+            <p:nvPr/>
+          </p:nvSpPr>
+          <p:spPr>
+            <a:xfrm>
+              <a:off x="1010735" y="4136566"/>
+              <a:ext cx="779381" cy="1323439"/>
+            </a:xfrm>
+            <a:prstGeom prst="rect">
+              <a:avLst/>
+            </a:prstGeom>
+            <a:noFill/>
+          </p:spPr>
+          <p:txBody>
+            <a:bodyPr wrap="none" rtlCol="0">
+              <a:spAutoFit/>
+            </a:bodyPr>
+            <a:lstStyle/>
+            <a:p>
+              <a:r>
+                <a:rPr lang="en-US" altLang="ko-KR" sz="8000" b="1" dirty="0">
+                  <a:solidFill>
+                    <a:schemeClr val="accent1"/>
+                  </a:solidFill>
+                  <a:latin typeface="+mn-ea"/>
+                </a:rPr>
+                <a:t>1</a:t>
+              </a:r>
+              <a:endParaRPr lang="ko-KR" altLang="en-US" sz="8000" b="1" dirty="0">
+                <a:solidFill>
+                  <a:schemeClr val="accent1"/>
+                </a:solidFill>
+                <a:latin typeface="+mn-ea"/>
+              </a:endParaRPr>
+            </a:p>
+          </p:txBody>
+        </p:sp>
+        <p:sp>
+          <p:nvSpPr>
+            <p:cNvPr id="13" name="文本框 31">
+              <a:extLst>
+                <a:ext uri="{FF2B5EF4-FFF2-40B4-BE49-F238E27FC236}">
+                  <a16:creationId xmlns:a16="http://schemas.microsoft.com/office/drawing/2014/main" id="{79233BE2-EDAE-435A-9CAD-8C9B0E89555B}"/>
+                </a:ext>
+              </a:extLst>
+            </p:cNvPr>
+            <p:cNvSpPr txBox="1"/>
+            <p:nvPr/>
+          </p:nvSpPr>
+          <p:spPr>
+            <a:xfrm>
+              <a:off x="505872" y="5495827"/>
+              <a:ext cx="1840916" cy="365760"/>
+            </a:xfrm>
+            <a:prstGeom prst="rect">
+              <a:avLst/>
+            </a:prstGeom>
+            <a:noFill/>
+          </p:spPr>
+          <p:txBody>
+            <a:bodyPr wrap="square" rtlCol="0">
+              <a:normAutofit fontScale="92500" lnSpcReduction="10000"/>
+            </a:bodyPr>
+            <a:lstStyle/>
+            <a:p>
+              <a:pPr marL="0" marR="0" lvl="0" indent="0" algn="dist" defTabSz="914400" rtl="0" eaLnBrk="1" fontAlgn="auto" latinLnBrk="0" hangingPunct="1">
+                <a:lnSpc>
+                  <a:spcPct val="100000"/>
+                </a:lnSpc>
+                <a:spcBef>
+                  <a:spcPct val="0"/>
+                </a:spcBef>
+                <a:spcAft>
+                  <a:spcPct val="0"/>
+                </a:spcAft>
+                <a:buClrTx/>
+                <a:buSzTx/>
+                <a:buFontTx/>
+                <a:buNone/>
+                <a:defRPr/>
+              </a:pPr>
+              <a:r>
+                <a:rPr lang="ko-KR" altLang="en-US" b="1" dirty="0">
+                  <a:solidFill>
+                    <a:srgbClr val="7EC3A2"/>
+                  </a:solidFill>
+                  <a:latin typeface="NanumGothic"/>
+                  <a:ea typeface="Elsie" panose="02000000000000000000" charset="0"/>
+                  <a:sym typeface="Source Han Sans SC"/>
+                </a:rPr>
+                <a:t>프로젝트 개요</a:t>
+              </a:r>
+              <a:endParaRPr lang="zh-CN" altLang="en-US" b="1" dirty="0">
+                <a:solidFill>
+                  <a:srgbClr val="7EC3A2"/>
+                </a:solidFill>
+                <a:latin typeface="Elsie" panose="02000000000000000000" charset="0"/>
+                <a:ea typeface="Elsie" panose="02000000000000000000" charset="0"/>
+                <a:sym typeface="Source Han Sans SC"/>
+              </a:endParaRPr>
+            </a:p>
+          </p:txBody>
+        </p:sp>
+      </p:grpSp>
+      <p:sp>
+        <p:nvSpPr>
+          <p:cNvPr id="26" name="직사각형 25">
+            <a:extLst>
+              <a:ext uri="{FF2B5EF4-FFF2-40B4-BE49-F238E27FC236}">
+                <a16:creationId xmlns:a16="http://schemas.microsoft.com/office/drawing/2014/main" id="{5BF08AB9-FDF3-4C18-A4E2-8D045EBCBFA1}"/>
+              </a:ext>
+            </a:extLst>
+          </p:cNvPr>
+          <p:cNvSpPr/>
+          <p:nvPr/>
+        </p:nvSpPr>
+        <p:spPr>
+          <a:xfrm>
+            <a:off x="2672967" y="3833447"/>
+            <a:ext cx="2067400" cy="2548886"/>
+          </a:xfrm>
+          <a:prstGeom prst="rect">
+            <a:avLst/>
+          </a:prstGeom>
+          <a:ln/>
+          <a:effectLst>
+            <a:outerShdw blurRad="50800" dist="38100" dir="2700000" algn="tl" rotWithShape="0">
+              <a:prstClr val="black">
+                <a:alpha val="40000"/>
+              </a:prstClr>
+            </a:outerShdw>
+          </a:effectLst>
+        </p:spPr>
+        <p:style>
+          <a:lnRef idx="2">
+            <a:schemeClr val="accent1"/>
+          </a:lnRef>
+          <a:fillRef idx="1">
+            <a:schemeClr val="lt1"/>
+          </a:fillRef>
+          <a:effectRef idx="0">
+            <a:schemeClr val="accent1"/>
+          </a:effectRef>
+          <a:fontRef idx="minor">
+            <a:schemeClr val="dk1"/>
+          </a:fontRef>
+        </p:style>
+        <p:txBody>
+          <a:bodyPr rtlCol="0" anchor="ctr"/>
+          <a:lstStyle/>
+          <a:p>
+            <a:pPr algn="ctr"/>
+            <a:endParaRPr lang="ko-KR" altLang="en-US"/>
+          </a:p>
+        </p:txBody>
+      </p:sp>
+      <p:grpSp>
+        <p:nvGrpSpPr>
+          <p:cNvPr id="27" name="그룹 26">
+            <a:extLst>
+              <a:ext uri="{FF2B5EF4-FFF2-40B4-BE49-F238E27FC236}">
+                <a16:creationId xmlns:a16="http://schemas.microsoft.com/office/drawing/2014/main" id="{251A3B4C-957A-4FAB-8332-F0CCE383CE9F}"/>
+              </a:ext>
+            </a:extLst>
+          </p:cNvPr>
+          <p:cNvGrpSpPr/>
+          <p:nvPr/>
+        </p:nvGrpSpPr>
+        <p:grpSpPr>
+          <a:xfrm>
+            <a:off x="2900823" y="4324879"/>
+            <a:ext cx="1671236" cy="1566021"/>
+            <a:chOff x="505872" y="4136566"/>
+            <a:chExt cx="1840916" cy="1725021"/>
+          </a:xfrm>
+        </p:grpSpPr>
+        <p:sp>
+          <p:nvSpPr>
+            <p:cNvPr id="28" name="TextBox 27">
+              <a:extLst>
+                <a:ext uri="{FF2B5EF4-FFF2-40B4-BE49-F238E27FC236}">
+                  <a16:creationId xmlns:a16="http://schemas.microsoft.com/office/drawing/2014/main" id="{E624C17B-A53C-4B24-AFF7-B2D168BC3DA3}"/>
+                </a:ext>
+              </a:extLst>
+            </p:cNvPr>
+            <p:cNvSpPr txBox="1"/>
+            <p:nvPr/>
+          </p:nvSpPr>
+          <p:spPr>
+            <a:xfrm>
+              <a:off x="1010735" y="4136566"/>
+              <a:ext cx="858511" cy="1457809"/>
+            </a:xfrm>
+            <a:prstGeom prst="rect">
+              <a:avLst/>
+            </a:prstGeom>
+            <a:noFill/>
+          </p:spPr>
+          <p:txBody>
+            <a:bodyPr wrap="none" rtlCol="0">
+              <a:spAutoFit/>
+            </a:bodyPr>
+            <a:lstStyle/>
+            <a:p>
+              <a:r>
+                <a:rPr lang="en-US" altLang="ko-KR" sz="8000" b="1" dirty="0">
+                  <a:solidFill>
+                    <a:schemeClr val="accent1"/>
+                  </a:solidFill>
+                  <a:latin typeface="+mn-ea"/>
+                </a:rPr>
+                <a:t>2</a:t>
+              </a:r>
+              <a:endParaRPr lang="ko-KR" altLang="en-US" sz="8000" b="1" dirty="0">
+                <a:solidFill>
+                  <a:schemeClr val="accent1"/>
+                </a:solidFill>
+                <a:latin typeface="+mn-ea"/>
+              </a:endParaRPr>
+            </a:p>
+          </p:txBody>
+        </p:sp>
+        <p:sp>
+          <p:nvSpPr>
+            <p:cNvPr id="29" name="文本框 31">
+              <a:extLst>
+                <a:ext uri="{FF2B5EF4-FFF2-40B4-BE49-F238E27FC236}">
+                  <a16:creationId xmlns:a16="http://schemas.microsoft.com/office/drawing/2014/main" id="{9E98B2E1-1743-46E3-A6C3-9C1EA88A43AB}"/>
+                </a:ext>
+              </a:extLst>
+            </p:cNvPr>
+            <p:cNvSpPr txBox="1"/>
+            <p:nvPr/>
+          </p:nvSpPr>
+          <p:spPr>
+            <a:xfrm>
+              <a:off x="505872" y="5495827"/>
+              <a:ext cx="1840916" cy="365760"/>
+            </a:xfrm>
+            <a:prstGeom prst="rect">
+              <a:avLst/>
+            </a:prstGeom>
+            <a:noFill/>
+          </p:spPr>
+          <p:txBody>
+            <a:bodyPr wrap="square" rtlCol="0">
+              <a:normAutofit fontScale="92500" lnSpcReduction="10000"/>
+            </a:bodyPr>
+            <a:lstStyle/>
+            <a:p>
+              <a:pPr marL="0" marR="0" lvl="0" indent="0" algn="dist" defTabSz="914400" rtl="0" eaLnBrk="1" fontAlgn="auto" latinLnBrk="0" hangingPunct="1">
+                <a:lnSpc>
+                  <a:spcPct val="100000"/>
+                </a:lnSpc>
+                <a:spcBef>
+                  <a:spcPct val="0"/>
+                </a:spcBef>
+                <a:spcAft>
+                  <a:spcPct val="0"/>
+                </a:spcAft>
+                <a:buClrTx/>
+                <a:buSzTx/>
+                <a:buFontTx/>
+                <a:buNone/>
+                <a:defRPr/>
+              </a:pPr>
+              <a:r>
+                <a:rPr lang="ko-KR" altLang="en-US" b="1" dirty="0">
+                  <a:solidFill>
+                    <a:srgbClr val="7EC3A2"/>
+                  </a:solidFill>
+                  <a:latin typeface="NanumGothic"/>
+                  <a:ea typeface="Elsie" panose="02000000000000000000" charset="0"/>
+                  <a:sym typeface="Source Han Sans SC"/>
+                </a:rPr>
+                <a:t>팀원 소개</a:t>
+              </a:r>
+              <a:endParaRPr lang="zh-CN" altLang="en-US" b="1" dirty="0">
+                <a:solidFill>
+                  <a:srgbClr val="7EC3A2"/>
+                </a:solidFill>
+                <a:latin typeface="Elsie" panose="02000000000000000000" charset="0"/>
+                <a:ea typeface="Elsie" panose="02000000000000000000" charset="0"/>
+                <a:sym typeface="Source Han Sans SC"/>
+              </a:endParaRPr>
+            </a:p>
+          </p:txBody>
+        </p:sp>
+      </p:grpSp>
+      <p:sp>
+        <p:nvSpPr>
+          <p:cNvPr id="31" name="직사각형 30">
+            <a:extLst>
+              <a:ext uri="{FF2B5EF4-FFF2-40B4-BE49-F238E27FC236}">
+                <a16:creationId xmlns:a16="http://schemas.microsoft.com/office/drawing/2014/main" id="{C7442B41-A24C-4C4D-81BA-A9237FA4325B}"/>
+              </a:ext>
+            </a:extLst>
+          </p:cNvPr>
+          <p:cNvSpPr/>
+          <p:nvPr/>
+        </p:nvSpPr>
+        <p:spPr>
+          <a:xfrm>
+            <a:off x="4986100" y="3833447"/>
+            <a:ext cx="2067400" cy="2548886"/>
+          </a:xfrm>
+          <a:prstGeom prst="rect">
+            <a:avLst/>
+          </a:prstGeom>
+          <a:ln/>
+          <a:effectLst>
+            <a:outerShdw blurRad="50800" dist="38100" dir="2700000" algn="tl" rotWithShape="0">
+              <a:prstClr val="black">
+                <a:alpha val="40000"/>
+              </a:prstClr>
+            </a:outerShdw>
+          </a:effectLst>
+        </p:spPr>
+        <p:style>
+          <a:lnRef idx="2">
+            <a:schemeClr val="accent1"/>
+          </a:lnRef>
+          <a:fillRef idx="1">
+            <a:schemeClr val="lt1"/>
+          </a:fillRef>
+          <a:effectRef idx="0">
+            <a:schemeClr val="accent1"/>
+          </a:effectRef>
+          <a:fontRef idx="minor">
+            <a:schemeClr val="dk1"/>
+          </a:fontRef>
+        </p:style>
+        <p:txBody>
+          <a:bodyPr rtlCol="0" anchor="ctr"/>
+          <a:lstStyle/>
+          <a:p>
+            <a:pPr algn="ctr"/>
+            <a:endParaRPr lang="ko-KR" altLang="en-US"/>
+          </a:p>
+        </p:txBody>
+      </p:sp>
+      <p:grpSp>
+        <p:nvGrpSpPr>
+          <p:cNvPr id="32" name="그룹 31">
+            <a:extLst>
+              <a:ext uri="{FF2B5EF4-FFF2-40B4-BE49-F238E27FC236}">
+                <a16:creationId xmlns:a16="http://schemas.microsoft.com/office/drawing/2014/main" id="{B0684024-FE81-431C-8178-DD76A25E317E}"/>
+              </a:ext>
+            </a:extLst>
+          </p:cNvPr>
+          <p:cNvGrpSpPr/>
+          <p:nvPr/>
+        </p:nvGrpSpPr>
+        <p:grpSpPr>
+          <a:xfrm>
+            <a:off x="5213956" y="4324879"/>
+            <a:ext cx="1671236" cy="1566021"/>
+            <a:chOff x="505872" y="4136566"/>
+            <a:chExt cx="1840916" cy="1725021"/>
+          </a:xfrm>
+        </p:grpSpPr>
+        <p:sp>
+          <p:nvSpPr>
+            <p:cNvPr id="33" name="TextBox 32">
+              <a:extLst>
+                <a:ext uri="{FF2B5EF4-FFF2-40B4-BE49-F238E27FC236}">
+                  <a16:creationId xmlns:a16="http://schemas.microsoft.com/office/drawing/2014/main" id="{6D87586A-DB98-43BA-8F54-38D81E963131}"/>
+                </a:ext>
+              </a:extLst>
+            </p:cNvPr>
+            <p:cNvSpPr txBox="1"/>
+            <p:nvPr/>
+          </p:nvSpPr>
+          <p:spPr>
+            <a:xfrm>
+              <a:off x="1010735" y="4136566"/>
+              <a:ext cx="858511" cy="1457809"/>
+            </a:xfrm>
+            <a:prstGeom prst="rect">
+              <a:avLst/>
+            </a:prstGeom>
+            <a:noFill/>
+          </p:spPr>
+          <p:txBody>
+            <a:bodyPr wrap="none" rtlCol="0">
+              <a:spAutoFit/>
+            </a:bodyPr>
+            <a:lstStyle/>
+            <a:p>
+              <a:r>
+                <a:rPr lang="en-US" altLang="ko-KR" sz="8000" b="1" dirty="0">
+                  <a:solidFill>
+                    <a:schemeClr val="accent1"/>
+                  </a:solidFill>
+                  <a:latin typeface="+mn-ea"/>
+                </a:rPr>
+                <a:t>3</a:t>
+              </a:r>
+              <a:endParaRPr lang="ko-KR" altLang="en-US" sz="8000" b="1" dirty="0">
+                <a:solidFill>
+                  <a:schemeClr val="accent1"/>
+                </a:solidFill>
+                <a:latin typeface="+mn-ea"/>
+              </a:endParaRPr>
+            </a:p>
+          </p:txBody>
+        </p:sp>
+        <p:sp>
+          <p:nvSpPr>
+            <p:cNvPr id="34" name="文本框 31">
+              <a:extLst>
+                <a:ext uri="{FF2B5EF4-FFF2-40B4-BE49-F238E27FC236}">
+                  <a16:creationId xmlns:a16="http://schemas.microsoft.com/office/drawing/2014/main" id="{4BE9FBE5-2722-4086-87A1-83CE0FC07099}"/>
+                </a:ext>
+              </a:extLst>
+            </p:cNvPr>
+            <p:cNvSpPr txBox="1"/>
+            <p:nvPr/>
+          </p:nvSpPr>
+          <p:spPr>
+            <a:xfrm>
+              <a:off x="505872" y="5495827"/>
+              <a:ext cx="1840916" cy="365760"/>
+            </a:xfrm>
+            <a:prstGeom prst="rect">
+              <a:avLst/>
+            </a:prstGeom>
+            <a:noFill/>
+          </p:spPr>
+          <p:txBody>
+            <a:bodyPr wrap="square" rtlCol="0">
+              <a:normAutofit fontScale="92500" lnSpcReduction="10000"/>
+            </a:bodyPr>
+            <a:lstStyle/>
+            <a:p>
+              <a:pPr marL="0" marR="0" lvl="0" indent="0" algn="dist" defTabSz="914400" rtl="0" eaLnBrk="1" fontAlgn="auto" latinLnBrk="0" hangingPunct="1">
+                <a:lnSpc>
+                  <a:spcPct val="100000"/>
+                </a:lnSpc>
+                <a:spcBef>
+                  <a:spcPct val="0"/>
+                </a:spcBef>
+                <a:spcAft>
+                  <a:spcPct val="0"/>
+                </a:spcAft>
+                <a:buClrTx/>
+                <a:buSzTx/>
+                <a:buFontTx/>
+                <a:buNone/>
+                <a:defRPr/>
+              </a:pPr>
+              <a:r>
+                <a:rPr lang="ko-KR" altLang="en-US" b="1" dirty="0">
+                  <a:solidFill>
+                    <a:srgbClr val="7EC3A2"/>
+                  </a:solidFill>
+                  <a:latin typeface="NanumGothic"/>
+                  <a:ea typeface="Elsie" panose="02000000000000000000" charset="0"/>
+                  <a:sym typeface="Source Han Sans SC"/>
+                </a:rPr>
+                <a:t>기술 스택</a:t>
+              </a:r>
+              <a:endParaRPr lang="zh-CN" altLang="en-US" b="1" dirty="0">
+                <a:solidFill>
+                  <a:srgbClr val="7EC3A2"/>
+                </a:solidFill>
+                <a:latin typeface="Elsie" panose="02000000000000000000" charset="0"/>
+                <a:ea typeface="Elsie" panose="02000000000000000000" charset="0"/>
+                <a:sym typeface="Source Han Sans SC"/>
+              </a:endParaRPr>
+            </a:p>
+          </p:txBody>
+        </p:sp>
+      </p:grpSp>
+      <p:sp>
+        <p:nvSpPr>
+          <p:cNvPr id="36" name="직사각형 35">
+            <a:extLst>
+              <a:ext uri="{FF2B5EF4-FFF2-40B4-BE49-F238E27FC236}">
+                <a16:creationId xmlns:a16="http://schemas.microsoft.com/office/drawing/2014/main" id="{B2B99353-CD1C-43EB-962C-11226C466ABE}"/>
+              </a:ext>
+            </a:extLst>
+          </p:cNvPr>
+          <p:cNvSpPr/>
+          <p:nvPr/>
+        </p:nvSpPr>
+        <p:spPr>
+          <a:xfrm>
+            <a:off x="7299233" y="3833447"/>
+            <a:ext cx="2067400" cy="2548886"/>
+          </a:xfrm>
+          <a:prstGeom prst="rect">
+            <a:avLst/>
+          </a:prstGeom>
+          <a:ln/>
+          <a:effectLst>
+            <a:outerShdw blurRad="50800" dist="38100" dir="2700000" algn="tl" rotWithShape="0">
+              <a:prstClr val="black">
+                <a:alpha val="40000"/>
+              </a:prstClr>
+            </a:outerShdw>
+          </a:effectLst>
+        </p:spPr>
+        <p:style>
+          <a:lnRef idx="2">
+            <a:schemeClr val="accent1"/>
+          </a:lnRef>
+          <a:fillRef idx="1">
+            <a:schemeClr val="lt1"/>
+          </a:fillRef>
+          <a:effectRef idx="0">
+            <a:schemeClr val="accent1"/>
+          </a:effectRef>
+          <a:fontRef idx="minor">
+            <a:schemeClr val="dk1"/>
+          </a:fontRef>
+        </p:style>
+        <p:txBody>
+          <a:bodyPr rtlCol="0" anchor="ctr"/>
+          <a:lstStyle/>
+          <a:p>
+            <a:pPr algn="ctr"/>
+            <a:endParaRPr lang="ko-KR" altLang="en-US"/>
+          </a:p>
+        </p:txBody>
+      </p:sp>
+      <p:grpSp>
+        <p:nvGrpSpPr>
+          <p:cNvPr id="37" name="그룹 36">
+            <a:extLst>
+              <a:ext uri="{FF2B5EF4-FFF2-40B4-BE49-F238E27FC236}">
+                <a16:creationId xmlns:a16="http://schemas.microsoft.com/office/drawing/2014/main" id="{C1758505-67F6-45D1-B393-F7E391CBC441}"/>
+              </a:ext>
+            </a:extLst>
+          </p:cNvPr>
+          <p:cNvGrpSpPr/>
+          <p:nvPr/>
+        </p:nvGrpSpPr>
+        <p:grpSpPr>
+          <a:xfrm>
+            <a:off x="7333637" y="4324879"/>
+            <a:ext cx="1998592" cy="1597841"/>
+            <a:chOff x="247559" y="4136566"/>
+            <a:chExt cx="2201508" cy="1760072"/>
+          </a:xfrm>
+        </p:grpSpPr>
+        <p:sp>
+          <p:nvSpPr>
+            <p:cNvPr id="38" name="TextBox 37">
+              <a:extLst>
+                <a:ext uri="{FF2B5EF4-FFF2-40B4-BE49-F238E27FC236}">
+                  <a16:creationId xmlns:a16="http://schemas.microsoft.com/office/drawing/2014/main" id="{FA088DD1-77A6-41E6-ADBF-293E84BE3B2C}"/>
+                </a:ext>
+              </a:extLst>
+            </p:cNvPr>
+            <p:cNvSpPr txBox="1"/>
+            <p:nvPr/>
+          </p:nvSpPr>
+          <p:spPr>
+            <a:xfrm>
+              <a:off x="919058" y="4136566"/>
+              <a:ext cx="858511" cy="1457808"/>
+            </a:xfrm>
+            <a:prstGeom prst="rect">
+              <a:avLst/>
+            </a:prstGeom>
+            <a:noFill/>
+          </p:spPr>
+          <p:txBody>
+            <a:bodyPr wrap="none" rtlCol="0">
+              <a:spAutoFit/>
+            </a:bodyPr>
+            <a:lstStyle/>
+            <a:p>
+              <a:r>
+                <a:rPr lang="en-US" altLang="ko-KR" sz="8000" b="1" dirty="0">
+                  <a:solidFill>
+                    <a:schemeClr val="accent1"/>
+                  </a:solidFill>
+                  <a:latin typeface="+mn-ea"/>
+                </a:rPr>
+                <a:t>4</a:t>
+              </a:r>
+              <a:endParaRPr lang="ko-KR" altLang="en-US" sz="8000" b="1" dirty="0">
+                <a:solidFill>
+                  <a:schemeClr val="accent1"/>
+                </a:solidFill>
+                <a:latin typeface="+mn-ea"/>
+              </a:endParaRPr>
+            </a:p>
+          </p:txBody>
+        </p:sp>
+        <p:sp>
+          <p:nvSpPr>
+            <p:cNvPr id="39" name="文本框 31">
+              <a:extLst>
+                <a:ext uri="{FF2B5EF4-FFF2-40B4-BE49-F238E27FC236}">
+                  <a16:creationId xmlns:a16="http://schemas.microsoft.com/office/drawing/2014/main" id="{9583F45B-4AF2-454E-AB03-8F4E5546A8F9}"/>
+                </a:ext>
+              </a:extLst>
+            </p:cNvPr>
+            <p:cNvSpPr txBox="1"/>
+            <p:nvPr/>
+          </p:nvSpPr>
+          <p:spPr>
+            <a:xfrm>
+              <a:off x="247559" y="5459235"/>
+              <a:ext cx="2201508" cy="437403"/>
+            </a:xfrm>
+            <a:prstGeom prst="rect">
+              <a:avLst/>
+            </a:prstGeom>
+            <a:noFill/>
+          </p:spPr>
+          <p:txBody>
+            <a:bodyPr wrap="square" rtlCol="0">
+              <a:normAutofit/>
+            </a:bodyPr>
+            <a:lstStyle/>
+            <a:p>
+              <a:pPr marL="0" marR="0" lvl="0" indent="0" algn="dist" defTabSz="914400" rtl="0" eaLnBrk="1" fontAlgn="auto" latinLnBrk="0" hangingPunct="1">
+                <a:lnSpc>
+                  <a:spcPct val="100000"/>
+                </a:lnSpc>
+                <a:spcBef>
+                  <a:spcPct val="0"/>
+                </a:spcBef>
+                <a:spcAft>
+                  <a:spcPct val="0"/>
+                </a:spcAft>
+                <a:buClrTx/>
+                <a:buSzTx/>
+                <a:buFontTx/>
+                <a:buNone/>
+                <a:defRPr/>
+              </a:pPr>
+              <a:r>
+                <a:rPr lang="ko-KR" altLang="en-US" b="1" dirty="0">
+                  <a:solidFill>
+                    <a:srgbClr val="7EC3A2"/>
+                  </a:solidFill>
+                  <a:latin typeface="NanumGothic"/>
+                  <a:ea typeface="Elsie" panose="02000000000000000000" charset="0"/>
+                  <a:sym typeface="Source Han Sans SC"/>
+                </a:rPr>
+                <a:t>기획 및 설계 상세</a:t>
+              </a:r>
+              <a:endParaRPr lang="zh-CN" altLang="en-US" b="1" dirty="0">
+                <a:solidFill>
+                  <a:srgbClr val="7EC3A2"/>
+                </a:solidFill>
+                <a:latin typeface="Elsie" panose="02000000000000000000" charset="0"/>
+                <a:ea typeface="Elsie" panose="02000000000000000000" charset="0"/>
+                <a:sym typeface="Source Han Sans SC"/>
+              </a:endParaRPr>
+            </a:p>
+          </p:txBody>
+        </p:sp>
+      </p:grpSp>
+      <p:sp>
+        <p:nvSpPr>
+          <p:cNvPr id="41" name="직사각형 40">
+            <a:extLst>
+              <a:ext uri="{FF2B5EF4-FFF2-40B4-BE49-F238E27FC236}">
+                <a16:creationId xmlns:a16="http://schemas.microsoft.com/office/drawing/2014/main" id="{0C04830A-84D6-4C47-99F0-329FBD9348D6}"/>
+              </a:ext>
+            </a:extLst>
+          </p:cNvPr>
+          <p:cNvSpPr/>
+          <p:nvPr/>
+        </p:nvSpPr>
+        <p:spPr>
+          <a:xfrm>
+            <a:off x="9612367" y="3833447"/>
+            <a:ext cx="2067400" cy="2548886"/>
+          </a:xfrm>
+          <a:prstGeom prst="rect">
+            <a:avLst/>
+          </a:prstGeom>
+          <a:ln/>
+          <a:effectLst>
+            <a:outerShdw blurRad="50800" dist="38100" dir="2700000" algn="tl" rotWithShape="0">
+              <a:prstClr val="black">
+                <a:alpha val="40000"/>
+              </a:prstClr>
+            </a:outerShdw>
+          </a:effectLst>
+        </p:spPr>
+        <p:style>
+          <a:lnRef idx="2">
+            <a:schemeClr val="accent1"/>
+          </a:lnRef>
+          <a:fillRef idx="1">
+            <a:schemeClr val="lt1"/>
+          </a:fillRef>
+          <a:effectRef idx="0">
+            <a:schemeClr val="accent1"/>
+          </a:effectRef>
+          <a:fontRef idx="minor">
+            <a:schemeClr val="dk1"/>
+          </a:fontRef>
+        </p:style>
+        <p:txBody>
+          <a:bodyPr rtlCol="0" anchor="ctr"/>
+          <a:lstStyle/>
+          <a:p>
+            <a:pPr algn="ctr"/>
+            <a:endParaRPr lang="ko-KR" altLang="en-US"/>
+          </a:p>
+        </p:txBody>
+      </p:sp>
+      <p:grpSp>
+        <p:nvGrpSpPr>
+          <p:cNvPr id="42" name="그룹 41">
+            <a:extLst>
+              <a:ext uri="{FF2B5EF4-FFF2-40B4-BE49-F238E27FC236}">
+                <a16:creationId xmlns:a16="http://schemas.microsoft.com/office/drawing/2014/main" id="{1746CF73-5502-41C1-B5ED-65CD64E9A999}"/>
+              </a:ext>
+            </a:extLst>
+          </p:cNvPr>
+          <p:cNvGrpSpPr/>
+          <p:nvPr/>
+        </p:nvGrpSpPr>
+        <p:grpSpPr>
+          <a:xfrm>
+            <a:off x="9840223" y="4324879"/>
+            <a:ext cx="1671236" cy="1566021"/>
+            <a:chOff x="505872" y="4136566"/>
+            <a:chExt cx="1840916" cy="1725021"/>
+          </a:xfrm>
+        </p:grpSpPr>
+        <p:sp>
+          <p:nvSpPr>
+            <p:cNvPr id="43" name="TextBox 42">
+              <a:extLst>
+                <a:ext uri="{FF2B5EF4-FFF2-40B4-BE49-F238E27FC236}">
+                  <a16:creationId xmlns:a16="http://schemas.microsoft.com/office/drawing/2014/main" id="{81D506A0-2C61-4E93-86EF-ECBC9A3688B8}"/>
+                </a:ext>
+              </a:extLst>
+            </p:cNvPr>
+            <p:cNvSpPr txBox="1"/>
+            <p:nvPr/>
+          </p:nvSpPr>
+          <p:spPr>
+            <a:xfrm>
+              <a:off x="1010735" y="4136566"/>
+              <a:ext cx="858511" cy="1457809"/>
+            </a:xfrm>
+            <a:prstGeom prst="rect">
+              <a:avLst/>
+            </a:prstGeom>
+            <a:noFill/>
+          </p:spPr>
+          <p:txBody>
+            <a:bodyPr wrap="none" rtlCol="0">
+              <a:spAutoFit/>
+            </a:bodyPr>
+            <a:lstStyle/>
+            <a:p>
+              <a:r>
+                <a:rPr lang="en-US" altLang="ko-KR" sz="8000" b="1" dirty="0">
+                  <a:solidFill>
+                    <a:schemeClr val="accent1"/>
+                  </a:solidFill>
+                  <a:latin typeface="+mn-ea"/>
+                </a:rPr>
+                <a:t>5</a:t>
+              </a:r>
+              <a:endParaRPr lang="ko-KR" altLang="en-US" sz="8000" b="1" dirty="0">
+                <a:solidFill>
+                  <a:schemeClr val="accent1"/>
+                </a:solidFill>
+                <a:latin typeface="+mn-ea"/>
+              </a:endParaRPr>
+            </a:p>
+          </p:txBody>
+        </p:sp>
+        <p:sp>
+          <p:nvSpPr>
+            <p:cNvPr id="44" name="文本框 31">
+              <a:extLst>
+                <a:ext uri="{FF2B5EF4-FFF2-40B4-BE49-F238E27FC236}">
+                  <a16:creationId xmlns:a16="http://schemas.microsoft.com/office/drawing/2014/main" id="{83DFC7B4-9168-4239-8294-D76D05542FFE}"/>
+                </a:ext>
+              </a:extLst>
+            </p:cNvPr>
+            <p:cNvSpPr txBox="1"/>
+            <p:nvPr/>
+          </p:nvSpPr>
+          <p:spPr>
+            <a:xfrm>
+              <a:off x="505872" y="5495827"/>
+              <a:ext cx="1840916" cy="365760"/>
+            </a:xfrm>
+            <a:prstGeom prst="rect">
+              <a:avLst/>
+            </a:prstGeom>
+            <a:noFill/>
+          </p:spPr>
+          <p:txBody>
+            <a:bodyPr wrap="square" rtlCol="0">
+              <a:normAutofit fontScale="92500" lnSpcReduction="10000"/>
+            </a:bodyPr>
+            <a:lstStyle/>
+            <a:p>
+              <a:pPr marL="0" marR="0" lvl="0" indent="0" algn="dist" defTabSz="914400" rtl="0" eaLnBrk="1" fontAlgn="auto" latinLnBrk="0" hangingPunct="1">
+                <a:lnSpc>
+                  <a:spcPct val="100000"/>
+                </a:lnSpc>
+                <a:spcBef>
+                  <a:spcPct val="0"/>
+                </a:spcBef>
+                <a:spcAft>
+                  <a:spcPct val="0"/>
+                </a:spcAft>
+                <a:buClrTx/>
+                <a:buSzTx/>
+                <a:buFontTx/>
+                <a:buNone/>
+                <a:defRPr/>
+              </a:pPr>
+              <a:r>
+                <a:rPr lang="ko-KR" altLang="en-US" b="1" dirty="0">
+                  <a:solidFill>
+                    <a:srgbClr val="7EC3A2"/>
+                  </a:solidFill>
+                  <a:latin typeface="NanumGothic"/>
+                  <a:ea typeface="Elsie" panose="02000000000000000000" charset="0"/>
+                  <a:sym typeface="Source Han Sans SC"/>
+                </a:rPr>
+                <a:t>기능 설명</a:t>
+              </a:r>
+              <a:endParaRPr lang="zh-CN" altLang="en-US" b="1" dirty="0">
+                <a:solidFill>
+                  <a:srgbClr val="7EC3A2"/>
+                </a:solidFill>
+                <a:latin typeface="Elsie" panose="02000000000000000000" charset="0"/>
+                <a:ea typeface="Elsie" panose="02000000000000000000" charset="0"/>
+                <a:sym typeface="Source Han Sans SC"/>
+              </a:endParaRPr>
+            </a:p>
+          </p:txBody>
+        </p:sp>
+      </p:grpSp>
+    </p:spTree>
+    <p:extLst>
+      <p:ext uri="{BB962C8B-B14F-4D97-AF65-F5344CB8AC3E}">
+        <p14:creationId xmlns:p14="http://schemas.microsoft.com/office/powerpoint/2010/main" val="1044819341"/>
+      </p:ext>
+    </p:extLst>
+  </p:cSld>
+  <p:clrMapOvr>
+    <a:masterClrMapping/>
+  </p:clrMapOvr>
+  <mc:AlternateContent xmlns:mc="http://schemas.openxmlformats.org/markup-compatibility/2006" xmlns:p14="http://schemas.microsoft.com/office/powerpoint/2010/main">
+    <mc:Choice Requires="p14">
+      <p:transition spd="slow" p14:dur="1250" advClick="0">
+        <p14:gallery dir="l"/>
+      </p:transition>
+    </mc:Choice>
+    <mc:Fallback xmlns:p159="http://schemas.microsoft.com/office/powerpoint/2015/09/main" xmlns:p15="http://schemas.microsoft.com/office/powerpoint/2012/main" xmlns:a14="http://schemas.microsoft.com/office/drawing/2010/main" xmlns:wp="http://schemas.openxmlformats.org/drawingml/2006/wordprocessingDrawing" xmlns:w="http://schemas.openxmlformats.org/wordprocessingml/2006/main" xmlns:m="http://schemas.openxmlformats.org/officeDocument/2006/math" xmlns="">
+      <p:transition spd="slow" advClick="0">
+        <p:fade/>
+      </p:transition>
+    </mc:Fallback>
+  </mc:AlternateContent>
+  <p:timing>
+    <p:tnLst>
+      <p:par>
+        <p:cTn id="1" dur="indefinite" restart="never" nodeType="tmRoot">
+          <p:childTnLst>
+            <p:seq concurrent="1" nextAc="seek">
+              <p:cTn id="2" dur="indefinite" nodeType="mainSeq">
+                <p:childTnLst>
+                  <p:par>
+                    <p:cTn id="3" fill="hold">
+                      <p:stCondLst>
+                        <p:cond delay="indefinite"/>
+                        <p:cond evt="onBegin" delay="0">
+                          <p:tn val="2"/>
+                        </p:cond>
+                      </p:stCondLst>
+                      <p:childTnLst>
+                        <p:par>
+                          <p:cTn id="4" fill="hold">
+                            <p:stCondLst>
+                              <p:cond delay="0"/>
+                            </p:stCondLst>
+                            <p:childTnLst>
+                              <p:par>
+                                <p:cTn id="5" presetID="10" presetClass="entr" presetSubtype="0" fill="hold" grpId="0" nodeType="afterEffect">
+                                  <p:stCondLst>
+                                    <p:cond delay="0"/>
+                                  </p:stCondLst>
+                                  <p:childTnLst>
+                                    <p:set>
+                                      <p:cBhvr>
+                                        <p:cTn id="6" dur="1" fill="hold">
+                                          <p:stCondLst>
+                                            <p:cond delay="0"/>
+                                          </p:stCondLst>
+                                        </p:cTn>
+                                        <p:tgtEl>
+                                          <p:spTgt spid="4"/>
+                                        </p:tgtEl>
+                                        <p:attrNameLst>
+                                          <p:attrName>style.visibility</p:attrName>
+                                        </p:attrNameLst>
+                                      </p:cBhvr>
+                                      <p:to>
+                                        <p:strVal val="visible"/>
+                                      </p:to>
+                                    </p:set>
+                                    <p:animEffect transition="in" filter="fade">
+                                      <p:cBhvr>
+                                        <p:cTn id="7" dur="500"/>
+                                        <p:tgtEl>
+                                          <p:spTgt spid="4"/>
+                                        </p:tgtEl>
+                                      </p:cBhvr>
+                                    </p:animEffect>
+                                  </p:childTnLst>
+                                </p:cTn>
+                              </p:par>
+                            </p:childTnLst>
+                          </p:cTn>
+                        </p:par>
+                        <p:par>
+                          <p:cTn id="8" fill="hold">
+                            <p:stCondLst>
+                              <p:cond delay="500"/>
+                            </p:stCondLst>
+                            <p:childTnLst>
+                              <p:par>
+                                <p:cTn id="9" presetID="10" presetClass="entr" presetSubtype="0" fill="hold" nodeType="afterEffect">
+                                  <p:stCondLst>
+                                    <p:cond delay="0"/>
+                                  </p:stCondLst>
+                                  <p:childTnLst>
+                                    <p:set>
+                                      <p:cBhvr>
+                                        <p:cTn id="10" dur="1" fill="hold">
+                                          <p:stCondLst>
+                                            <p:cond delay="0"/>
+                                          </p:stCondLst>
+                                        </p:cTn>
+                                        <p:tgtEl>
+                                          <p:spTgt spid="5"/>
+                                        </p:tgtEl>
+                                        <p:attrNameLst>
+                                          <p:attrName>style.visibility</p:attrName>
+                                        </p:attrNameLst>
+                                      </p:cBhvr>
+                                      <p:to>
+                                        <p:strVal val="visible"/>
+                                      </p:to>
+                                    </p:set>
+                                    <p:animEffect transition="in" filter="fade">
+                                      <p:cBhvr>
+                                        <p:cTn id="11" dur="500"/>
+                                        <p:tgtEl>
+                                          <p:spTgt spid="5"/>
+                                        </p:tgtEl>
+                                      </p:cBhvr>
+                                    </p:animEffect>
+                                  </p:childTnLst>
+                                </p:cTn>
+                              </p:par>
+                            </p:childTnLst>
+                          </p:cTn>
+                        </p:par>
+                        <p:par>
+                          <p:cTn id="12" fill="hold">
+                            <p:stCondLst>
+                              <p:cond delay="1000"/>
+                            </p:stCondLst>
+                            <p:childTnLst>
+                              <p:par>
+                                <p:cTn id="13" presetID="10" presetClass="entr" presetSubtype="0" fill="hold" grpId="0" nodeType="afterEffect">
+                                  <p:stCondLst>
+                                    <p:cond delay="0"/>
+                                  </p:stCondLst>
+                                  <p:childTnLst>
+                                    <p:set>
+                                      <p:cBhvr>
+                                        <p:cTn id="14" dur="1" fill="hold">
+                                          <p:stCondLst>
+                                            <p:cond delay="0"/>
+                                          </p:stCondLst>
+                                        </p:cTn>
+                                        <p:tgtEl>
+                                          <p:spTgt spid="6"/>
+                                        </p:tgtEl>
+                                        <p:attrNameLst>
+                                          <p:attrName>style.visibility</p:attrName>
+                                        </p:attrNameLst>
+                                      </p:cBhvr>
+                                      <p:to>
+                                        <p:strVal val="visible"/>
+                                      </p:to>
+                                    </p:set>
+                                    <p:animEffect transition="in" filter="fade">
+                                      <p:cBhvr>
+                                        <p:cTn id="15" dur="500"/>
+                                        <p:tgtEl>
+                                          <p:spTgt spid="6"/>
+                                        </p:tgtEl>
+                                      </p:cBhvr>
+                                    </p:animEffect>
+                                  </p:childTnLst>
+                                </p:cTn>
+                              </p:par>
+                            </p:childTnLst>
+                          </p:cTn>
+                        </p:par>
+                      </p:childTnLst>
+                    </p:cTn>
+                  </p:par>
+                </p:childTnLst>
+              </p:cTn>
+              <p:prevCondLst>
+                <p:cond evt="onPrev" delay="0">
+                  <p:tgtEl>
+                    <p:sldTgt/>
+                  </p:tgtEl>
+                </p:cond>
+              </p:prevCondLst>
+              <p:nextCondLst>
+                <p:cond evt="onNext" delay="0">
+                  <p:tgtEl>
+                    <p:sldTgt/>
+                  </p:tgtEl>
+                </p:cond>
+              </p:nextCondLst>
+            </p:seq>
+          </p:childTnLst>
+        </p:cTn>
+      </p:par>
+    </p:tnLst>
+    <p:bldLst>
+      <p:bldP spid="4" grpId="0" animBg="1"/>
+      <p:bldP spid="6" grpId="0"/>
+    </p:bldLst>
+  </p:timing>
+</p:sld>
+</file>
+
+<file path=ppt/slides/slide3.xml><?xml version="1.0" encoding="utf-8"?>
+<p:sld xmlns:a="http://schemas.openxmlformats.org/drawingml/2006/main" xmlns:r="http://schemas.openxmlformats.org/officeDocument/2006/relationships" xmlns:p="http://schemas.openxmlformats.org/presentationml/2006/main">
+  <p:cSld>
+    <p:spTree>
+      <p:nvGrpSpPr>
+        <p:cNvPr id="1" name=""/>
+        <p:cNvGrpSpPr/>
+        <p:nvPr/>
+      </p:nvGrpSpPr>
+      <p:grpSpPr>
+        <a:xfrm>
+          <a:off x="0" y="0"/>
+          <a:ext cx="0" cy="0"/>
+          <a:chOff x="0" y="0"/>
+          <a:chExt cx="0" cy="0"/>
+        </a:xfrm>
+      </p:grpSpPr>
+      <p:sp>
+        <p:nvSpPr>
+          <p:cNvPr id="6" name="제목 5">
+            <a:extLst>
+              <a:ext uri="{FF2B5EF4-FFF2-40B4-BE49-F238E27FC236}">
+                <a16:creationId xmlns:a16="http://schemas.microsoft.com/office/drawing/2014/main" id="{53C1D9C0-B37B-47F0-ADBD-56E26C32D357}"/>
+              </a:ext>
+            </a:extLst>
+          </p:cNvPr>
+          <p:cNvSpPr>
+            <a:spLocks noGrp="1"/>
+          </p:cNvSpPr>
+          <p:nvPr>
+            <p:ph type="title"/>
+          </p:nvPr>
+        </p:nvSpPr>
+        <p:spPr/>
+        <p:txBody>
+          <a:bodyPr/>
+          <a:lstStyle/>
+          <a:p>
+            <a:r>
+              <a:rPr lang="en-US" altLang="ko-KR" dirty="0"/>
+              <a:t>1. </a:t>
+            </a:r>
+            <a:r>
+              <a:rPr lang="ko-KR" altLang="en-US" dirty="0"/>
+              <a:t>프로젝트 개요</a:t>
+            </a:r>
+          </a:p>
+        </p:txBody>
+      </p:sp>
+      <p:sp>
+        <p:nvSpPr>
+          <p:cNvPr id="7" name="텍스트 개체 틀 6">
+            <a:extLst>
+              <a:ext uri="{FF2B5EF4-FFF2-40B4-BE49-F238E27FC236}">
+                <a16:creationId xmlns:a16="http://schemas.microsoft.com/office/drawing/2014/main" id="{F0213E68-79D4-4304-872C-BDECDE425D1B}"/>
+              </a:ext>
+            </a:extLst>
+          </p:cNvPr>
+          <p:cNvSpPr>
+            <a:spLocks noGrp="1"/>
+          </p:cNvSpPr>
+          <p:nvPr>
+            <p:ph type="body" sz="quarter" idx="10"/>
+          </p:nvPr>
+        </p:nvSpPr>
+        <p:spPr/>
+        <p:txBody>
+          <a:bodyPr>
+            <a:normAutofit/>
+          </a:bodyPr>
+          <a:lstStyle/>
+          <a:p>
+            <a:r>
+              <a:rPr lang="ko-KR" altLang="en-US" dirty="0"/>
+              <a:t>기획의도</a:t>
+            </a:r>
+            <a:endParaRPr lang="en-US" altLang="ko-KR" dirty="0"/>
+          </a:p>
+          <a:p>
+            <a:r>
+              <a:rPr lang="ko-KR" altLang="en-US" dirty="0"/>
+              <a:t>환경 </a:t>
+            </a:r>
+            <a:r>
+              <a:rPr lang="ko-KR" altLang="en-US" dirty="0" err="1"/>
+              <a:t>캠패인</a:t>
+            </a:r>
+            <a:r>
+              <a:rPr lang="ko-KR" altLang="en-US" dirty="0"/>
+              <a:t> 게시판 웹 서비스</a:t>
+            </a:r>
+          </a:p>
+        </p:txBody>
+      </p:sp>
+    </p:spTree>
+    <p:extLst>
+      <p:ext uri="{BB962C8B-B14F-4D97-AF65-F5344CB8AC3E}">
+        <p14:creationId xmlns:p14="http://schemas.microsoft.com/office/powerpoint/2010/main" val="3164056786"/>
+      </p:ext>
+    </p:extLst>
+  </p:cSld>
+  <p:clrMapOvr>
+    <a:masterClrMapping/>
+  </p:clrMapOvr>
+  <mc:AlternateContent xmlns:mc="http://schemas.openxmlformats.org/markup-compatibility/2006" xmlns:p14="http://schemas.microsoft.com/office/powerpoint/2010/main">
+    <mc:Choice Requires="p14">
+      <p:transition spd="slow" p14:dur="1250" advClick="0">
+        <p14:gallery dir="l"/>
+      </p:transition>
+    </mc:Choice>
+    <mc:Fallback xmlns:p159="http://schemas.microsoft.com/office/powerpoint/2015/09/main" xmlns:p15="http://schemas.microsoft.com/office/powerpoint/2012/main" xmlns:a14="http://schemas.microsoft.com/office/drawing/2010/main" xmlns:wp="http://schemas.openxmlformats.org/drawingml/2006/wordprocessingDrawing" xmlns:w="http://schemas.openxmlformats.org/wordprocessingml/2006/main" xmlns:m="http://schemas.openxmlformats.org/officeDocument/2006/math" xmlns="">
+      <p:transition spd="slow" advClick="0">
+        <p:fade/>
+      </p:transition>
+    </mc:Fallback>
+  </mc:AlternateContent>
+</p:sld>
+</file>
+
+<file path=ppt/slides/slide4.xml><?xml version="1.0" encoding="utf-8"?>
+<p:sld xmlns:a="http://schemas.openxmlformats.org/drawingml/2006/main" xmlns:r="http://schemas.openxmlformats.org/officeDocument/2006/relationships" xmlns:p="http://schemas.openxmlformats.org/presentationml/2006/main">
+  <p:cSld>
+    <p:spTree>
+      <p:nvGrpSpPr>
+        <p:cNvPr id="1" name=""/>
+        <p:cNvGrpSpPr/>
+        <p:nvPr/>
+      </p:nvGrpSpPr>
+      <p:grpSpPr>
+        <a:xfrm>
+          <a:off x="0" y="0"/>
+          <a:ext cx="0" cy="0"/>
+          <a:chOff x="0" y="0"/>
+          <a:chExt cx="0" cy="0"/>
+        </a:xfrm>
+      </p:grpSpPr>
+      <p:sp>
+        <p:nvSpPr>
+          <p:cNvPr id="2" name="제목 1">
+            <a:extLst>
+              <a:ext uri="{FF2B5EF4-FFF2-40B4-BE49-F238E27FC236}">
+                <a16:creationId xmlns:a16="http://schemas.microsoft.com/office/drawing/2014/main" id="{EE4F7652-C681-4AC6-9F5A-8193B0F2495D}"/>
+              </a:ext>
+            </a:extLst>
+          </p:cNvPr>
+          <p:cNvSpPr>
+            <a:spLocks noGrp="1"/>
+          </p:cNvSpPr>
+          <p:nvPr>
+            <p:ph type="title"/>
+          </p:nvPr>
+        </p:nvSpPr>
+        <p:spPr/>
+        <p:txBody>
+          <a:bodyPr/>
+          <a:lstStyle/>
+          <a:p>
+            <a:r>
+              <a:rPr lang="en-US" altLang="ko-KR" dirty="0"/>
+              <a:t>2. </a:t>
+            </a:r>
+            <a:r>
+              <a:rPr lang="ko-KR" altLang="en-US" dirty="0"/>
+              <a:t>팀원 소개</a:t>
+            </a:r>
+          </a:p>
+        </p:txBody>
+      </p:sp>
+      <p:sp>
+        <p:nvSpPr>
+          <p:cNvPr id="3" name="텍스트 개체 틀 2">
+            <a:extLst>
+              <a:ext uri="{FF2B5EF4-FFF2-40B4-BE49-F238E27FC236}">
+                <a16:creationId xmlns:a16="http://schemas.microsoft.com/office/drawing/2014/main" id="{45215EDD-F6EA-4CC8-9FAE-531E82013CD3}"/>
+              </a:ext>
+            </a:extLst>
+          </p:cNvPr>
+          <p:cNvSpPr>
+            <a:spLocks noGrp="1"/>
+          </p:cNvSpPr>
+          <p:nvPr>
+            <p:ph type="body" sz="quarter" idx="10"/>
+          </p:nvPr>
+        </p:nvSpPr>
+        <p:spPr/>
+        <p:txBody>
+          <a:bodyPr/>
+          <a:lstStyle/>
+          <a:p>
+            <a:endParaRPr lang="ko-KR" altLang="en-US" dirty="0"/>
+          </a:p>
+        </p:txBody>
+      </p:sp>
+    </p:spTree>
+    <p:extLst>
+      <p:ext uri="{BB962C8B-B14F-4D97-AF65-F5344CB8AC3E}">
+        <p14:creationId xmlns:p14="http://schemas.microsoft.com/office/powerpoint/2010/main" val="1528889961"/>
+      </p:ext>
+    </p:extLst>
+  </p:cSld>
+  <p:clrMapOvr>
+    <a:masterClrMapping/>
+  </p:clrMapOvr>
+  <mc:AlternateContent xmlns:mc="http://schemas.openxmlformats.org/markup-compatibility/2006" xmlns:p14="http://schemas.microsoft.com/office/powerpoint/2010/main">
+    <mc:Choice Requires="p14">
+      <p:transition spd="slow" p14:dur="1250" advClick="0">
+        <p14:gallery dir="l"/>
+      </p:transition>
+    </mc:Choice>
+    <mc:Fallback xmlns:p159="http://schemas.microsoft.com/office/powerpoint/2015/09/main" xmlns:p15="http://schemas.microsoft.com/office/powerpoint/2012/main" xmlns:a14="http://schemas.microsoft.com/office/drawing/2010/main" xmlns:wp="http://schemas.openxmlformats.org/drawingml/2006/wordprocessingDrawing" xmlns:w="http://schemas.openxmlformats.org/wordprocessingml/2006/main" xmlns:m="http://schemas.openxmlformats.org/officeDocument/2006/math" xmlns="">
+      <p:transition spd="slow" advClick="0">
+        <p:fade/>
+      </p:transition>
+    </mc:Fallback>
+  </mc:AlternateContent>
+</p:sld>
+</file>
+
+<file path=ppt/slides/slide5.xml><?xml version="1.0" encoding="utf-8"?>
+<p:sld xmlns:a="http://schemas.openxmlformats.org/drawingml/2006/main" xmlns:r="http://schemas.openxmlformats.org/officeDocument/2006/relationships" xmlns:p="http://schemas.openxmlformats.org/presentationml/2006/main">
+  <p:cSld>
+    <p:spTree>
+      <p:nvGrpSpPr>
+        <p:cNvPr id="1" name=""/>
+        <p:cNvGrpSpPr/>
+        <p:nvPr/>
+      </p:nvGrpSpPr>
+      <p:grpSpPr>
+        <a:xfrm>
+          <a:off x="0" y="0"/>
+          <a:ext cx="0" cy="0"/>
+          <a:chOff x="0" y="0"/>
+          <a:chExt cx="0" cy="0"/>
+        </a:xfrm>
+      </p:grpSpPr>
+      <p:sp>
+        <p:nvSpPr>
+          <p:cNvPr id="2" name="제목 1">
+            <a:extLst>
+              <a:ext uri="{FF2B5EF4-FFF2-40B4-BE49-F238E27FC236}">
+                <a16:creationId xmlns:a16="http://schemas.microsoft.com/office/drawing/2014/main" id="{CB7EB56C-257F-401E-A385-03F00E5EFEED}"/>
+              </a:ext>
+            </a:extLst>
+          </p:cNvPr>
+          <p:cNvSpPr>
+            <a:spLocks noGrp="1"/>
+          </p:cNvSpPr>
+          <p:nvPr>
+            <p:ph type="title"/>
+          </p:nvPr>
+        </p:nvSpPr>
+        <p:spPr/>
+        <p:txBody>
+          <a:bodyPr/>
+          <a:lstStyle/>
+          <a:p>
+            <a:r>
+              <a:rPr lang="en-US" altLang="ko-KR" dirty="0"/>
+              <a:t>3. </a:t>
+            </a:r>
+            <a:r>
+              <a:rPr lang="ko-KR" altLang="en-US" dirty="0"/>
+              <a:t>기술 스택</a:t>
+            </a:r>
+          </a:p>
+        </p:txBody>
+      </p:sp>
+      <p:sp>
+        <p:nvSpPr>
+          <p:cNvPr id="3" name="텍스트 개체 틀 2">
+            <a:extLst>
+              <a:ext uri="{FF2B5EF4-FFF2-40B4-BE49-F238E27FC236}">
+                <a16:creationId xmlns:a16="http://schemas.microsoft.com/office/drawing/2014/main" id="{716FA310-38B1-4850-9769-DB3DD00A5BBC}"/>
+              </a:ext>
+            </a:extLst>
+          </p:cNvPr>
+          <p:cNvSpPr>
+            <a:spLocks noGrp="1"/>
+          </p:cNvSpPr>
+          <p:nvPr>
+            <p:ph type="body" sz="quarter" idx="10"/>
+          </p:nvPr>
+        </p:nvSpPr>
+        <p:spPr/>
+        <p:txBody>
+          <a:bodyPr/>
+          <a:lstStyle/>
+          <a:p>
+            <a:endParaRPr lang="ko-KR" altLang="en-US"/>
+          </a:p>
+        </p:txBody>
+      </p:sp>
+    </p:spTree>
+    <p:extLst>
+      <p:ext uri="{BB962C8B-B14F-4D97-AF65-F5344CB8AC3E}">
+        <p14:creationId xmlns:p14="http://schemas.microsoft.com/office/powerpoint/2010/main" val="3407569343"/>
+      </p:ext>
+    </p:extLst>
+  </p:cSld>
+  <p:clrMapOvr>
+    <a:masterClrMapping/>
+  </p:clrMapOvr>
+  <mc:AlternateContent xmlns:mc="http://schemas.openxmlformats.org/markup-compatibility/2006" xmlns:p14="http://schemas.microsoft.com/office/powerpoint/2010/main">
+    <mc:Choice Requires="p14">
+      <p:transition spd="slow" p14:dur="1250" advClick="0">
+        <p14:gallery dir="l"/>
+      </p:transition>
+    </mc:Choice>
+    <mc:Fallback xmlns:p159="http://schemas.microsoft.com/office/powerpoint/2015/09/main" xmlns:p15="http://schemas.microsoft.com/office/powerpoint/2012/main" xmlns:a14="http://schemas.microsoft.com/office/drawing/2010/main" xmlns:wp="http://schemas.openxmlformats.org/drawingml/2006/wordprocessingDrawing" xmlns:w="http://schemas.openxmlformats.org/wordprocessingml/2006/main" xmlns:m="http://schemas.openxmlformats.org/officeDocument/2006/math" xmlns="">
+      <p:transition spd="slow" advClick="0">
+        <p:fade/>
+      </p:transition>
+    </mc:Fallback>
+  </mc:AlternateContent>
+</p:sld>
+</file>
+
+<file path=ppt/slides/slide6.xml><?xml version="1.0" encoding="utf-8"?>
+<p:sld xmlns:a="http://schemas.openxmlformats.org/drawingml/2006/main" xmlns:r="http://schemas.openxmlformats.org/officeDocument/2006/relationships" xmlns:p="http://schemas.openxmlformats.org/presentationml/2006/main">
+  <p:cSld>
+    <p:spTree>
+      <p:nvGrpSpPr>
+        <p:cNvPr id="1" name=""/>
+        <p:cNvGrpSpPr/>
+        <p:nvPr/>
+      </p:nvGrpSpPr>
+      <p:grpSpPr>
+        <a:xfrm>
+          <a:off x="0" y="0"/>
+          <a:ext cx="0" cy="0"/>
+          <a:chOff x="0" y="0"/>
+          <a:chExt cx="0" cy="0"/>
+        </a:xfrm>
+      </p:grpSpPr>
+      <p:sp>
+        <p:nvSpPr>
+          <p:cNvPr id="2" name="제목 1">
+            <a:extLst>
+              <a:ext uri="{FF2B5EF4-FFF2-40B4-BE49-F238E27FC236}">
+                <a16:creationId xmlns:a16="http://schemas.microsoft.com/office/drawing/2014/main" id="{96C69F5E-8056-49CA-BD22-578E5C1919B6}"/>
+              </a:ext>
+            </a:extLst>
+          </p:cNvPr>
+          <p:cNvSpPr>
+            <a:spLocks noGrp="1"/>
+          </p:cNvSpPr>
+          <p:nvPr>
+            <p:ph type="title"/>
+          </p:nvPr>
+        </p:nvSpPr>
+        <p:spPr/>
+        <p:txBody>
+          <a:bodyPr/>
+          <a:lstStyle/>
+          <a:p>
+            <a:r>
+              <a:rPr lang="en-US" altLang="ko-KR" dirty="0"/>
+              <a:t>4. </a:t>
+            </a:r>
+            <a:r>
+              <a:rPr lang="ko-KR" altLang="en-US" dirty="0"/>
+              <a:t>기획 및 설계 상세</a:t>
+            </a:r>
+          </a:p>
+        </p:txBody>
+      </p:sp>
+      <p:sp>
+        <p:nvSpPr>
+          <p:cNvPr id="3" name="텍스트 개체 틀 2">
+            <a:extLst>
+              <a:ext uri="{FF2B5EF4-FFF2-40B4-BE49-F238E27FC236}">
+                <a16:creationId xmlns:a16="http://schemas.microsoft.com/office/drawing/2014/main" id="{52D15AB0-36B6-4078-A114-A6E091B2D3D3}"/>
+              </a:ext>
+            </a:extLst>
+          </p:cNvPr>
+          <p:cNvSpPr>
+            <a:spLocks noGrp="1"/>
+          </p:cNvSpPr>
+          <p:nvPr>
+            <p:ph type="body" sz="quarter" idx="10"/>
+          </p:nvPr>
+        </p:nvSpPr>
+        <p:spPr/>
+        <p:txBody>
+          <a:bodyPr/>
+          <a:lstStyle/>
+          <a:p>
+            <a:r>
+              <a:rPr lang="en-US" altLang="ko-KR" dirty="0"/>
+              <a:t>Wire Frame</a:t>
+            </a:r>
+          </a:p>
+          <a:p>
+            <a:r>
+              <a:rPr lang="en-US" altLang="ko-KR" dirty="0"/>
+              <a:t>URL MAPPING</a:t>
+            </a:r>
+          </a:p>
+          <a:p>
+            <a:r>
+              <a:rPr lang="en-US" altLang="ko-KR" dirty="0"/>
+              <a:t>ERD </a:t>
+            </a:r>
+            <a:r>
+              <a:rPr lang="ko-KR" altLang="en-US" dirty="0"/>
+              <a:t>상세</a:t>
+            </a:r>
+          </a:p>
+        </p:txBody>
+      </p:sp>
+    </p:spTree>
+    <p:extLst>
+      <p:ext uri="{BB962C8B-B14F-4D97-AF65-F5344CB8AC3E}">
+        <p14:creationId xmlns:p14="http://schemas.microsoft.com/office/powerpoint/2010/main" val="1047591439"/>
+      </p:ext>
+    </p:extLst>
+  </p:cSld>
+  <p:clrMapOvr>
+    <a:masterClrMapping/>
+  </p:clrMapOvr>
+  <mc:AlternateContent xmlns:mc="http://schemas.openxmlformats.org/markup-compatibility/2006" xmlns:p14="http://schemas.microsoft.com/office/powerpoint/2010/main">
+    <mc:Choice Requires="p14">
+      <p:transition spd="slow" p14:dur="1250" advClick="0">
+        <p14:gallery dir="l"/>
+      </p:transition>
+    </mc:Choice>
+    <mc:Fallback xmlns:p159="http://schemas.microsoft.com/office/powerpoint/2015/09/main" xmlns:p15="http://schemas.microsoft.com/office/powerpoint/2012/main" xmlns:a14="http://schemas.microsoft.com/office/drawing/2010/main" xmlns:wp="http://schemas.openxmlformats.org/drawingml/2006/wordprocessingDrawing" xmlns:w="http://schemas.openxmlformats.org/wordprocessingml/2006/main" xmlns:m="http://schemas.openxmlformats.org/officeDocument/2006/math" xmlns="">
+      <p:transition spd="slow" advClick="0">
+        <p:fade/>
+      </p:transition>
+    </mc:Fallback>
+  </mc:AlternateContent>
+</p:sld>
+</file>
+
+<file path=ppt/slides/slide7.xml><?xml version="1.0" encoding="utf-8"?>
+<p:sld xmlns:a="http://schemas.openxmlformats.org/drawingml/2006/main" xmlns:r="http://schemas.openxmlformats.org/officeDocument/2006/relationships" xmlns:p="http://schemas.openxmlformats.org/presentationml/2006/main">
+  <p:cSld>
+    <p:spTree>
+      <p:nvGrpSpPr>
+        <p:cNvPr id="1" name=""/>
+        <p:cNvGrpSpPr/>
+        <p:nvPr/>
+      </p:nvGrpSpPr>
+      <p:grpSpPr>
+        <a:xfrm>
+          <a:off x="0" y="0"/>
+          <a:ext cx="0" cy="0"/>
+          <a:chOff x="0" y="0"/>
+          <a:chExt cx="0" cy="0"/>
+        </a:xfrm>
+      </p:grpSpPr>
+      <p:sp>
+        <p:nvSpPr>
+          <p:cNvPr id="2" name="제목 1">
+            <a:extLst>
+              <a:ext uri="{FF2B5EF4-FFF2-40B4-BE49-F238E27FC236}">
+                <a16:creationId xmlns:a16="http://schemas.microsoft.com/office/drawing/2014/main" id="{180F9419-C650-4254-AB9C-3FE676C8B76C}"/>
+              </a:ext>
+            </a:extLst>
+          </p:cNvPr>
+          <p:cNvSpPr>
+            <a:spLocks noGrp="1"/>
+          </p:cNvSpPr>
+          <p:nvPr>
+            <p:ph type="title"/>
+          </p:nvPr>
+        </p:nvSpPr>
+        <p:spPr/>
+        <p:txBody>
+          <a:bodyPr/>
+          <a:lstStyle/>
+          <a:p>
+            <a:r>
+              <a:rPr lang="en-US" altLang="ko-KR" dirty="0"/>
+              <a:t>5. </a:t>
+            </a:r>
+            <a:r>
+              <a:rPr lang="ko-KR" altLang="en-US" dirty="0"/>
+              <a:t>기능 설명</a:t>
+            </a:r>
+          </a:p>
+        </p:txBody>
+      </p:sp>
+      <p:sp>
+        <p:nvSpPr>
+          <p:cNvPr id="3" name="텍스트 개체 틀 2">
+            <a:extLst>
+              <a:ext uri="{FF2B5EF4-FFF2-40B4-BE49-F238E27FC236}">
+                <a16:creationId xmlns:a16="http://schemas.microsoft.com/office/drawing/2014/main" id="{9B37A7F3-F4A4-4F26-9993-8FCC40E94655}"/>
+              </a:ext>
+            </a:extLst>
+          </p:cNvPr>
+          <p:cNvSpPr>
+            <a:spLocks noGrp="1"/>
+          </p:cNvSpPr>
+          <p:nvPr>
+            <p:ph type="body" sz="quarter" idx="10"/>
+          </p:nvPr>
+        </p:nvSpPr>
+        <p:spPr/>
+        <p:txBody>
+          <a:bodyPr/>
+          <a:lstStyle/>
+          <a:p>
+            <a:endParaRPr lang="ko-KR" altLang="en-US" dirty="0"/>
+          </a:p>
+        </p:txBody>
+      </p:sp>
+    </p:spTree>
+    <p:extLst>
+      <p:ext uri="{BB962C8B-B14F-4D97-AF65-F5344CB8AC3E}">
+        <p14:creationId xmlns:p14="http://schemas.microsoft.com/office/powerpoint/2010/main" val="1848822794"/>
+      </p:ext>
+    </p:extLst>
+  </p:cSld>
+  <p:clrMapOvr>
+    <a:masterClrMapping/>
+  </p:clrMapOvr>
+  <mc:AlternateContent xmlns:mc="http://schemas.openxmlformats.org/markup-compatibility/2006" xmlns:p14="http://schemas.microsoft.com/office/powerpoint/2010/main">
+    <mc:Choice Requires="p14">
+      <p:transition spd="slow" p14:dur="1250" advClick="0">
+        <p14:gallery dir="l"/>
+      </p:transition>
+    </mc:Choice>
+    <mc:Fallback xmlns:p159="http://schemas.microsoft.com/office/powerpoint/2015/09/main" xmlns:p15="http://schemas.microsoft.com/office/powerpoint/2012/main" xmlns:a14="http://schemas.microsoft.com/office/drawing/2010/main" xmlns:wp="http://schemas.openxmlformats.org/drawingml/2006/wordprocessingDrawing" xmlns:w="http://schemas.openxmlformats.org/wordprocessingml/2006/main" xmlns:m="http://schemas.openxmlformats.org/officeDocument/2006/math" xmlns="">
       <p:transition spd="slow" advClick="0">
         <p:fade/>
       </p:transition>

--- a/템플릿/환경켐페인소셜웹.pptx
+++ b/템플릿/환경켐페인소셜웹.pptx
@@ -798,7 +798,7 @@
         <p14:gallery dir="l"/>
       </p:transition>
     </mc:Choice>
-    <mc:Fallback xmlns:p159="http://schemas.microsoft.com/office/powerpoint/2015/09/main" xmlns:p15="http://schemas.microsoft.com/office/powerpoint/2012/main" xmlns:a14="http://schemas.microsoft.com/office/drawing/2010/main" xmlns:wp="http://schemas.openxmlformats.org/drawingml/2006/wordprocessingDrawing" xmlns:w="http://schemas.openxmlformats.org/wordprocessingml/2006/main" xmlns:m="http://schemas.openxmlformats.org/officeDocument/2006/math" xmlns="">
+    <mc:Fallback xmlns="" xmlns:m="http://schemas.openxmlformats.org/officeDocument/2006/math" xmlns:w="http://schemas.openxmlformats.org/wordprocessingml/2006/main" xmlns:wp="http://schemas.openxmlformats.org/drawingml/2006/wordprocessingDrawing" xmlns:a14="http://schemas.microsoft.com/office/drawing/2010/main" xmlns:p15="http://schemas.microsoft.com/office/powerpoint/2012/main" xmlns:p159="http://schemas.microsoft.com/office/powerpoint/2015/09/main">
       <p:transition spd="slow" advClick="0">
         <p:fade/>
       </p:transition>
@@ -1190,7 +1190,7 @@
           <a:p>
             <a:fld id="{2E2EFF59-9DE3-4C3C-B8BB-39DE230C4F04}" type="datetimeFigureOut">
               <a:rPr lang="ko-KR" altLang="en-US" smtClean="0"/>
-              <a:t>2024-02-20</a:t>
+              <a:t>2024-02-22</a:t>
             </a:fld>
             <a:endParaRPr lang="ko-KR" altLang="en-US"/>
           </a:p>
@@ -1254,7 +1254,7 @@
         <p14:gallery dir="l"/>
       </p:transition>
     </mc:Choice>
-    <mc:Fallback xmlns:p159="http://schemas.microsoft.com/office/powerpoint/2015/09/main" xmlns:p15="http://schemas.microsoft.com/office/powerpoint/2012/main" xmlns:a14="http://schemas.microsoft.com/office/drawing/2010/main" xmlns:wp="http://schemas.openxmlformats.org/drawingml/2006/wordprocessingDrawing" xmlns:w="http://schemas.openxmlformats.org/wordprocessingml/2006/main" xmlns:m="http://schemas.openxmlformats.org/officeDocument/2006/math" xmlns="">
+    <mc:Fallback xmlns="" xmlns:m="http://schemas.openxmlformats.org/officeDocument/2006/math" xmlns:w="http://schemas.openxmlformats.org/wordprocessingml/2006/main" xmlns:wp="http://schemas.openxmlformats.org/drawingml/2006/wordprocessingDrawing" xmlns:a14="http://schemas.microsoft.com/office/drawing/2010/main" xmlns:p15="http://schemas.microsoft.com/office/powerpoint/2012/main" xmlns:p159="http://schemas.microsoft.com/office/powerpoint/2015/09/main">
       <p:transition spd="slow" advClick="0">
         <p:fade/>
       </p:transition>
@@ -1397,7 +1397,7 @@
           <a:p>
             <a:fld id="{2E2EFF59-9DE3-4C3C-B8BB-39DE230C4F04}" type="datetimeFigureOut">
               <a:rPr lang="ko-KR" altLang="en-US" smtClean="0"/>
-              <a:t>2024-02-20</a:t>
+              <a:t>2024-02-22</a:t>
             </a:fld>
             <a:endParaRPr lang="ko-KR" altLang="en-US"/>
           </a:p>
@@ -1461,7 +1461,7 @@
         <p14:gallery dir="l"/>
       </p:transition>
     </mc:Choice>
-    <mc:Fallback xmlns:p159="http://schemas.microsoft.com/office/powerpoint/2015/09/main" xmlns:p15="http://schemas.microsoft.com/office/powerpoint/2012/main" xmlns:a14="http://schemas.microsoft.com/office/drawing/2010/main" xmlns:wp="http://schemas.openxmlformats.org/drawingml/2006/wordprocessingDrawing" xmlns:w="http://schemas.openxmlformats.org/wordprocessingml/2006/main" xmlns:m="http://schemas.openxmlformats.org/officeDocument/2006/math" xmlns="">
+    <mc:Fallback xmlns="" xmlns:m="http://schemas.openxmlformats.org/officeDocument/2006/math" xmlns:w="http://schemas.openxmlformats.org/wordprocessingml/2006/main" xmlns:wp="http://schemas.openxmlformats.org/drawingml/2006/wordprocessingDrawing" xmlns:a14="http://schemas.microsoft.com/office/drawing/2010/main" xmlns:p15="http://schemas.microsoft.com/office/powerpoint/2012/main" xmlns:p159="http://schemas.microsoft.com/office/powerpoint/2015/09/main">
       <p:transition spd="slow" advClick="0">
         <p:fade/>
       </p:transition>
@@ -1614,7 +1614,7 @@
           <a:p>
             <a:fld id="{2E2EFF59-9DE3-4C3C-B8BB-39DE230C4F04}" type="datetimeFigureOut">
               <a:rPr lang="ko-KR" altLang="en-US" smtClean="0"/>
-              <a:t>2024-02-20</a:t>
+              <a:t>2024-02-22</a:t>
             </a:fld>
             <a:endParaRPr lang="ko-KR" altLang="en-US"/>
           </a:p>
@@ -1678,7 +1678,7 @@
         <p14:gallery dir="l"/>
       </p:transition>
     </mc:Choice>
-    <mc:Fallback xmlns:p159="http://schemas.microsoft.com/office/powerpoint/2015/09/main" xmlns:p15="http://schemas.microsoft.com/office/powerpoint/2012/main" xmlns:a14="http://schemas.microsoft.com/office/drawing/2010/main" xmlns:wp="http://schemas.openxmlformats.org/drawingml/2006/wordprocessingDrawing" xmlns:w="http://schemas.openxmlformats.org/wordprocessingml/2006/main" xmlns:m="http://schemas.openxmlformats.org/officeDocument/2006/math" xmlns="">
+    <mc:Fallback xmlns="" xmlns:m="http://schemas.openxmlformats.org/officeDocument/2006/math" xmlns:w="http://schemas.openxmlformats.org/wordprocessingml/2006/main" xmlns:wp="http://schemas.openxmlformats.org/drawingml/2006/wordprocessingDrawing" xmlns:a14="http://schemas.microsoft.com/office/drawing/2010/main" xmlns:p15="http://schemas.microsoft.com/office/powerpoint/2012/main" xmlns:p159="http://schemas.microsoft.com/office/powerpoint/2015/09/main">
       <p:transition spd="slow" advClick="0">
         <p:fade/>
       </p:transition>
@@ -1919,7 +1919,7 @@
         <p14:gallery dir="l"/>
       </p:transition>
     </mc:Choice>
-    <mc:Fallback xmlns:p159="http://schemas.microsoft.com/office/powerpoint/2015/09/main" xmlns:p15="http://schemas.microsoft.com/office/powerpoint/2012/main" xmlns:a14="http://schemas.microsoft.com/office/drawing/2010/main" xmlns:wp="http://schemas.openxmlformats.org/drawingml/2006/wordprocessingDrawing" xmlns:w="http://schemas.openxmlformats.org/wordprocessingml/2006/main" xmlns:m="http://schemas.openxmlformats.org/officeDocument/2006/math" xmlns="">
+    <mc:Fallback xmlns="" xmlns:m="http://schemas.openxmlformats.org/officeDocument/2006/math" xmlns:w="http://schemas.openxmlformats.org/wordprocessingml/2006/main" xmlns:wp="http://schemas.openxmlformats.org/drawingml/2006/wordprocessingDrawing" xmlns:a14="http://schemas.microsoft.com/office/drawing/2010/main" xmlns:p15="http://schemas.microsoft.com/office/powerpoint/2012/main" xmlns:p159="http://schemas.microsoft.com/office/powerpoint/2015/09/main">
       <p:transition spd="slow" advClick="0">
         <p:fade/>
       </p:transition>
@@ -2062,7 +2062,7 @@
           <a:p>
             <a:fld id="{2E2EFF59-9DE3-4C3C-B8BB-39DE230C4F04}" type="datetimeFigureOut">
               <a:rPr lang="ko-KR" altLang="en-US" smtClean="0"/>
-              <a:t>2024-02-20</a:t>
+              <a:t>2024-02-22</a:t>
             </a:fld>
             <a:endParaRPr lang="ko-KR" altLang="en-US"/>
           </a:p>
@@ -2126,7 +2126,7 @@
         <p14:gallery dir="l"/>
       </p:transition>
     </mc:Choice>
-    <mc:Fallback xmlns:p159="http://schemas.microsoft.com/office/powerpoint/2015/09/main" xmlns:p15="http://schemas.microsoft.com/office/powerpoint/2012/main" xmlns:a14="http://schemas.microsoft.com/office/drawing/2010/main" xmlns:wp="http://schemas.openxmlformats.org/drawingml/2006/wordprocessingDrawing" xmlns:w="http://schemas.openxmlformats.org/wordprocessingml/2006/main" xmlns:m="http://schemas.openxmlformats.org/officeDocument/2006/math" xmlns="">
+    <mc:Fallback xmlns="" xmlns:m="http://schemas.openxmlformats.org/officeDocument/2006/math" xmlns:w="http://schemas.openxmlformats.org/wordprocessingml/2006/main" xmlns:wp="http://schemas.openxmlformats.org/drawingml/2006/wordprocessingDrawing" xmlns:a14="http://schemas.microsoft.com/office/drawing/2010/main" xmlns:p15="http://schemas.microsoft.com/office/powerpoint/2012/main" xmlns:p159="http://schemas.microsoft.com/office/powerpoint/2015/09/main">
       <p:transition spd="slow" advClick="0">
         <p:fade/>
       </p:transition>
@@ -2330,7 +2330,7 @@
           <a:p>
             <a:fld id="{2E2EFF59-9DE3-4C3C-B8BB-39DE230C4F04}" type="datetimeFigureOut">
               <a:rPr lang="ko-KR" altLang="en-US" smtClean="0"/>
-              <a:t>2024-02-20</a:t>
+              <a:t>2024-02-22</a:t>
             </a:fld>
             <a:endParaRPr lang="ko-KR" altLang="en-US"/>
           </a:p>
@@ -2394,7 +2394,7 @@
         <p14:gallery dir="l"/>
       </p:transition>
     </mc:Choice>
-    <mc:Fallback xmlns:p159="http://schemas.microsoft.com/office/powerpoint/2015/09/main" xmlns:p15="http://schemas.microsoft.com/office/powerpoint/2012/main" xmlns:a14="http://schemas.microsoft.com/office/drawing/2010/main" xmlns:wp="http://schemas.openxmlformats.org/drawingml/2006/wordprocessingDrawing" xmlns:w="http://schemas.openxmlformats.org/wordprocessingml/2006/main" xmlns:m="http://schemas.openxmlformats.org/officeDocument/2006/math" xmlns="">
+    <mc:Fallback xmlns="" xmlns:m="http://schemas.openxmlformats.org/officeDocument/2006/math" xmlns:w="http://schemas.openxmlformats.org/wordprocessingml/2006/main" xmlns:wp="http://schemas.openxmlformats.org/drawingml/2006/wordprocessingDrawing" xmlns:a14="http://schemas.microsoft.com/office/drawing/2010/main" xmlns:p15="http://schemas.microsoft.com/office/powerpoint/2012/main" xmlns:p159="http://schemas.microsoft.com/office/powerpoint/2015/09/main">
       <p:transition spd="slow" advClick="0">
         <p:fade/>
       </p:transition>
@@ -2620,7 +2620,7 @@
           <a:p>
             <a:fld id="{2E2EFF59-9DE3-4C3C-B8BB-39DE230C4F04}" type="datetimeFigureOut">
               <a:rPr lang="ko-KR" altLang="en-US" smtClean="0"/>
-              <a:t>2024-02-20</a:t>
+              <a:t>2024-02-22</a:t>
             </a:fld>
             <a:endParaRPr lang="ko-KR" altLang="en-US"/>
           </a:p>
@@ -2684,7 +2684,7 @@
         <p14:gallery dir="l"/>
       </p:transition>
     </mc:Choice>
-    <mc:Fallback xmlns:p159="http://schemas.microsoft.com/office/powerpoint/2015/09/main" xmlns:p15="http://schemas.microsoft.com/office/powerpoint/2012/main" xmlns:a14="http://schemas.microsoft.com/office/drawing/2010/main" xmlns:wp="http://schemas.openxmlformats.org/drawingml/2006/wordprocessingDrawing" xmlns:w="http://schemas.openxmlformats.org/wordprocessingml/2006/main" xmlns:m="http://schemas.openxmlformats.org/officeDocument/2006/math" xmlns="">
+    <mc:Fallback xmlns="" xmlns:m="http://schemas.openxmlformats.org/officeDocument/2006/math" xmlns:w="http://schemas.openxmlformats.org/wordprocessingml/2006/main" xmlns:wp="http://schemas.openxmlformats.org/drawingml/2006/wordprocessingDrawing" xmlns:a14="http://schemas.microsoft.com/office/drawing/2010/main" xmlns:p15="http://schemas.microsoft.com/office/powerpoint/2012/main" xmlns:p159="http://schemas.microsoft.com/office/powerpoint/2015/09/main">
       <p:transition spd="slow" advClick="0">
         <p:fade/>
       </p:transition>
@@ -3057,7 +3057,7 @@
           <a:p>
             <a:fld id="{2E2EFF59-9DE3-4C3C-B8BB-39DE230C4F04}" type="datetimeFigureOut">
               <a:rPr lang="ko-KR" altLang="en-US" smtClean="0"/>
-              <a:t>2024-02-20</a:t>
+              <a:t>2024-02-22</a:t>
             </a:fld>
             <a:endParaRPr lang="ko-KR" altLang="en-US"/>
           </a:p>
@@ -3121,7 +3121,7 @@
         <p14:gallery dir="l"/>
       </p:transition>
     </mc:Choice>
-    <mc:Fallback xmlns:p159="http://schemas.microsoft.com/office/powerpoint/2015/09/main" xmlns:p15="http://schemas.microsoft.com/office/powerpoint/2012/main" xmlns:a14="http://schemas.microsoft.com/office/drawing/2010/main" xmlns:wp="http://schemas.openxmlformats.org/drawingml/2006/wordprocessingDrawing" xmlns:w="http://schemas.openxmlformats.org/wordprocessingml/2006/main" xmlns:m="http://schemas.openxmlformats.org/officeDocument/2006/math" xmlns="">
+    <mc:Fallback xmlns="" xmlns:m="http://schemas.openxmlformats.org/officeDocument/2006/math" xmlns:w="http://schemas.openxmlformats.org/wordprocessingml/2006/main" xmlns:wp="http://schemas.openxmlformats.org/drawingml/2006/wordprocessingDrawing" xmlns:a14="http://schemas.microsoft.com/office/drawing/2010/main" xmlns:p15="http://schemas.microsoft.com/office/powerpoint/2012/main" xmlns:p159="http://schemas.microsoft.com/office/powerpoint/2015/09/main">
       <p:transition spd="slow" advClick="0">
         <p:fade/>
       </p:transition>
@@ -3191,7 +3191,7 @@
           <a:p>
             <a:fld id="{2E2EFF59-9DE3-4C3C-B8BB-39DE230C4F04}" type="datetimeFigureOut">
               <a:rPr lang="ko-KR" altLang="en-US" smtClean="0"/>
-              <a:t>2024-02-20</a:t>
+              <a:t>2024-02-22</a:t>
             </a:fld>
             <a:endParaRPr lang="ko-KR" altLang="en-US"/>
           </a:p>
@@ -3255,7 +3255,7 @@
         <p14:gallery dir="l"/>
       </p:transition>
     </mc:Choice>
-    <mc:Fallback xmlns:p159="http://schemas.microsoft.com/office/powerpoint/2015/09/main" xmlns:p15="http://schemas.microsoft.com/office/powerpoint/2012/main" xmlns:a14="http://schemas.microsoft.com/office/drawing/2010/main" xmlns:wp="http://schemas.openxmlformats.org/drawingml/2006/wordprocessingDrawing" xmlns:w="http://schemas.openxmlformats.org/wordprocessingml/2006/main" xmlns:m="http://schemas.openxmlformats.org/officeDocument/2006/math" xmlns="">
+    <mc:Fallback xmlns="" xmlns:m="http://schemas.openxmlformats.org/officeDocument/2006/math" xmlns:w="http://schemas.openxmlformats.org/wordprocessingml/2006/main" xmlns:wp="http://schemas.openxmlformats.org/drawingml/2006/wordprocessingDrawing" xmlns:a14="http://schemas.microsoft.com/office/drawing/2010/main" xmlns:p15="http://schemas.microsoft.com/office/powerpoint/2012/main" xmlns:p159="http://schemas.microsoft.com/office/powerpoint/2015/09/main">
       <p:transition spd="slow" advClick="0">
         <p:fade/>
       </p:transition>
@@ -3298,7 +3298,7 @@
           <a:p>
             <a:fld id="{2E2EFF59-9DE3-4C3C-B8BB-39DE230C4F04}" type="datetimeFigureOut">
               <a:rPr lang="ko-KR" altLang="en-US" smtClean="0"/>
-              <a:t>2024-02-20</a:t>
+              <a:t>2024-02-22</a:t>
             </a:fld>
             <a:endParaRPr lang="ko-KR" altLang="en-US"/>
           </a:p>
@@ -3362,7 +3362,7 @@
         <p14:gallery dir="l"/>
       </p:transition>
     </mc:Choice>
-    <mc:Fallback xmlns:p159="http://schemas.microsoft.com/office/powerpoint/2015/09/main" xmlns:p15="http://schemas.microsoft.com/office/powerpoint/2012/main" xmlns:a14="http://schemas.microsoft.com/office/drawing/2010/main" xmlns:wp="http://schemas.openxmlformats.org/drawingml/2006/wordprocessingDrawing" xmlns:w="http://schemas.openxmlformats.org/wordprocessingml/2006/main" xmlns:m="http://schemas.openxmlformats.org/officeDocument/2006/math" xmlns="">
+    <mc:Fallback xmlns="" xmlns:m="http://schemas.openxmlformats.org/officeDocument/2006/math" xmlns:w="http://schemas.openxmlformats.org/wordprocessingml/2006/main" xmlns:wp="http://schemas.openxmlformats.org/drawingml/2006/wordprocessingDrawing" xmlns:a14="http://schemas.microsoft.com/office/drawing/2010/main" xmlns:p15="http://schemas.microsoft.com/office/powerpoint/2012/main" xmlns:p159="http://schemas.microsoft.com/office/powerpoint/2015/09/main">
       <p:transition spd="slow" advClick="0">
         <p:fade/>
       </p:transition>
@@ -3618,7 +3618,7 @@
           <a:p>
             <a:fld id="{2E2EFF59-9DE3-4C3C-B8BB-39DE230C4F04}" type="datetimeFigureOut">
               <a:rPr lang="ko-KR" altLang="en-US" smtClean="0"/>
-              <a:t>2024-02-20</a:t>
+              <a:t>2024-02-22</a:t>
             </a:fld>
             <a:endParaRPr lang="ko-KR" altLang="en-US"/>
           </a:p>
@@ -3682,7 +3682,7 @@
         <p14:gallery dir="l"/>
       </p:transition>
     </mc:Choice>
-    <mc:Fallback xmlns:p159="http://schemas.microsoft.com/office/powerpoint/2015/09/main" xmlns:p15="http://schemas.microsoft.com/office/powerpoint/2012/main" xmlns:a14="http://schemas.microsoft.com/office/drawing/2010/main" xmlns:wp="http://schemas.openxmlformats.org/drawingml/2006/wordprocessingDrawing" xmlns:w="http://schemas.openxmlformats.org/wordprocessingml/2006/main" xmlns:m="http://schemas.openxmlformats.org/officeDocument/2006/math" xmlns="">
+    <mc:Fallback xmlns="" xmlns:m="http://schemas.openxmlformats.org/officeDocument/2006/math" xmlns:w="http://schemas.openxmlformats.org/wordprocessingml/2006/main" xmlns:wp="http://schemas.openxmlformats.org/drawingml/2006/wordprocessingDrawing" xmlns:a14="http://schemas.microsoft.com/office/drawing/2010/main" xmlns:p15="http://schemas.microsoft.com/office/powerpoint/2012/main" xmlns:p159="http://schemas.microsoft.com/office/powerpoint/2015/09/main">
       <p:transition spd="slow" advClick="0">
         <p:fade/>
       </p:transition>
@@ -3867,7 +3867,7 @@
           <a:p>
             <a:fld id="{2E2EFF59-9DE3-4C3C-B8BB-39DE230C4F04}" type="datetimeFigureOut">
               <a:rPr lang="ko-KR" altLang="en-US" smtClean="0"/>
-              <a:t>2024-02-20</a:t>
+              <a:t>2024-02-22</a:t>
             </a:fld>
             <a:endParaRPr lang="ko-KR" altLang="en-US"/>
           </a:p>
@@ -3983,7 +3983,7 @@
         <p14:gallery dir="l"/>
       </p:transition>
     </mc:Choice>
-    <mc:Fallback xmlns:p159="http://schemas.microsoft.com/office/powerpoint/2015/09/main" xmlns:p15="http://schemas.microsoft.com/office/powerpoint/2012/main" xmlns:a14="http://schemas.microsoft.com/office/drawing/2010/main" xmlns:wp="http://schemas.openxmlformats.org/drawingml/2006/wordprocessingDrawing" xmlns:w="http://schemas.openxmlformats.org/wordprocessingml/2006/main" xmlns:m="http://schemas.openxmlformats.org/officeDocument/2006/math" xmlns="">
+    <mc:Fallback xmlns="" xmlns:m="http://schemas.openxmlformats.org/officeDocument/2006/math" xmlns:w="http://schemas.openxmlformats.org/wordprocessingml/2006/main" xmlns:wp="http://schemas.openxmlformats.org/drawingml/2006/wordprocessingDrawing" xmlns:a14="http://schemas.microsoft.com/office/drawing/2010/main" xmlns:p15="http://schemas.microsoft.com/office/powerpoint/2012/main" xmlns:p159="http://schemas.microsoft.com/office/powerpoint/2015/09/main">
       <p:transition spd="slow" advClick="0">
         <p:fade/>
       </p:transition>
@@ -4401,7 +4401,7 @@
         <p14:gallery dir="l"/>
       </p:transition>
     </mc:Choice>
-    <mc:Fallback xmlns:p159="http://schemas.microsoft.com/office/powerpoint/2015/09/main" xmlns:p15="http://schemas.microsoft.com/office/powerpoint/2012/main" xmlns:a14="http://schemas.microsoft.com/office/drawing/2010/main" xmlns:wp="http://schemas.openxmlformats.org/drawingml/2006/wordprocessingDrawing" xmlns:w="http://schemas.openxmlformats.org/wordprocessingml/2006/main" xmlns:m="http://schemas.openxmlformats.org/officeDocument/2006/math" xmlns="">
+    <mc:Fallback xmlns="" xmlns:m="http://schemas.openxmlformats.org/officeDocument/2006/math" xmlns:w="http://schemas.openxmlformats.org/wordprocessingml/2006/main" xmlns:wp="http://schemas.openxmlformats.org/drawingml/2006/wordprocessingDrawing" xmlns:a14="http://schemas.microsoft.com/office/drawing/2010/main" xmlns:p15="http://schemas.microsoft.com/office/powerpoint/2012/main" xmlns:p159="http://schemas.microsoft.com/office/powerpoint/2015/09/main">
       <p:transition spd="slow" advClick="0">
         <p:fade/>
       </p:transition>
@@ -5513,7 +5513,7 @@
         <p14:gallery dir="l"/>
       </p:transition>
     </mc:Choice>
-    <mc:Fallback xmlns:p159="http://schemas.microsoft.com/office/powerpoint/2015/09/main" xmlns:p15="http://schemas.microsoft.com/office/powerpoint/2012/main" xmlns:a14="http://schemas.microsoft.com/office/drawing/2010/main" xmlns:wp="http://schemas.openxmlformats.org/drawingml/2006/wordprocessingDrawing" xmlns:w="http://schemas.openxmlformats.org/wordprocessingml/2006/main" xmlns:m="http://schemas.openxmlformats.org/officeDocument/2006/math" xmlns="">
+    <mc:Fallback xmlns="" xmlns:m="http://schemas.openxmlformats.org/officeDocument/2006/math" xmlns:w="http://schemas.openxmlformats.org/wordprocessingml/2006/main" xmlns:wp="http://schemas.openxmlformats.org/drawingml/2006/wordprocessingDrawing" xmlns:a14="http://schemas.microsoft.com/office/drawing/2010/main" xmlns:p15="http://schemas.microsoft.com/office/powerpoint/2012/main" xmlns:p159="http://schemas.microsoft.com/office/powerpoint/2015/09/main">
       <p:transition spd="slow" advClick="0">
         <p:fade/>
       </p:transition>
@@ -5810,7 +5810,7 @@
         <p14:gallery dir="l"/>
       </p:transition>
     </mc:Choice>
-    <mc:Fallback xmlns:p159="http://schemas.microsoft.com/office/powerpoint/2015/09/main" xmlns:p15="http://schemas.microsoft.com/office/powerpoint/2012/main" xmlns:a14="http://schemas.microsoft.com/office/drawing/2010/main" xmlns:wp="http://schemas.openxmlformats.org/drawingml/2006/wordprocessingDrawing" xmlns:w="http://schemas.openxmlformats.org/wordprocessingml/2006/main" xmlns:m="http://schemas.openxmlformats.org/officeDocument/2006/math" xmlns="">
+    <mc:Fallback xmlns="" xmlns:m="http://schemas.openxmlformats.org/officeDocument/2006/math" xmlns:w="http://schemas.openxmlformats.org/wordprocessingml/2006/main" xmlns:wp="http://schemas.openxmlformats.org/drawingml/2006/wordprocessingDrawing" xmlns:a14="http://schemas.microsoft.com/office/drawing/2010/main" xmlns:p15="http://schemas.microsoft.com/office/powerpoint/2012/main" xmlns:p159="http://schemas.microsoft.com/office/powerpoint/2015/09/main">
       <p:transition spd="slow" advClick="0">
         <p:fade/>
       </p:transition>
@@ -5909,7 +5909,7 @@
         <p14:gallery dir="l"/>
       </p:transition>
     </mc:Choice>
-    <mc:Fallback xmlns:p159="http://schemas.microsoft.com/office/powerpoint/2015/09/main" xmlns:p15="http://schemas.microsoft.com/office/powerpoint/2012/main" xmlns:a14="http://schemas.microsoft.com/office/drawing/2010/main" xmlns:wp="http://schemas.openxmlformats.org/drawingml/2006/wordprocessingDrawing" xmlns:w="http://schemas.openxmlformats.org/wordprocessingml/2006/main" xmlns:m="http://schemas.openxmlformats.org/officeDocument/2006/math" xmlns="">
+    <mc:Fallback xmlns="" xmlns:m="http://schemas.openxmlformats.org/officeDocument/2006/math" xmlns:w="http://schemas.openxmlformats.org/wordprocessingml/2006/main" xmlns:wp="http://schemas.openxmlformats.org/drawingml/2006/wordprocessingDrawing" xmlns:a14="http://schemas.microsoft.com/office/drawing/2010/main" xmlns:p15="http://schemas.microsoft.com/office/powerpoint/2012/main" xmlns:p159="http://schemas.microsoft.com/office/powerpoint/2015/09/main">
       <p:transition spd="slow" advClick="0">
         <p:fade/>
       </p:transition>
@@ -6008,7 +6008,7 @@
         <p14:gallery dir="l"/>
       </p:transition>
     </mc:Choice>
-    <mc:Fallback xmlns:p159="http://schemas.microsoft.com/office/powerpoint/2015/09/main" xmlns:p15="http://schemas.microsoft.com/office/powerpoint/2012/main" xmlns:a14="http://schemas.microsoft.com/office/drawing/2010/main" xmlns:wp="http://schemas.openxmlformats.org/drawingml/2006/wordprocessingDrawing" xmlns:w="http://schemas.openxmlformats.org/wordprocessingml/2006/main" xmlns:m="http://schemas.openxmlformats.org/officeDocument/2006/math" xmlns="">
+    <mc:Fallback xmlns="" xmlns:m="http://schemas.openxmlformats.org/officeDocument/2006/math" xmlns:w="http://schemas.openxmlformats.org/wordprocessingml/2006/main" xmlns:wp="http://schemas.openxmlformats.org/drawingml/2006/wordprocessingDrawing" xmlns:a14="http://schemas.microsoft.com/office/drawing/2010/main" xmlns:p15="http://schemas.microsoft.com/office/powerpoint/2012/main" xmlns:p159="http://schemas.microsoft.com/office/powerpoint/2015/09/main">
       <p:transition spd="slow" advClick="0">
         <p:fade/>
       </p:transition>
@@ -6126,7 +6126,7 @@
         <p14:gallery dir="l"/>
       </p:transition>
     </mc:Choice>
-    <mc:Fallback xmlns:p159="http://schemas.microsoft.com/office/powerpoint/2015/09/main" xmlns:p15="http://schemas.microsoft.com/office/powerpoint/2012/main" xmlns:a14="http://schemas.microsoft.com/office/drawing/2010/main" xmlns:wp="http://schemas.openxmlformats.org/drawingml/2006/wordprocessingDrawing" xmlns:w="http://schemas.openxmlformats.org/wordprocessingml/2006/main" xmlns:m="http://schemas.openxmlformats.org/officeDocument/2006/math" xmlns="">
+    <mc:Fallback xmlns="" xmlns:m="http://schemas.openxmlformats.org/officeDocument/2006/math" xmlns:w="http://schemas.openxmlformats.org/wordprocessingml/2006/main" xmlns:wp="http://schemas.openxmlformats.org/drawingml/2006/wordprocessingDrawing" xmlns:a14="http://schemas.microsoft.com/office/drawing/2010/main" xmlns:p15="http://schemas.microsoft.com/office/powerpoint/2012/main" xmlns:p159="http://schemas.microsoft.com/office/powerpoint/2015/09/main">
       <p:transition spd="slow" advClick="0">
         <p:fade/>
       </p:transition>
@@ -6225,7 +6225,7 @@
         <p14:gallery dir="l"/>
       </p:transition>
     </mc:Choice>
-    <mc:Fallback xmlns:p159="http://schemas.microsoft.com/office/powerpoint/2015/09/main" xmlns:p15="http://schemas.microsoft.com/office/powerpoint/2012/main" xmlns:a14="http://schemas.microsoft.com/office/drawing/2010/main" xmlns:wp="http://schemas.openxmlformats.org/drawingml/2006/wordprocessingDrawing" xmlns:w="http://schemas.openxmlformats.org/wordprocessingml/2006/main" xmlns:m="http://schemas.openxmlformats.org/officeDocument/2006/math" xmlns="">
+    <mc:Fallback xmlns="" xmlns:m="http://schemas.openxmlformats.org/officeDocument/2006/math" xmlns:w="http://schemas.openxmlformats.org/wordprocessingml/2006/main" xmlns:wp="http://schemas.openxmlformats.org/drawingml/2006/wordprocessingDrawing" xmlns:a14="http://schemas.microsoft.com/office/drawing/2010/main" xmlns:p15="http://schemas.microsoft.com/office/powerpoint/2012/main" xmlns:p159="http://schemas.microsoft.com/office/powerpoint/2015/09/main">
       <p:transition spd="slow" advClick="0">
         <p:fade/>
       </p:transition>

--- a/템플릿/환경켐페인소셜웹.pptx
+++ b/템플릿/환경켐페인소셜웹.pptx
@@ -11,7 +11,11 @@
     <p:sldId id="259" r:id="rId5"/>
     <p:sldId id="260" r:id="rId6"/>
     <p:sldId id="261" r:id="rId7"/>
-    <p:sldId id="262" r:id="rId8"/>
+    <p:sldId id="264" r:id="rId8"/>
+    <p:sldId id="265" r:id="rId9"/>
+    <p:sldId id="263" r:id="rId10"/>
+    <p:sldId id="262" r:id="rId11"/>
+    <p:sldId id="266" r:id="rId12"/>
   </p:sldIdLst>
   <p:sldSz cx="12192000" cy="6858000"/>
   <p:notesSz cx="6858000" cy="9144000"/>
@@ -985,8 +989,8 @@
 </file>
 
 <file path=ppt/slideLayouts/slideLayout10.xml><?xml version="1.0" encoding="utf-8"?>
-<p:sldLayout xmlns:a="http://schemas.openxmlformats.org/drawingml/2006/main" xmlns:r="http://schemas.openxmlformats.org/officeDocument/2006/relationships" xmlns:p="http://schemas.openxmlformats.org/presentationml/2006/main" type="picTx" preserve="1">
-  <p:cSld name="图片与标题">
+<p:sldLayout xmlns:a="http://schemas.openxmlformats.org/drawingml/2006/main" xmlns:r="http://schemas.openxmlformats.org/officeDocument/2006/relationships" xmlns:p="http://schemas.openxmlformats.org/presentationml/2006/main" type="objTx" preserve="1">
+  <p:cSld name="内容与标题">
     <p:spTree>
       <p:nvGrpSpPr>
         <p:cNvPr id="1" name=""/>
@@ -1039,12 +1043,12 @@
       </p:sp>
       <p:sp>
         <p:nvSpPr>
-          <p:cNvPr id="3" name="图片占位符 2"/>
+          <p:cNvPr id="3" name="内容占位符 2"/>
           <p:cNvSpPr>
             <a:spLocks noGrp="1"/>
           </p:cNvSpPr>
           <p:nvPr>
-            <p:ph type="pic" idx="1"/>
+            <p:ph idx="1" hasCustomPrompt="1"/>
           </p:nvPr>
         </p:nvSpPr>
         <p:spPr>
@@ -1054,49 +1058,90 @@
           </a:xfrm>
         </p:spPr>
         <p:txBody>
-          <a:bodyPr/>
+          <a:bodyPr>
+            <a:normAutofit/>
+          </a:bodyPr>
           <a:lstStyle>
-            <a:lvl1pPr marL="0" indent="0">
-              <a:buNone/>
+            <a:lvl1pPr>
               <a:defRPr sz="3200"/>
             </a:lvl1pPr>
-            <a:lvl2pPr marL="457200" indent="0">
-              <a:buNone/>
+            <a:lvl2pPr>
               <a:defRPr sz="2800"/>
             </a:lvl2pPr>
-            <a:lvl3pPr marL="914400" indent="0">
-              <a:buNone/>
+            <a:lvl3pPr>
               <a:defRPr sz="2400"/>
             </a:lvl3pPr>
-            <a:lvl4pPr marL="1371600" indent="0">
-              <a:buNone/>
+            <a:lvl4pPr>
               <a:defRPr sz="2000"/>
             </a:lvl4pPr>
-            <a:lvl5pPr marL="1828800" indent="0">
-              <a:buNone/>
+            <a:lvl5pPr>
               <a:defRPr sz="2000"/>
             </a:lvl5pPr>
-            <a:lvl6pPr marL="2286000" indent="0">
-              <a:buNone/>
+            <a:lvl6pPr>
               <a:defRPr sz="2000"/>
             </a:lvl6pPr>
-            <a:lvl7pPr marL="2743200" indent="0">
-              <a:buNone/>
+            <a:lvl7pPr>
               <a:defRPr sz="2000"/>
             </a:lvl7pPr>
-            <a:lvl8pPr marL="3200400" indent="0">
-              <a:buNone/>
+            <a:lvl8pPr>
               <a:defRPr sz="2000"/>
             </a:lvl8pPr>
-            <a:lvl9pPr marL="3657600" indent="0">
-              <a:buNone/>
+            <a:lvl9pPr>
               <a:defRPr sz="2000"/>
             </a:lvl9pPr>
           </a:lstStyle>
           <a:p>
+            <a:pPr lvl="0"/>
             <a:r>
-              <a:rPr lang="ko-KR" altLang="en-US"/>
-              <a:t>그림을 추가하려면 아이콘을 클릭하십시오</a:t>
+              <a:rPr lang="ko-KO" altLang="ko-KO" sz="2200">
+                <a:latin typeface="NanumGothic"/>
+                <a:ea typeface="NanumGothic"/>
+              </a:rPr>
+              <a:t>마스터 텍스트 스타일 편집</a:t>
+            </a:r>
+            <a:endParaRPr lang="zh-CN" altLang="en-US"/>
+          </a:p>
+          <a:p>
+            <a:pPr lvl="1"/>
+            <a:r>
+              <a:rPr lang="ko-KO" altLang="ko-KO">
+                <a:latin typeface="NanumGothic"/>
+                <a:ea typeface="NanumGothic"/>
+              </a:rPr>
+              <a:t>두 번째 수준</a:t>
+            </a:r>
+            <a:endParaRPr lang="zh-CN" altLang="en-US"/>
+          </a:p>
+          <a:p>
+            <a:pPr lvl="2"/>
+            <a:r>
+              <a:rPr lang="ko-KO" altLang="ko-KO">
+                <a:latin typeface="NanumGothic"/>
+                <a:ea typeface="NanumGothic"/>
+              </a:rPr>
+              <a:t>레벨 3</a:t>
+            </a:r>
+            <a:endParaRPr lang="zh-CN" altLang="en-US"/>
+          </a:p>
+          <a:p>
+            <a:pPr lvl="3"/>
+            <a:r>
+              <a:rPr lang="ko-KO" altLang="ko-KO">
+                <a:latin typeface="NanumGothic"/>
+                <a:ea typeface="NanumGothic"/>
+              </a:rPr>
+              <a:t>레벨 4</a:t>
+            </a:r>
+            <a:endParaRPr lang="zh-CN" altLang="en-US"/>
+          </a:p>
+          <a:p>
+            <a:pPr lvl="4"/>
+            <a:r>
+              <a:rPr lang="ko-KO" altLang="ko-KO">
+                <a:latin typeface="NanumGothic"/>
+                <a:ea typeface="NanumGothic"/>
+              </a:rPr>
+              <a:t>레벨 5</a:t>
             </a:r>
             <a:endParaRPr lang="zh-CN" altLang="en-US"/>
           </a:p>
@@ -1190,7 +1235,286 @@
           <a:p>
             <a:fld id="{2E2EFF59-9DE3-4C3C-B8BB-39DE230C4F04}" type="datetimeFigureOut">
               <a:rPr lang="ko-KR" altLang="en-US" smtClean="0"/>
-              <a:t>2024-02-22</a:t>
+              <a:t>2024-03-18</a:t>
+            </a:fld>
+            <a:endParaRPr lang="ko-KR" altLang="en-US"/>
+          </a:p>
+        </p:txBody>
+      </p:sp>
+      <p:sp>
+        <p:nvSpPr>
+          <p:cNvPr id="6" name="页脚占位符 5"/>
+          <p:cNvSpPr>
+            <a:spLocks noGrp="1"/>
+          </p:cNvSpPr>
+          <p:nvPr>
+            <p:ph type="ftr" sz="quarter" idx="11"/>
+          </p:nvPr>
+        </p:nvSpPr>
+        <p:spPr/>
+        <p:txBody>
+          <a:bodyPr/>
+          <a:lstStyle/>
+          <a:p>
+            <a:endParaRPr lang="ko-KR" altLang="en-US"/>
+          </a:p>
+        </p:txBody>
+      </p:sp>
+      <p:sp>
+        <p:nvSpPr>
+          <p:cNvPr id="7" name="灯片编号占位符 6"/>
+          <p:cNvSpPr>
+            <a:spLocks noGrp="1"/>
+          </p:cNvSpPr>
+          <p:nvPr>
+            <p:ph type="sldNum" sz="quarter" idx="12"/>
+          </p:nvPr>
+        </p:nvSpPr>
+        <p:spPr/>
+        <p:txBody>
+          <a:bodyPr/>
+          <a:lstStyle/>
+          <a:p>
+            <a:fld id="{957431D7-CBEB-4A99-BE57-3A2CE7B47B94}" type="slidenum">
+              <a:rPr lang="ko-KR" altLang="en-US" smtClean="0"/>
+              <a:t>‹#›</a:t>
+            </a:fld>
+            <a:endParaRPr lang="ko-KR" altLang="en-US"/>
+          </a:p>
+        </p:txBody>
+      </p:sp>
+    </p:spTree>
+    <p:extLst>
+      <p:ext uri="{BB962C8B-B14F-4D97-AF65-F5344CB8AC3E}">
+        <p14:creationId xmlns:p14="http://schemas.microsoft.com/office/powerpoint/2010/main" val="43760031"/>
+      </p:ext>
+    </p:extLst>
+  </p:cSld>
+  <p:clrMapOvr>
+    <a:masterClrMapping/>
+  </p:clrMapOvr>
+  <mc:AlternateContent xmlns:mc="http://schemas.openxmlformats.org/markup-compatibility/2006" xmlns:p14="http://schemas.microsoft.com/office/powerpoint/2010/main">
+    <mc:Choice Requires="p14">
+      <p:transition spd="slow" p14:dur="1250" advClick="0">
+        <p14:gallery dir="l"/>
+      </p:transition>
+    </mc:Choice>
+    <mc:Fallback xmlns="" xmlns:m="http://schemas.openxmlformats.org/officeDocument/2006/math" xmlns:w="http://schemas.openxmlformats.org/wordprocessingml/2006/main" xmlns:wp="http://schemas.openxmlformats.org/drawingml/2006/wordprocessingDrawing" xmlns:a14="http://schemas.microsoft.com/office/drawing/2010/main" xmlns:p15="http://schemas.microsoft.com/office/powerpoint/2012/main" xmlns:p159="http://schemas.microsoft.com/office/powerpoint/2015/09/main">
+      <p:transition spd="slow" advClick="0">
+        <p:fade/>
+      </p:transition>
+    </mc:Fallback>
+  </mc:AlternateContent>
+</p:sldLayout>
+</file>
+
+<file path=ppt/slideLayouts/slideLayout11.xml><?xml version="1.0" encoding="utf-8"?>
+<p:sldLayout xmlns:a="http://schemas.openxmlformats.org/drawingml/2006/main" xmlns:r="http://schemas.openxmlformats.org/officeDocument/2006/relationships" xmlns:p="http://schemas.openxmlformats.org/presentationml/2006/main" type="picTx" preserve="1">
+  <p:cSld name="图片与标题">
+    <p:spTree>
+      <p:nvGrpSpPr>
+        <p:cNvPr id="1" name=""/>
+        <p:cNvGrpSpPr/>
+        <p:nvPr/>
+      </p:nvGrpSpPr>
+      <p:grpSpPr>
+        <a:xfrm>
+          <a:off x="0" y="0"/>
+          <a:ext cx="0" cy="0"/>
+          <a:chOff x="0" y="0"/>
+          <a:chExt cx="0" cy="0"/>
+        </a:xfrm>
+      </p:grpSpPr>
+      <p:sp>
+        <p:nvSpPr>
+          <p:cNvPr id="2" name="标题 1"/>
+          <p:cNvSpPr>
+            <a:spLocks noGrp="1"/>
+          </p:cNvSpPr>
+          <p:nvPr>
+            <p:ph type="title"/>
+          </p:nvPr>
+        </p:nvSpPr>
+        <p:spPr>
+          <a:xfrm>
+            <a:off x="839788" y="457200"/>
+            <a:ext cx="3932237" cy="1600200"/>
+          </a:xfrm>
+        </p:spPr>
+        <p:txBody>
+          <a:bodyPr anchor="t">
+            <a:normAutofit/>
+          </a:bodyPr>
+          <a:lstStyle>
+            <a:lvl1pPr>
+              <a:defRPr sz="3200"/>
+            </a:lvl1pPr>
+          </a:lstStyle>
+          <a:p>
+            <a:r>
+              <a:rPr lang="ko-KR" altLang="en-US" sz="2500">
+                <a:latin typeface="NanumGothic"/>
+              </a:rPr>
+              <a:t>마스터 제목 스타일 편집</a:t>
+            </a:r>
+            <a:endParaRPr lang="zh-CN" altLang="en-US"/>
+          </a:p>
+        </p:txBody>
+      </p:sp>
+      <p:sp>
+        <p:nvSpPr>
+          <p:cNvPr id="3" name="图片占位符 2"/>
+          <p:cNvSpPr>
+            <a:spLocks noGrp="1"/>
+          </p:cNvSpPr>
+          <p:nvPr>
+            <p:ph type="pic" idx="1"/>
+          </p:nvPr>
+        </p:nvSpPr>
+        <p:spPr>
+          <a:xfrm>
+            <a:off x="5183188" y="987425"/>
+            <a:ext cx="6172200" cy="4873625"/>
+          </a:xfrm>
+        </p:spPr>
+        <p:txBody>
+          <a:bodyPr/>
+          <a:lstStyle>
+            <a:lvl1pPr marL="0" indent="0">
+              <a:buNone/>
+              <a:defRPr sz="3200"/>
+            </a:lvl1pPr>
+            <a:lvl2pPr marL="457200" indent="0">
+              <a:buNone/>
+              <a:defRPr sz="2800"/>
+            </a:lvl2pPr>
+            <a:lvl3pPr marL="914400" indent="0">
+              <a:buNone/>
+              <a:defRPr sz="2400"/>
+            </a:lvl3pPr>
+            <a:lvl4pPr marL="1371600" indent="0">
+              <a:buNone/>
+              <a:defRPr sz="2000"/>
+            </a:lvl4pPr>
+            <a:lvl5pPr marL="1828800" indent="0">
+              <a:buNone/>
+              <a:defRPr sz="2000"/>
+            </a:lvl5pPr>
+            <a:lvl6pPr marL="2286000" indent="0">
+              <a:buNone/>
+              <a:defRPr sz="2000"/>
+            </a:lvl6pPr>
+            <a:lvl7pPr marL="2743200" indent="0">
+              <a:buNone/>
+              <a:defRPr sz="2000"/>
+            </a:lvl7pPr>
+            <a:lvl8pPr marL="3200400" indent="0">
+              <a:buNone/>
+              <a:defRPr sz="2000"/>
+            </a:lvl8pPr>
+            <a:lvl9pPr marL="3657600" indent="0">
+              <a:buNone/>
+              <a:defRPr sz="2000"/>
+            </a:lvl9pPr>
+          </a:lstStyle>
+          <a:p>
+            <a:r>
+              <a:rPr lang="ko-KR" altLang="en-US"/>
+              <a:t>그림을 추가하려면 아이콘을 클릭하십시오</a:t>
+            </a:r>
+            <a:endParaRPr lang="zh-CN" altLang="en-US"/>
+          </a:p>
+        </p:txBody>
+      </p:sp>
+      <p:sp>
+        <p:nvSpPr>
+          <p:cNvPr id="4" name="文本占位符 3"/>
+          <p:cNvSpPr>
+            <a:spLocks noGrp="1"/>
+          </p:cNvSpPr>
+          <p:nvPr>
+            <p:ph type="body" sz="half" idx="2" hasCustomPrompt="1"/>
+          </p:nvPr>
+        </p:nvSpPr>
+        <p:spPr>
+          <a:xfrm>
+            <a:off x="839788" y="2057400"/>
+            <a:ext cx="3932237" cy="3811588"/>
+          </a:xfrm>
+        </p:spPr>
+        <p:txBody>
+          <a:bodyPr>
+            <a:normAutofit/>
+          </a:bodyPr>
+          <a:lstStyle>
+            <a:lvl1pPr marL="0" indent="0">
+              <a:buNone/>
+              <a:defRPr sz="1600"/>
+            </a:lvl1pPr>
+            <a:lvl2pPr marL="457200" indent="0">
+              <a:buNone/>
+              <a:defRPr sz="1400"/>
+            </a:lvl2pPr>
+            <a:lvl3pPr marL="914400" indent="0">
+              <a:buNone/>
+              <a:defRPr sz="1200"/>
+            </a:lvl3pPr>
+            <a:lvl4pPr marL="1371600" indent="0">
+              <a:buNone/>
+              <a:defRPr sz="1000"/>
+            </a:lvl4pPr>
+            <a:lvl5pPr marL="1828800" indent="0">
+              <a:buNone/>
+              <a:defRPr sz="1000"/>
+            </a:lvl5pPr>
+            <a:lvl6pPr marL="2286000" indent="0">
+              <a:buNone/>
+              <a:defRPr sz="1000"/>
+            </a:lvl6pPr>
+            <a:lvl7pPr marL="2743200" indent="0">
+              <a:buNone/>
+              <a:defRPr sz="1000"/>
+            </a:lvl7pPr>
+            <a:lvl8pPr marL="3200400" indent="0">
+              <a:buNone/>
+              <a:defRPr sz="1000"/>
+            </a:lvl8pPr>
+            <a:lvl9pPr marL="3657600" indent="0">
+              <a:buNone/>
+              <a:defRPr sz="1000"/>
+            </a:lvl9pPr>
+          </a:lstStyle>
+          <a:p>
+            <a:pPr lvl="0"/>
+            <a:r>
+              <a:rPr lang="ko-KO" altLang="ko-KO" sz="1100">
+                <a:latin typeface="NanumGothic"/>
+                <a:ea typeface="NanumGothic"/>
+              </a:rPr>
+              <a:t>마스터 텍스트 스타일 편집</a:t>
+            </a:r>
+            <a:endParaRPr lang="zh-CN" altLang="en-US"/>
+          </a:p>
+        </p:txBody>
+      </p:sp>
+      <p:sp>
+        <p:nvSpPr>
+          <p:cNvPr id="5" name="日期占位符 4"/>
+          <p:cNvSpPr>
+            <a:spLocks noGrp="1"/>
+          </p:cNvSpPr>
+          <p:nvPr>
+            <p:ph type="dt" sz="half" idx="10"/>
+          </p:nvPr>
+        </p:nvSpPr>
+        <p:spPr/>
+        <p:txBody>
+          <a:bodyPr/>
+          <a:lstStyle/>
+          <a:p>
+            <a:fld id="{2E2EFF59-9DE3-4C3C-B8BB-39DE230C4F04}" type="datetimeFigureOut">
+              <a:rPr lang="ko-KR" altLang="en-US" smtClean="0"/>
+              <a:t>2024-03-18</a:t>
             </a:fld>
             <a:endParaRPr lang="ko-KR" altLang="en-US"/>
           </a:p>
@@ -1263,7 +1587,7 @@
 </p:sldLayout>
 </file>
 
-<file path=ppt/slideLayouts/slideLayout11.xml><?xml version="1.0" encoding="utf-8"?>
+<file path=ppt/slideLayouts/slideLayout12.xml><?xml version="1.0" encoding="utf-8"?>
 <p:sldLayout xmlns:a="http://schemas.openxmlformats.org/drawingml/2006/main" xmlns:r="http://schemas.openxmlformats.org/officeDocument/2006/relationships" xmlns:p="http://schemas.openxmlformats.org/presentationml/2006/main" type="vertTx" preserve="1">
   <p:cSld name="标题和竖排文字">
     <p:spTree>
@@ -1397,7 +1721,7 @@
           <a:p>
             <a:fld id="{2E2EFF59-9DE3-4C3C-B8BB-39DE230C4F04}" type="datetimeFigureOut">
               <a:rPr lang="ko-KR" altLang="en-US" smtClean="0"/>
-              <a:t>2024-02-22</a:t>
+              <a:t>2024-03-18</a:t>
             </a:fld>
             <a:endParaRPr lang="ko-KR" altLang="en-US"/>
           </a:p>
@@ -1470,7 +1794,7 @@
 </p:sldLayout>
 </file>
 
-<file path=ppt/slideLayouts/slideLayout12.xml><?xml version="1.0" encoding="utf-8"?>
+<file path=ppt/slideLayouts/slideLayout13.xml><?xml version="1.0" encoding="utf-8"?>
 <p:sldLayout xmlns:a="http://schemas.openxmlformats.org/drawingml/2006/main" xmlns:r="http://schemas.openxmlformats.org/officeDocument/2006/relationships" xmlns:p="http://schemas.openxmlformats.org/presentationml/2006/main" type="vertTitleAndTx" preserve="1">
   <p:cSld name="竖排标题与文本">
     <p:spTree>
@@ -1614,7 +1938,7 @@
           <a:p>
             <a:fld id="{2E2EFF59-9DE3-4C3C-B8BB-39DE230C4F04}" type="datetimeFigureOut">
               <a:rPr lang="ko-KR" altLang="en-US" smtClean="0"/>
-              <a:t>2024-02-22</a:t>
+              <a:t>2024-03-18</a:t>
             </a:fld>
             <a:endParaRPr lang="ko-KR" altLang="en-US"/>
           </a:p>
@@ -1839,7 +2163,7 @@
           </a:lstStyle>
           <a:p>
             <a:r>
-              <a:rPr lang="ko-KR" altLang="en-US"/>
+              <a:rPr lang="ko-KR" altLang="en-US" dirty="0"/>
               <a:t>마스터 제목 스타일 편집</a:t>
             </a:r>
           </a:p>
@@ -1929,6 +2253,183 @@
 </file>
 
 <file path=ppt/slideLayouts/slideLayout3.xml><?xml version="1.0" encoding="utf-8"?>
+<p:sldLayout xmlns:a="http://schemas.openxmlformats.org/drawingml/2006/main" xmlns:r="http://schemas.openxmlformats.org/officeDocument/2006/relationships" xmlns:p="http://schemas.openxmlformats.org/presentationml/2006/main" preserve="1" userDrawn="1">
+  <p:cSld name="사용자 지정 레이아웃">
+    <p:spTree>
+      <p:nvGrpSpPr>
+        <p:cNvPr id="1" name=""/>
+        <p:cNvGrpSpPr/>
+        <p:nvPr/>
+      </p:nvGrpSpPr>
+      <p:grpSpPr>
+        <a:xfrm>
+          <a:off x="0" y="0"/>
+          <a:ext cx="0" cy="0"/>
+          <a:chOff x="0" y="0"/>
+          <a:chExt cx="0" cy="0"/>
+        </a:xfrm>
+      </p:grpSpPr>
+      <p:sp>
+        <p:nvSpPr>
+          <p:cNvPr id="2" name="제목 1">
+            <a:extLst>
+              <a:ext uri="{FF2B5EF4-FFF2-40B4-BE49-F238E27FC236}">
+                <a16:creationId xmlns:a16="http://schemas.microsoft.com/office/drawing/2014/main" id="{2B7CDB31-2446-4A16-AD55-6F4511289FEB}"/>
+              </a:ext>
+            </a:extLst>
+          </p:cNvPr>
+          <p:cNvSpPr>
+            <a:spLocks noGrp="1"/>
+          </p:cNvSpPr>
+          <p:nvPr>
+            <p:ph type="title"/>
+          </p:nvPr>
+        </p:nvSpPr>
+        <p:spPr>
+          <a:xfrm>
+            <a:off x="246184" y="253756"/>
+            <a:ext cx="4566138" cy="426183"/>
+          </a:xfrm>
+        </p:spPr>
+        <p:txBody>
+          <a:bodyPr>
+            <a:normAutofit/>
+          </a:bodyPr>
+          <a:lstStyle>
+            <a:lvl1pPr>
+              <a:defRPr sz="2800" b="1">
+                <a:solidFill>
+                  <a:schemeClr val="accent4">
+                    <a:lumMod val="75000"/>
+                  </a:schemeClr>
+                </a:solidFill>
+                <a:effectLst>
+                  <a:outerShdw blurRad="38100" dist="38100" dir="2700000" algn="tl">
+                    <a:srgbClr val="000000">
+                      <a:alpha val="43137"/>
+                    </a:srgbClr>
+                  </a:outerShdw>
+                </a:effectLst>
+              </a:defRPr>
+            </a:lvl1pPr>
+          </a:lstStyle>
+          <a:p>
+            <a:r>
+              <a:rPr lang="ko-KR" altLang="en-US" dirty="0"/>
+              <a:t>마스터 제목 스타일 편집</a:t>
+            </a:r>
+          </a:p>
+        </p:txBody>
+      </p:sp>
+      <p:sp>
+        <p:nvSpPr>
+          <p:cNvPr id="3" name="날짜 개체 틀 2">
+            <a:extLst>
+              <a:ext uri="{FF2B5EF4-FFF2-40B4-BE49-F238E27FC236}">
+                <a16:creationId xmlns:a16="http://schemas.microsoft.com/office/drawing/2014/main" id="{9E875A6B-D4D9-465D-8C8B-9A563BBE7367}"/>
+              </a:ext>
+            </a:extLst>
+          </p:cNvPr>
+          <p:cNvSpPr>
+            <a:spLocks noGrp="1"/>
+          </p:cNvSpPr>
+          <p:nvPr>
+            <p:ph type="dt" sz="half" idx="10"/>
+          </p:nvPr>
+        </p:nvSpPr>
+        <p:spPr/>
+        <p:txBody>
+          <a:bodyPr/>
+          <a:lstStyle/>
+          <a:p>
+            <a:fld id="{2E2EFF59-9DE3-4C3C-B8BB-39DE230C4F04}" type="datetimeFigureOut">
+              <a:rPr lang="ko-KR" altLang="en-US" smtClean="0"/>
+              <a:t>2024-03-18</a:t>
+            </a:fld>
+            <a:endParaRPr lang="ko-KR" altLang="en-US"/>
+          </a:p>
+        </p:txBody>
+      </p:sp>
+      <p:sp>
+        <p:nvSpPr>
+          <p:cNvPr id="4" name="바닥글 개체 틀 3">
+            <a:extLst>
+              <a:ext uri="{FF2B5EF4-FFF2-40B4-BE49-F238E27FC236}">
+                <a16:creationId xmlns:a16="http://schemas.microsoft.com/office/drawing/2014/main" id="{991D453C-F6DB-46A0-982B-7F1E924D7FD1}"/>
+              </a:ext>
+            </a:extLst>
+          </p:cNvPr>
+          <p:cNvSpPr>
+            <a:spLocks noGrp="1"/>
+          </p:cNvSpPr>
+          <p:nvPr>
+            <p:ph type="ftr" sz="quarter" idx="11"/>
+          </p:nvPr>
+        </p:nvSpPr>
+        <p:spPr/>
+        <p:txBody>
+          <a:bodyPr/>
+          <a:lstStyle/>
+          <a:p>
+            <a:endParaRPr lang="ko-KR" altLang="en-US"/>
+          </a:p>
+        </p:txBody>
+      </p:sp>
+      <p:sp>
+        <p:nvSpPr>
+          <p:cNvPr id="5" name="슬라이드 번호 개체 틀 4">
+            <a:extLst>
+              <a:ext uri="{FF2B5EF4-FFF2-40B4-BE49-F238E27FC236}">
+                <a16:creationId xmlns:a16="http://schemas.microsoft.com/office/drawing/2014/main" id="{3024274E-F2A9-4195-8339-B05E1ADFBABD}"/>
+              </a:ext>
+            </a:extLst>
+          </p:cNvPr>
+          <p:cNvSpPr>
+            <a:spLocks noGrp="1"/>
+          </p:cNvSpPr>
+          <p:nvPr>
+            <p:ph type="sldNum" sz="quarter" idx="12"/>
+          </p:nvPr>
+        </p:nvSpPr>
+        <p:spPr/>
+        <p:txBody>
+          <a:bodyPr/>
+          <a:lstStyle/>
+          <a:p>
+            <a:fld id="{957431D7-CBEB-4A99-BE57-3A2CE7B47B94}" type="slidenum">
+              <a:rPr lang="ko-KR" altLang="en-US" smtClean="0"/>
+              <a:t>‹#›</a:t>
+            </a:fld>
+            <a:endParaRPr lang="ko-KR" altLang="en-US"/>
+          </a:p>
+        </p:txBody>
+      </p:sp>
+    </p:spTree>
+    <p:extLst>
+      <p:ext uri="{BB962C8B-B14F-4D97-AF65-F5344CB8AC3E}">
+        <p14:creationId xmlns:p14="http://schemas.microsoft.com/office/powerpoint/2010/main" val="1456023046"/>
+      </p:ext>
+    </p:extLst>
+  </p:cSld>
+  <p:clrMapOvr>
+    <a:masterClrMapping/>
+  </p:clrMapOvr>
+  <mc:AlternateContent xmlns:mc="http://schemas.openxmlformats.org/markup-compatibility/2006" xmlns:p14="http://schemas.microsoft.com/office/powerpoint/2010/main">
+    <mc:Choice Requires="p14">
+      <p:transition spd="slow" p14:dur="1250" advClick="0">
+        <p14:gallery dir="l"/>
+      </p:transition>
+    </mc:Choice>
+    <mc:Fallback xmlns="" xmlns:m="http://schemas.openxmlformats.org/officeDocument/2006/math" xmlns:w="http://schemas.openxmlformats.org/wordprocessingml/2006/main" xmlns:wp="http://schemas.openxmlformats.org/drawingml/2006/wordprocessingDrawing" xmlns:a14="http://schemas.microsoft.com/office/drawing/2010/main" xmlns:p15="http://schemas.microsoft.com/office/powerpoint/2012/main" xmlns:p159="http://schemas.microsoft.com/office/powerpoint/2015/09/main">
+      <p:transition spd="slow" advClick="0">
+        <p:fade/>
+      </p:transition>
+    </mc:Fallback>
+  </mc:AlternateContent>
+</p:sldLayout>
+</file>
+
+<file path=ppt/slideLayouts/slideLayout4.xml><?xml version="1.0" encoding="utf-8"?>
 <p:sldLayout xmlns:a="http://schemas.openxmlformats.org/drawingml/2006/main" xmlns:r="http://schemas.openxmlformats.org/officeDocument/2006/relationships" xmlns:p="http://schemas.openxmlformats.org/presentationml/2006/main" type="obj" preserve="1">
   <p:cSld name="标题和内容">
     <p:spTree>
@@ -2062,7 +2563,7 @@
           <a:p>
             <a:fld id="{2E2EFF59-9DE3-4C3C-B8BB-39DE230C4F04}" type="datetimeFigureOut">
               <a:rPr lang="ko-KR" altLang="en-US" smtClean="0"/>
-              <a:t>2024-02-22</a:t>
+              <a:t>2024-03-18</a:t>
             </a:fld>
             <a:endParaRPr lang="ko-KR" altLang="en-US"/>
           </a:p>
@@ -2135,7 +2636,7 @@
 </p:sldLayout>
 </file>
 
-<file path=ppt/slideLayouts/slideLayout4.xml><?xml version="1.0" encoding="utf-8"?>
+<file path=ppt/slideLayouts/slideLayout5.xml><?xml version="1.0" encoding="utf-8"?>
 <p:sldLayout xmlns:a="http://schemas.openxmlformats.org/drawingml/2006/main" xmlns:r="http://schemas.openxmlformats.org/officeDocument/2006/relationships" xmlns:p="http://schemas.openxmlformats.org/presentationml/2006/main" type="secHead" preserve="1">
   <p:cSld name="节标题">
     <p:spTree>
@@ -2330,7 +2831,7 @@
           <a:p>
             <a:fld id="{2E2EFF59-9DE3-4C3C-B8BB-39DE230C4F04}" type="datetimeFigureOut">
               <a:rPr lang="ko-KR" altLang="en-US" smtClean="0"/>
-              <a:t>2024-02-22</a:t>
+              <a:t>2024-03-18</a:t>
             </a:fld>
             <a:endParaRPr lang="ko-KR" altLang="en-US"/>
           </a:p>
@@ -2403,7 +2904,7 @@
 </p:sldLayout>
 </file>
 
-<file path=ppt/slideLayouts/slideLayout5.xml><?xml version="1.0" encoding="utf-8"?>
+<file path=ppt/slideLayouts/slideLayout6.xml><?xml version="1.0" encoding="utf-8"?>
 <p:sldLayout xmlns:a="http://schemas.openxmlformats.org/drawingml/2006/main" xmlns:r="http://schemas.openxmlformats.org/officeDocument/2006/relationships" xmlns:p="http://schemas.openxmlformats.org/presentationml/2006/main" type="twoObj" preserve="1">
   <p:cSld name="两栏内容">
     <p:spTree>
@@ -2620,7 +3121,7 @@
           <a:p>
             <a:fld id="{2E2EFF59-9DE3-4C3C-B8BB-39DE230C4F04}" type="datetimeFigureOut">
               <a:rPr lang="ko-KR" altLang="en-US" smtClean="0"/>
-              <a:t>2024-02-22</a:t>
+              <a:t>2024-03-18</a:t>
             </a:fld>
             <a:endParaRPr lang="ko-KR" altLang="en-US"/>
           </a:p>
@@ -2693,7 +3194,7 @@
 </p:sldLayout>
 </file>
 
-<file path=ppt/slideLayouts/slideLayout6.xml><?xml version="1.0" encoding="utf-8"?>
+<file path=ppt/slideLayouts/slideLayout7.xml><?xml version="1.0" encoding="utf-8"?>
 <p:sldLayout xmlns:a="http://schemas.openxmlformats.org/drawingml/2006/main" xmlns:r="http://schemas.openxmlformats.org/officeDocument/2006/relationships" xmlns:p="http://schemas.openxmlformats.org/presentationml/2006/main" type="twoTxTwoObj" preserve="1">
   <p:cSld name="比较">
     <p:spTree>
@@ -3057,7 +3558,7 @@
           <a:p>
             <a:fld id="{2E2EFF59-9DE3-4C3C-B8BB-39DE230C4F04}" type="datetimeFigureOut">
               <a:rPr lang="ko-KR" altLang="en-US" smtClean="0"/>
-              <a:t>2024-02-22</a:t>
+              <a:t>2024-03-18</a:t>
             </a:fld>
             <a:endParaRPr lang="ko-KR" altLang="en-US"/>
           </a:p>
@@ -3130,7 +3631,7 @@
 </p:sldLayout>
 </file>
 
-<file path=ppt/slideLayouts/slideLayout7.xml><?xml version="1.0" encoding="utf-8"?>
+<file path=ppt/slideLayouts/slideLayout8.xml><?xml version="1.0" encoding="utf-8"?>
 <p:sldLayout xmlns:a="http://schemas.openxmlformats.org/drawingml/2006/main" xmlns:r="http://schemas.openxmlformats.org/officeDocument/2006/relationships" xmlns:p="http://schemas.openxmlformats.org/presentationml/2006/main" type="titleOnly" preserve="1">
   <p:cSld name="仅标题">
     <p:spTree>
@@ -3191,7 +3692,7 @@
           <a:p>
             <a:fld id="{2E2EFF59-9DE3-4C3C-B8BB-39DE230C4F04}" type="datetimeFigureOut">
               <a:rPr lang="ko-KR" altLang="en-US" smtClean="0"/>
-              <a:t>2024-02-22</a:t>
+              <a:t>2024-03-18</a:t>
             </a:fld>
             <a:endParaRPr lang="ko-KR" altLang="en-US"/>
           </a:p>
@@ -3264,7 +3765,7 @@
 </p:sldLayout>
 </file>
 
-<file path=ppt/slideLayouts/slideLayout8.xml><?xml version="1.0" encoding="utf-8"?>
+<file path=ppt/slideLayouts/slideLayout9.xml><?xml version="1.0" encoding="utf-8"?>
 <p:sldLayout xmlns:a="http://schemas.openxmlformats.org/drawingml/2006/main" xmlns:r="http://schemas.openxmlformats.org/officeDocument/2006/relationships" xmlns:p="http://schemas.openxmlformats.org/presentationml/2006/main" type="blank" preserve="1">
   <p:cSld name="空白">
     <p:spTree>
@@ -3298,7 +3799,7 @@
           <a:p>
             <a:fld id="{2E2EFF59-9DE3-4C3C-B8BB-39DE230C4F04}" type="datetimeFigureOut">
               <a:rPr lang="ko-KR" altLang="en-US" smtClean="0"/>
-              <a:t>2024-02-22</a:t>
+              <a:t>2024-03-18</a:t>
             </a:fld>
             <a:endParaRPr lang="ko-KR" altLang="en-US"/>
           </a:p>
@@ -3350,326 +3851,6 @@
     <p:extLst>
       <p:ext uri="{BB962C8B-B14F-4D97-AF65-F5344CB8AC3E}">
         <p14:creationId xmlns:p14="http://schemas.microsoft.com/office/powerpoint/2010/main" val="1518303445"/>
-      </p:ext>
-    </p:extLst>
-  </p:cSld>
-  <p:clrMapOvr>
-    <a:masterClrMapping/>
-  </p:clrMapOvr>
-  <mc:AlternateContent xmlns:mc="http://schemas.openxmlformats.org/markup-compatibility/2006" xmlns:p14="http://schemas.microsoft.com/office/powerpoint/2010/main">
-    <mc:Choice Requires="p14">
-      <p:transition spd="slow" p14:dur="1250" advClick="0">
-        <p14:gallery dir="l"/>
-      </p:transition>
-    </mc:Choice>
-    <mc:Fallback xmlns="" xmlns:m="http://schemas.openxmlformats.org/officeDocument/2006/math" xmlns:w="http://schemas.openxmlformats.org/wordprocessingml/2006/main" xmlns:wp="http://schemas.openxmlformats.org/drawingml/2006/wordprocessingDrawing" xmlns:a14="http://schemas.microsoft.com/office/drawing/2010/main" xmlns:p15="http://schemas.microsoft.com/office/powerpoint/2012/main" xmlns:p159="http://schemas.microsoft.com/office/powerpoint/2015/09/main">
-      <p:transition spd="slow" advClick="0">
-        <p:fade/>
-      </p:transition>
-    </mc:Fallback>
-  </mc:AlternateContent>
-</p:sldLayout>
-</file>
-
-<file path=ppt/slideLayouts/slideLayout9.xml><?xml version="1.0" encoding="utf-8"?>
-<p:sldLayout xmlns:a="http://schemas.openxmlformats.org/drawingml/2006/main" xmlns:r="http://schemas.openxmlformats.org/officeDocument/2006/relationships" xmlns:p="http://schemas.openxmlformats.org/presentationml/2006/main" type="objTx" preserve="1">
-  <p:cSld name="内容与标题">
-    <p:spTree>
-      <p:nvGrpSpPr>
-        <p:cNvPr id="1" name=""/>
-        <p:cNvGrpSpPr/>
-        <p:nvPr/>
-      </p:nvGrpSpPr>
-      <p:grpSpPr>
-        <a:xfrm>
-          <a:off x="0" y="0"/>
-          <a:ext cx="0" cy="0"/>
-          <a:chOff x="0" y="0"/>
-          <a:chExt cx="0" cy="0"/>
-        </a:xfrm>
-      </p:grpSpPr>
-      <p:sp>
-        <p:nvSpPr>
-          <p:cNvPr id="2" name="标题 1"/>
-          <p:cNvSpPr>
-            <a:spLocks noGrp="1"/>
-          </p:cNvSpPr>
-          <p:nvPr>
-            <p:ph type="title"/>
-          </p:nvPr>
-        </p:nvSpPr>
-        <p:spPr>
-          <a:xfrm>
-            <a:off x="839788" y="457200"/>
-            <a:ext cx="3932237" cy="1600200"/>
-          </a:xfrm>
-        </p:spPr>
-        <p:txBody>
-          <a:bodyPr anchor="t">
-            <a:normAutofit/>
-          </a:bodyPr>
-          <a:lstStyle>
-            <a:lvl1pPr>
-              <a:defRPr sz="3200"/>
-            </a:lvl1pPr>
-          </a:lstStyle>
-          <a:p>
-            <a:r>
-              <a:rPr lang="ko-KR" altLang="en-US" sz="2500">
-                <a:latin typeface="NanumGothic"/>
-              </a:rPr>
-              <a:t>마스터 제목 스타일 편집</a:t>
-            </a:r>
-            <a:endParaRPr lang="zh-CN" altLang="en-US"/>
-          </a:p>
-        </p:txBody>
-      </p:sp>
-      <p:sp>
-        <p:nvSpPr>
-          <p:cNvPr id="3" name="内容占位符 2"/>
-          <p:cNvSpPr>
-            <a:spLocks noGrp="1"/>
-          </p:cNvSpPr>
-          <p:nvPr>
-            <p:ph idx="1" hasCustomPrompt="1"/>
-          </p:nvPr>
-        </p:nvSpPr>
-        <p:spPr>
-          <a:xfrm>
-            <a:off x="5183188" y="987425"/>
-            <a:ext cx="6172200" cy="4873625"/>
-          </a:xfrm>
-        </p:spPr>
-        <p:txBody>
-          <a:bodyPr>
-            <a:normAutofit/>
-          </a:bodyPr>
-          <a:lstStyle>
-            <a:lvl1pPr>
-              <a:defRPr sz="3200"/>
-            </a:lvl1pPr>
-            <a:lvl2pPr>
-              <a:defRPr sz="2800"/>
-            </a:lvl2pPr>
-            <a:lvl3pPr>
-              <a:defRPr sz="2400"/>
-            </a:lvl3pPr>
-            <a:lvl4pPr>
-              <a:defRPr sz="2000"/>
-            </a:lvl4pPr>
-            <a:lvl5pPr>
-              <a:defRPr sz="2000"/>
-            </a:lvl5pPr>
-            <a:lvl6pPr>
-              <a:defRPr sz="2000"/>
-            </a:lvl6pPr>
-            <a:lvl7pPr>
-              <a:defRPr sz="2000"/>
-            </a:lvl7pPr>
-            <a:lvl8pPr>
-              <a:defRPr sz="2000"/>
-            </a:lvl8pPr>
-            <a:lvl9pPr>
-              <a:defRPr sz="2000"/>
-            </a:lvl9pPr>
-          </a:lstStyle>
-          <a:p>
-            <a:pPr lvl="0"/>
-            <a:r>
-              <a:rPr lang="ko-KO" altLang="ko-KO" sz="2200">
-                <a:latin typeface="NanumGothic"/>
-                <a:ea typeface="NanumGothic"/>
-              </a:rPr>
-              <a:t>마스터 텍스트 스타일 편집</a:t>
-            </a:r>
-            <a:endParaRPr lang="zh-CN" altLang="en-US"/>
-          </a:p>
-          <a:p>
-            <a:pPr lvl="1"/>
-            <a:r>
-              <a:rPr lang="ko-KO" altLang="ko-KO">
-                <a:latin typeface="NanumGothic"/>
-                <a:ea typeface="NanumGothic"/>
-              </a:rPr>
-              <a:t>두 번째 수준</a:t>
-            </a:r>
-            <a:endParaRPr lang="zh-CN" altLang="en-US"/>
-          </a:p>
-          <a:p>
-            <a:pPr lvl="2"/>
-            <a:r>
-              <a:rPr lang="ko-KO" altLang="ko-KO">
-                <a:latin typeface="NanumGothic"/>
-                <a:ea typeface="NanumGothic"/>
-              </a:rPr>
-              <a:t>레벨 3</a:t>
-            </a:r>
-            <a:endParaRPr lang="zh-CN" altLang="en-US"/>
-          </a:p>
-          <a:p>
-            <a:pPr lvl="3"/>
-            <a:r>
-              <a:rPr lang="ko-KO" altLang="ko-KO">
-                <a:latin typeface="NanumGothic"/>
-                <a:ea typeface="NanumGothic"/>
-              </a:rPr>
-              <a:t>레벨 4</a:t>
-            </a:r>
-            <a:endParaRPr lang="zh-CN" altLang="en-US"/>
-          </a:p>
-          <a:p>
-            <a:pPr lvl="4"/>
-            <a:r>
-              <a:rPr lang="ko-KO" altLang="ko-KO">
-                <a:latin typeface="NanumGothic"/>
-                <a:ea typeface="NanumGothic"/>
-              </a:rPr>
-              <a:t>레벨 5</a:t>
-            </a:r>
-            <a:endParaRPr lang="zh-CN" altLang="en-US"/>
-          </a:p>
-        </p:txBody>
-      </p:sp>
-      <p:sp>
-        <p:nvSpPr>
-          <p:cNvPr id="4" name="文本占位符 3"/>
-          <p:cNvSpPr>
-            <a:spLocks noGrp="1"/>
-          </p:cNvSpPr>
-          <p:nvPr>
-            <p:ph type="body" sz="half" idx="2" hasCustomPrompt="1"/>
-          </p:nvPr>
-        </p:nvSpPr>
-        <p:spPr>
-          <a:xfrm>
-            <a:off x="839788" y="2057400"/>
-            <a:ext cx="3932237" cy="3811588"/>
-          </a:xfrm>
-        </p:spPr>
-        <p:txBody>
-          <a:bodyPr>
-            <a:normAutofit/>
-          </a:bodyPr>
-          <a:lstStyle>
-            <a:lvl1pPr marL="0" indent="0">
-              <a:buNone/>
-              <a:defRPr sz="1600"/>
-            </a:lvl1pPr>
-            <a:lvl2pPr marL="457200" indent="0">
-              <a:buNone/>
-              <a:defRPr sz="1400"/>
-            </a:lvl2pPr>
-            <a:lvl3pPr marL="914400" indent="0">
-              <a:buNone/>
-              <a:defRPr sz="1200"/>
-            </a:lvl3pPr>
-            <a:lvl4pPr marL="1371600" indent="0">
-              <a:buNone/>
-              <a:defRPr sz="1000"/>
-            </a:lvl4pPr>
-            <a:lvl5pPr marL="1828800" indent="0">
-              <a:buNone/>
-              <a:defRPr sz="1000"/>
-            </a:lvl5pPr>
-            <a:lvl6pPr marL="2286000" indent="0">
-              <a:buNone/>
-              <a:defRPr sz="1000"/>
-            </a:lvl6pPr>
-            <a:lvl7pPr marL="2743200" indent="0">
-              <a:buNone/>
-              <a:defRPr sz="1000"/>
-            </a:lvl7pPr>
-            <a:lvl8pPr marL="3200400" indent="0">
-              <a:buNone/>
-              <a:defRPr sz="1000"/>
-            </a:lvl8pPr>
-            <a:lvl9pPr marL="3657600" indent="0">
-              <a:buNone/>
-              <a:defRPr sz="1000"/>
-            </a:lvl9pPr>
-          </a:lstStyle>
-          <a:p>
-            <a:pPr lvl="0"/>
-            <a:r>
-              <a:rPr lang="ko-KO" altLang="ko-KO" sz="1100">
-                <a:latin typeface="NanumGothic"/>
-                <a:ea typeface="NanumGothic"/>
-              </a:rPr>
-              <a:t>마스터 텍스트 스타일 편집</a:t>
-            </a:r>
-            <a:endParaRPr lang="zh-CN" altLang="en-US"/>
-          </a:p>
-        </p:txBody>
-      </p:sp>
-      <p:sp>
-        <p:nvSpPr>
-          <p:cNvPr id="5" name="日期占位符 4"/>
-          <p:cNvSpPr>
-            <a:spLocks noGrp="1"/>
-          </p:cNvSpPr>
-          <p:nvPr>
-            <p:ph type="dt" sz="half" idx="10"/>
-          </p:nvPr>
-        </p:nvSpPr>
-        <p:spPr/>
-        <p:txBody>
-          <a:bodyPr/>
-          <a:lstStyle/>
-          <a:p>
-            <a:fld id="{2E2EFF59-9DE3-4C3C-B8BB-39DE230C4F04}" type="datetimeFigureOut">
-              <a:rPr lang="ko-KR" altLang="en-US" smtClean="0"/>
-              <a:t>2024-02-22</a:t>
-            </a:fld>
-            <a:endParaRPr lang="ko-KR" altLang="en-US"/>
-          </a:p>
-        </p:txBody>
-      </p:sp>
-      <p:sp>
-        <p:nvSpPr>
-          <p:cNvPr id="6" name="页脚占位符 5"/>
-          <p:cNvSpPr>
-            <a:spLocks noGrp="1"/>
-          </p:cNvSpPr>
-          <p:nvPr>
-            <p:ph type="ftr" sz="quarter" idx="11"/>
-          </p:nvPr>
-        </p:nvSpPr>
-        <p:spPr/>
-        <p:txBody>
-          <a:bodyPr/>
-          <a:lstStyle/>
-          <a:p>
-            <a:endParaRPr lang="ko-KR" altLang="en-US"/>
-          </a:p>
-        </p:txBody>
-      </p:sp>
-      <p:sp>
-        <p:nvSpPr>
-          <p:cNvPr id="7" name="灯片编号占位符 6"/>
-          <p:cNvSpPr>
-            <a:spLocks noGrp="1"/>
-          </p:cNvSpPr>
-          <p:nvPr>
-            <p:ph type="sldNum" sz="quarter" idx="12"/>
-          </p:nvPr>
-        </p:nvSpPr>
-        <p:spPr/>
-        <p:txBody>
-          <a:bodyPr/>
-          <a:lstStyle/>
-          <a:p>
-            <a:fld id="{957431D7-CBEB-4A99-BE57-3A2CE7B47B94}" type="slidenum">
-              <a:rPr lang="ko-KR" altLang="en-US" smtClean="0"/>
-              <a:t>‹#›</a:t>
-            </a:fld>
-            <a:endParaRPr lang="ko-KR" altLang="en-US"/>
-          </a:p>
-        </p:txBody>
-      </p:sp>
-    </p:spTree>
-    <p:extLst>
-      <p:ext uri="{BB962C8B-B14F-4D97-AF65-F5344CB8AC3E}">
-        <p14:creationId xmlns:p14="http://schemas.microsoft.com/office/powerpoint/2010/main" val="43760031"/>
       </p:ext>
     </p:extLst>
   </p:cSld>
@@ -3867,7 +4048,7 @@
           <a:p>
             <a:fld id="{2E2EFF59-9DE3-4C3C-B8BB-39DE230C4F04}" type="datetimeFigureOut">
               <a:rPr lang="ko-KR" altLang="en-US" smtClean="0"/>
-              <a:t>2024-02-22</a:t>
+              <a:t>2024-03-18</a:t>
             </a:fld>
             <a:endParaRPr lang="ko-KR" altLang="en-US"/>
           </a:p>
@@ -3966,16 +4147,17 @@
   <p:sldLayoutIdLst>
     <p:sldLayoutId id="2147483661" r:id="rId1"/>
     <p:sldLayoutId id="2147483672" r:id="rId2"/>
-    <p:sldLayoutId id="2147483662" r:id="rId3"/>
-    <p:sldLayoutId id="2147483663" r:id="rId4"/>
-    <p:sldLayoutId id="2147483664" r:id="rId5"/>
-    <p:sldLayoutId id="2147483665" r:id="rId6"/>
-    <p:sldLayoutId id="2147483666" r:id="rId7"/>
-    <p:sldLayoutId id="2147483667" r:id="rId8"/>
-    <p:sldLayoutId id="2147483668" r:id="rId9"/>
-    <p:sldLayoutId id="2147483669" r:id="rId10"/>
-    <p:sldLayoutId id="2147483670" r:id="rId11"/>
-    <p:sldLayoutId id="2147483671" r:id="rId12"/>
+    <p:sldLayoutId id="2147483673" r:id="rId3"/>
+    <p:sldLayoutId id="2147483662" r:id="rId4"/>
+    <p:sldLayoutId id="2147483663" r:id="rId5"/>
+    <p:sldLayoutId id="2147483664" r:id="rId6"/>
+    <p:sldLayoutId id="2147483665" r:id="rId7"/>
+    <p:sldLayoutId id="2147483666" r:id="rId8"/>
+    <p:sldLayoutId id="2147483667" r:id="rId9"/>
+    <p:sldLayoutId id="2147483668" r:id="rId10"/>
+    <p:sldLayoutId id="2147483669" r:id="rId11"/>
+    <p:sldLayoutId id="2147483670" r:id="rId12"/>
+    <p:sldLayoutId id="2147483671" r:id="rId13"/>
   </p:sldLayoutIdLst>
   <mc:AlternateContent xmlns:mc="http://schemas.openxmlformats.org/markup-compatibility/2006" xmlns:p14="http://schemas.microsoft.com/office/powerpoint/2010/main">
     <mc:Choice Requires="p14">
@@ -4407,6 +4589,5153 @@
       </p:transition>
     </mc:Fallback>
   </mc:AlternateContent>
+</p:sld>
+</file>
+
+<file path=ppt/slides/slide10.xml><?xml version="1.0" encoding="utf-8"?>
+<p:sld xmlns:a="http://schemas.openxmlformats.org/drawingml/2006/main" xmlns:r="http://schemas.openxmlformats.org/officeDocument/2006/relationships" xmlns:p="http://schemas.openxmlformats.org/presentationml/2006/main">
+  <p:cSld>
+    <p:spTree>
+      <p:nvGrpSpPr>
+        <p:cNvPr id="1" name=""/>
+        <p:cNvGrpSpPr/>
+        <p:nvPr/>
+      </p:nvGrpSpPr>
+      <p:grpSpPr>
+        <a:xfrm>
+          <a:off x="0" y="0"/>
+          <a:ext cx="0" cy="0"/>
+          <a:chOff x="0" y="0"/>
+          <a:chExt cx="0" cy="0"/>
+        </a:xfrm>
+      </p:grpSpPr>
+      <p:sp>
+        <p:nvSpPr>
+          <p:cNvPr id="2" name="제목 1">
+            <a:extLst>
+              <a:ext uri="{FF2B5EF4-FFF2-40B4-BE49-F238E27FC236}">
+                <a16:creationId xmlns:a16="http://schemas.microsoft.com/office/drawing/2014/main" id="{180F9419-C650-4254-AB9C-3FE676C8B76C}"/>
+              </a:ext>
+            </a:extLst>
+          </p:cNvPr>
+          <p:cNvSpPr>
+            <a:spLocks noGrp="1"/>
+          </p:cNvSpPr>
+          <p:nvPr>
+            <p:ph type="title"/>
+          </p:nvPr>
+        </p:nvSpPr>
+        <p:spPr/>
+        <p:txBody>
+          <a:bodyPr/>
+          <a:lstStyle/>
+          <a:p>
+            <a:r>
+              <a:rPr lang="en-US" altLang="ko-KR" dirty="0"/>
+              <a:t>5. </a:t>
+            </a:r>
+            <a:r>
+              <a:rPr lang="ko-KR" altLang="en-US" dirty="0"/>
+              <a:t>기능 설명</a:t>
+            </a:r>
+          </a:p>
+        </p:txBody>
+      </p:sp>
+      <p:sp>
+        <p:nvSpPr>
+          <p:cNvPr id="3" name="텍스트 개체 틀 2">
+            <a:extLst>
+              <a:ext uri="{FF2B5EF4-FFF2-40B4-BE49-F238E27FC236}">
+                <a16:creationId xmlns:a16="http://schemas.microsoft.com/office/drawing/2014/main" id="{9B37A7F3-F4A4-4F26-9993-8FCC40E94655}"/>
+              </a:ext>
+            </a:extLst>
+          </p:cNvPr>
+          <p:cNvSpPr>
+            <a:spLocks noGrp="1"/>
+          </p:cNvSpPr>
+          <p:nvPr>
+            <p:ph type="body" sz="quarter" idx="10"/>
+          </p:nvPr>
+        </p:nvSpPr>
+        <p:spPr/>
+        <p:txBody>
+          <a:bodyPr/>
+          <a:lstStyle/>
+          <a:p>
+            <a:endParaRPr lang="ko-KR" altLang="en-US" dirty="0"/>
+          </a:p>
+        </p:txBody>
+      </p:sp>
+    </p:spTree>
+    <p:extLst>
+      <p:ext uri="{BB962C8B-B14F-4D97-AF65-F5344CB8AC3E}">
+        <p14:creationId xmlns:p14="http://schemas.microsoft.com/office/powerpoint/2010/main" val="1848822794"/>
+      </p:ext>
+    </p:extLst>
+  </p:cSld>
+  <p:clrMapOvr>
+    <a:masterClrMapping/>
+  </p:clrMapOvr>
+  <mc:AlternateContent xmlns:mc="http://schemas.openxmlformats.org/markup-compatibility/2006" xmlns:p14="http://schemas.microsoft.com/office/powerpoint/2010/main">
+    <mc:Choice Requires="p14">
+      <p:transition spd="slow" p14:dur="1250" advClick="0">
+        <p14:gallery dir="l"/>
+      </p:transition>
+    </mc:Choice>
+    <mc:Fallback xmlns="" xmlns:m="http://schemas.openxmlformats.org/officeDocument/2006/math" xmlns:w="http://schemas.openxmlformats.org/wordprocessingml/2006/main" xmlns:wp="http://schemas.openxmlformats.org/drawingml/2006/wordprocessingDrawing" xmlns:a14="http://schemas.microsoft.com/office/drawing/2010/main" xmlns:p15="http://schemas.microsoft.com/office/powerpoint/2012/main" xmlns:p159="http://schemas.microsoft.com/office/powerpoint/2015/09/main">
+      <p:transition spd="slow" advClick="0">
+        <p:fade/>
+      </p:transition>
+    </mc:Fallback>
+  </mc:AlternateContent>
+</p:sld>
+</file>
+
+<file path=ppt/slides/slide11.xml><?xml version="1.0" encoding="utf-8"?>
+<p:sld xmlns:a="http://schemas.openxmlformats.org/drawingml/2006/main" xmlns:r="http://schemas.openxmlformats.org/officeDocument/2006/relationships" xmlns:p="http://schemas.openxmlformats.org/presentationml/2006/main">
+  <p:cSld>
+    <p:spTree>
+      <p:nvGrpSpPr>
+        <p:cNvPr id="1" name=""/>
+        <p:cNvGrpSpPr/>
+        <p:nvPr/>
+      </p:nvGrpSpPr>
+      <p:grpSpPr>
+        <a:xfrm>
+          <a:off x="0" y="0"/>
+          <a:ext cx="0" cy="0"/>
+          <a:chOff x="0" y="0"/>
+          <a:chExt cx="0" cy="0"/>
+        </a:xfrm>
+      </p:grpSpPr>
+      <p:sp>
+        <p:nvSpPr>
+          <p:cNvPr id="4" name="제목 3">
+            <a:extLst>
+              <a:ext uri="{FF2B5EF4-FFF2-40B4-BE49-F238E27FC236}">
+                <a16:creationId xmlns:a16="http://schemas.microsoft.com/office/drawing/2014/main" id="{8D708F93-0D70-411C-B14C-B9914BACAE41}"/>
+              </a:ext>
+            </a:extLst>
+          </p:cNvPr>
+          <p:cNvSpPr>
+            <a:spLocks noGrp="1"/>
+          </p:cNvSpPr>
+          <p:nvPr>
+            <p:ph type="title"/>
+          </p:nvPr>
+        </p:nvSpPr>
+        <p:spPr/>
+        <p:txBody>
+          <a:bodyPr>
+            <a:normAutofit fontScale="90000"/>
+          </a:bodyPr>
+          <a:lstStyle/>
+          <a:p>
+            <a:endParaRPr lang="ko-KR" altLang="en-US"/>
+          </a:p>
+        </p:txBody>
+      </p:sp>
+      <p:grpSp>
+        <p:nvGrpSpPr>
+          <p:cNvPr id="5" name="组合 42">
+            <a:extLst>
+              <a:ext uri="{FF2B5EF4-FFF2-40B4-BE49-F238E27FC236}">
+                <a16:creationId xmlns:a16="http://schemas.microsoft.com/office/drawing/2014/main" id="{4316F368-5EF4-4148-80A6-62ED050A53E3}"/>
+              </a:ext>
+            </a:extLst>
+          </p:cNvPr>
+          <p:cNvGrpSpPr/>
+          <p:nvPr/>
+        </p:nvGrpSpPr>
+        <p:grpSpPr>
+          <a:xfrm>
+            <a:off x="2380735" y="2137508"/>
+            <a:ext cx="1728787" cy="1728693"/>
+            <a:chOff x="1011953" y="1914525"/>
+            <a:chExt cx="1728787" cy="1728787"/>
+          </a:xfrm>
+        </p:grpSpPr>
+        <p:sp>
+          <p:nvSpPr>
+            <p:cNvPr id="6" name="椭圆 43">
+              <a:extLst>
+                <a:ext uri="{FF2B5EF4-FFF2-40B4-BE49-F238E27FC236}">
+                  <a16:creationId xmlns:a16="http://schemas.microsoft.com/office/drawing/2014/main" id="{3A7E1C5D-6701-464C-86E3-12048FAE4140}"/>
+                </a:ext>
+              </a:extLst>
+            </p:cNvPr>
+            <p:cNvSpPr/>
+            <p:nvPr/>
+          </p:nvSpPr>
+          <p:spPr>
+            <a:xfrm>
+              <a:off x="1011953" y="1914525"/>
+              <a:ext cx="1728787" cy="1728787"/>
+            </a:xfrm>
+            <a:prstGeom prst="ellipse">
+              <a:avLst/>
+            </a:prstGeom>
+            <a:solidFill>
+              <a:schemeClr val="accent1"/>
+            </a:solidFill>
+            <a:ln>
+              <a:noFill/>
+            </a:ln>
+          </p:spPr>
+          <p:style>
+            <a:lnRef idx="2">
+              <a:schemeClr val="accent1">
+                <a:shade val="50000"/>
+              </a:schemeClr>
+            </a:lnRef>
+            <a:fillRef idx="1">
+              <a:schemeClr val="accent1"/>
+            </a:fillRef>
+            <a:effectRef idx="0">
+              <a:schemeClr val="accent1"/>
+            </a:effectRef>
+            <a:fontRef idx="minor">
+              <a:schemeClr val="lt1"/>
+            </a:fontRef>
+          </p:style>
+          <p:txBody>
+            <a:bodyPr anchor="ctr"/>
+            <a:lstStyle/>
+            <a:p>
+              <a:pPr algn="ctr" defTabSz="685165">
+                <a:defRPr/>
+              </a:pPr>
+              <a:endParaRPr lang="zh-CN" altLang="en-US" sz="1735">
+                <a:solidFill>
+                  <a:prstClr val="white"/>
+                </a:solidFill>
+                <a:latin typeface="Elsie" panose="02000000000000000000" charset="0"/>
+                <a:ea typeface="Elsie" panose="02000000000000000000" charset="0"/>
+                <a:cs typeface="Elsie" panose="02000000000000000000" charset="0"/>
+                <a:sym typeface="Source Han Sans SC"/>
+              </a:endParaRPr>
+            </a:p>
+          </p:txBody>
+        </p:sp>
+        <p:sp>
+          <p:nvSpPr>
+            <p:cNvPr id="7" name="Freeform 101">
+              <a:extLst>
+                <a:ext uri="{FF2B5EF4-FFF2-40B4-BE49-F238E27FC236}">
+                  <a16:creationId xmlns:a16="http://schemas.microsoft.com/office/drawing/2014/main" id="{A411D2F6-234E-40F2-BF48-650C7CDF75E2}"/>
+                </a:ext>
+              </a:extLst>
+            </p:cNvPr>
+            <p:cNvSpPr>
+              <a:spLocks noEditPoints="1"/>
+            </p:cNvSpPr>
+            <p:nvPr/>
+          </p:nvSpPr>
+          <p:spPr bwMode="auto">
+            <a:xfrm>
+              <a:off x="1580991" y="2424188"/>
+              <a:ext cx="590710" cy="709460"/>
+            </a:xfrm>
+            <a:custGeom>
+              <a:avLst/>
+              <a:gdLst>
+                <a:gd name="T0" fmla="*/ 1491964171 w 164"/>
+                <a:gd name="T1" fmla="*/ 1491493797 h 197"/>
+                <a:gd name="T2" fmla="*/ 1401149712 w 164"/>
+                <a:gd name="T3" fmla="*/ 1452585137 h 197"/>
+                <a:gd name="T4" fmla="*/ 1284387236 w 164"/>
+                <a:gd name="T5" fmla="*/ 1426644831 h 197"/>
+                <a:gd name="T6" fmla="*/ 1258439219 w 164"/>
+                <a:gd name="T7" fmla="*/ 1426644831 h 197"/>
+                <a:gd name="T8" fmla="*/ 1206546786 w 164"/>
+                <a:gd name="T9" fmla="*/ 1413676478 h 197"/>
+                <a:gd name="T10" fmla="*/ 1206546786 w 164"/>
+                <a:gd name="T11" fmla="*/ 1413676478 h 197"/>
+                <a:gd name="T12" fmla="*/ 1128702734 w 164"/>
+                <a:gd name="T13" fmla="*/ 1400708126 h 197"/>
+                <a:gd name="T14" fmla="*/ 973021834 w 164"/>
+                <a:gd name="T15" fmla="*/ 1400708126 h 197"/>
+                <a:gd name="T16" fmla="*/ 947073817 w 164"/>
+                <a:gd name="T17" fmla="*/ 1413676478 h 197"/>
+                <a:gd name="T18" fmla="*/ 895177782 w 164"/>
+                <a:gd name="T19" fmla="*/ 1413676478 h 197"/>
+                <a:gd name="T20" fmla="*/ 830311341 w 164"/>
+                <a:gd name="T21" fmla="*/ 1426644831 h 197"/>
+                <a:gd name="T22" fmla="*/ 713548865 w 164"/>
+                <a:gd name="T23" fmla="*/ 1452585137 h 197"/>
+                <a:gd name="T24" fmla="*/ 609760398 w 164"/>
+                <a:gd name="T25" fmla="*/ 1504462149 h 197"/>
+                <a:gd name="T26" fmla="*/ 596786389 w 164"/>
+                <a:gd name="T27" fmla="*/ 1504462149 h 197"/>
+                <a:gd name="T28" fmla="*/ 0 w 164"/>
+                <a:gd name="T29" fmla="*/ 2147483646 h 197"/>
+                <a:gd name="T30" fmla="*/ 2114698577 w 164"/>
+                <a:gd name="T31" fmla="*/ 2147483646 h 197"/>
+                <a:gd name="T32" fmla="*/ 2127672586 w 164"/>
+                <a:gd name="T33" fmla="*/ 2147483646 h 197"/>
+                <a:gd name="T34" fmla="*/ 103788467 w 164"/>
+                <a:gd name="T35" fmla="*/ 2147483646 h 197"/>
+                <a:gd name="T36" fmla="*/ 661652830 w 164"/>
+                <a:gd name="T37" fmla="*/ 1595247820 h 197"/>
+                <a:gd name="T38" fmla="*/ 739496882 w 164"/>
+                <a:gd name="T39" fmla="*/ 1556339161 h 197"/>
+                <a:gd name="T40" fmla="*/ 791389315 w 164"/>
+                <a:gd name="T41" fmla="*/ 1543370808 h 197"/>
+                <a:gd name="T42" fmla="*/ 882207376 w 164"/>
+                <a:gd name="T43" fmla="*/ 1517430502 h 197"/>
+                <a:gd name="T44" fmla="*/ 908151791 w 164"/>
+                <a:gd name="T45" fmla="*/ 1517430502 h 197"/>
+                <a:gd name="T46" fmla="*/ 985995843 w 164"/>
+                <a:gd name="T47" fmla="*/ 1504462149 h 197"/>
+                <a:gd name="T48" fmla="*/ 1154650752 w 164"/>
+                <a:gd name="T49" fmla="*/ 1504462149 h 197"/>
+                <a:gd name="T50" fmla="*/ 1193572778 w 164"/>
+                <a:gd name="T51" fmla="*/ 1517430502 h 197"/>
+                <a:gd name="T52" fmla="*/ 1245465210 w 164"/>
+                <a:gd name="T53" fmla="*/ 1517430502 h 197"/>
+                <a:gd name="T54" fmla="*/ 1323309262 w 164"/>
+                <a:gd name="T55" fmla="*/ 1543370808 h 197"/>
+                <a:gd name="T56" fmla="*/ 1414123721 w 164"/>
+                <a:gd name="T57" fmla="*/ 1569311115 h 197"/>
+                <a:gd name="T58" fmla="*/ 1453045747 w 164"/>
+                <a:gd name="T59" fmla="*/ 1595247820 h 197"/>
+                <a:gd name="T60" fmla="*/ 103788467 w 164"/>
+                <a:gd name="T61" fmla="*/ 2147483646 h 197"/>
+                <a:gd name="T62" fmla="*/ 830311341 w 164"/>
+                <a:gd name="T63" fmla="*/ 1283982149 h 197"/>
+                <a:gd name="T64" fmla="*/ 856259358 w 164"/>
+                <a:gd name="T65" fmla="*/ 1296950501 h 197"/>
+                <a:gd name="T66" fmla="*/ 1063836293 w 164"/>
+                <a:gd name="T67" fmla="*/ 1322890808 h 197"/>
+                <a:gd name="T68" fmla="*/ 1154650752 w 164"/>
+                <a:gd name="T69" fmla="*/ 1309918854 h 197"/>
+                <a:gd name="T70" fmla="*/ 1193572778 w 164"/>
+                <a:gd name="T71" fmla="*/ 1309918854 h 197"/>
+                <a:gd name="T72" fmla="*/ 1232494804 w 164"/>
+                <a:gd name="T73" fmla="*/ 1296950501 h 197"/>
+                <a:gd name="T74" fmla="*/ 1271413228 w 164"/>
+                <a:gd name="T75" fmla="*/ 1283982149 h 197"/>
+                <a:gd name="T76" fmla="*/ 1323309262 w 164"/>
+                <a:gd name="T77" fmla="*/ 1271010195 h 197"/>
+                <a:gd name="T78" fmla="*/ 1336283271 w 164"/>
+                <a:gd name="T79" fmla="*/ 1258041842 h 197"/>
+                <a:gd name="T80" fmla="*/ 1388175704 w 164"/>
+                <a:gd name="T81" fmla="*/ 1232101536 h 197"/>
+                <a:gd name="T82" fmla="*/ 1453045747 w 164"/>
+                <a:gd name="T83" fmla="*/ 1193192876 h 197"/>
+                <a:gd name="T84" fmla="*/ 1725489123 w 164"/>
+                <a:gd name="T85" fmla="*/ 661443603 h 197"/>
+                <a:gd name="T86" fmla="*/ 1063836293 w 164"/>
+                <a:gd name="T87" fmla="*/ 0 h 197"/>
+                <a:gd name="T88" fmla="*/ 402183463 w 164"/>
+                <a:gd name="T89" fmla="*/ 622534944 h 197"/>
+                <a:gd name="T90" fmla="*/ 804363324 w 164"/>
+                <a:gd name="T91" fmla="*/ 1271010195 h 197"/>
+                <a:gd name="T92" fmla="*/ 505971930 w 164"/>
+                <a:gd name="T93" fmla="*/ 622534944 h 197"/>
+                <a:gd name="T94" fmla="*/ 1621700656 w 164"/>
+                <a:gd name="T95" fmla="*/ 661443603 h 197"/>
+                <a:gd name="T96" fmla="*/ 1414123721 w 164"/>
+                <a:gd name="T97" fmla="*/ 1089438853 h 197"/>
+                <a:gd name="T98" fmla="*/ 1375201695 w 164"/>
+                <a:gd name="T99" fmla="*/ 1128347512 h 197"/>
+                <a:gd name="T100" fmla="*/ 1323309262 w 164"/>
+                <a:gd name="T101" fmla="*/ 1154284217 h 197"/>
+                <a:gd name="T102" fmla="*/ 1271413228 w 164"/>
+                <a:gd name="T103" fmla="*/ 1180224524 h 197"/>
+                <a:gd name="T104" fmla="*/ 1232494804 w 164"/>
+                <a:gd name="T105" fmla="*/ 1193192876 h 197"/>
+                <a:gd name="T106" fmla="*/ 1206546786 w 164"/>
+                <a:gd name="T107" fmla="*/ 1193192876 h 197"/>
+                <a:gd name="T108" fmla="*/ 1167624760 w 164"/>
+                <a:gd name="T109" fmla="*/ 1206164830 h 197"/>
+                <a:gd name="T110" fmla="*/ 1128702734 w 164"/>
+                <a:gd name="T111" fmla="*/ 1219133183 h 197"/>
+                <a:gd name="T112" fmla="*/ 1063836293 w 164"/>
+                <a:gd name="T113" fmla="*/ 1219133183 h 197"/>
+                <a:gd name="T114" fmla="*/ 1063836293 w 164"/>
+                <a:gd name="T115" fmla="*/ 1219133183 h 197"/>
+                <a:gd name="T116" fmla="*/ 882207376 w 164"/>
+                <a:gd name="T117" fmla="*/ 1193192876 h 197"/>
+                <a:gd name="T118" fmla="*/ 843285350 w 164"/>
+                <a:gd name="T119" fmla="*/ 1180224524 h 197"/>
+                <a:gd name="T120" fmla="*/ 505971930 w 164"/>
+                <a:gd name="T121" fmla="*/ 635506898 h 197"/>
+                <a:gd name="T122" fmla="*/ 0 60000 65536"/>
+                <a:gd name="T123" fmla="*/ 0 60000 65536"/>
+                <a:gd name="T124" fmla="*/ 0 60000 65536"/>
+                <a:gd name="T125" fmla="*/ 0 60000 65536"/>
+                <a:gd name="T126" fmla="*/ 0 60000 65536"/>
+                <a:gd name="T127" fmla="*/ 0 60000 65536"/>
+                <a:gd name="T128" fmla="*/ 0 60000 65536"/>
+                <a:gd name="T129" fmla="*/ 0 60000 65536"/>
+                <a:gd name="T130" fmla="*/ 0 60000 65536"/>
+                <a:gd name="T131" fmla="*/ 0 60000 65536"/>
+                <a:gd name="T132" fmla="*/ 0 60000 65536"/>
+                <a:gd name="T133" fmla="*/ 0 60000 65536"/>
+                <a:gd name="T134" fmla="*/ 0 60000 65536"/>
+                <a:gd name="T135" fmla="*/ 0 60000 65536"/>
+                <a:gd name="T136" fmla="*/ 0 60000 65536"/>
+                <a:gd name="T137" fmla="*/ 0 60000 65536"/>
+                <a:gd name="T138" fmla="*/ 0 60000 65536"/>
+                <a:gd name="T139" fmla="*/ 0 60000 65536"/>
+                <a:gd name="T140" fmla="*/ 0 60000 65536"/>
+                <a:gd name="T141" fmla="*/ 0 60000 65536"/>
+                <a:gd name="T142" fmla="*/ 0 60000 65536"/>
+                <a:gd name="T143" fmla="*/ 0 60000 65536"/>
+                <a:gd name="T144" fmla="*/ 0 60000 65536"/>
+                <a:gd name="T145" fmla="*/ 0 60000 65536"/>
+                <a:gd name="T146" fmla="*/ 0 60000 65536"/>
+                <a:gd name="T147" fmla="*/ 0 60000 65536"/>
+                <a:gd name="T148" fmla="*/ 0 60000 65536"/>
+                <a:gd name="T149" fmla="*/ 0 60000 65536"/>
+                <a:gd name="T150" fmla="*/ 0 60000 65536"/>
+                <a:gd name="T151" fmla="*/ 0 60000 65536"/>
+                <a:gd name="T152" fmla="*/ 0 60000 65536"/>
+                <a:gd name="T153" fmla="*/ 0 60000 65536"/>
+                <a:gd name="T154" fmla="*/ 0 60000 65536"/>
+                <a:gd name="T155" fmla="*/ 0 60000 65536"/>
+                <a:gd name="T156" fmla="*/ 0 60000 65536"/>
+                <a:gd name="T157" fmla="*/ 0 60000 65536"/>
+                <a:gd name="T158" fmla="*/ 0 60000 65536"/>
+                <a:gd name="T159" fmla="*/ 0 60000 65536"/>
+                <a:gd name="T160" fmla="*/ 0 60000 65536"/>
+                <a:gd name="T161" fmla="*/ 0 60000 65536"/>
+                <a:gd name="T162" fmla="*/ 0 60000 65536"/>
+                <a:gd name="T163" fmla="*/ 0 60000 65536"/>
+                <a:gd name="T164" fmla="*/ 0 60000 65536"/>
+                <a:gd name="T165" fmla="*/ 0 60000 65536"/>
+                <a:gd name="T166" fmla="*/ 0 60000 65536"/>
+                <a:gd name="T167" fmla="*/ 0 60000 65536"/>
+                <a:gd name="T168" fmla="*/ 0 60000 65536"/>
+                <a:gd name="T169" fmla="*/ 0 60000 65536"/>
+                <a:gd name="T170" fmla="*/ 0 60000 65536"/>
+                <a:gd name="T171" fmla="*/ 0 60000 65536"/>
+                <a:gd name="T172" fmla="*/ 0 60000 65536"/>
+                <a:gd name="T173" fmla="*/ 0 60000 65536"/>
+                <a:gd name="T174" fmla="*/ 0 60000 65536"/>
+                <a:gd name="T175" fmla="*/ 0 60000 65536"/>
+                <a:gd name="T176" fmla="*/ 0 60000 65536"/>
+                <a:gd name="T177" fmla="*/ 0 60000 65536"/>
+                <a:gd name="T178" fmla="*/ 0 60000 65536"/>
+                <a:gd name="T179" fmla="*/ 0 60000 65536"/>
+                <a:gd name="T180" fmla="*/ 0 60000 65536"/>
+                <a:gd name="T181" fmla="*/ 0 60000 65536"/>
+                <a:gd name="T182" fmla="*/ 0 60000 65536"/>
+              </a:gdLst>
+              <a:ahLst/>
+              <a:cxnLst>
+                <a:cxn ang="T122">
+                  <a:pos x="T0" y="T1"/>
+                </a:cxn>
+                <a:cxn ang="T123">
+                  <a:pos x="T2" y="T3"/>
+                </a:cxn>
+                <a:cxn ang="T124">
+                  <a:pos x="T4" y="T5"/>
+                </a:cxn>
+                <a:cxn ang="T125">
+                  <a:pos x="T6" y="T7"/>
+                </a:cxn>
+                <a:cxn ang="T126">
+                  <a:pos x="T8" y="T9"/>
+                </a:cxn>
+                <a:cxn ang="T127">
+                  <a:pos x="T10" y="T11"/>
+                </a:cxn>
+                <a:cxn ang="T128">
+                  <a:pos x="T12" y="T13"/>
+                </a:cxn>
+                <a:cxn ang="T129">
+                  <a:pos x="T14" y="T15"/>
+                </a:cxn>
+                <a:cxn ang="T130">
+                  <a:pos x="T16" y="T17"/>
+                </a:cxn>
+                <a:cxn ang="T131">
+                  <a:pos x="T18" y="T19"/>
+                </a:cxn>
+                <a:cxn ang="T132">
+                  <a:pos x="T20" y="T21"/>
+                </a:cxn>
+                <a:cxn ang="T133">
+                  <a:pos x="T22" y="T23"/>
+                </a:cxn>
+                <a:cxn ang="T134">
+                  <a:pos x="T24" y="T25"/>
+                </a:cxn>
+                <a:cxn ang="T135">
+                  <a:pos x="T26" y="T27"/>
+                </a:cxn>
+                <a:cxn ang="T136">
+                  <a:pos x="T28" y="T29"/>
+                </a:cxn>
+                <a:cxn ang="T137">
+                  <a:pos x="T30" y="T31"/>
+                </a:cxn>
+                <a:cxn ang="T138">
+                  <a:pos x="T32" y="T33"/>
+                </a:cxn>
+                <a:cxn ang="T139">
+                  <a:pos x="T34" y="T35"/>
+                </a:cxn>
+                <a:cxn ang="T140">
+                  <a:pos x="T36" y="T37"/>
+                </a:cxn>
+                <a:cxn ang="T141">
+                  <a:pos x="T38" y="T39"/>
+                </a:cxn>
+                <a:cxn ang="T142">
+                  <a:pos x="T40" y="T41"/>
+                </a:cxn>
+                <a:cxn ang="T143">
+                  <a:pos x="T42" y="T43"/>
+                </a:cxn>
+                <a:cxn ang="T144">
+                  <a:pos x="T44" y="T45"/>
+                </a:cxn>
+                <a:cxn ang="T145">
+                  <a:pos x="T46" y="T47"/>
+                </a:cxn>
+                <a:cxn ang="T146">
+                  <a:pos x="T48" y="T49"/>
+                </a:cxn>
+                <a:cxn ang="T147">
+                  <a:pos x="T50" y="T51"/>
+                </a:cxn>
+                <a:cxn ang="T148">
+                  <a:pos x="T52" y="T53"/>
+                </a:cxn>
+                <a:cxn ang="T149">
+                  <a:pos x="T54" y="T55"/>
+                </a:cxn>
+                <a:cxn ang="T150">
+                  <a:pos x="T56" y="T57"/>
+                </a:cxn>
+                <a:cxn ang="T151">
+                  <a:pos x="T58" y="T59"/>
+                </a:cxn>
+                <a:cxn ang="T152">
+                  <a:pos x="T60" y="T61"/>
+                </a:cxn>
+                <a:cxn ang="T153">
+                  <a:pos x="T62" y="T63"/>
+                </a:cxn>
+                <a:cxn ang="T154">
+                  <a:pos x="T64" y="T65"/>
+                </a:cxn>
+                <a:cxn ang="T155">
+                  <a:pos x="T66" y="T67"/>
+                </a:cxn>
+                <a:cxn ang="T156">
+                  <a:pos x="T68" y="T69"/>
+                </a:cxn>
+                <a:cxn ang="T157">
+                  <a:pos x="T70" y="T71"/>
+                </a:cxn>
+                <a:cxn ang="T158">
+                  <a:pos x="T72" y="T73"/>
+                </a:cxn>
+                <a:cxn ang="T159">
+                  <a:pos x="T74" y="T75"/>
+                </a:cxn>
+                <a:cxn ang="T160">
+                  <a:pos x="T76" y="T77"/>
+                </a:cxn>
+                <a:cxn ang="T161">
+                  <a:pos x="T78" y="T79"/>
+                </a:cxn>
+                <a:cxn ang="T162">
+                  <a:pos x="T80" y="T81"/>
+                </a:cxn>
+                <a:cxn ang="T163">
+                  <a:pos x="T82" y="T83"/>
+                </a:cxn>
+                <a:cxn ang="T164">
+                  <a:pos x="T84" y="T85"/>
+                </a:cxn>
+                <a:cxn ang="T165">
+                  <a:pos x="T86" y="T87"/>
+                </a:cxn>
+                <a:cxn ang="T166">
+                  <a:pos x="T88" y="T89"/>
+                </a:cxn>
+                <a:cxn ang="T167">
+                  <a:pos x="T90" y="T91"/>
+                </a:cxn>
+                <a:cxn ang="T168">
+                  <a:pos x="T92" y="T93"/>
+                </a:cxn>
+                <a:cxn ang="T169">
+                  <a:pos x="T94" y="T95"/>
+                </a:cxn>
+                <a:cxn ang="T170">
+                  <a:pos x="T96" y="T97"/>
+                </a:cxn>
+                <a:cxn ang="T171">
+                  <a:pos x="T98" y="T99"/>
+                </a:cxn>
+                <a:cxn ang="T172">
+                  <a:pos x="T100" y="T101"/>
+                </a:cxn>
+                <a:cxn ang="T173">
+                  <a:pos x="T102" y="T103"/>
+                </a:cxn>
+                <a:cxn ang="T174">
+                  <a:pos x="T104" y="T105"/>
+                </a:cxn>
+                <a:cxn ang="T175">
+                  <a:pos x="T106" y="T107"/>
+                </a:cxn>
+                <a:cxn ang="T176">
+                  <a:pos x="T108" y="T109"/>
+                </a:cxn>
+                <a:cxn ang="T177">
+                  <a:pos x="T110" y="T111"/>
+                </a:cxn>
+                <a:cxn ang="T178">
+                  <a:pos x="T112" y="T113"/>
+                </a:cxn>
+                <a:cxn ang="T179">
+                  <a:pos x="T114" y="T115"/>
+                </a:cxn>
+                <a:cxn ang="T180">
+                  <a:pos x="T116" y="T117"/>
+                </a:cxn>
+                <a:cxn ang="T181">
+                  <a:pos x="T118" y="T119"/>
+                </a:cxn>
+                <a:cxn ang="T182">
+                  <a:pos x="T120" y="T121"/>
+                </a:cxn>
+              </a:cxnLst>
+              <a:rect l="0" t="0" r="r" b="b"/>
+              <a:pathLst>
+                <a:path w="164" h="197">
+                  <a:moveTo>
+                    <a:pt x="116" y="116"/>
+                  </a:moveTo>
+                  <a:cubicBezTo>
+                    <a:pt x="115" y="115"/>
+                    <a:pt x="115" y="115"/>
+                    <a:pt x="115" y="115"/>
+                  </a:cubicBezTo>
+                  <a:cubicBezTo>
+                    <a:pt x="114" y="115"/>
+                    <a:pt x="113" y="114"/>
+                    <a:pt x="112" y="114"/>
+                  </a:cubicBezTo>
+                  <a:cubicBezTo>
+                    <a:pt x="110" y="113"/>
+                    <a:pt x="109" y="113"/>
+                    <a:pt x="108" y="112"/>
+                  </a:cubicBezTo>
+                  <a:cubicBezTo>
+                    <a:pt x="106" y="112"/>
+                    <a:pt x="105" y="112"/>
+                    <a:pt x="104" y="111"/>
+                  </a:cubicBezTo>
+                  <a:cubicBezTo>
+                    <a:pt x="103" y="111"/>
+                    <a:pt x="101" y="110"/>
+                    <a:pt x="99" y="110"/>
+                  </a:cubicBezTo>
+                  <a:cubicBezTo>
+                    <a:pt x="98" y="110"/>
+                    <a:pt x="98" y="110"/>
+                    <a:pt x="97" y="110"/>
+                  </a:cubicBezTo>
+                  <a:cubicBezTo>
+                    <a:pt x="97" y="110"/>
+                    <a:pt x="97" y="110"/>
+                    <a:pt x="97" y="110"/>
+                  </a:cubicBezTo>
+                  <a:cubicBezTo>
+                    <a:pt x="96" y="109"/>
+                    <a:pt x="95" y="109"/>
+                    <a:pt x="94" y="109"/>
+                  </a:cubicBezTo>
+                  <a:cubicBezTo>
+                    <a:pt x="93" y="109"/>
+                    <a:pt x="93" y="109"/>
+                    <a:pt x="93" y="109"/>
+                  </a:cubicBezTo>
+                  <a:cubicBezTo>
+                    <a:pt x="93" y="109"/>
+                    <a:pt x="93" y="109"/>
+                    <a:pt x="93" y="109"/>
+                  </a:cubicBezTo>
+                  <a:cubicBezTo>
+                    <a:pt x="93" y="109"/>
+                    <a:pt x="93" y="109"/>
+                    <a:pt x="93" y="109"/>
+                  </a:cubicBezTo>
+                  <a:cubicBezTo>
+                    <a:pt x="92" y="109"/>
+                    <a:pt x="91" y="109"/>
+                    <a:pt x="90" y="109"/>
+                  </a:cubicBezTo>
+                  <a:cubicBezTo>
+                    <a:pt x="87" y="108"/>
+                    <a:pt x="87" y="108"/>
+                    <a:pt x="87" y="108"/>
+                  </a:cubicBezTo>
+                  <a:cubicBezTo>
+                    <a:pt x="83" y="108"/>
+                    <a:pt x="79" y="108"/>
+                    <a:pt x="76" y="108"/>
+                  </a:cubicBezTo>
+                  <a:cubicBezTo>
+                    <a:pt x="75" y="108"/>
+                    <a:pt x="75" y="108"/>
+                    <a:pt x="75" y="108"/>
+                  </a:cubicBezTo>
+                  <a:cubicBezTo>
+                    <a:pt x="74" y="108"/>
+                    <a:pt x="74" y="108"/>
+                    <a:pt x="74" y="108"/>
+                  </a:cubicBezTo>
+                  <a:cubicBezTo>
+                    <a:pt x="73" y="109"/>
+                    <a:pt x="73" y="109"/>
+                    <a:pt x="73" y="109"/>
+                  </a:cubicBezTo>
+                  <a:cubicBezTo>
+                    <a:pt x="72" y="109"/>
+                    <a:pt x="70" y="109"/>
+                    <a:pt x="69" y="109"/>
+                  </a:cubicBezTo>
+                  <a:cubicBezTo>
+                    <a:pt x="69" y="109"/>
+                    <a:pt x="69" y="109"/>
+                    <a:pt x="69" y="109"/>
+                  </a:cubicBezTo>
+                  <a:cubicBezTo>
+                    <a:pt x="68" y="109"/>
+                    <a:pt x="67" y="109"/>
+                    <a:pt x="67" y="109"/>
+                  </a:cubicBezTo>
+                  <a:cubicBezTo>
+                    <a:pt x="66" y="110"/>
+                    <a:pt x="65" y="110"/>
+                    <a:pt x="64" y="110"/>
+                  </a:cubicBezTo>
+                  <a:cubicBezTo>
+                    <a:pt x="62" y="110"/>
+                    <a:pt x="61" y="111"/>
+                    <a:pt x="59" y="111"/>
+                  </a:cubicBezTo>
+                  <a:cubicBezTo>
+                    <a:pt x="58" y="112"/>
+                    <a:pt x="56" y="112"/>
+                    <a:pt x="55" y="112"/>
+                  </a:cubicBezTo>
+                  <a:cubicBezTo>
+                    <a:pt x="54" y="113"/>
+                    <a:pt x="54" y="113"/>
+                    <a:pt x="54" y="113"/>
+                  </a:cubicBezTo>
+                  <a:cubicBezTo>
+                    <a:pt x="52" y="114"/>
+                    <a:pt x="49" y="115"/>
+                    <a:pt x="47" y="116"/>
+                  </a:cubicBezTo>
+                  <a:cubicBezTo>
+                    <a:pt x="46" y="116"/>
+                    <a:pt x="46" y="116"/>
+                    <a:pt x="46" y="116"/>
+                  </a:cubicBezTo>
+                  <a:cubicBezTo>
+                    <a:pt x="46" y="116"/>
+                    <a:pt x="46" y="116"/>
+                    <a:pt x="46" y="116"/>
+                  </a:cubicBezTo>
+                  <a:cubicBezTo>
+                    <a:pt x="18" y="130"/>
+                    <a:pt x="0" y="159"/>
+                    <a:pt x="0" y="190"/>
+                  </a:cubicBezTo>
+                  <a:cubicBezTo>
+                    <a:pt x="0" y="191"/>
+                    <a:pt x="0" y="191"/>
+                    <a:pt x="0" y="192"/>
+                  </a:cubicBezTo>
+                  <a:cubicBezTo>
+                    <a:pt x="0" y="197"/>
+                    <a:pt x="0" y="197"/>
+                    <a:pt x="0" y="197"/>
+                  </a:cubicBezTo>
+                  <a:cubicBezTo>
+                    <a:pt x="163" y="197"/>
+                    <a:pt x="163" y="197"/>
+                    <a:pt x="163" y="197"/>
+                  </a:cubicBezTo>
+                  <a:cubicBezTo>
+                    <a:pt x="163" y="192"/>
+                    <a:pt x="163" y="192"/>
+                    <a:pt x="163" y="192"/>
+                  </a:cubicBezTo>
+                  <a:cubicBezTo>
+                    <a:pt x="163" y="191"/>
+                    <a:pt x="164" y="191"/>
+                    <a:pt x="164" y="190"/>
+                  </a:cubicBezTo>
+                  <a:cubicBezTo>
+                    <a:pt x="164" y="158"/>
+                    <a:pt x="145" y="129"/>
+                    <a:pt x="116" y="116"/>
+                  </a:cubicBezTo>
+                  <a:close/>
+                  <a:moveTo>
+                    <a:pt x="8" y="189"/>
+                  </a:moveTo>
+                  <a:cubicBezTo>
+                    <a:pt x="8" y="161"/>
+                    <a:pt x="25" y="135"/>
+                    <a:pt x="50" y="123"/>
+                  </a:cubicBezTo>
+                  <a:cubicBezTo>
+                    <a:pt x="51" y="123"/>
+                    <a:pt x="51" y="123"/>
+                    <a:pt x="51" y="123"/>
+                  </a:cubicBezTo>
+                  <a:cubicBezTo>
+                    <a:pt x="51" y="123"/>
+                    <a:pt x="51" y="123"/>
+                    <a:pt x="51" y="123"/>
+                  </a:cubicBezTo>
+                  <a:cubicBezTo>
+                    <a:pt x="53" y="122"/>
+                    <a:pt x="55" y="121"/>
+                    <a:pt x="57" y="120"/>
+                  </a:cubicBezTo>
+                  <a:cubicBezTo>
+                    <a:pt x="58" y="120"/>
+                    <a:pt x="58" y="120"/>
+                    <a:pt x="58" y="120"/>
+                  </a:cubicBezTo>
+                  <a:cubicBezTo>
+                    <a:pt x="59" y="120"/>
+                    <a:pt x="60" y="119"/>
+                    <a:pt x="61" y="119"/>
+                  </a:cubicBezTo>
+                  <a:cubicBezTo>
+                    <a:pt x="63" y="119"/>
+                    <a:pt x="64" y="118"/>
+                    <a:pt x="66" y="118"/>
+                  </a:cubicBezTo>
+                  <a:cubicBezTo>
+                    <a:pt x="66" y="118"/>
+                    <a:pt x="67" y="117"/>
+                    <a:pt x="68" y="117"/>
+                  </a:cubicBezTo>
+                  <a:cubicBezTo>
+                    <a:pt x="69" y="117"/>
+                    <a:pt x="69" y="117"/>
+                    <a:pt x="70" y="117"/>
+                  </a:cubicBezTo>
+                  <a:cubicBezTo>
+                    <a:pt x="70" y="117"/>
+                    <a:pt x="70" y="117"/>
+                    <a:pt x="70" y="117"/>
+                  </a:cubicBezTo>
+                  <a:cubicBezTo>
+                    <a:pt x="71" y="117"/>
+                    <a:pt x="73" y="117"/>
+                    <a:pt x="74" y="116"/>
+                  </a:cubicBezTo>
+                  <a:cubicBezTo>
+                    <a:pt x="76" y="116"/>
+                    <a:pt x="76" y="116"/>
+                    <a:pt x="76" y="116"/>
+                  </a:cubicBezTo>
+                  <a:cubicBezTo>
+                    <a:pt x="80" y="116"/>
+                    <a:pt x="83" y="116"/>
+                    <a:pt x="87" y="116"/>
+                  </a:cubicBezTo>
+                  <a:cubicBezTo>
+                    <a:pt x="89" y="116"/>
+                    <a:pt x="89" y="116"/>
+                    <a:pt x="89" y="116"/>
+                  </a:cubicBezTo>
+                  <a:cubicBezTo>
+                    <a:pt x="90" y="117"/>
+                    <a:pt x="91" y="117"/>
+                    <a:pt x="91" y="117"/>
+                  </a:cubicBezTo>
+                  <a:cubicBezTo>
+                    <a:pt x="92" y="117"/>
+                    <a:pt x="92" y="117"/>
+                    <a:pt x="92" y="117"/>
+                  </a:cubicBezTo>
+                  <a:cubicBezTo>
+                    <a:pt x="93" y="117"/>
+                    <a:pt x="94" y="117"/>
+                    <a:pt x="95" y="117"/>
+                  </a:cubicBezTo>
+                  <a:cubicBezTo>
+                    <a:pt x="96" y="117"/>
+                    <a:pt x="96" y="117"/>
+                    <a:pt x="96" y="117"/>
+                  </a:cubicBezTo>
+                  <a:cubicBezTo>
+                    <a:pt x="96" y="118"/>
+                    <a:pt x="97" y="118"/>
+                    <a:pt x="97" y="118"/>
+                  </a:cubicBezTo>
+                  <a:cubicBezTo>
+                    <a:pt x="99" y="118"/>
+                    <a:pt x="100" y="119"/>
+                    <a:pt x="102" y="119"/>
+                  </a:cubicBezTo>
+                  <a:cubicBezTo>
+                    <a:pt x="103" y="119"/>
+                    <a:pt x="104" y="120"/>
+                    <a:pt x="105" y="120"/>
+                  </a:cubicBezTo>
+                  <a:cubicBezTo>
+                    <a:pt x="106" y="120"/>
+                    <a:pt x="107" y="121"/>
+                    <a:pt x="109" y="121"/>
+                  </a:cubicBezTo>
+                  <a:cubicBezTo>
+                    <a:pt x="110" y="122"/>
+                    <a:pt x="111" y="122"/>
+                    <a:pt x="112" y="123"/>
+                  </a:cubicBezTo>
+                  <a:cubicBezTo>
+                    <a:pt x="112" y="123"/>
+                    <a:pt x="112" y="123"/>
+                    <a:pt x="112" y="123"/>
+                  </a:cubicBezTo>
+                  <a:cubicBezTo>
+                    <a:pt x="138" y="135"/>
+                    <a:pt x="155" y="161"/>
+                    <a:pt x="156" y="189"/>
+                  </a:cubicBezTo>
+                  <a:lnTo>
+                    <a:pt x="8" y="189"/>
+                  </a:lnTo>
+                  <a:close/>
+                  <a:moveTo>
+                    <a:pt x="62" y="98"/>
+                  </a:moveTo>
+                  <a:cubicBezTo>
+                    <a:pt x="62" y="98"/>
+                    <a:pt x="63" y="98"/>
+                    <a:pt x="64" y="99"/>
+                  </a:cubicBezTo>
+                  <a:cubicBezTo>
+                    <a:pt x="65" y="99"/>
+                    <a:pt x="65" y="99"/>
+                    <a:pt x="65" y="99"/>
+                  </a:cubicBezTo>
+                  <a:cubicBezTo>
+                    <a:pt x="65" y="99"/>
+                    <a:pt x="66" y="100"/>
+                    <a:pt x="66" y="100"/>
+                  </a:cubicBezTo>
+                  <a:cubicBezTo>
+                    <a:pt x="71" y="101"/>
+                    <a:pt x="76" y="102"/>
+                    <a:pt x="81" y="102"/>
+                  </a:cubicBezTo>
+                  <a:cubicBezTo>
+                    <a:pt x="82" y="102"/>
+                    <a:pt x="82" y="102"/>
+                    <a:pt x="82" y="102"/>
+                  </a:cubicBezTo>
+                  <a:cubicBezTo>
+                    <a:pt x="83" y="102"/>
+                    <a:pt x="85" y="102"/>
+                    <a:pt x="87" y="102"/>
+                  </a:cubicBezTo>
+                  <a:cubicBezTo>
+                    <a:pt x="87" y="102"/>
+                    <a:pt x="88" y="102"/>
+                    <a:pt x="89" y="101"/>
+                  </a:cubicBezTo>
+                  <a:cubicBezTo>
+                    <a:pt x="90" y="101"/>
+                    <a:pt x="90" y="101"/>
+                    <a:pt x="90" y="101"/>
+                  </a:cubicBezTo>
+                  <a:cubicBezTo>
+                    <a:pt x="91" y="101"/>
+                    <a:pt x="91" y="101"/>
+                    <a:pt x="92" y="101"/>
+                  </a:cubicBezTo>
+                  <a:cubicBezTo>
+                    <a:pt x="92" y="101"/>
+                    <a:pt x="93" y="101"/>
+                    <a:pt x="93" y="101"/>
+                  </a:cubicBezTo>
+                  <a:cubicBezTo>
+                    <a:pt x="95" y="100"/>
+                    <a:pt x="95" y="100"/>
+                    <a:pt x="95" y="100"/>
+                  </a:cubicBezTo>
+                  <a:cubicBezTo>
+                    <a:pt x="96" y="100"/>
+                    <a:pt x="96" y="100"/>
+                    <a:pt x="97" y="100"/>
+                  </a:cubicBezTo>
+                  <a:cubicBezTo>
+                    <a:pt x="97" y="100"/>
+                    <a:pt x="98" y="99"/>
+                    <a:pt x="98" y="99"/>
+                  </a:cubicBezTo>
+                  <a:cubicBezTo>
+                    <a:pt x="99" y="99"/>
+                    <a:pt x="99" y="99"/>
+                    <a:pt x="99" y="99"/>
+                  </a:cubicBezTo>
+                  <a:cubicBezTo>
+                    <a:pt x="100" y="99"/>
+                    <a:pt x="101" y="98"/>
+                    <a:pt x="102" y="98"/>
+                  </a:cubicBezTo>
+                  <a:cubicBezTo>
+                    <a:pt x="102" y="98"/>
+                    <a:pt x="102" y="98"/>
+                    <a:pt x="102" y="98"/>
+                  </a:cubicBezTo>
+                  <a:cubicBezTo>
+                    <a:pt x="103" y="97"/>
+                    <a:pt x="103" y="97"/>
+                    <a:pt x="103" y="97"/>
+                  </a:cubicBezTo>
+                  <a:cubicBezTo>
+                    <a:pt x="104" y="97"/>
+                    <a:pt x="105" y="96"/>
+                    <a:pt x="106" y="96"/>
+                  </a:cubicBezTo>
+                  <a:cubicBezTo>
+                    <a:pt x="107" y="95"/>
+                    <a:pt x="107" y="95"/>
+                    <a:pt x="107" y="95"/>
+                  </a:cubicBezTo>
+                  <a:cubicBezTo>
+                    <a:pt x="108" y="95"/>
+                    <a:pt x="109" y="94"/>
+                    <a:pt x="110" y="93"/>
+                  </a:cubicBezTo>
+                  <a:cubicBezTo>
+                    <a:pt x="111" y="93"/>
+                    <a:pt x="112" y="92"/>
+                    <a:pt x="112" y="92"/>
+                  </a:cubicBezTo>
+                  <a:cubicBezTo>
+                    <a:pt x="114" y="90"/>
+                    <a:pt x="114" y="90"/>
+                    <a:pt x="114" y="90"/>
+                  </a:cubicBezTo>
+                  <a:cubicBezTo>
+                    <a:pt x="126" y="80"/>
+                    <a:pt x="133" y="66"/>
+                    <a:pt x="133" y="51"/>
+                  </a:cubicBezTo>
+                  <a:cubicBezTo>
+                    <a:pt x="133" y="51"/>
+                    <a:pt x="133" y="51"/>
+                    <a:pt x="133" y="51"/>
+                  </a:cubicBezTo>
+                  <a:cubicBezTo>
+                    <a:pt x="133" y="23"/>
+                    <a:pt x="110" y="0"/>
+                    <a:pt x="82" y="0"/>
+                  </a:cubicBezTo>
+                  <a:cubicBezTo>
+                    <a:pt x="55" y="0"/>
+                    <a:pt x="32" y="21"/>
+                    <a:pt x="31" y="48"/>
+                  </a:cubicBezTo>
+                  <a:cubicBezTo>
+                    <a:pt x="31" y="48"/>
+                    <a:pt x="31" y="48"/>
+                    <a:pt x="31" y="48"/>
+                  </a:cubicBezTo>
+                  <a:cubicBezTo>
+                    <a:pt x="31" y="49"/>
+                    <a:pt x="31" y="50"/>
+                    <a:pt x="31" y="51"/>
+                  </a:cubicBezTo>
+                  <a:cubicBezTo>
+                    <a:pt x="31" y="71"/>
+                    <a:pt x="43" y="90"/>
+                    <a:pt x="62" y="98"/>
+                  </a:cubicBezTo>
+                  <a:close/>
+                  <a:moveTo>
+                    <a:pt x="39" y="49"/>
+                  </a:moveTo>
+                  <a:cubicBezTo>
+                    <a:pt x="39" y="48"/>
+                    <a:pt x="39" y="48"/>
+                    <a:pt x="39" y="48"/>
+                  </a:cubicBezTo>
+                  <a:cubicBezTo>
+                    <a:pt x="40" y="26"/>
+                    <a:pt x="59" y="8"/>
+                    <a:pt x="82" y="8"/>
+                  </a:cubicBezTo>
+                  <a:cubicBezTo>
+                    <a:pt x="105" y="8"/>
+                    <a:pt x="125" y="27"/>
+                    <a:pt x="125" y="51"/>
+                  </a:cubicBezTo>
+                  <a:cubicBezTo>
+                    <a:pt x="125" y="51"/>
+                    <a:pt x="125" y="51"/>
+                    <a:pt x="125" y="51"/>
+                  </a:cubicBezTo>
+                  <a:cubicBezTo>
+                    <a:pt x="125" y="64"/>
+                    <a:pt x="119" y="76"/>
+                    <a:pt x="109" y="84"/>
+                  </a:cubicBezTo>
+                  <a:cubicBezTo>
+                    <a:pt x="107" y="86"/>
+                    <a:pt x="107" y="86"/>
+                    <a:pt x="107" y="86"/>
+                  </a:cubicBezTo>
+                  <a:cubicBezTo>
+                    <a:pt x="107" y="86"/>
+                    <a:pt x="106" y="86"/>
+                    <a:pt x="106" y="87"/>
+                  </a:cubicBezTo>
+                  <a:cubicBezTo>
+                    <a:pt x="105" y="87"/>
+                    <a:pt x="104" y="88"/>
+                    <a:pt x="103" y="88"/>
+                  </a:cubicBezTo>
+                  <a:cubicBezTo>
+                    <a:pt x="102" y="89"/>
+                    <a:pt x="102" y="89"/>
+                    <a:pt x="102" y="89"/>
+                  </a:cubicBezTo>
+                  <a:cubicBezTo>
+                    <a:pt x="101" y="89"/>
+                    <a:pt x="100" y="90"/>
+                    <a:pt x="99" y="90"/>
+                  </a:cubicBezTo>
+                  <a:cubicBezTo>
+                    <a:pt x="98" y="91"/>
+                    <a:pt x="98" y="91"/>
+                    <a:pt x="98" y="91"/>
+                  </a:cubicBezTo>
+                  <a:cubicBezTo>
+                    <a:pt x="98" y="91"/>
+                    <a:pt x="97" y="91"/>
+                    <a:pt x="97" y="91"/>
+                  </a:cubicBezTo>
+                  <a:cubicBezTo>
+                    <a:pt x="95" y="92"/>
+                    <a:pt x="95" y="92"/>
+                    <a:pt x="95" y="92"/>
+                  </a:cubicBezTo>
+                  <a:cubicBezTo>
+                    <a:pt x="95" y="92"/>
+                    <a:pt x="95" y="92"/>
+                    <a:pt x="94" y="92"/>
+                  </a:cubicBezTo>
+                  <a:cubicBezTo>
+                    <a:pt x="94" y="92"/>
+                    <a:pt x="93" y="92"/>
+                    <a:pt x="93" y="92"/>
+                  </a:cubicBezTo>
+                  <a:cubicBezTo>
+                    <a:pt x="91" y="93"/>
+                    <a:pt x="91" y="93"/>
+                    <a:pt x="91" y="93"/>
+                  </a:cubicBezTo>
+                  <a:cubicBezTo>
+                    <a:pt x="91" y="93"/>
+                    <a:pt x="91" y="93"/>
+                    <a:pt x="90" y="93"/>
+                  </a:cubicBezTo>
+                  <a:cubicBezTo>
+                    <a:pt x="90" y="93"/>
+                    <a:pt x="89" y="93"/>
+                    <a:pt x="89" y="93"/>
+                  </a:cubicBezTo>
+                  <a:cubicBezTo>
+                    <a:pt x="87" y="94"/>
+                    <a:pt x="87" y="94"/>
+                    <a:pt x="87" y="94"/>
+                  </a:cubicBezTo>
+                  <a:cubicBezTo>
+                    <a:pt x="87" y="94"/>
+                    <a:pt x="87" y="94"/>
+                    <a:pt x="86" y="94"/>
+                  </a:cubicBezTo>
+                  <a:cubicBezTo>
+                    <a:pt x="85" y="94"/>
+                    <a:pt x="83" y="94"/>
+                    <a:pt x="82" y="94"/>
+                  </a:cubicBezTo>
+                  <a:cubicBezTo>
+                    <a:pt x="82" y="94"/>
+                    <a:pt x="82" y="94"/>
+                    <a:pt x="82" y="94"/>
+                  </a:cubicBezTo>
+                  <a:cubicBezTo>
+                    <a:pt x="82" y="94"/>
+                    <a:pt x="82" y="94"/>
+                    <a:pt x="82" y="94"/>
+                  </a:cubicBezTo>
+                  <a:cubicBezTo>
+                    <a:pt x="77" y="94"/>
+                    <a:pt x="73" y="93"/>
+                    <a:pt x="69" y="92"/>
+                  </a:cubicBezTo>
+                  <a:cubicBezTo>
+                    <a:pt x="69" y="92"/>
+                    <a:pt x="68" y="92"/>
+                    <a:pt x="68" y="92"/>
+                  </a:cubicBezTo>
+                  <a:cubicBezTo>
+                    <a:pt x="66" y="91"/>
+                    <a:pt x="66" y="91"/>
+                    <a:pt x="66" y="91"/>
+                  </a:cubicBezTo>
+                  <a:cubicBezTo>
+                    <a:pt x="66" y="91"/>
+                    <a:pt x="65" y="91"/>
+                    <a:pt x="65" y="91"/>
+                  </a:cubicBezTo>
+                  <a:cubicBezTo>
+                    <a:pt x="49" y="84"/>
+                    <a:pt x="39" y="68"/>
+                    <a:pt x="39" y="51"/>
+                  </a:cubicBezTo>
+                  <a:cubicBezTo>
+                    <a:pt x="39" y="50"/>
+                    <a:pt x="39" y="50"/>
+                    <a:pt x="39" y="49"/>
+                  </a:cubicBezTo>
+                  <a:close/>
+                </a:path>
+              </a:pathLst>
+            </a:custGeom>
+            <a:solidFill>
+              <a:schemeClr val="bg1"/>
+            </a:solidFill>
+            <a:ln>
+              <a:noFill/>
+            </a:ln>
+            <a:extLst>
+              <a:ext uri="{91240B29-F687-4F45-9708-019B960494DF}">
+                <a14:hiddenLine xmlns:a14="http://schemas.microsoft.com/office/drawing/2010/main" w="9525">
+                  <a:solidFill>
+                    <a:srgbClr val="000000"/>
+                  </a:solidFill>
+                  <a:round/>
+                </a14:hiddenLine>
+              </a:ext>
+            </a:extLst>
+          </p:spPr>
+          <p:txBody>
+            <a:bodyPr/>
+            <a:lstStyle/>
+            <a:p>
+              <a:pPr defTabSz="685165" eaLnBrk="0" fontAlgn="base" hangingPunct="0">
+                <a:spcBef>
+                  <a:spcPct val="0"/>
+                </a:spcBef>
+                <a:spcAft>
+                  <a:spcPct val="0"/>
+                </a:spcAft>
+              </a:pPr>
+              <a:endParaRPr lang="zh-CN" altLang="en-US" sz="1735">
+                <a:solidFill>
+                  <a:prstClr val="black"/>
+                </a:solidFill>
+                <a:latin typeface="Elsie" panose="02000000000000000000" charset="0"/>
+                <a:ea typeface="Elsie" panose="02000000000000000000" charset="0"/>
+                <a:cs typeface="Elsie" panose="02000000000000000000" charset="0"/>
+                <a:sym typeface="Source Han Sans SC"/>
+              </a:endParaRPr>
+            </a:p>
+          </p:txBody>
+        </p:sp>
+      </p:grpSp>
+      <p:grpSp>
+        <p:nvGrpSpPr>
+          <p:cNvPr id="8" name="组合 45">
+            <a:extLst>
+              <a:ext uri="{FF2B5EF4-FFF2-40B4-BE49-F238E27FC236}">
+                <a16:creationId xmlns:a16="http://schemas.microsoft.com/office/drawing/2014/main" id="{67D3601E-1FB0-4F56-A74B-C269D657184D}"/>
+              </a:ext>
+            </a:extLst>
+          </p:cNvPr>
+          <p:cNvGrpSpPr/>
+          <p:nvPr/>
+        </p:nvGrpSpPr>
+        <p:grpSpPr>
+          <a:xfrm>
+            <a:off x="7643693" y="2123199"/>
+            <a:ext cx="1728787" cy="1728693"/>
+            <a:chOff x="6269753" y="1914525"/>
+            <a:chExt cx="1728787" cy="1728787"/>
+          </a:xfrm>
+        </p:grpSpPr>
+        <p:sp>
+          <p:nvSpPr>
+            <p:cNvPr id="9" name="椭圆 46">
+              <a:extLst>
+                <a:ext uri="{FF2B5EF4-FFF2-40B4-BE49-F238E27FC236}">
+                  <a16:creationId xmlns:a16="http://schemas.microsoft.com/office/drawing/2014/main" id="{AA5941D8-32EE-418B-9C3C-9B806D6B3075}"/>
+                </a:ext>
+              </a:extLst>
+            </p:cNvPr>
+            <p:cNvSpPr/>
+            <p:nvPr/>
+          </p:nvSpPr>
+          <p:spPr>
+            <a:xfrm>
+              <a:off x="6269753" y="1914525"/>
+              <a:ext cx="1728787" cy="1728787"/>
+            </a:xfrm>
+            <a:prstGeom prst="ellipse">
+              <a:avLst/>
+            </a:prstGeom>
+            <a:solidFill>
+              <a:schemeClr val="accent1"/>
+            </a:solidFill>
+            <a:ln>
+              <a:noFill/>
+            </a:ln>
+          </p:spPr>
+          <p:style>
+            <a:lnRef idx="2">
+              <a:schemeClr val="accent1">
+                <a:shade val="50000"/>
+              </a:schemeClr>
+            </a:lnRef>
+            <a:fillRef idx="1">
+              <a:schemeClr val="accent1"/>
+            </a:fillRef>
+            <a:effectRef idx="0">
+              <a:schemeClr val="accent1"/>
+            </a:effectRef>
+            <a:fontRef idx="minor">
+              <a:schemeClr val="lt1"/>
+            </a:fontRef>
+          </p:style>
+          <p:txBody>
+            <a:bodyPr anchor="ctr"/>
+            <a:lstStyle/>
+            <a:p>
+              <a:pPr algn="ctr" defTabSz="685165">
+                <a:defRPr/>
+              </a:pPr>
+              <a:endParaRPr lang="zh-CN" altLang="en-US" sz="1735">
+                <a:solidFill>
+                  <a:prstClr val="white"/>
+                </a:solidFill>
+                <a:latin typeface="Elsie" panose="02000000000000000000" charset="0"/>
+                <a:ea typeface="Elsie" panose="02000000000000000000" charset="0"/>
+                <a:cs typeface="Elsie" panose="02000000000000000000" charset="0"/>
+                <a:sym typeface="Source Han Sans SC"/>
+              </a:endParaRPr>
+            </a:p>
+          </p:txBody>
+        </p:sp>
+        <p:sp>
+          <p:nvSpPr>
+            <p:cNvPr id="10" name="Freeform 139">
+              <a:extLst>
+                <a:ext uri="{FF2B5EF4-FFF2-40B4-BE49-F238E27FC236}">
+                  <a16:creationId xmlns:a16="http://schemas.microsoft.com/office/drawing/2014/main" id="{E5676B0D-0D49-4955-8489-FB7A2CA23C94}"/>
+                </a:ext>
+              </a:extLst>
+            </p:cNvPr>
+            <p:cNvSpPr>
+              <a:spLocks noEditPoints="1"/>
+            </p:cNvSpPr>
+            <p:nvPr/>
+          </p:nvSpPr>
+          <p:spPr bwMode="auto">
+            <a:xfrm>
+              <a:off x="6734050" y="2493018"/>
+              <a:ext cx="800192" cy="571800"/>
+            </a:xfrm>
+            <a:custGeom>
+              <a:avLst/>
+              <a:gdLst>
+                <a:gd name="T0" fmla="*/ 2147483646 w 206"/>
+                <a:gd name="T1" fmla="*/ 1724879433 h 147"/>
+                <a:gd name="T2" fmla="*/ 2147483646 w 206"/>
+                <a:gd name="T3" fmla="*/ 242089229 h 147"/>
+                <a:gd name="T4" fmla="*/ 2147483646 w 206"/>
+                <a:gd name="T5" fmla="*/ 0 h 147"/>
+                <a:gd name="T6" fmla="*/ 482842068 w 206"/>
+                <a:gd name="T7" fmla="*/ 0 h 147"/>
+                <a:gd name="T8" fmla="*/ 241421034 w 206"/>
+                <a:gd name="T9" fmla="*/ 242089229 h 147"/>
+                <a:gd name="T10" fmla="*/ 241421034 w 206"/>
+                <a:gd name="T11" fmla="*/ 1724879433 h 147"/>
+                <a:gd name="T12" fmla="*/ 0 w 206"/>
+                <a:gd name="T13" fmla="*/ 1724879433 h 147"/>
+                <a:gd name="T14" fmla="*/ 0 w 206"/>
+                <a:gd name="T15" fmla="*/ 1997227384 h 147"/>
+                <a:gd name="T16" fmla="*/ 241421034 w 206"/>
+                <a:gd name="T17" fmla="*/ 2147483646 h 147"/>
+                <a:gd name="T18" fmla="*/ 2147483646 w 206"/>
+                <a:gd name="T19" fmla="*/ 2147483646 h 147"/>
+                <a:gd name="T20" fmla="*/ 2147483646 w 206"/>
+                <a:gd name="T21" fmla="*/ 1997227384 h 147"/>
+                <a:gd name="T22" fmla="*/ 2147483646 w 206"/>
+                <a:gd name="T23" fmla="*/ 1724879433 h 147"/>
+                <a:gd name="T24" fmla="*/ 2147483646 w 206"/>
+                <a:gd name="T25" fmla="*/ 1724879433 h 147"/>
+                <a:gd name="T26" fmla="*/ 362129609 w 206"/>
+                <a:gd name="T27" fmla="*/ 242089229 h 147"/>
+                <a:gd name="T28" fmla="*/ 482842068 w 206"/>
+                <a:gd name="T29" fmla="*/ 121042669 h 147"/>
+                <a:gd name="T30" fmla="*/ 2147483646 w 206"/>
+                <a:gd name="T31" fmla="*/ 121042669 h 147"/>
+                <a:gd name="T32" fmla="*/ 2147483646 w 206"/>
+                <a:gd name="T33" fmla="*/ 242089229 h 147"/>
+                <a:gd name="T34" fmla="*/ 2147483646 w 206"/>
+                <a:gd name="T35" fmla="*/ 1724879433 h 147"/>
+                <a:gd name="T36" fmla="*/ 362129609 w 206"/>
+                <a:gd name="T37" fmla="*/ 1724879433 h 147"/>
+                <a:gd name="T38" fmla="*/ 362129609 w 206"/>
+                <a:gd name="T39" fmla="*/ 242089229 h 147"/>
+                <a:gd name="T40" fmla="*/ 2147483646 w 206"/>
+                <a:gd name="T41" fmla="*/ 1997227384 h 147"/>
+                <a:gd name="T42" fmla="*/ 2147483646 w 206"/>
+                <a:gd name="T43" fmla="*/ 2103142637 h 147"/>
+                <a:gd name="T44" fmla="*/ 241421034 w 206"/>
+                <a:gd name="T45" fmla="*/ 2103142637 h 147"/>
+                <a:gd name="T46" fmla="*/ 120708575 w 206"/>
+                <a:gd name="T47" fmla="*/ 1997227384 h 147"/>
+                <a:gd name="T48" fmla="*/ 120708575 w 206"/>
+                <a:gd name="T49" fmla="*/ 1845922102 h 147"/>
+                <a:gd name="T50" fmla="*/ 241421034 w 206"/>
+                <a:gd name="T51" fmla="*/ 1845922102 h 147"/>
+                <a:gd name="T52" fmla="*/ 995858366 w 206"/>
+                <a:gd name="T53" fmla="*/ 1845922102 h 147"/>
+                <a:gd name="T54" fmla="*/ 1131657941 w 206"/>
+                <a:gd name="T55" fmla="*/ 1936706049 h 147"/>
+                <a:gd name="T56" fmla="*/ 1991716732 w 206"/>
+                <a:gd name="T57" fmla="*/ 1936706049 h 147"/>
+                <a:gd name="T58" fmla="*/ 2127516307 w 206"/>
+                <a:gd name="T59" fmla="*/ 1845922102 h 147"/>
+                <a:gd name="T60" fmla="*/ 2147483646 w 206"/>
+                <a:gd name="T61" fmla="*/ 1845922102 h 147"/>
+                <a:gd name="T62" fmla="*/ 2147483646 w 206"/>
+                <a:gd name="T63" fmla="*/ 1845922102 h 147"/>
+                <a:gd name="T64" fmla="*/ 2147483646 w 206"/>
+                <a:gd name="T65" fmla="*/ 1997227384 h 147"/>
+                <a:gd name="T66" fmla="*/ 0 60000 65536"/>
+                <a:gd name="T67" fmla="*/ 0 60000 65536"/>
+                <a:gd name="T68" fmla="*/ 0 60000 65536"/>
+                <a:gd name="T69" fmla="*/ 0 60000 65536"/>
+                <a:gd name="T70" fmla="*/ 0 60000 65536"/>
+                <a:gd name="T71" fmla="*/ 0 60000 65536"/>
+                <a:gd name="T72" fmla="*/ 0 60000 65536"/>
+                <a:gd name="T73" fmla="*/ 0 60000 65536"/>
+                <a:gd name="T74" fmla="*/ 0 60000 65536"/>
+                <a:gd name="T75" fmla="*/ 0 60000 65536"/>
+                <a:gd name="T76" fmla="*/ 0 60000 65536"/>
+                <a:gd name="T77" fmla="*/ 0 60000 65536"/>
+                <a:gd name="T78" fmla="*/ 0 60000 65536"/>
+                <a:gd name="T79" fmla="*/ 0 60000 65536"/>
+                <a:gd name="T80" fmla="*/ 0 60000 65536"/>
+                <a:gd name="T81" fmla="*/ 0 60000 65536"/>
+                <a:gd name="T82" fmla="*/ 0 60000 65536"/>
+                <a:gd name="T83" fmla="*/ 0 60000 65536"/>
+                <a:gd name="T84" fmla="*/ 0 60000 65536"/>
+                <a:gd name="T85" fmla="*/ 0 60000 65536"/>
+                <a:gd name="T86" fmla="*/ 0 60000 65536"/>
+                <a:gd name="T87" fmla="*/ 0 60000 65536"/>
+                <a:gd name="T88" fmla="*/ 0 60000 65536"/>
+                <a:gd name="T89" fmla="*/ 0 60000 65536"/>
+                <a:gd name="T90" fmla="*/ 0 60000 65536"/>
+                <a:gd name="T91" fmla="*/ 0 60000 65536"/>
+                <a:gd name="T92" fmla="*/ 0 60000 65536"/>
+                <a:gd name="T93" fmla="*/ 0 60000 65536"/>
+                <a:gd name="T94" fmla="*/ 0 60000 65536"/>
+                <a:gd name="T95" fmla="*/ 0 60000 65536"/>
+                <a:gd name="T96" fmla="*/ 0 60000 65536"/>
+                <a:gd name="T97" fmla="*/ 0 60000 65536"/>
+                <a:gd name="T98" fmla="*/ 0 60000 65536"/>
+              </a:gdLst>
+              <a:ahLst/>
+              <a:cxnLst>
+                <a:cxn ang="T66">
+                  <a:pos x="T0" y="T1"/>
+                </a:cxn>
+                <a:cxn ang="T67">
+                  <a:pos x="T2" y="T3"/>
+                </a:cxn>
+                <a:cxn ang="T68">
+                  <a:pos x="T4" y="T5"/>
+                </a:cxn>
+                <a:cxn ang="T69">
+                  <a:pos x="T6" y="T7"/>
+                </a:cxn>
+                <a:cxn ang="T70">
+                  <a:pos x="T8" y="T9"/>
+                </a:cxn>
+                <a:cxn ang="T71">
+                  <a:pos x="T10" y="T11"/>
+                </a:cxn>
+                <a:cxn ang="T72">
+                  <a:pos x="T12" y="T13"/>
+                </a:cxn>
+                <a:cxn ang="T73">
+                  <a:pos x="T14" y="T15"/>
+                </a:cxn>
+                <a:cxn ang="T74">
+                  <a:pos x="T16" y="T17"/>
+                </a:cxn>
+                <a:cxn ang="T75">
+                  <a:pos x="T18" y="T19"/>
+                </a:cxn>
+                <a:cxn ang="T76">
+                  <a:pos x="T20" y="T21"/>
+                </a:cxn>
+                <a:cxn ang="T77">
+                  <a:pos x="T22" y="T23"/>
+                </a:cxn>
+                <a:cxn ang="T78">
+                  <a:pos x="T24" y="T25"/>
+                </a:cxn>
+                <a:cxn ang="T79">
+                  <a:pos x="T26" y="T27"/>
+                </a:cxn>
+                <a:cxn ang="T80">
+                  <a:pos x="T28" y="T29"/>
+                </a:cxn>
+                <a:cxn ang="T81">
+                  <a:pos x="T30" y="T31"/>
+                </a:cxn>
+                <a:cxn ang="T82">
+                  <a:pos x="T32" y="T33"/>
+                </a:cxn>
+                <a:cxn ang="T83">
+                  <a:pos x="T34" y="T35"/>
+                </a:cxn>
+                <a:cxn ang="T84">
+                  <a:pos x="T36" y="T37"/>
+                </a:cxn>
+                <a:cxn ang="T85">
+                  <a:pos x="T38" y="T39"/>
+                </a:cxn>
+                <a:cxn ang="T86">
+                  <a:pos x="T40" y="T41"/>
+                </a:cxn>
+                <a:cxn ang="T87">
+                  <a:pos x="T42" y="T43"/>
+                </a:cxn>
+                <a:cxn ang="T88">
+                  <a:pos x="T44" y="T45"/>
+                </a:cxn>
+                <a:cxn ang="T89">
+                  <a:pos x="T46" y="T47"/>
+                </a:cxn>
+                <a:cxn ang="T90">
+                  <a:pos x="T48" y="T49"/>
+                </a:cxn>
+                <a:cxn ang="T91">
+                  <a:pos x="T50" y="T51"/>
+                </a:cxn>
+                <a:cxn ang="T92">
+                  <a:pos x="T52" y="T53"/>
+                </a:cxn>
+                <a:cxn ang="T93">
+                  <a:pos x="T54" y="T55"/>
+                </a:cxn>
+                <a:cxn ang="T94">
+                  <a:pos x="T56" y="T57"/>
+                </a:cxn>
+                <a:cxn ang="T95">
+                  <a:pos x="T58" y="T59"/>
+                </a:cxn>
+                <a:cxn ang="T96">
+                  <a:pos x="T60" y="T61"/>
+                </a:cxn>
+                <a:cxn ang="T97">
+                  <a:pos x="T62" y="T63"/>
+                </a:cxn>
+                <a:cxn ang="T98">
+                  <a:pos x="T64" y="T65"/>
+                </a:cxn>
+              </a:cxnLst>
+              <a:rect l="0" t="0" r="r" b="b"/>
+              <a:pathLst>
+                <a:path w="206" h="147">
+                  <a:moveTo>
+                    <a:pt x="191" y="114"/>
+                  </a:moveTo>
+                  <a:cubicBezTo>
+                    <a:pt x="191" y="16"/>
+                    <a:pt x="191" y="16"/>
+                    <a:pt x="191" y="16"/>
+                  </a:cubicBezTo>
+                  <a:cubicBezTo>
+                    <a:pt x="191" y="8"/>
+                    <a:pt x="184" y="0"/>
+                    <a:pt x="175" y="0"/>
+                  </a:cubicBezTo>
+                  <a:cubicBezTo>
+                    <a:pt x="32" y="0"/>
+                    <a:pt x="32" y="0"/>
+                    <a:pt x="32" y="0"/>
+                  </a:cubicBezTo>
+                  <a:cubicBezTo>
+                    <a:pt x="23" y="0"/>
+                    <a:pt x="16" y="8"/>
+                    <a:pt x="16" y="16"/>
+                  </a:cubicBezTo>
+                  <a:cubicBezTo>
+                    <a:pt x="16" y="114"/>
+                    <a:pt x="16" y="114"/>
+                    <a:pt x="16" y="114"/>
+                  </a:cubicBezTo>
+                  <a:cubicBezTo>
+                    <a:pt x="0" y="114"/>
+                    <a:pt x="0" y="114"/>
+                    <a:pt x="0" y="114"/>
+                  </a:cubicBezTo>
+                  <a:cubicBezTo>
+                    <a:pt x="0" y="132"/>
+                    <a:pt x="0" y="132"/>
+                    <a:pt x="0" y="132"/>
+                  </a:cubicBezTo>
+                  <a:cubicBezTo>
+                    <a:pt x="0" y="140"/>
+                    <a:pt x="7" y="147"/>
+                    <a:pt x="16" y="147"/>
+                  </a:cubicBezTo>
+                  <a:cubicBezTo>
+                    <a:pt x="191" y="147"/>
+                    <a:pt x="191" y="147"/>
+                    <a:pt x="191" y="147"/>
+                  </a:cubicBezTo>
+                  <a:cubicBezTo>
+                    <a:pt x="199" y="147"/>
+                    <a:pt x="206" y="140"/>
+                    <a:pt x="206" y="132"/>
+                  </a:cubicBezTo>
+                  <a:cubicBezTo>
+                    <a:pt x="206" y="114"/>
+                    <a:pt x="206" y="114"/>
+                    <a:pt x="206" y="114"/>
+                  </a:cubicBezTo>
+                  <a:lnTo>
+                    <a:pt x="191" y="114"/>
+                  </a:lnTo>
+                  <a:close/>
+                  <a:moveTo>
+                    <a:pt x="24" y="16"/>
+                  </a:moveTo>
+                  <a:cubicBezTo>
+                    <a:pt x="24" y="12"/>
+                    <a:pt x="27" y="8"/>
+                    <a:pt x="32" y="8"/>
+                  </a:cubicBezTo>
+                  <a:cubicBezTo>
+                    <a:pt x="175" y="8"/>
+                    <a:pt x="175" y="8"/>
+                    <a:pt x="175" y="8"/>
+                  </a:cubicBezTo>
+                  <a:cubicBezTo>
+                    <a:pt x="179" y="8"/>
+                    <a:pt x="183" y="12"/>
+                    <a:pt x="183" y="16"/>
+                  </a:cubicBezTo>
+                  <a:cubicBezTo>
+                    <a:pt x="183" y="114"/>
+                    <a:pt x="183" y="114"/>
+                    <a:pt x="183" y="114"/>
+                  </a:cubicBezTo>
+                  <a:cubicBezTo>
+                    <a:pt x="24" y="114"/>
+                    <a:pt x="24" y="114"/>
+                    <a:pt x="24" y="114"/>
+                  </a:cubicBezTo>
+                  <a:lnTo>
+                    <a:pt x="24" y="16"/>
+                  </a:lnTo>
+                  <a:close/>
+                  <a:moveTo>
+                    <a:pt x="198" y="132"/>
+                  </a:moveTo>
+                  <a:cubicBezTo>
+                    <a:pt x="198" y="136"/>
+                    <a:pt x="195" y="139"/>
+                    <a:pt x="191" y="139"/>
+                  </a:cubicBezTo>
+                  <a:cubicBezTo>
+                    <a:pt x="16" y="139"/>
+                    <a:pt x="16" y="139"/>
+                    <a:pt x="16" y="139"/>
+                  </a:cubicBezTo>
+                  <a:cubicBezTo>
+                    <a:pt x="11" y="139"/>
+                    <a:pt x="8" y="136"/>
+                    <a:pt x="8" y="132"/>
+                  </a:cubicBezTo>
+                  <a:cubicBezTo>
+                    <a:pt x="8" y="122"/>
+                    <a:pt x="8" y="122"/>
+                    <a:pt x="8" y="122"/>
+                  </a:cubicBezTo>
+                  <a:cubicBezTo>
+                    <a:pt x="16" y="122"/>
+                    <a:pt x="16" y="122"/>
+                    <a:pt x="16" y="122"/>
+                  </a:cubicBezTo>
+                  <a:cubicBezTo>
+                    <a:pt x="66" y="122"/>
+                    <a:pt x="66" y="122"/>
+                    <a:pt x="66" y="122"/>
+                  </a:cubicBezTo>
+                  <a:cubicBezTo>
+                    <a:pt x="67" y="126"/>
+                    <a:pt x="71" y="128"/>
+                    <a:pt x="75" y="128"/>
+                  </a:cubicBezTo>
+                  <a:cubicBezTo>
+                    <a:pt x="132" y="128"/>
+                    <a:pt x="132" y="128"/>
+                    <a:pt x="132" y="128"/>
+                  </a:cubicBezTo>
+                  <a:cubicBezTo>
+                    <a:pt x="136" y="128"/>
+                    <a:pt x="140" y="126"/>
+                    <a:pt x="141" y="122"/>
+                  </a:cubicBezTo>
+                  <a:cubicBezTo>
+                    <a:pt x="191" y="122"/>
+                    <a:pt x="191" y="122"/>
+                    <a:pt x="191" y="122"/>
+                  </a:cubicBezTo>
+                  <a:cubicBezTo>
+                    <a:pt x="198" y="122"/>
+                    <a:pt x="198" y="122"/>
+                    <a:pt x="198" y="122"/>
+                  </a:cubicBezTo>
+                  <a:lnTo>
+                    <a:pt x="198" y="132"/>
+                  </a:lnTo>
+                  <a:close/>
+                </a:path>
+              </a:pathLst>
+            </a:custGeom>
+            <a:solidFill>
+              <a:schemeClr val="bg1"/>
+            </a:solidFill>
+            <a:ln>
+              <a:noFill/>
+            </a:ln>
+            <a:extLst>
+              <a:ext uri="{91240B29-F687-4F45-9708-019B960494DF}">
+                <a14:hiddenLine xmlns:a14="http://schemas.microsoft.com/office/drawing/2010/main" w="9525">
+                  <a:solidFill>
+                    <a:srgbClr val="000000"/>
+                  </a:solidFill>
+                  <a:round/>
+                </a14:hiddenLine>
+              </a:ext>
+            </a:extLst>
+          </p:spPr>
+          <p:txBody>
+            <a:bodyPr/>
+            <a:lstStyle/>
+            <a:p>
+              <a:pPr defTabSz="685165" eaLnBrk="0" fontAlgn="base" hangingPunct="0">
+                <a:spcBef>
+                  <a:spcPct val="0"/>
+                </a:spcBef>
+                <a:spcAft>
+                  <a:spcPct val="0"/>
+                </a:spcAft>
+              </a:pPr>
+              <a:endParaRPr lang="zh-CN" altLang="en-US" sz="1735">
+                <a:solidFill>
+                  <a:prstClr val="black"/>
+                </a:solidFill>
+                <a:latin typeface="Elsie" panose="02000000000000000000" charset="0"/>
+                <a:ea typeface="Elsie" panose="02000000000000000000" charset="0"/>
+                <a:cs typeface="Elsie" panose="02000000000000000000" charset="0"/>
+                <a:sym typeface="Source Han Sans SC"/>
+              </a:endParaRPr>
+            </a:p>
+          </p:txBody>
+        </p:sp>
+      </p:grpSp>
+      <p:grpSp>
+        <p:nvGrpSpPr>
+          <p:cNvPr id="11" name="组合 51">
+            <a:extLst>
+              <a:ext uri="{FF2B5EF4-FFF2-40B4-BE49-F238E27FC236}">
+                <a16:creationId xmlns:a16="http://schemas.microsoft.com/office/drawing/2014/main" id="{2488AEA6-5840-49C6-A568-DF110D34BA1F}"/>
+              </a:ext>
+            </a:extLst>
+          </p:cNvPr>
+          <p:cNvGrpSpPr/>
+          <p:nvPr/>
+        </p:nvGrpSpPr>
+        <p:grpSpPr>
+          <a:xfrm>
+            <a:off x="5014793" y="2123199"/>
+            <a:ext cx="1728787" cy="1728693"/>
+            <a:chOff x="3640853" y="1914525"/>
+            <a:chExt cx="1728787" cy="1728787"/>
+          </a:xfrm>
+        </p:grpSpPr>
+        <p:sp>
+          <p:nvSpPr>
+            <p:cNvPr id="12" name="椭圆 52">
+              <a:extLst>
+                <a:ext uri="{FF2B5EF4-FFF2-40B4-BE49-F238E27FC236}">
+                  <a16:creationId xmlns:a16="http://schemas.microsoft.com/office/drawing/2014/main" id="{6AE00D0E-FE6C-4796-8DB1-D5A61FEFA96B}"/>
+                </a:ext>
+              </a:extLst>
+            </p:cNvPr>
+            <p:cNvSpPr/>
+            <p:nvPr/>
+          </p:nvSpPr>
+          <p:spPr>
+            <a:xfrm>
+              <a:off x="3640853" y="1914525"/>
+              <a:ext cx="1728787" cy="1728787"/>
+            </a:xfrm>
+            <a:prstGeom prst="ellipse">
+              <a:avLst/>
+            </a:prstGeom>
+            <a:solidFill>
+              <a:schemeClr val="accent2"/>
+            </a:solidFill>
+            <a:ln>
+              <a:noFill/>
+            </a:ln>
+          </p:spPr>
+          <p:style>
+            <a:lnRef idx="2">
+              <a:schemeClr val="accent1">
+                <a:shade val="50000"/>
+              </a:schemeClr>
+            </a:lnRef>
+            <a:fillRef idx="1">
+              <a:schemeClr val="accent1"/>
+            </a:fillRef>
+            <a:effectRef idx="0">
+              <a:schemeClr val="accent1"/>
+            </a:effectRef>
+            <a:fontRef idx="minor">
+              <a:schemeClr val="lt1"/>
+            </a:fontRef>
+          </p:style>
+          <p:txBody>
+            <a:bodyPr anchor="ctr"/>
+            <a:lstStyle/>
+            <a:p>
+              <a:pPr algn="ctr" defTabSz="685165">
+                <a:defRPr/>
+              </a:pPr>
+              <a:endParaRPr lang="zh-CN" altLang="en-US" sz="1735">
+                <a:solidFill>
+                  <a:prstClr val="white"/>
+                </a:solidFill>
+                <a:latin typeface="Elsie" panose="02000000000000000000" charset="0"/>
+                <a:ea typeface="Elsie" panose="02000000000000000000" charset="0"/>
+                <a:cs typeface="Elsie" panose="02000000000000000000" charset="0"/>
+                <a:sym typeface="Source Han Sans SC"/>
+              </a:endParaRPr>
+            </a:p>
+          </p:txBody>
+        </p:sp>
+        <p:sp>
+          <p:nvSpPr>
+            <p:cNvPr id="13" name="Freeform 133">
+              <a:extLst>
+                <a:ext uri="{FF2B5EF4-FFF2-40B4-BE49-F238E27FC236}">
+                  <a16:creationId xmlns:a16="http://schemas.microsoft.com/office/drawing/2014/main" id="{59138E55-C8B9-4540-A220-C326E4CC6EB1}"/>
+                </a:ext>
+              </a:extLst>
+            </p:cNvPr>
+            <p:cNvSpPr>
+              <a:spLocks noEditPoints="1"/>
+            </p:cNvSpPr>
+            <p:nvPr/>
+          </p:nvSpPr>
+          <p:spPr bwMode="auto">
+            <a:xfrm>
+              <a:off x="4112754" y="2386427"/>
+              <a:ext cx="784984" cy="784982"/>
+            </a:xfrm>
+            <a:custGeom>
+              <a:avLst/>
+              <a:gdLst>
+                <a:gd name="T0" fmla="*/ 0 w 80"/>
+                <a:gd name="T1" fmla="*/ 2147483646 h 80"/>
+                <a:gd name="T2" fmla="*/ 2147483646 w 80"/>
+                <a:gd name="T3" fmla="*/ 2147483646 h 80"/>
+                <a:gd name="T4" fmla="*/ 2147483646 w 80"/>
+                <a:gd name="T5" fmla="*/ 2147483646 h 80"/>
+                <a:gd name="T6" fmla="*/ 2147483646 w 80"/>
+                <a:gd name="T7" fmla="*/ 2147483646 h 80"/>
+                <a:gd name="T8" fmla="*/ 2147483646 w 80"/>
+                <a:gd name="T9" fmla="*/ 2147483646 h 80"/>
+                <a:gd name="T10" fmla="*/ 1733058238 w 80"/>
+                <a:gd name="T11" fmla="*/ 2147483646 h 80"/>
+                <a:gd name="T12" fmla="*/ 770245925 w 80"/>
+                <a:gd name="T13" fmla="*/ 2147483646 h 80"/>
+                <a:gd name="T14" fmla="*/ 2147483646 w 80"/>
+                <a:gd name="T15" fmla="*/ 1829331865 h 80"/>
+                <a:gd name="T16" fmla="*/ 2147483646 w 80"/>
+                <a:gd name="T17" fmla="*/ 288843939 h 80"/>
+                <a:gd name="T18" fmla="*/ 2147483646 w 80"/>
+                <a:gd name="T19" fmla="*/ 1829331865 h 80"/>
+                <a:gd name="T20" fmla="*/ 2147483646 w 80"/>
+                <a:gd name="T21" fmla="*/ 2147483646 h 80"/>
+                <a:gd name="T22" fmla="*/ 2147483646 w 80"/>
+                <a:gd name="T23" fmla="*/ 2118175804 h 80"/>
+                <a:gd name="T24" fmla="*/ 2147483646 w 80"/>
+                <a:gd name="T25" fmla="*/ 1829331865 h 80"/>
+                <a:gd name="T26" fmla="*/ 2147483646 w 80"/>
+                <a:gd name="T27" fmla="*/ 288843939 h 80"/>
+                <a:gd name="T28" fmla="*/ 2147483646 w 80"/>
+                <a:gd name="T29" fmla="*/ 1829331865 h 80"/>
+                <a:gd name="T30" fmla="*/ 2147483646 w 80"/>
+                <a:gd name="T31" fmla="*/ 2147483646 h 80"/>
+                <a:gd name="T32" fmla="*/ 2147483646 w 80"/>
+                <a:gd name="T33" fmla="*/ 2118175804 h 80"/>
+                <a:gd name="T34" fmla="*/ 1733058238 w 80"/>
+                <a:gd name="T35" fmla="*/ 2147483646 h 80"/>
+                <a:gd name="T36" fmla="*/ 770245925 w 80"/>
+                <a:gd name="T37" fmla="*/ 2118175804 h 80"/>
+                <a:gd name="T38" fmla="*/ 1733058238 w 80"/>
+                <a:gd name="T39" fmla="*/ 2147483646 h 80"/>
+                <a:gd name="T40" fmla="*/ 2147483646 w 80"/>
+                <a:gd name="T41" fmla="*/ 2147483646 h 80"/>
+                <a:gd name="T42" fmla="*/ 2147483646 w 80"/>
+                <a:gd name="T43" fmla="*/ 2147483646 h 80"/>
+                <a:gd name="T44" fmla="*/ 2147483646 w 80"/>
+                <a:gd name="T45" fmla="*/ 2147483646 h 80"/>
+                <a:gd name="T46" fmla="*/ 2147483646 w 80"/>
+                <a:gd name="T47" fmla="*/ 2147483646 h 80"/>
+                <a:gd name="T48" fmla="*/ 2147483646 w 80"/>
+                <a:gd name="T49" fmla="*/ 2147483646 h 80"/>
+                <a:gd name="T50" fmla="*/ 2147483646 w 80"/>
+                <a:gd name="T51" fmla="*/ 2147483646 h 80"/>
+                <a:gd name="T52" fmla="*/ 2147483646 w 80"/>
+                <a:gd name="T53" fmla="*/ 2147483646 h 80"/>
+                <a:gd name="T54" fmla="*/ 2147483646 w 80"/>
+                <a:gd name="T55" fmla="*/ 2147483646 h 80"/>
+                <a:gd name="T56" fmla="*/ 2147483646 w 80"/>
+                <a:gd name="T57" fmla="*/ 2147483646 h 80"/>
+                <a:gd name="T58" fmla="*/ 2147483646 w 80"/>
+                <a:gd name="T59" fmla="*/ 2147483646 h 80"/>
+                <a:gd name="T60" fmla="*/ 2147483646 w 80"/>
+                <a:gd name="T61" fmla="*/ 2147483646 h 80"/>
+                <a:gd name="T62" fmla="*/ 2147483646 w 80"/>
+                <a:gd name="T63" fmla="*/ 2118175804 h 80"/>
+                <a:gd name="T64" fmla="*/ 2147483646 w 80"/>
+                <a:gd name="T65" fmla="*/ 2147483646 h 80"/>
+                <a:gd name="T66" fmla="*/ 2147483646 w 80"/>
+                <a:gd name="T67" fmla="*/ 1829331865 h 80"/>
+                <a:gd name="T68" fmla="*/ 2147483646 w 80"/>
+                <a:gd name="T69" fmla="*/ 1251653799 h 80"/>
+                <a:gd name="T70" fmla="*/ 1347935276 w 80"/>
+                <a:gd name="T71" fmla="*/ 1251653799 h 80"/>
+                <a:gd name="T72" fmla="*/ 2118191013 w 80"/>
+                <a:gd name="T73" fmla="*/ 1829331865 h 80"/>
+                <a:gd name="T74" fmla="*/ 1347935276 w 80"/>
+                <a:gd name="T75" fmla="*/ 1251653799 h 80"/>
+                <a:gd name="T76" fmla="*/ 2118191013 w 80"/>
+                <a:gd name="T77" fmla="*/ 2147483646 h 80"/>
+                <a:gd name="T78" fmla="*/ 1347935276 w 80"/>
+                <a:gd name="T79" fmla="*/ 2147483646 h 80"/>
+                <a:gd name="T80" fmla="*/ 2147483646 w 80"/>
+                <a:gd name="T81" fmla="*/ 2147483646 h 80"/>
+                <a:gd name="T82" fmla="*/ 2147483646 w 80"/>
+                <a:gd name="T83" fmla="*/ 2147483646 h 80"/>
+                <a:gd name="T84" fmla="*/ 2147483646 w 80"/>
+                <a:gd name="T85" fmla="*/ 2147483646 h 80"/>
+                <a:gd name="T86" fmla="*/ 0 60000 65536"/>
+                <a:gd name="T87" fmla="*/ 0 60000 65536"/>
+                <a:gd name="T88" fmla="*/ 0 60000 65536"/>
+                <a:gd name="T89" fmla="*/ 0 60000 65536"/>
+                <a:gd name="T90" fmla="*/ 0 60000 65536"/>
+                <a:gd name="T91" fmla="*/ 0 60000 65536"/>
+                <a:gd name="T92" fmla="*/ 0 60000 65536"/>
+                <a:gd name="T93" fmla="*/ 0 60000 65536"/>
+                <a:gd name="T94" fmla="*/ 0 60000 65536"/>
+                <a:gd name="T95" fmla="*/ 0 60000 65536"/>
+                <a:gd name="T96" fmla="*/ 0 60000 65536"/>
+                <a:gd name="T97" fmla="*/ 0 60000 65536"/>
+                <a:gd name="T98" fmla="*/ 0 60000 65536"/>
+                <a:gd name="T99" fmla="*/ 0 60000 65536"/>
+                <a:gd name="T100" fmla="*/ 0 60000 65536"/>
+                <a:gd name="T101" fmla="*/ 0 60000 65536"/>
+                <a:gd name="T102" fmla="*/ 0 60000 65536"/>
+                <a:gd name="T103" fmla="*/ 0 60000 65536"/>
+                <a:gd name="T104" fmla="*/ 0 60000 65536"/>
+                <a:gd name="T105" fmla="*/ 0 60000 65536"/>
+                <a:gd name="T106" fmla="*/ 0 60000 65536"/>
+                <a:gd name="T107" fmla="*/ 0 60000 65536"/>
+                <a:gd name="T108" fmla="*/ 0 60000 65536"/>
+                <a:gd name="T109" fmla="*/ 0 60000 65536"/>
+                <a:gd name="T110" fmla="*/ 0 60000 65536"/>
+                <a:gd name="T111" fmla="*/ 0 60000 65536"/>
+                <a:gd name="T112" fmla="*/ 0 60000 65536"/>
+                <a:gd name="T113" fmla="*/ 0 60000 65536"/>
+                <a:gd name="T114" fmla="*/ 0 60000 65536"/>
+                <a:gd name="T115" fmla="*/ 0 60000 65536"/>
+                <a:gd name="T116" fmla="*/ 0 60000 65536"/>
+                <a:gd name="T117" fmla="*/ 0 60000 65536"/>
+                <a:gd name="T118" fmla="*/ 0 60000 65536"/>
+                <a:gd name="T119" fmla="*/ 0 60000 65536"/>
+                <a:gd name="T120" fmla="*/ 0 60000 65536"/>
+                <a:gd name="T121" fmla="*/ 0 60000 65536"/>
+                <a:gd name="T122" fmla="*/ 0 60000 65536"/>
+                <a:gd name="T123" fmla="*/ 0 60000 65536"/>
+                <a:gd name="T124" fmla="*/ 0 60000 65536"/>
+                <a:gd name="T125" fmla="*/ 0 60000 65536"/>
+                <a:gd name="T126" fmla="*/ 0 60000 65536"/>
+                <a:gd name="T127" fmla="*/ 0 60000 65536"/>
+                <a:gd name="T128" fmla="*/ 0 60000 65536"/>
+              </a:gdLst>
+              <a:ahLst/>
+              <a:cxnLst>
+                <a:cxn ang="T86">
+                  <a:pos x="T0" y="T1"/>
+                </a:cxn>
+                <a:cxn ang="T87">
+                  <a:pos x="T2" y="T3"/>
+                </a:cxn>
+                <a:cxn ang="T88">
+                  <a:pos x="T4" y="T5"/>
+                </a:cxn>
+                <a:cxn ang="T89">
+                  <a:pos x="T6" y="T7"/>
+                </a:cxn>
+                <a:cxn ang="T90">
+                  <a:pos x="T8" y="T9"/>
+                </a:cxn>
+                <a:cxn ang="T91">
+                  <a:pos x="T10" y="T11"/>
+                </a:cxn>
+                <a:cxn ang="T92">
+                  <a:pos x="T12" y="T13"/>
+                </a:cxn>
+                <a:cxn ang="T93">
+                  <a:pos x="T14" y="T15"/>
+                </a:cxn>
+                <a:cxn ang="T94">
+                  <a:pos x="T16" y="T17"/>
+                </a:cxn>
+                <a:cxn ang="T95">
+                  <a:pos x="T18" y="T19"/>
+                </a:cxn>
+                <a:cxn ang="T96">
+                  <a:pos x="T20" y="T21"/>
+                </a:cxn>
+                <a:cxn ang="T97">
+                  <a:pos x="T22" y="T23"/>
+                </a:cxn>
+                <a:cxn ang="T98">
+                  <a:pos x="T24" y="T25"/>
+                </a:cxn>
+                <a:cxn ang="T99">
+                  <a:pos x="T26" y="T27"/>
+                </a:cxn>
+                <a:cxn ang="T100">
+                  <a:pos x="T28" y="T29"/>
+                </a:cxn>
+                <a:cxn ang="T101">
+                  <a:pos x="T30" y="T31"/>
+                </a:cxn>
+                <a:cxn ang="T102">
+                  <a:pos x="T32" y="T33"/>
+                </a:cxn>
+                <a:cxn ang="T103">
+                  <a:pos x="T34" y="T35"/>
+                </a:cxn>
+                <a:cxn ang="T104">
+                  <a:pos x="T36" y="T37"/>
+                </a:cxn>
+                <a:cxn ang="T105">
+                  <a:pos x="T38" y="T39"/>
+                </a:cxn>
+                <a:cxn ang="T106">
+                  <a:pos x="T40" y="T41"/>
+                </a:cxn>
+                <a:cxn ang="T107">
+                  <a:pos x="T42" y="T43"/>
+                </a:cxn>
+                <a:cxn ang="T108">
+                  <a:pos x="T44" y="T45"/>
+                </a:cxn>
+                <a:cxn ang="T109">
+                  <a:pos x="T46" y="T47"/>
+                </a:cxn>
+                <a:cxn ang="T110">
+                  <a:pos x="T48" y="T49"/>
+                </a:cxn>
+                <a:cxn ang="T111">
+                  <a:pos x="T50" y="T51"/>
+                </a:cxn>
+                <a:cxn ang="T112">
+                  <a:pos x="T52" y="T53"/>
+                </a:cxn>
+                <a:cxn ang="T113">
+                  <a:pos x="T54" y="T55"/>
+                </a:cxn>
+                <a:cxn ang="T114">
+                  <a:pos x="T56" y="T57"/>
+                </a:cxn>
+                <a:cxn ang="T115">
+                  <a:pos x="T58" y="T59"/>
+                </a:cxn>
+                <a:cxn ang="T116">
+                  <a:pos x="T60" y="T61"/>
+                </a:cxn>
+                <a:cxn ang="T117">
+                  <a:pos x="T62" y="T63"/>
+                </a:cxn>
+                <a:cxn ang="T118">
+                  <a:pos x="T64" y="T65"/>
+                </a:cxn>
+                <a:cxn ang="T119">
+                  <a:pos x="T66" y="T67"/>
+                </a:cxn>
+                <a:cxn ang="T120">
+                  <a:pos x="T68" y="T69"/>
+                </a:cxn>
+                <a:cxn ang="T121">
+                  <a:pos x="T70" y="T71"/>
+                </a:cxn>
+                <a:cxn ang="T122">
+                  <a:pos x="T72" y="T73"/>
+                </a:cxn>
+                <a:cxn ang="T123">
+                  <a:pos x="T74" y="T75"/>
+                </a:cxn>
+                <a:cxn ang="T124">
+                  <a:pos x="T76" y="T77"/>
+                </a:cxn>
+                <a:cxn ang="T125">
+                  <a:pos x="T78" y="T79"/>
+                </a:cxn>
+                <a:cxn ang="T126">
+                  <a:pos x="T80" y="T81"/>
+                </a:cxn>
+                <a:cxn ang="T127">
+                  <a:pos x="T82" y="T83"/>
+                </a:cxn>
+                <a:cxn ang="T128">
+                  <a:pos x="T84" y="T85"/>
+                </a:cxn>
+              </a:cxnLst>
+              <a:rect l="0" t="0" r="r" b="b"/>
+              <a:pathLst>
+                <a:path w="80" h="80">
+                  <a:moveTo>
+                    <a:pt x="40" y="0"/>
+                  </a:moveTo>
+                  <a:cubicBezTo>
+                    <a:pt x="18" y="0"/>
+                    <a:pt x="0" y="18"/>
+                    <a:pt x="0" y="40"/>
+                  </a:cubicBezTo>
+                  <a:cubicBezTo>
+                    <a:pt x="0" y="62"/>
+                    <a:pt x="18" y="80"/>
+                    <a:pt x="40" y="80"/>
+                  </a:cubicBezTo>
+                  <a:cubicBezTo>
+                    <a:pt x="62" y="80"/>
+                    <a:pt x="80" y="62"/>
+                    <a:pt x="80" y="40"/>
+                  </a:cubicBezTo>
+                  <a:cubicBezTo>
+                    <a:pt x="80" y="18"/>
+                    <a:pt x="62" y="0"/>
+                    <a:pt x="40" y="0"/>
+                  </a:cubicBezTo>
+                  <a:close/>
+                  <a:moveTo>
+                    <a:pt x="33" y="76"/>
+                  </a:moveTo>
+                  <a:cubicBezTo>
+                    <a:pt x="30" y="72"/>
+                    <a:pt x="27" y="67"/>
+                    <a:pt x="25" y="61"/>
+                  </a:cubicBezTo>
+                  <a:cubicBezTo>
+                    <a:pt x="39" y="61"/>
+                    <a:pt x="39" y="61"/>
+                    <a:pt x="39" y="61"/>
+                  </a:cubicBezTo>
+                  <a:cubicBezTo>
+                    <a:pt x="39" y="77"/>
+                    <a:pt x="39" y="77"/>
+                    <a:pt x="39" y="77"/>
+                  </a:cubicBezTo>
+                  <a:cubicBezTo>
+                    <a:pt x="37" y="77"/>
+                    <a:pt x="35" y="77"/>
+                    <a:pt x="33" y="76"/>
+                  </a:cubicBezTo>
+                  <a:close/>
+                  <a:moveTo>
+                    <a:pt x="3" y="41"/>
+                  </a:moveTo>
+                  <a:cubicBezTo>
+                    <a:pt x="18" y="41"/>
+                    <a:pt x="18" y="41"/>
+                    <a:pt x="18" y="41"/>
+                  </a:cubicBezTo>
+                  <a:cubicBezTo>
+                    <a:pt x="19" y="47"/>
+                    <a:pt x="19" y="53"/>
+                    <a:pt x="21" y="58"/>
+                  </a:cubicBezTo>
+                  <a:cubicBezTo>
+                    <a:pt x="8" y="58"/>
+                    <a:pt x="8" y="58"/>
+                    <a:pt x="8" y="58"/>
+                  </a:cubicBezTo>
+                  <a:cubicBezTo>
+                    <a:pt x="5" y="53"/>
+                    <a:pt x="3" y="47"/>
+                    <a:pt x="3" y="41"/>
+                  </a:cubicBezTo>
+                  <a:close/>
+                  <a:moveTo>
+                    <a:pt x="42" y="19"/>
+                  </a:moveTo>
+                  <a:cubicBezTo>
+                    <a:pt x="42" y="3"/>
+                    <a:pt x="42" y="3"/>
+                    <a:pt x="42" y="3"/>
+                  </a:cubicBezTo>
+                  <a:cubicBezTo>
+                    <a:pt x="43" y="3"/>
+                    <a:pt x="45" y="3"/>
+                    <a:pt x="46" y="3"/>
+                  </a:cubicBezTo>
+                  <a:cubicBezTo>
+                    <a:pt x="50" y="8"/>
+                    <a:pt x="53" y="13"/>
+                    <a:pt x="55" y="19"/>
+                  </a:cubicBezTo>
+                  <a:lnTo>
+                    <a:pt x="42" y="19"/>
+                  </a:lnTo>
+                  <a:close/>
+                  <a:moveTo>
+                    <a:pt x="56" y="22"/>
+                  </a:moveTo>
+                  <a:cubicBezTo>
+                    <a:pt x="58" y="27"/>
+                    <a:pt x="58" y="33"/>
+                    <a:pt x="59" y="38"/>
+                  </a:cubicBezTo>
+                  <a:cubicBezTo>
+                    <a:pt x="42" y="38"/>
+                    <a:pt x="42" y="38"/>
+                    <a:pt x="42" y="38"/>
+                  </a:cubicBezTo>
+                  <a:cubicBezTo>
+                    <a:pt x="42" y="22"/>
+                    <a:pt x="42" y="22"/>
+                    <a:pt x="42" y="22"/>
+                  </a:cubicBezTo>
+                  <a:lnTo>
+                    <a:pt x="56" y="22"/>
+                  </a:lnTo>
+                  <a:close/>
+                  <a:moveTo>
+                    <a:pt x="39" y="19"/>
+                  </a:moveTo>
+                  <a:cubicBezTo>
+                    <a:pt x="25" y="19"/>
+                    <a:pt x="25" y="19"/>
+                    <a:pt x="25" y="19"/>
+                  </a:cubicBezTo>
+                  <a:cubicBezTo>
+                    <a:pt x="27" y="13"/>
+                    <a:pt x="30" y="8"/>
+                    <a:pt x="33" y="3"/>
+                  </a:cubicBezTo>
+                  <a:cubicBezTo>
+                    <a:pt x="35" y="3"/>
+                    <a:pt x="37" y="3"/>
+                    <a:pt x="39" y="3"/>
+                  </a:cubicBezTo>
+                  <a:lnTo>
+                    <a:pt x="39" y="19"/>
+                  </a:lnTo>
+                  <a:close/>
+                  <a:moveTo>
+                    <a:pt x="39" y="22"/>
+                  </a:moveTo>
+                  <a:cubicBezTo>
+                    <a:pt x="39" y="38"/>
+                    <a:pt x="39" y="38"/>
+                    <a:pt x="39" y="38"/>
+                  </a:cubicBezTo>
+                  <a:cubicBezTo>
+                    <a:pt x="21" y="38"/>
+                    <a:pt x="21" y="38"/>
+                    <a:pt x="21" y="38"/>
+                  </a:cubicBezTo>
+                  <a:cubicBezTo>
+                    <a:pt x="21" y="33"/>
+                    <a:pt x="22" y="27"/>
+                    <a:pt x="24" y="22"/>
+                  </a:cubicBezTo>
+                  <a:lnTo>
+                    <a:pt x="39" y="22"/>
+                  </a:lnTo>
+                  <a:close/>
+                  <a:moveTo>
+                    <a:pt x="18" y="38"/>
+                  </a:moveTo>
+                  <a:cubicBezTo>
+                    <a:pt x="3" y="38"/>
+                    <a:pt x="3" y="38"/>
+                    <a:pt x="3" y="38"/>
+                  </a:cubicBezTo>
+                  <a:cubicBezTo>
+                    <a:pt x="3" y="32"/>
+                    <a:pt x="5" y="27"/>
+                    <a:pt x="8" y="22"/>
+                  </a:cubicBezTo>
+                  <a:cubicBezTo>
+                    <a:pt x="21" y="22"/>
+                    <a:pt x="21" y="22"/>
+                    <a:pt x="21" y="22"/>
+                  </a:cubicBezTo>
+                  <a:cubicBezTo>
+                    <a:pt x="19" y="27"/>
+                    <a:pt x="19" y="33"/>
+                    <a:pt x="18" y="38"/>
+                  </a:cubicBezTo>
+                  <a:close/>
+                  <a:moveTo>
+                    <a:pt x="21" y="41"/>
+                  </a:moveTo>
+                  <a:cubicBezTo>
+                    <a:pt x="39" y="41"/>
+                    <a:pt x="39" y="41"/>
+                    <a:pt x="39" y="41"/>
+                  </a:cubicBezTo>
+                  <a:cubicBezTo>
+                    <a:pt x="39" y="58"/>
+                    <a:pt x="39" y="58"/>
+                    <a:pt x="39" y="58"/>
+                  </a:cubicBezTo>
+                  <a:cubicBezTo>
+                    <a:pt x="24" y="58"/>
+                    <a:pt x="24" y="58"/>
+                    <a:pt x="24" y="58"/>
+                  </a:cubicBezTo>
+                  <a:cubicBezTo>
+                    <a:pt x="22" y="53"/>
+                    <a:pt x="21" y="47"/>
+                    <a:pt x="21" y="41"/>
+                  </a:cubicBezTo>
+                  <a:close/>
+                  <a:moveTo>
+                    <a:pt x="42" y="61"/>
+                  </a:moveTo>
+                  <a:cubicBezTo>
+                    <a:pt x="55" y="61"/>
+                    <a:pt x="55" y="61"/>
+                    <a:pt x="55" y="61"/>
+                  </a:cubicBezTo>
+                  <a:cubicBezTo>
+                    <a:pt x="53" y="67"/>
+                    <a:pt x="50" y="72"/>
+                    <a:pt x="46" y="77"/>
+                  </a:cubicBezTo>
+                  <a:cubicBezTo>
+                    <a:pt x="45" y="77"/>
+                    <a:pt x="43" y="77"/>
+                    <a:pt x="42" y="77"/>
+                  </a:cubicBezTo>
+                  <a:lnTo>
+                    <a:pt x="42" y="61"/>
+                  </a:lnTo>
+                  <a:close/>
+                  <a:moveTo>
+                    <a:pt x="42" y="58"/>
+                  </a:moveTo>
+                  <a:cubicBezTo>
+                    <a:pt x="42" y="41"/>
+                    <a:pt x="42" y="41"/>
+                    <a:pt x="42" y="41"/>
+                  </a:cubicBezTo>
+                  <a:cubicBezTo>
+                    <a:pt x="59" y="41"/>
+                    <a:pt x="59" y="41"/>
+                    <a:pt x="59" y="41"/>
+                  </a:cubicBezTo>
+                  <a:cubicBezTo>
+                    <a:pt x="58" y="47"/>
+                    <a:pt x="58" y="53"/>
+                    <a:pt x="56" y="58"/>
+                  </a:cubicBezTo>
+                  <a:lnTo>
+                    <a:pt x="42" y="58"/>
+                  </a:lnTo>
+                  <a:close/>
+                  <a:moveTo>
+                    <a:pt x="61" y="41"/>
+                  </a:moveTo>
+                  <a:cubicBezTo>
+                    <a:pt x="78" y="41"/>
+                    <a:pt x="78" y="41"/>
+                    <a:pt x="78" y="41"/>
+                  </a:cubicBezTo>
+                  <a:cubicBezTo>
+                    <a:pt x="77" y="47"/>
+                    <a:pt x="76" y="53"/>
+                    <a:pt x="73" y="58"/>
+                  </a:cubicBezTo>
+                  <a:cubicBezTo>
+                    <a:pt x="73" y="58"/>
+                    <a:pt x="73" y="58"/>
+                    <a:pt x="73" y="58"/>
+                  </a:cubicBezTo>
+                  <a:cubicBezTo>
+                    <a:pt x="59" y="58"/>
+                    <a:pt x="59" y="58"/>
+                    <a:pt x="59" y="58"/>
+                  </a:cubicBezTo>
+                  <a:cubicBezTo>
+                    <a:pt x="60" y="53"/>
+                    <a:pt x="61" y="47"/>
+                    <a:pt x="61" y="41"/>
+                  </a:cubicBezTo>
+                  <a:close/>
+                  <a:moveTo>
+                    <a:pt x="61" y="38"/>
+                  </a:moveTo>
+                  <a:cubicBezTo>
+                    <a:pt x="61" y="33"/>
+                    <a:pt x="60" y="27"/>
+                    <a:pt x="59" y="22"/>
+                  </a:cubicBezTo>
+                  <a:cubicBezTo>
+                    <a:pt x="73" y="22"/>
+                    <a:pt x="73" y="22"/>
+                    <a:pt x="73" y="22"/>
+                  </a:cubicBezTo>
+                  <a:cubicBezTo>
+                    <a:pt x="76" y="27"/>
+                    <a:pt x="77" y="32"/>
+                    <a:pt x="78" y="38"/>
+                  </a:cubicBezTo>
+                  <a:lnTo>
+                    <a:pt x="61" y="38"/>
+                  </a:lnTo>
+                  <a:close/>
+                  <a:moveTo>
+                    <a:pt x="71" y="19"/>
+                  </a:moveTo>
+                  <a:cubicBezTo>
+                    <a:pt x="58" y="19"/>
+                    <a:pt x="58" y="19"/>
+                    <a:pt x="58" y="19"/>
+                  </a:cubicBezTo>
+                  <a:cubicBezTo>
+                    <a:pt x="56" y="13"/>
+                    <a:pt x="54" y="8"/>
+                    <a:pt x="50" y="4"/>
+                  </a:cubicBezTo>
+                  <a:cubicBezTo>
+                    <a:pt x="57" y="6"/>
+                    <a:pt x="62" y="9"/>
+                    <a:pt x="67" y="13"/>
+                  </a:cubicBezTo>
+                  <a:cubicBezTo>
+                    <a:pt x="68" y="15"/>
+                    <a:pt x="70" y="17"/>
+                    <a:pt x="71" y="19"/>
+                  </a:cubicBezTo>
+                  <a:close/>
+                  <a:moveTo>
+                    <a:pt x="14" y="13"/>
+                  </a:moveTo>
+                  <a:cubicBezTo>
+                    <a:pt x="18" y="9"/>
+                    <a:pt x="23" y="6"/>
+                    <a:pt x="29" y="4"/>
+                  </a:cubicBezTo>
+                  <a:cubicBezTo>
+                    <a:pt x="26" y="9"/>
+                    <a:pt x="24" y="14"/>
+                    <a:pt x="22" y="19"/>
+                  </a:cubicBezTo>
+                  <a:cubicBezTo>
+                    <a:pt x="9" y="19"/>
+                    <a:pt x="9" y="19"/>
+                    <a:pt x="9" y="19"/>
+                  </a:cubicBezTo>
+                  <a:cubicBezTo>
+                    <a:pt x="11" y="17"/>
+                    <a:pt x="12" y="15"/>
+                    <a:pt x="14" y="13"/>
+                  </a:cubicBezTo>
+                  <a:close/>
+                  <a:moveTo>
+                    <a:pt x="9" y="61"/>
+                  </a:moveTo>
+                  <a:cubicBezTo>
+                    <a:pt x="22" y="61"/>
+                    <a:pt x="22" y="61"/>
+                    <a:pt x="22" y="61"/>
+                  </a:cubicBezTo>
+                  <a:cubicBezTo>
+                    <a:pt x="24" y="66"/>
+                    <a:pt x="26" y="71"/>
+                    <a:pt x="29" y="75"/>
+                  </a:cubicBezTo>
+                  <a:cubicBezTo>
+                    <a:pt x="23" y="74"/>
+                    <a:pt x="18" y="70"/>
+                    <a:pt x="14" y="66"/>
+                  </a:cubicBezTo>
+                  <a:cubicBezTo>
+                    <a:pt x="12" y="65"/>
+                    <a:pt x="11" y="63"/>
+                    <a:pt x="9" y="61"/>
+                  </a:cubicBezTo>
+                  <a:close/>
+                  <a:moveTo>
+                    <a:pt x="67" y="66"/>
+                  </a:moveTo>
+                  <a:cubicBezTo>
+                    <a:pt x="62" y="71"/>
+                    <a:pt x="57" y="74"/>
+                    <a:pt x="50" y="76"/>
+                  </a:cubicBezTo>
+                  <a:cubicBezTo>
+                    <a:pt x="54" y="71"/>
+                    <a:pt x="56" y="66"/>
+                    <a:pt x="58" y="61"/>
+                  </a:cubicBezTo>
+                  <a:cubicBezTo>
+                    <a:pt x="71" y="61"/>
+                    <a:pt x="71" y="61"/>
+                    <a:pt x="71" y="61"/>
+                  </a:cubicBezTo>
+                  <a:cubicBezTo>
+                    <a:pt x="70" y="63"/>
+                    <a:pt x="68" y="65"/>
+                    <a:pt x="67" y="66"/>
+                  </a:cubicBezTo>
+                  <a:close/>
+                </a:path>
+              </a:pathLst>
+            </a:custGeom>
+            <a:solidFill>
+              <a:schemeClr val="bg1"/>
+            </a:solidFill>
+            <a:ln>
+              <a:noFill/>
+            </a:ln>
+            <a:extLst>
+              <a:ext uri="{91240B29-F687-4F45-9708-019B960494DF}">
+                <a14:hiddenLine xmlns:a14="http://schemas.microsoft.com/office/drawing/2010/main" w="9525">
+                  <a:solidFill>
+                    <a:srgbClr val="000000"/>
+                  </a:solidFill>
+                  <a:round/>
+                </a14:hiddenLine>
+              </a:ext>
+            </a:extLst>
+          </p:spPr>
+          <p:txBody>
+            <a:bodyPr/>
+            <a:lstStyle/>
+            <a:p>
+              <a:pPr defTabSz="685165" eaLnBrk="0" fontAlgn="base" hangingPunct="0">
+                <a:spcBef>
+                  <a:spcPct val="0"/>
+                </a:spcBef>
+                <a:spcAft>
+                  <a:spcPct val="0"/>
+                </a:spcAft>
+              </a:pPr>
+              <a:endParaRPr lang="zh-CN" altLang="en-US" sz="1735">
+                <a:solidFill>
+                  <a:prstClr val="black"/>
+                </a:solidFill>
+                <a:latin typeface="Elsie" panose="02000000000000000000" charset="0"/>
+                <a:ea typeface="Elsie" panose="02000000000000000000" charset="0"/>
+                <a:cs typeface="Elsie" panose="02000000000000000000" charset="0"/>
+                <a:sym typeface="Source Han Sans SC"/>
+              </a:endParaRPr>
+            </a:p>
+          </p:txBody>
+        </p:sp>
+      </p:grpSp>
+      <p:sp>
+        <p:nvSpPr>
+          <p:cNvPr id="14" name="右箭头 54">
+            <a:extLst>
+              <a:ext uri="{FF2B5EF4-FFF2-40B4-BE49-F238E27FC236}">
+                <a16:creationId xmlns:a16="http://schemas.microsoft.com/office/drawing/2014/main" id="{11E4DCB5-5867-4D31-B9D5-1CC7F96F39B9}"/>
+              </a:ext>
+            </a:extLst>
+          </p:cNvPr>
+          <p:cNvSpPr/>
+          <p:nvPr/>
+        </p:nvSpPr>
+        <p:spPr>
+          <a:xfrm>
+            <a:off x="4305180" y="2794668"/>
+            <a:ext cx="520700" cy="385743"/>
+          </a:xfrm>
+          <a:prstGeom prst="rightArrow">
+            <a:avLst>
+              <a:gd name="adj1" fmla="val 50000"/>
+              <a:gd name="adj2" fmla="val 64815"/>
+            </a:avLst>
+          </a:prstGeom>
+          <a:solidFill>
+            <a:schemeClr val="accent3"/>
+          </a:solidFill>
+          <a:ln>
+            <a:noFill/>
+          </a:ln>
+        </p:spPr>
+        <p:style>
+          <a:lnRef idx="2">
+            <a:schemeClr val="accent1">
+              <a:shade val="50000"/>
+            </a:schemeClr>
+          </a:lnRef>
+          <a:fillRef idx="1">
+            <a:schemeClr val="accent1"/>
+          </a:fillRef>
+          <a:effectRef idx="0">
+            <a:schemeClr val="accent1"/>
+          </a:effectRef>
+          <a:fontRef idx="minor">
+            <a:schemeClr val="lt1"/>
+          </a:fontRef>
+        </p:style>
+        <p:txBody>
+          <a:bodyPr lIns="91418" tIns="45706" rIns="91418" bIns="45706" anchor="ctr"/>
+          <a:lstStyle/>
+          <a:p>
+            <a:pPr algn="ctr" defTabSz="685165">
+              <a:defRPr/>
+            </a:pPr>
+            <a:endParaRPr lang="zh-CN" altLang="en-US" sz="1735">
+              <a:solidFill>
+                <a:prstClr val="white"/>
+              </a:solidFill>
+              <a:latin typeface="Elsie" panose="02000000000000000000" charset="0"/>
+              <a:ea typeface="Elsie" panose="02000000000000000000" charset="0"/>
+              <a:cs typeface="Elsie" panose="02000000000000000000" charset="0"/>
+              <a:sym typeface="Source Han Sans SC"/>
+            </a:endParaRPr>
+          </a:p>
+        </p:txBody>
+      </p:sp>
+      <p:sp>
+        <p:nvSpPr>
+          <p:cNvPr id="15" name="右箭头 55">
+            <a:extLst>
+              <a:ext uri="{FF2B5EF4-FFF2-40B4-BE49-F238E27FC236}">
+                <a16:creationId xmlns:a16="http://schemas.microsoft.com/office/drawing/2014/main" id="{A804E159-83F3-4DCD-9E21-07FF5B6B9AFE}"/>
+              </a:ext>
+            </a:extLst>
+          </p:cNvPr>
+          <p:cNvSpPr/>
+          <p:nvPr/>
+        </p:nvSpPr>
+        <p:spPr>
+          <a:xfrm>
+            <a:off x="6934080" y="2794668"/>
+            <a:ext cx="520700" cy="385743"/>
+          </a:xfrm>
+          <a:prstGeom prst="rightArrow">
+            <a:avLst>
+              <a:gd name="adj1" fmla="val 50000"/>
+              <a:gd name="adj2" fmla="val 64815"/>
+            </a:avLst>
+          </a:prstGeom>
+          <a:solidFill>
+            <a:schemeClr val="accent3"/>
+          </a:solidFill>
+          <a:ln>
+            <a:noFill/>
+          </a:ln>
+        </p:spPr>
+        <p:style>
+          <a:lnRef idx="2">
+            <a:schemeClr val="accent1">
+              <a:shade val="50000"/>
+            </a:schemeClr>
+          </a:lnRef>
+          <a:fillRef idx="1">
+            <a:schemeClr val="accent1"/>
+          </a:fillRef>
+          <a:effectRef idx="0">
+            <a:schemeClr val="accent1"/>
+          </a:effectRef>
+          <a:fontRef idx="minor">
+            <a:schemeClr val="lt1"/>
+          </a:fontRef>
+        </p:style>
+        <p:txBody>
+          <a:bodyPr lIns="91418" tIns="45706" rIns="91418" bIns="45706" anchor="ctr"/>
+          <a:lstStyle/>
+          <a:p>
+            <a:pPr algn="ctr" defTabSz="685165">
+              <a:defRPr/>
+            </a:pPr>
+            <a:endParaRPr lang="zh-CN" altLang="en-US" sz="1735">
+              <a:solidFill>
+                <a:prstClr val="white"/>
+              </a:solidFill>
+              <a:latin typeface="Elsie" panose="02000000000000000000" charset="0"/>
+              <a:ea typeface="Elsie" panose="02000000000000000000" charset="0"/>
+              <a:cs typeface="Elsie" panose="02000000000000000000" charset="0"/>
+              <a:sym typeface="Source Han Sans SC"/>
+            </a:endParaRPr>
+          </a:p>
+        </p:txBody>
+      </p:sp>
+      <p:grpSp>
+        <p:nvGrpSpPr>
+          <p:cNvPr id="16" name="组合 57">
+            <a:extLst>
+              <a:ext uri="{FF2B5EF4-FFF2-40B4-BE49-F238E27FC236}">
+                <a16:creationId xmlns:a16="http://schemas.microsoft.com/office/drawing/2014/main" id="{42E58E4C-424B-4047-8079-8F1770F52E19}"/>
+              </a:ext>
+            </a:extLst>
+          </p:cNvPr>
+          <p:cNvGrpSpPr/>
+          <p:nvPr/>
+        </p:nvGrpSpPr>
+        <p:grpSpPr>
+          <a:xfrm>
+            <a:off x="2223969" y="3961417"/>
+            <a:ext cx="2341843" cy="975971"/>
+            <a:chOff x="940651" y="3609990"/>
+            <a:chExt cx="1989370" cy="976082"/>
+          </a:xfrm>
+        </p:grpSpPr>
+        <p:sp>
+          <p:nvSpPr>
+            <p:cNvPr id="17" name="文本框 19">
+              <a:extLst>
+                <a:ext uri="{FF2B5EF4-FFF2-40B4-BE49-F238E27FC236}">
+                  <a16:creationId xmlns:a16="http://schemas.microsoft.com/office/drawing/2014/main" id="{A826B160-0173-4A59-80A2-BF49C24B8B55}"/>
+                </a:ext>
+              </a:extLst>
+            </p:cNvPr>
+            <p:cNvSpPr txBox="1"/>
+            <p:nvPr/>
+          </p:nvSpPr>
+          <p:spPr>
+            <a:xfrm>
+              <a:off x="1484358" y="3609990"/>
+              <a:ext cx="901949" cy="400248"/>
+            </a:xfrm>
+            <a:prstGeom prst="rect">
+              <a:avLst/>
+            </a:prstGeom>
+            <a:noFill/>
+          </p:spPr>
+          <p:txBody>
+            <a:bodyPr wrap="none">
+              <a:normAutofit/>
+            </a:bodyPr>
+            <a:lstStyle/>
+            <a:p>
+              <a:pPr algn="ctr" defTabSz="685165">
+                <a:defRPr/>
+              </a:pPr>
+              <a:r>
+                <a:rPr lang="ko-KO" altLang="ko-KO" sz="2000">
+                  <a:solidFill>
+                    <a:schemeClr val="tx1">
+                      <a:lumMod val="85000"/>
+                      <a:lumOff val="15000"/>
+                    </a:schemeClr>
+                  </a:solidFill>
+                  <a:latin typeface="NanumGothic"/>
+                  <a:ea typeface="NanumGothic"/>
+                  <a:cs typeface="Elsie" panose="02000000000000000000" charset="0"/>
+                  <a:sym typeface="Source Han Sans SC"/>
+                </a:rPr>
+                <a:t>키워드1</a:t>
+              </a:r>
+              <a:endParaRPr lang="zh-CN" altLang="en-US" sz="2000">
+                <a:solidFill>
+                  <a:schemeClr val="tx1">
+                    <a:lumMod val="85000"/>
+                    <a:lumOff val="15000"/>
+                  </a:schemeClr>
+                </a:solidFill>
+                <a:latin typeface="Elsie" panose="02000000000000000000" charset="0"/>
+                <a:ea typeface="Elsie" panose="02000000000000000000" charset="0"/>
+                <a:cs typeface="Elsie" panose="02000000000000000000" charset="0"/>
+                <a:sym typeface="Source Han Sans SC"/>
+              </a:endParaRPr>
+            </a:p>
+          </p:txBody>
+        </p:sp>
+        <p:sp>
+          <p:nvSpPr>
+            <p:cNvPr id="18" name="矩形 59">
+              <a:extLst>
+                <a:ext uri="{FF2B5EF4-FFF2-40B4-BE49-F238E27FC236}">
+                  <a16:creationId xmlns:a16="http://schemas.microsoft.com/office/drawing/2014/main" id="{592D2196-BE52-4C73-BEE3-3337015C1822}"/>
+                </a:ext>
+              </a:extLst>
+            </p:cNvPr>
+            <p:cNvSpPr/>
+            <p:nvPr/>
+          </p:nvSpPr>
+          <p:spPr>
+            <a:xfrm>
+              <a:off x="940651" y="4067853"/>
+              <a:ext cx="1989370" cy="518219"/>
+            </a:xfrm>
+            <a:prstGeom prst="rect">
+              <a:avLst/>
+            </a:prstGeom>
+          </p:spPr>
+          <p:txBody>
+            <a:bodyPr>
+              <a:normAutofit/>
+            </a:bodyPr>
+            <a:lstStyle/>
+            <a:p>
+              <a:pPr defTabSz="649605">
+                <a:lnSpc>
+                  <a:spcPct val="100000"/>
+                </a:lnSpc>
+                <a:defRPr/>
+              </a:pPr>
+              <a:r>
+                <a:rPr lang="ko-KO" altLang="ko-KO" sz="1400">
+                  <a:solidFill>
+                    <a:schemeClr val="tx1">
+                      <a:lumMod val="85000"/>
+                      <a:lumOff val="15000"/>
+                    </a:schemeClr>
+                  </a:solidFill>
+                  <a:latin typeface="NanumGothic"/>
+                  <a:ea typeface="NanumGothic"/>
+                  <a:cs typeface="Elsie" panose="02000000000000000000" charset="0"/>
+                  <a:sym typeface="Source Han Sans SC"/>
+                </a:rPr>
+                <a:t>필요한 경우 여기에서 세부 사항을 설명할 수 있습니다.</a:t>
+              </a:r>
+              <a:endParaRPr lang="zh-CN" altLang="en-US" sz="1465">
+                <a:solidFill>
+                  <a:schemeClr val="tx1">
+                    <a:lumMod val="85000"/>
+                    <a:lumOff val="15000"/>
+                  </a:schemeClr>
+                </a:solidFill>
+                <a:latin typeface="Elsie" panose="02000000000000000000" charset="0"/>
+                <a:ea typeface="Elsie" panose="02000000000000000000" charset="0"/>
+                <a:cs typeface="Elsie" panose="02000000000000000000" charset="0"/>
+                <a:sym typeface="Source Han Sans SC"/>
+              </a:endParaRPr>
+            </a:p>
+          </p:txBody>
+        </p:sp>
+      </p:grpSp>
+      <p:grpSp>
+        <p:nvGrpSpPr>
+          <p:cNvPr id="19" name="组合 60">
+            <a:extLst>
+              <a:ext uri="{FF2B5EF4-FFF2-40B4-BE49-F238E27FC236}">
+                <a16:creationId xmlns:a16="http://schemas.microsoft.com/office/drawing/2014/main" id="{984FF0F2-ABE3-42E4-A3DF-1B3459764359}"/>
+              </a:ext>
+            </a:extLst>
+          </p:cNvPr>
+          <p:cNvGrpSpPr/>
+          <p:nvPr/>
+        </p:nvGrpSpPr>
+        <p:grpSpPr>
+          <a:xfrm>
+            <a:off x="4884617" y="3961417"/>
+            <a:ext cx="2341843" cy="975971"/>
+            <a:chOff x="3510560" y="3609990"/>
+            <a:chExt cx="1989370" cy="976082"/>
+          </a:xfrm>
+        </p:grpSpPr>
+        <p:sp>
+          <p:nvSpPr>
+            <p:cNvPr id="20" name="文本框 20">
+              <a:extLst>
+                <a:ext uri="{FF2B5EF4-FFF2-40B4-BE49-F238E27FC236}">
+                  <a16:creationId xmlns:a16="http://schemas.microsoft.com/office/drawing/2014/main" id="{BDE43104-1B52-4C7B-8333-0909841E7CC7}"/>
+                </a:ext>
+              </a:extLst>
+            </p:cNvPr>
+            <p:cNvSpPr txBox="1"/>
+            <p:nvPr/>
+          </p:nvSpPr>
+          <p:spPr>
+            <a:xfrm>
+              <a:off x="4054268" y="3609990"/>
+              <a:ext cx="901949" cy="400248"/>
+            </a:xfrm>
+            <a:prstGeom prst="rect">
+              <a:avLst/>
+            </a:prstGeom>
+            <a:noFill/>
+          </p:spPr>
+          <p:txBody>
+            <a:bodyPr wrap="none">
+              <a:normAutofit/>
+            </a:bodyPr>
+            <a:lstStyle/>
+            <a:p>
+              <a:pPr algn="ctr" defTabSz="685165">
+                <a:defRPr/>
+              </a:pPr>
+              <a:r>
+                <a:rPr lang="ko-KO" altLang="ko-KO" sz="2000">
+                  <a:solidFill>
+                    <a:schemeClr val="tx1">
+                      <a:lumMod val="85000"/>
+                      <a:lumOff val="15000"/>
+                    </a:schemeClr>
+                  </a:solidFill>
+                  <a:latin typeface="NanumGothic"/>
+                  <a:ea typeface="NanumGothic"/>
+                  <a:cs typeface="Elsie" panose="02000000000000000000" charset="0"/>
+                  <a:sym typeface="Source Han Sans SC"/>
+                </a:rPr>
+                <a:t>키워드2</a:t>
+              </a:r>
+              <a:endParaRPr lang="en-US" altLang="zh-CN" sz="2000">
+                <a:solidFill>
+                  <a:schemeClr val="tx1">
+                    <a:lumMod val="85000"/>
+                    <a:lumOff val="15000"/>
+                  </a:schemeClr>
+                </a:solidFill>
+                <a:latin typeface="Elsie" panose="02000000000000000000" charset="0"/>
+                <a:ea typeface="Elsie" panose="02000000000000000000" charset="0"/>
+                <a:cs typeface="Elsie" panose="02000000000000000000" charset="0"/>
+                <a:sym typeface="Source Han Sans SC"/>
+              </a:endParaRPr>
+            </a:p>
+          </p:txBody>
+        </p:sp>
+        <p:sp>
+          <p:nvSpPr>
+            <p:cNvPr id="21" name="矩形 62">
+              <a:extLst>
+                <a:ext uri="{FF2B5EF4-FFF2-40B4-BE49-F238E27FC236}">
+                  <a16:creationId xmlns:a16="http://schemas.microsoft.com/office/drawing/2014/main" id="{1FAD842C-774E-4F69-B6B3-96A78CD25B70}"/>
+                </a:ext>
+              </a:extLst>
+            </p:cNvPr>
+            <p:cNvSpPr/>
+            <p:nvPr/>
+          </p:nvSpPr>
+          <p:spPr>
+            <a:xfrm>
+              <a:off x="3510560" y="4067853"/>
+              <a:ext cx="1989370" cy="518219"/>
+            </a:xfrm>
+            <a:prstGeom prst="rect">
+              <a:avLst/>
+            </a:prstGeom>
+          </p:spPr>
+          <p:txBody>
+            <a:bodyPr>
+              <a:normAutofit/>
+            </a:bodyPr>
+            <a:lstStyle/>
+            <a:p>
+              <a:pPr defTabSz="649605">
+                <a:lnSpc>
+                  <a:spcPct val="100000"/>
+                </a:lnSpc>
+                <a:defRPr/>
+              </a:pPr>
+              <a:r>
+                <a:rPr lang="ko-KO" altLang="ko-KO" sz="1400">
+                  <a:solidFill>
+                    <a:schemeClr val="tx1">
+                      <a:lumMod val="85000"/>
+                      <a:lumOff val="15000"/>
+                    </a:schemeClr>
+                  </a:solidFill>
+                  <a:latin typeface="NanumGothic"/>
+                  <a:ea typeface="NanumGothic"/>
+                  <a:cs typeface="Elsie" panose="02000000000000000000" charset="0"/>
+                  <a:sym typeface="Source Han Sans SC"/>
+                </a:rPr>
+                <a:t>필요한 경우 여기에서 세부 사항을 설명할 수 있습니다.</a:t>
+              </a:r>
+              <a:endParaRPr lang="zh-CN" altLang="en-US" sz="1465">
+                <a:solidFill>
+                  <a:schemeClr val="tx1">
+                    <a:lumMod val="85000"/>
+                    <a:lumOff val="15000"/>
+                  </a:schemeClr>
+                </a:solidFill>
+                <a:latin typeface="Elsie" panose="02000000000000000000" charset="0"/>
+                <a:ea typeface="Elsie" panose="02000000000000000000" charset="0"/>
+                <a:cs typeface="Elsie" panose="02000000000000000000" charset="0"/>
+                <a:sym typeface="Source Han Sans SC"/>
+              </a:endParaRPr>
+            </a:p>
+          </p:txBody>
+        </p:sp>
+      </p:grpSp>
+      <p:grpSp>
+        <p:nvGrpSpPr>
+          <p:cNvPr id="22" name="组合 63">
+            <a:extLst>
+              <a:ext uri="{FF2B5EF4-FFF2-40B4-BE49-F238E27FC236}">
+                <a16:creationId xmlns:a16="http://schemas.microsoft.com/office/drawing/2014/main" id="{AD622E93-E518-44A0-82D6-93C9589C7C03}"/>
+              </a:ext>
+            </a:extLst>
+          </p:cNvPr>
+          <p:cNvGrpSpPr/>
+          <p:nvPr/>
+        </p:nvGrpSpPr>
+        <p:grpSpPr>
+          <a:xfrm>
+            <a:off x="7508360" y="3975726"/>
+            <a:ext cx="2341843" cy="975971"/>
+            <a:chOff x="6139463" y="3609990"/>
+            <a:chExt cx="1989370" cy="976082"/>
+          </a:xfrm>
+        </p:grpSpPr>
+        <p:sp>
+          <p:nvSpPr>
+            <p:cNvPr id="23" name="文本框 21">
+              <a:extLst>
+                <a:ext uri="{FF2B5EF4-FFF2-40B4-BE49-F238E27FC236}">
+                  <a16:creationId xmlns:a16="http://schemas.microsoft.com/office/drawing/2014/main" id="{ACB83D28-7530-4746-9A91-CE16540A3937}"/>
+                </a:ext>
+              </a:extLst>
+            </p:cNvPr>
+            <p:cNvSpPr txBox="1"/>
+            <p:nvPr/>
+          </p:nvSpPr>
+          <p:spPr>
+            <a:xfrm>
+              <a:off x="6683170" y="3609990"/>
+              <a:ext cx="901949" cy="400248"/>
+            </a:xfrm>
+            <a:prstGeom prst="rect">
+              <a:avLst/>
+            </a:prstGeom>
+            <a:noFill/>
+          </p:spPr>
+          <p:txBody>
+            <a:bodyPr wrap="none">
+              <a:normAutofit/>
+            </a:bodyPr>
+            <a:lstStyle/>
+            <a:p>
+              <a:pPr algn="ctr" defTabSz="685165">
+                <a:defRPr/>
+              </a:pPr>
+              <a:r>
+                <a:rPr lang="ko-KO" altLang="ko-KO" sz="2000">
+                  <a:solidFill>
+                    <a:schemeClr val="tx1">
+                      <a:lumMod val="85000"/>
+                      <a:lumOff val="15000"/>
+                    </a:schemeClr>
+                  </a:solidFill>
+                  <a:latin typeface="NanumGothic"/>
+                  <a:ea typeface="NanumGothic"/>
+                  <a:cs typeface="Elsie" panose="02000000000000000000" charset="0"/>
+                  <a:sym typeface="Source Han Sans SC"/>
+                </a:rPr>
+                <a:t>키워드3</a:t>
+              </a:r>
+              <a:endParaRPr lang="en-US" altLang="zh-CN" sz="2000">
+                <a:solidFill>
+                  <a:schemeClr val="tx1">
+                    <a:lumMod val="85000"/>
+                    <a:lumOff val="15000"/>
+                  </a:schemeClr>
+                </a:solidFill>
+                <a:latin typeface="Elsie" panose="02000000000000000000" charset="0"/>
+                <a:ea typeface="Elsie" panose="02000000000000000000" charset="0"/>
+                <a:cs typeface="Elsie" panose="02000000000000000000" charset="0"/>
+                <a:sym typeface="Source Han Sans SC"/>
+              </a:endParaRPr>
+            </a:p>
+          </p:txBody>
+        </p:sp>
+        <p:sp>
+          <p:nvSpPr>
+            <p:cNvPr id="24" name="矩形 65">
+              <a:extLst>
+                <a:ext uri="{FF2B5EF4-FFF2-40B4-BE49-F238E27FC236}">
+                  <a16:creationId xmlns:a16="http://schemas.microsoft.com/office/drawing/2014/main" id="{DA92498A-1F7B-4B1E-AD4C-BF1CCA04A8AB}"/>
+                </a:ext>
+              </a:extLst>
+            </p:cNvPr>
+            <p:cNvSpPr/>
+            <p:nvPr/>
+          </p:nvSpPr>
+          <p:spPr>
+            <a:xfrm>
+              <a:off x="6139463" y="4067853"/>
+              <a:ext cx="1989370" cy="518219"/>
+            </a:xfrm>
+            <a:prstGeom prst="rect">
+              <a:avLst/>
+            </a:prstGeom>
+          </p:spPr>
+          <p:txBody>
+            <a:bodyPr>
+              <a:normAutofit/>
+            </a:bodyPr>
+            <a:lstStyle/>
+            <a:p>
+              <a:pPr defTabSz="649605">
+                <a:lnSpc>
+                  <a:spcPct val="100000"/>
+                </a:lnSpc>
+                <a:defRPr/>
+              </a:pPr>
+              <a:r>
+                <a:rPr lang="ko-KO" altLang="ko-KO" sz="1400">
+                  <a:solidFill>
+                    <a:schemeClr val="tx1">
+                      <a:lumMod val="85000"/>
+                      <a:lumOff val="15000"/>
+                    </a:schemeClr>
+                  </a:solidFill>
+                  <a:latin typeface="NanumGothic"/>
+                  <a:ea typeface="NanumGothic"/>
+                  <a:cs typeface="Elsie" panose="02000000000000000000" charset="0"/>
+                  <a:sym typeface="Source Han Sans SC"/>
+                </a:rPr>
+                <a:t>필요한 경우 여기에서 세부 사항을 설명할 수 있습니다.</a:t>
+              </a:r>
+              <a:endParaRPr lang="zh-CN" altLang="en-US" sz="1465">
+                <a:solidFill>
+                  <a:schemeClr val="tx1">
+                    <a:lumMod val="85000"/>
+                    <a:lumOff val="15000"/>
+                  </a:schemeClr>
+                </a:solidFill>
+                <a:latin typeface="Elsie" panose="02000000000000000000" charset="0"/>
+                <a:ea typeface="Elsie" panose="02000000000000000000" charset="0"/>
+                <a:cs typeface="Elsie" panose="02000000000000000000" charset="0"/>
+                <a:sym typeface="Source Han Sans SC"/>
+              </a:endParaRPr>
+            </a:p>
+          </p:txBody>
+        </p:sp>
+      </p:grpSp>
+      <p:sp>
+        <p:nvSpPr>
+          <p:cNvPr id="25" name="椭圆 69">
+            <a:extLst>
+              <a:ext uri="{FF2B5EF4-FFF2-40B4-BE49-F238E27FC236}">
+                <a16:creationId xmlns:a16="http://schemas.microsoft.com/office/drawing/2014/main" id="{249AAC50-8B21-4392-8A12-2609792CA84D}"/>
+              </a:ext>
+            </a:extLst>
+          </p:cNvPr>
+          <p:cNvSpPr/>
+          <p:nvPr/>
+        </p:nvSpPr>
+        <p:spPr>
+          <a:xfrm>
+            <a:off x="2317632" y="2164466"/>
+            <a:ext cx="231775" cy="233351"/>
+          </a:xfrm>
+          <a:prstGeom prst="ellipse">
+            <a:avLst/>
+          </a:prstGeom>
+          <a:solidFill>
+            <a:schemeClr val="accent2"/>
+          </a:solidFill>
+          <a:ln>
+            <a:noFill/>
+          </a:ln>
+        </p:spPr>
+        <p:style>
+          <a:lnRef idx="2">
+            <a:schemeClr val="accent1">
+              <a:shade val="50000"/>
+            </a:schemeClr>
+          </a:lnRef>
+          <a:fillRef idx="1">
+            <a:schemeClr val="accent1"/>
+          </a:fillRef>
+          <a:effectRef idx="0">
+            <a:schemeClr val="accent1"/>
+          </a:effectRef>
+          <a:fontRef idx="minor">
+            <a:schemeClr val="lt1"/>
+          </a:fontRef>
+        </p:style>
+        <p:txBody>
+          <a:bodyPr lIns="91418" tIns="45706" rIns="91418" bIns="45706" anchor="ctr"/>
+          <a:lstStyle/>
+          <a:p>
+            <a:pPr algn="ctr" defTabSz="685165">
+              <a:defRPr/>
+            </a:pPr>
+            <a:endParaRPr lang="zh-CN" altLang="en-US" sz="1735">
+              <a:solidFill>
+                <a:prstClr val="white"/>
+              </a:solidFill>
+              <a:latin typeface="Elsie" panose="02000000000000000000" charset="0"/>
+              <a:ea typeface="Elsie" panose="02000000000000000000" charset="0"/>
+              <a:cs typeface="Elsie" panose="02000000000000000000" charset="0"/>
+              <a:sym typeface="Source Han Sans SC"/>
+            </a:endParaRPr>
+          </a:p>
+        </p:txBody>
+      </p:sp>
+      <p:sp>
+        <p:nvSpPr>
+          <p:cNvPr id="26" name="椭圆 70">
+            <a:extLst>
+              <a:ext uri="{FF2B5EF4-FFF2-40B4-BE49-F238E27FC236}">
+                <a16:creationId xmlns:a16="http://schemas.microsoft.com/office/drawing/2014/main" id="{B9D41A6D-543D-438E-A4C3-E110693B42C6}"/>
+              </a:ext>
+            </a:extLst>
+          </p:cNvPr>
+          <p:cNvSpPr/>
+          <p:nvPr/>
+        </p:nvSpPr>
+        <p:spPr>
+          <a:xfrm>
+            <a:off x="1979103" y="2924863"/>
+            <a:ext cx="153988" cy="153979"/>
+          </a:xfrm>
+          <a:prstGeom prst="ellipse">
+            <a:avLst/>
+          </a:prstGeom>
+          <a:solidFill>
+            <a:schemeClr val="accent2"/>
+          </a:solidFill>
+          <a:ln>
+            <a:noFill/>
+          </a:ln>
+        </p:spPr>
+        <p:style>
+          <a:lnRef idx="2">
+            <a:schemeClr val="accent1">
+              <a:shade val="50000"/>
+            </a:schemeClr>
+          </a:lnRef>
+          <a:fillRef idx="1">
+            <a:schemeClr val="accent1"/>
+          </a:fillRef>
+          <a:effectRef idx="0">
+            <a:schemeClr val="accent1"/>
+          </a:effectRef>
+          <a:fontRef idx="minor">
+            <a:schemeClr val="lt1"/>
+          </a:fontRef>
+        </p:style>
+        <p:txBody>
+          <a:bodyPr lIns="91418" tIns="45706" rIns="91418" bIns="45706" anchor="ctr"/>
+          <a:lstStyle/>
+          <a:p>
+            <a:pPr algn="ctr" defTabSz="685165">
+              <a:defRPr/>
+            </a:pPr>
+            <a:endParaRPr lang="zh-CN" altLang="en-US" sz="1735">
+              <a:solidFill>
+                <a:prstClr val="white"/>
+              </a:solidFill>
+              <a:latin typeface="Elsie" panose="02000000000000000000" charset="0"/>
+              <a:ea typeface="Elsie" panose="02000000000000000000" charset="0"/>
+              <a:cs typeface="Elsie" panose="02000000000000000000" charset="0"/>
+              <a:sym typeface="Source Han Sans SC"/>
+            </a:endParaRPr>
+          </a:p>
+        </p:txBody>
+      </p:sp>
+      <p:sp>
+        <p:nvSpPr>
+          <p:cNvPr id="27" name="椭圆 71">
+            <a:extLst>
+              <a:ext uri="{FF2B5EF4-FFF2-40B4-BE49-F238E27FC236}">
+                <a16:creationId xmlns:a16="http://schemas.microsoft.com/office/drawing/2014/main" id="{9B01AC25-E830-4FE1-ACF9-1AD8BD7A7169}"/>
+              </a:ext>
+            </a:extLst>
+          </p:cNvPr>
+          <p:cNvSpPr/>
+          <p:nvPr/>
+        </p:nvSpPr>
+        <p:spPr>
+          <a:xfrm>
+            <a:off x="4038485" y="3588378"/>
+            <a:ext cx="153988" cy="155567"/>
+          </a:xfrm>
+          <a:prstGeom prst="ellipse">
+            <a:avLst/>
+          </a:prstGeom>
+          <a:solidFill>
+            <a:schemeClr val="accent2"/>
+          </a:solidFill>
+          <a:ln>
+            <a:noFill/>
+          </a:ln>
+        </p:spPr>
+        <p:style>
+          <a:lnRef idx="2">
+            <a:schemeClr val="accent1">
+              <a:shade val="50000"/>
+            </a:schemeClr>
+          </a:lnRef>
+          <a:fillRef idx="1">
+            <a:schemeClr val="accent1"/>
+          </a:fillRef>
+          <a:effectRef idx="0">
+            <a:schemeClr val="accent1"/>
+          </a:effectRef>
+          <a:fontRef idx="minor">
+            <a:schemeClr val="lt1"/>
+          </a:fontRef>
+        </p:style>
+        <p:txBody>
+          <a:bodyPr lIns="91418" tIns="45706" rIns="91418" bIns="45706" anchor="ctr"/>
+          <a:lstStyle/>
+          <a:p>
+            <a:pPr algn="ctr" defTabSz="685165">
+              <a:defRPr/>
+            </a:pPr>
+            <a:endParaRPr lang="zh-CN" altLang="en-US" sz="1735">
+              <a:solidFill>
+                <a:schemeClr val="tx1">
+                  <a:lumMod val="85000"/>
+                  <a:lumOff val="15000"/>
+                </a:schemeClr>
+              </a:solidFill>
+              <a:latin typeface="Elsie" panose="02000000000000000000" charset="0"/>
+              <a:ea typeface="Elsie" panose="02000000000000000000" charset="0"/>
+              <a:cs typeface="Elsie" panose="02000000000000000000" charset="0"/>
+              <a:sym typeface="Source Han Sans SC"/>
+            </a:endParaRPr>
+          </a:p>
+        </p:txBody>
+      </p:sp>
+      <p:sp>
+        <p:nvSpPr>
+          <p:cNvPr id="28" name="椭圆 72">
+            <a:extLst>
+              <a:ext uri="{FF2B5EF4-FFF2-40B4-BE49-F238E27FC236}">
+                <a16:creationId xmlns:a16="http://schemas.microsoft.com/office/drawing/2014/main" id="{0421AF05-31EF-48B1-837F-0A0E255B15C4}"/>
+              </a:ext>
+            </a:extLst>
+          </p:cNvPr>
+          <p:cNvSpPr/>
+          <p:nvPr/>
+        </p:nvSpPr>
+        <p:spPr>
+          <a:xfrm>
+            <a:off x="5217993" y="2164466"/>
+            <a:ext cx="231775" cy="233351"/>
+          </a:xfrm>
+          <a:prstGeom prst="ellipse">
+            <a:avLst/>
+          </a:prstGeom>
+          <a:solidFill>
+            <a:schemeClr val="accent2"/>
+          </a:solidFill>
+          <a:ln>
+            <a:noFill/>
+          </a:ln>
+        </p:spPr>
+        <p:style>
+          <a:lnRef idx="2">
+            <a:schemeClr val="accent1">
+              <a:shade val="50000"/>
+            </a:schemeClr>
+          </a:lnRef>
+          <a:fillRef idx="1">
+            <a:schemeClr val="accent1"/>
+          </a:fillRef>
+          <a:effectRef idx="0">
+            <a:schemeClr val="accent1"/>
+          </a:effectRef>
+          <a:fontRef idx="minor">
+            <a:schemeClr val="lt1"/>
+          </a:fontRef>
+        </p:style>
+        <p:txBody>
+          <a:bodyPr lIns="91418" tIns="45706" rIns="91418" bIns="45706" anchor="ctr"/>
+          <a:lstStyle/>
+          <a:p>
+            <a:pPr algn="ctr" defTabSz="685165">
+              <a:defRPr/>
+            </a:pPr>
+            <a:endParaRPr lang="zh-CN" altLang="en-US" sz="1735">
+              <a:solidFill>
+                <a:prstClr val="white"/>
+              </a:solidFill>
+              <a:latin typeface="Elsie" panose="02000000000000000000" charset="0"/>
+              <a:ea typeface="Elsie" panose="02000000000000000000" charset="0"/>
+              <a:cs typeface="Elsie" panose="02000000000000000000" charset="0"/>
+              <a:sym typeface="Source Han Sans SC"/>
+            </a:endParaRPr>
+          </a:p>
+        </p:txBody>
+      </p:sp>
+      <p:sp>
+        <p:nvSpPr>
+          <p:cNvPr id="29" name="椭圆 73">
+            <a:extLst>
+              <a:ext uri="{FF2B5EF4-FFF2-40B4-BE49-F238E27FC236}">
+                <a16:creationId xmlns:a16="http://schemas.microsoft.com/office/drawing/2014/main" id="{A5B97F92-5647-420F-8F44-F33516C1F2F2}"/>
+              </a:ext>
+            </a:extLst>
+          </p:cNvPr>
+          <p:cNvSpPr/>
+          <p:nvPr/>
+        </p:nvSpPr>
+        <p:spPr>
+          <a:xfrm>
+            <a:off x="6826136" y="3459796"/>
+            <a:ext cx="104775" cy="104768"/>
+          </a:xfrm>
+          <a:prstGeom prst="ellipse">
+            <a:avLst/>
+          </a:prstGeom>
+          <a:solidFill>
+            <a:schemeClr val="accent2"/>
+          </a:solidFill>
+          <a:ln>
+            <a:noFill/>
+          </a:ln>
+        </p:spPr>
+        <p:style>
+          <a:lnRef idx="2">
+            <a:schemeClr val="accent1">
+              <a:shade val="50000"/>
+            </a:schemeClr>
+          </a:lnRef>
+          <a:fillRef idx="1">
+            <a:schemeClr val="accent1"/>
+          </a:fillRef>
+          <a:effectRef idx="0">
+            <a:schemeClr val="accent1"/>
+          </a:effectRef>
+          <a:fontRef idx="minor">
+            <a:schemeClr val="lt1"/>
+          </a:fontRef>
+        </p:style>
+        <p:txBody>
+          <a:bodyPr lIns="91418" tIns="45706" rIns="91418" bIns="45706" anchor="ctr"/>
+          <a:lstStyle/>
+          <a:p>
+            <a:pPr algn="ctr" defTabSz="685165">
+              <a:defRPr/>
+            </a:pPr>
+            <a:endParaRPr lang="zh-CN" altLang="en-US" sz="1735">
+              <a:solidFill>
+                <a:schemeClr val="tx1">
+                  <a:lumMod val="85000"/>
+                  <a:lumOff val="15000"/>
+                </a:schemeClr>
+              </a:solidFill>
+              <a:latin typeface="Elsie" panose="02000000000000000000" charset="0"/>
+              <a:ea typeface="Elsie" panose="02000000000000000000" charset="0"/>
+              <a:cs typeface="Elsie" panose="02000000000000000000" charset="0"/>
+              <a:sym typeface="Source Han Sans SC"/>
+            </a:endParaRPr>
+          </a:p>
+        </p:txBody>
+      </p:sp>
+      <p:sp>
+        <p:nvSpPr>
+          <p:cNvPr id="30" name="椭圆 74">
+            <a:extLst>
+              <a:ext uri="{FF2B5EF4-FFF2-40B4-BE49-F238E27FC236}">
+                <a16:creationId xmlns:a16="http://schemas.microsoft.com/office/drawing/2014/main" id="{BC773A00-B50E-4AF8-82AE-7FE242BA0AE6}"/>
+              </a:ext>
+            </a:extLst>
+          </p:cNvPr>
+          <p:cNvSpPr/>
+          <p:nvPr/>
+        </p:nvSpPr>
+        <p:spPr>
+          <a:xfrm>
+            <a:off x="6589593" y="3588378"/>
+            <a:ext cx="153987" cy="155567"/>
+          </a:xfrm>
+          <a:prstGeom prst="ellipse">
+            <a:avLst/>
+          </a:prstGeom>
+          <a:solidFill>
+            <a:schemeClr val="accent2"/>
+          </a:solidFill>
+          <a:ln>
+            <a:noFill/>
+          </a:ln>
+        </p:spPr>
+        <p:style>
+          <a:lnRef idx="2">
+            <a:schemeClr val="accent1">
+              <a:shade val="50000"/>
+            </a:schemeClr>
+          </a:lnRef>
+          <a:fillRef idx="1">
+            <a:schemeClr val="accent1"/>
+          </a:fillRef>
+          <a:effectRef idx="0">
+            <a:schemeClr val="accent1"/>
+          </a:effectRef>
+          <a:fontRef idx="minor">
+            <a:schemeClr val="lt1"/>
+          </a:fontRef>
+        </p:style>
+        <p:txBody>
+          <a:bodyPr lIns="91418" tIns="45706" rIns="91418" bIns="45706" anchor="ctr"/>
+          <a:lstStyle/>
+          <a:p>
+            <a:pPr algn="ctr" defTabSz="685165">
+              <a:defRPr/>
+            </a:pPr>
+            <a:endParaRPr lang="zh-CN" altLang="en-US" sz="1735">
+              <a:solidFill>
+                <a:schemeClr val="tx1">
+                  <a:lumMod val="85000"/>
+                  <a:lumOff val="15000"/>
+                </a:schemeClr>
+              </a:solidFill>
+              <a:latin typeface="Elsie" panose="02000000000000000000" charset="0"/>
+              <a:ea typeface="Elsie" panose="02000000000000000000" charset="0"/>
+              <a:cs typeface="Elsie" panose="02000000000000000000" charset="0"/>
+              <a:sym typeface="Source Han Sans SC"/>
+            </a:endParaRPr>
+          </a:p>
+        </p:txBody>
+      </p:sp>
+      <p:sp>
+        <p:nvSpPr>
+          <p:cNvPr id="31" name="椭圆 75">
+            <a:extLst>
+              <a:ext uri="{FF2B5EF4-FFF2-40B4-BE49-F238E27FC236}">
+                <a16:creationId xmlns:a16="http://schemas.microsoft.com/office/drawing/2014/main" id="{CF1AAECC-B22C-4DD2-A7C9-E3CDE747BC77}"/>
+              </a:ext>
+            </a:extLst>
+          </p:cNvPr>
+          <p:cNvSpPr/>
+          <p:nvPr/>
+        </p:nvSpPr>
+        <p:spPr>
+          <a:xfrm rot="10800000">
+            <a:off x="9016878" y="3543928"/>
+            <a:ext cx="231775" cy="233351"/>
+          </a:xfrm>
+          <a:prstGeom prst="ellipse">
+            <a:avLst/>
+          </a:prstGeom>
+          <a:solidFill>
+            <a:schemeClr val="accent2"/>
+          </a:solidFill>
+          <a:ln>
+            <a:noFill/>
+          </a:ln>
+        </p:spPr>
+        <p:style>
+          <a:lnRef idx="2">
+            <a:schemeClr val="accent1">
+              <a:shade val="50000"/>
+            </a:schemeClr>
+          </a:lnRef>
+          <a:fillRef idx="1">
+            <a:schemeClr val="accent1"/>
+          </a:fillRef>
+          <a:effectRef idx="0">
+            <a:schemeClr val="accent1"/>
+          </a:effectRef>
+          <a:fontRef idx="minor">
+            <a:schemeClr val="lt1"/>
+          </a:fontRef>
+        </p:style>
+        <p:txBody>
+          <a:bodyPr lIns="91418" tIns="45706" rIns="91418" bIns="45706" anchor="ctr"/>
+          <a:lstStyle/>
+          <a:p>
+            <a:pPr algn="ctr" defTabSz="685165">
+              <a:defRPr/>
+            </a:pPr>
+            <a:endParaRPr lang="zh-CN" altLang="en-US" sz="1735">
+              <a:solidFill>
+                <a:schemeClr val="tx1">
+                  <a:lumMod val="85000"/>
+                  <a:lumOff val="15000"/>
+                </a:schemeClr>
+              </a:solidFill>
+              <a:latin typeface="Elsie" panose="02000000000000000000" charset="0"/>
+              <a:ea typeface="Elsie" panose="02000000000000000000" charset="0"/>
+              <a:cs typeface="Elsie" panose="02000000000000000000" charset="0"/>
+              <a:sym typeface="Source Han Sans SC"/>
+            </a:endParaRPr>
+          </a:p>
+        </p:txBody>
+      </p:sp>
+      <p:sp>
+        <p:nvSpPr>
+          <p:cNvPr id="32" name="椭圆 76">
+            <a:extLst>
+              <a:ext uri="{FF2B5EF4-FFF2-40B4-BE49-F238E27FC236}">
+                <a16:creationId xmlns:a16="http://schemas.microsoft.com/office/drawing/2014/main" id="{70D4533D-D3F8-4E8D-9F4A-E2C1E2B66C52}"/>
+              </a:ext>
+            </a:extLst>
+          </p:cNvPr>
+          <p:cNvSpPr/>
+          <p:nvPr/>
+        </p:nvSpPr>
+        <p:spPr>
+          <a:xfrm rot="10800000">
+            <a:off x="7535749" y="2377183"/>
+            <a:ext cx="104775" cy="104768"/>
+          </a:xfrm>
+          <a:prstGeom prst="ellipse">
+            <a:avLst/>
+          </a:prstGeom>
+          <a:solidFill>
+            <a:schemeClr val="accent2"/>
+          </a:solidFill>
+          <a:ln>
+            <a:noFill/>
+          </a:ln>
+        </p:spPr>
+        <p:style>
+          <a:lnRef idx="2">
+            <a:schemeClr val="accent1">
+              <a:shade val="50000"/>
+            </a:schemeClr>
+          </a:lnRef>
+          <a:fillRef idx="1">
+            <a:schemeClr val="accent1"/>
+          </a:fillRef>
+          <a:effectRef idx="0">
+            <a:schemeClr val="accent1"/>
+          </a:effectRef>
+          <a:fontRef idx="minor">
+            <a:schemeClr val="lt1"/>
+          </a:fontRef>
+        </p:style>
+        <p:txBody>
+          <a:bodyPr lIns="91418" tIns="45706" rIns="91418" bIns="45706" anchor="ctr"/>
+          <a:lstStyle/>
+          <a:p>
+            <a:pPr algn="ctr" defTabSz="685165">
+              <a:defRPr/>
+            </a:pPr>
+            <a:endParaRPr lang="zh-CN" altLang="en-US" sz="1735">
+              <a:solidFill>
+                <a:prstClr val="white"/>
+              </a:solidFill>
+              <a:latin typeface="Elsie" panose="02000000000000000000" charset="0"/>
+              <a:ea typeface="Elsie" panose="02000000000000000000" charset="0"/>
+              <a:cs typeface="Elsie" panose="02000000000000000000" charset="0"/>
+              <a:sym typeface="Source Han Sans SC"/>
+            </a:endParaRPr>
+          </a:p>
+        </p:txBody>
+      </p:sp>
+      <p:sp>
+        <p:nvSpPr>
+          <p:cNvPr id="33" name="椭圆 77">
+            <a:extLst>
+              <a:ext uri="{FF2B5EF4-FFF2-40B4-BE49-F238E27FC236}">
+                <a16:creationId xmlns:a16="http://schemas.microsoft.com/office/drawing/2014/main" id="{C151988F-9675-453B-85CA-DE5A44A0FEAE}"/>
+              </a:ext>
+            </a:extLst>
+          </p:cNvPr>
+          <p:cNvSpPr/>
+          <p:nvPr/>
+        </p:nvSpPr>
+        <p:spPr>
+          <a:xfrm rot="10800000">
+            <a:off x="9372486" y="3397887"/>
+            <a:ext cx="155575" cy="153979"/>
+          </a:xfrm>
+          <a:prstGeom prst="ellipse">
+            <a:avLst/>
+          </a:prstGeom>
+          <a:solidFill>
+            <a:schemeClr val="accent2"/>
+          </a:solidFill>
+          <a:ln>
+            <a:noFill/>
+          </a:ln>
+        </p:spPr>
+        <p:style>
+          <a:lnRef idx="2">
+            <a:schemeClr val="accent1">
+              <a:shade val="50000"/>
+            </a:schemeClr>
+          </a:lnRef>
+          <a:fillRef idx="1">
+            <a:schemeClr val="accent1"/>
+          </a:fillRef>
+          <a:effectRef idx="0">
+            <a:schemeClr val="accent1"/>
+          </a:effectRef>
+          <a:fontRef idx="minor">
+            <a:schemeClr val="lt1"/>
+          </a:fontRef>
+        </p:style>
+        <p:txBody>
+          <a:bodyPr lIns="91418" tIns="45706" rIns="91418" bIns="45706" anchor="ctr"/>
+          <a:lstStyle/>
+          <a:p>
+            <a:pPr algn="ctr" defTabSz="685165">
+              <a:defRPr/>
+            </a:pPr>
+            <a:endParaRPr lang="zh-CN" altLang="en-US" sz="1735">
+              <a:solidFill>
+                <a:schemeClr val="tx1">
+                  <a:lumMod val="85000"/>
+                  <a:lumOff val="15000"/>
+                </a:schemeClr>
+              </a:solidFill>
+              <a:latin typeface="Elsie" panose="02000000000000000000" charset="0"/>
+              <a:ea typeface="Elsie" panose="02000000000000000000" charset="0"/>
+              <a:cs typeface="Elsie" panose="02000000000000000000" charset="0"/>
+              <a:sym typeface="Source Han Sans SC"/>
+            </a:endParaRPr>
+          </a:p>
+        </p:txBody>
+      </p:sp>
+    </p:spTree>
+    <p:extLst>
+      <p:ext uri="{BB962C8B-B14F-4D97-AF65-F5344CB8AC3E}">
+        <p14:creationId xmlns:p14="http://schemas.microsoft.com/office/powerpoint/2010/main" val="1605942547"/>
+      </p:ext>
+    </p:extLst>
+  </p:cSld>
+  <p:clrMapOvr>
+    <a:masterClrMapping/>
+  </p:clrMapOvr>
+  <mc:AlternateContent xmlns:mc="http://schemas.openxmlformats.org/markup-compatibility/2006" xmlns:p14="http://schemas.microsoft.com/office/powerpoint/2010/main">
+    <mc:Choice Requires="p14">
+      <p:transition spd="slow" p14:dur="1250" advClick="0">
+        <p14:gallery dir="l"/>
+      </p:transition>
+    </mc:Choice>
+    <mc:Fallback xmlns="" xmlns:m="http://schemas.openxmlformats.org/officeDocument/2006/math" xmlns:w="http://schemas.openxmlformats.org/wordprocessingml/2006/main" xmlns:wp="http://schemas.openxmlformats.org/drawingml/2006/wordprocessingDrawing" xmlns:a14="http://schemas.microsoft.com/office/drawing/2010/main" xmlns:p15="http://schemas.microsoft.com/office/powerpoint/2012/main" xmlns:p159="http://schemas.microsoft.com/office/powerpoint/2015/09/main">
+      <p:transition spd="slow" advClick="0">
+        <p:fade/>
+      </p:transition>
+    </mc:Fallback>
+  </mc:AlternateContent>
+  <p:timing>
+    <p:tnLst>
+      <p:par>
+        <p:cTn id="1" dur="indefinite" restart="never" nodeType="tmRoot">
+          <p:childTnLst>
+            <p:seq concurrent="1" nextAc="seek">
+              <p:cTn id="2" dur="indefinite" nodeType="mainSeq">
+                <p:childTnLst>
+                  <p:par>
+                    <p:cTn id="3" fill="hold">
+                      <p:stCondLst>
+                        <p:cond delay="indefinite"/>
+                        <p:cond evt="onBegin" delay="0">
+                          <p:tn val="2"/>
+                        </p:cond>
+                      </p:stCondLst>
+                      <p:childTnLst>
+                        <p:par>
+                          <p:cTn id="4" fill="hold">
+                            <p:stCondLst>
+                              <p:cond delay="0"/>
+                            </p:stCondLst>
+                            <p:childTnLst>
+                              <p:par>
+                                <p:cTn id="5" presetID="23" presetClass="entr" presetSubtype="16" fill="hold" nodeType="afterEffect">
+                                  <p:stCondLst>
+                                    <p:cond delay="0"/>
+                                  </p:stCondLst>
+                                  <p:childTnLst>
+                                    <p:set>
+                                      <p:cBhvr>
+                                        <p:cTn id="6" dur="1" fill="hold">
+                                          <p:stCondLst>
+                                            <p:cond delay="0"/>
+                                          </p:stCondLst>
+                                        </p:cTn>
+                                        <p:tgtEl>
+                                          <p:spTgt spid="5"/>
+                                        </p:tgtEl>
+                                        <p:attrNameLst>
+                                          <p:attrName>style.visibility</p:attrName>
+                                        </p:attrNameLst>
+                                      </p:cBhvr>
+                                      <p:to>
+                                        <p:strVal val="visible"/>
+                                      </p:to>
+                                    </p:set>
+                                    <p:anim calcmode="lin" valueType="num">
+                                      <p:cBhvr>
+                                        <p:cTn id="7" dur="500" fill="hold"/>
+                                        <p:tgtEl>
+                                          <p:spTgt spid="5"/>
+                                        </p:tgtEl>
+                                        <p:attrNameLst>
+                                          <p:attrName>ppt_w</p:attrName>
+                                        </p:attrNameLst>
+                                      </p:cBhvr>
+                                      <p:tavLst>
+                                        <p:tav tm="0">
+                                          <p:val>
+                                            <p:fltVal val="0"/>
+                                          </p:val>
+                                        </p:tav>
+                                        <p:tav tm="100000">
+                                          <p:val>
+                                            <p:strVal val="#ppt_w"/>
+                                          </p:val>
+                                        </p:tav>
+                                      </p:tavLst>
+                                    </p:anim>
+                                    <p:anim calcmode="lin" valueType="num">
+                                      <p:cBhvr>
+                                        <p:cTn id="8" dur="500" fill="hold"/>
+                                        <p:tgtEl>
+                                          <p:spTgt spid="5"/>
+                                        </p:tgtEl>
+                                        <p:attrNameLst>
+                                          <p:attrName>ppt_h</p:attrName>
+                                        </p:attrNameLst>
+                                      </p:cBhvr>
+                                      <p:tavLst>
+                                        <p:tav tm="0">
+                                          <p:val>
+                                            <p:fltVal val="0"/>
+                                          </p:val>
+                                        </p:tav>
+                                        <p:tav tm="100000">
+                                          <p:val>
+                                            <p:strVal val="#ppt_h"/>
+                                          </p:val>
+                                        </p:tav>
+                                      </p:tavLst>
+                                    </p:anim>
+                                  </p:childTnLst>
+                                </p:cTn>
+                              </p:par>
+                            </p:childTnLst>
+                          </p:cTn>
+                        </p:par>
+                        <p:par>
+                          <p:cTn id="9" fill="hold">
+                            <p:stCondLst>
+                              <p:cond delay="500"/>
+                            </p:stCondLst>
+                            <p:childTnLst>
+                              <p:par>
+                                <p:cTn id="10" presetID="23" presetClass="entr" presetSubtype="16" fill="hold" grpId="0" nodeType="afterEffect">
+                                  <p:stCondLst>
+                                    <p:cond delay="0"/>
+                                  </p:stCondLst>
+                                  <p:childTnLst>
+                                    <p:set>
+                                      <p:cBhvr>
+                                        <p:cTn id="11" dur="1" fill="hold">
+                                          <p:stCondLst>
+                                            <p:cond delay="0"/>
+                                          </p:stCondLst>
+                                        </p:cTn>
+                                        <p:tgtEl>
+                                          <p:spTgt spid="25"/>
+                                        </p:tgtEl>
+                                        <p:attrNameLst>
+                                          <p:attrName>style.visibility</p:attrName>
+                                        </p:attrNameLst>
+                                      </p:cBhvr>
+                                      <p:to>
+                                        <p:strVal val="visible"/>
+                                      </p:to>
+                                    </p:set>
+                                    <p:anim calcmode="lin" valueType="num">
+                                      <p:cBhvr>
+                                        <p:cTn id="12" dur="500" fill="hold"/>
+                                        <p:tgtEl>
+                                          <p:spTgt spid="25"/>
+                                        </p:tgtEl>
+                                        <p:attrNameLst>
+                                          <p:attrName>ppt_w</p:attrName>
+                                        </p:attrNameLst>
+                                      </p:cBhvr>
+                                      <p:tavLst>
+                                        <p:tav tm="0">
+                                          <p:val>
+                                            <p:fltVal val="0"/>
+                                          </p:val>
+                                        </p:tav>
+                                        <p:tav tm="100000">
+                                          <p:val>
+                                            <p:strVal val="#ppt_w"/>
+                                          </p:val>
+                                        </p:tav>
+                                      </p:tavLst>
+                                    </p:anim>
+                                    <p:anim calcmode="lin" valueType="num">
+                                      <p:cBhvr>
+                                        <p:cTn id="13" dur="500" fill="hold"/>
+                                        <p:tgtEl>
+                                          <p:spTgt spid="25"/>
+                                        </p:tgtEl>
+                                        <p:attrNameLst>
+                                          <p:attrName>ppt_h</p:attrName>
+                                        </p:attrNameLst>
+                                      </p:cBhvr>
+                                      <p:tavLst>
+                                        <p:tav tm="0">
+                                          <p:val>
+                                            <p:fltVal val="0"/>
+                                          </p:val>
+                                        </p:tav>
+                                        <p:tav tm="100000">
+                                          <p:val>
+                                            <p:strVal val="#ppt_h"/>
+                                          </p:val>
+                                        </p:tav>
+                                      </p:tavLst>
+                                    </p:anim>
+                                  </p:childTnLst>
+                                </p:cTn>
+                              </p:par>
+                            </p:childTnLst>
+                          </p:cTn>
+                        </p:par>
+                        <p:par>
+                          <p:cTn id="14" fill="hold">
+                            <p:stCondLst>
+                              <p:cond delay="1000"/>
+                            </p:stCondLst>
+                            <p:childTnLst>
+                              <p:par>
+                                <p:cTn id="15" presetID="23" presetClass="entr" presetSubtype="16" fill="hold" grpId="0" nodeType="afterEffect">
+                                  <p:stCondLst>
+                                    <p:cond delay="0"/>
+                                  </p:stCondLst>
+                                  <p:childTnLst>
+                                    <p:set>
+                                      <p:cBhvr>
+                                        <p:cTn id="16" dur="1" fill="hold">
+                                          <p:stCondLst>
+                                            <p:cond delay="0"/>
+                                          </p:stCondLst>
+                                        </p:cTn>
+                                        <p:tgtEl>
+                                          <p:spTgt spid="26"/>
+                                        </p:tgtEl>
+                                        <p:attrNameLst>
+                                          <p:attrName>style.visibility</p:attrName>
+                                        </p:attrNameLst>
+                                      </p:cBhvr>
+                                      <p:to>
+                                        <p:strVal val="visible"/>
+                                      </p:to>
+                                    </p:set>
+                                    <p:anim calcmode="lin" valueType="num">
+                                      <p:cBhvr>
+                                        <p:cTn id="17" dur="500" fill="hold"/>
+                                        <p:tgtEl>
+                                          <p:spTgt spid="26"/>
+                                        </p:tgtEl>
+                                        <p:attrNameLst>
+                                          <p:attrName>ppt_w</p:attrName>
+                                        </p:attrNameLst>
+                                      </p:cBhvr>
+                                      <p:tavLst>
+                                        <p:tav tm="0">
+                                          <p:val>
+                                            <p:fltVal val="0"/>
+                                          </p:val>
+                                        </p:tav>
+                                        <p:tav tm="100000">
+                                          <p:val>
+                                            <p:strVal val="#ppt_w"/>
+                                          </p:val>
+                                        </p:tav>
+                                      </p:tavLst>
+                                    </p:anim>
+                                    <p:anim calcmode="lin" valueType="num">
+                                      <p:cBhvr>
+                                        <p:cTn id="18" dur="500" fill="hold"/>
+                                        <p:tgtEl>
+                                          <p:spTgt spid="26"/>
+                                        </p:tgtEl>
+                                        <p:attrNameLst>
+                                          <p:attrName>ppt_h</p:attrName>
+                                        </p:attrNameLst>
+                                      </p:cBhvr>
+                                      <p:tavLst>
+                                        <p:tav tm="0">
+                                          <p:val>
+                                            <p:fltVal val="0"/>
+                                          </p:val>
+                                        </p:tav>
+                                        <p:tav tm="100000">
+                                          <p:val>
+                                            <p:strVal val="#ppt_h"/>
+                                          </p:val>
+                                        </p:tav>
+                                      </p:tavLst>
+                                    </p:anim>
+                                  </p:childTnLst>
+                                </p:cTn>
+                              </p:par>
+                            </p:childTnLst>
+                          </p:cTn>
+                        </p:par>
+                        <p:par>
+                          <p:cTn id="19" fill="hold">
+                            <p:stCondLst>
+                              <p:cond delay="1500"/>
+                            </p:stCondLst>
+                            <p:childTnLst>
+                              <p:par>
+                                <p:cTn id="20" presetID="23" presetClass="entr" presetSubtype="16" fill="hold" grpId="0" nodeType="afterEffect">
+                                  <p:stCondLst>
+                                    <p:cond delay="0"/>
+                                  </p:stCondLst>
+                                  <p:childTnLst>
+                                    <p:set>
+                                      <p:cBhvr>
+                                        <p:cTn id="21" dur="1" fill="hold">
+                                          <p:stCondLst>
+                                            <p:cond delay="0"/>
+                                          </p:stCondLst>
+                                        </p:cTn>
+                                        <p:tgtEl>
+                                          <p:spTgt spid="27"/>
+                                        </p:tgtEl>
+                                        <p:attrNameLst>
+                                          <p:attrName>style.visibility</p:attrName>
+                                        </p:attrNameLst>
+                                      </p:cBhvr>
+                                      <p:to>
+                                        <p:strVal val="visible"/>
+                                      </p:to>
+                                    </p:set>
+                                    <p:anim calcmode="lin" valueType="num">
+                                      <p:cBhvr>
+                                        <p:cTn id="22" dur="500" fill="hold"/>
+                                        <p:tgtEl>
+                                          <p:spTgt spid="27"/>
+                                        </p:tgtEl>
+                                        <p:attrNameLst>
+                                          <p:attrName>ppt_w</p:attrName>
+                                        </p:attrNameLst>
+                                      </p:cBhvr>
+                                      <p:tavLst>
+                                        <p:tav tm="0">
+                                          <p:val>
+                                            <p:fltVal val="0"/>
+                                          </p:val>
+                                        </p:tav>
+                                        <p:tav tm="100000">
+                                          <p:val>
+                                            <p:strVal val="#ppt_w"/>
+                                          </p:val>
+                                        </p:tav>
+                                      </p:tavLst>
+                                    </p:anim>
+                                    <p:anim calcmode="lin" valueType="num">
+                                      <p:cBhvr>
+                                        <p:cTn id="23" dur="500" fill="hold"/>
+                                        <p:tgtEl>
+                                          <p:spTgt spid="27"/>
+                                        </p:tgtEl>
+                                        <p:attrNameLst>
+                                          <p:attrName>ppt_h</p:attrName>
+                                        </p:attrNameLst>
+                                      </p:cBhvr>
+                                      <p:tavLst>
+                                        <p:tav tm="0">
+                                          <p:val>
+                                            <p:fltVal val="0"/>
+                                          </p:val>
+                                        </p:tav>
+                                        <p:tav tm="100000">
+                                          <p:val>
+                                            <p:strVal val="#ppt_h"/>
+                                          </p:val>
+                                        </p:tav>
+                                      </p:tavLst>
+                                    </p:anim>
+                                  </p:childTnLst>
+                                </p:cTn>
+                              </p:par>
+                            </p:childTnLst>
+                          </p:cTn>
+                        </p:par>
+                        <p:par>
+                          <p:cTn id="24" fill="hold">
+                            <p:stCondLst>
+                              <p:cond delay="2000"/>
+                            </p:stCondLst>
+                            <p:childTnLst>
+                              <p:par>
+                                <p:cTn id="25" presetID="12" presetClass="entr" presetSubtype="1" fill="hold" nodeType="afterEffect">
+                                  <p:stCondLst>
+                                    <p:cond delay="400"/>
+                                  </p:stCondLst>
+                                  <p:childTnLst>
+                                    <p:set>
+                                      <p:cBhvr>
+                                        <p:cTn id="26" dur="1" fill="hold">
+                                          <p:stCondLst>
+                                            <p:cond delay="0"/>
+                                          </p:stCondLst>
+                                        </p:cTn>
+                                        <p:tgtEl>
+                                          <p:spTgt spid="16"/>
+                                        </p:tgtEl>
+                                        <p:attrNameLst>
+                                          <p:attrName>style.visibility</p:attrName>
+                                        </p:attrNameLst>
+                                      </p:cBhvr>
+                                      <p:to>
+                                        <p:strVal val="visible"/>
+                                      </p:to>
+                                    </p:set>
+                                    <p:anim calcmode="lin" valueType="num">
+                                      <p:cBhvr additive="base">
+                                        <p:cTn id="27" dur="500"/>
+                                        <p:tgtEl>
+                                          <p:spTgt spid="16"/>
+                                        </p:tgtEl>
+                                        <p:attrNameLst>
+                                          <p:attrName>ppt_y</p:attrName>
+                                        </p:attrNameLst>
+                                      </p:cBhvr>
+                                      <p:tavLst>
+                                        <p:tav tm="0">
+                                          <p:val>
+                                            <p:strVal val="#ppt_y-#ppt_h*1.125000"/>
+                                          </p:val>
+                                        </p:tav>
+                                        <p:tav tm="100000">
+                                          <p:val>
+                                            <p:strVal val="#ppt_y"/>
+                                          </p:val>
+                                        </p:tav>
+                                      </p:tavLst>
+                                    </p:anim>
+                                    <p:animEffect transition="in" filter="wipe(down)">
+                                      <p:cBhvr>
+                                        <p:cTn id="28" dur="500"/>
+                                        <p:tgtEl>
+                                          <p:spTgt spid="16"/>
+                                        </p:tgtEl>
+                                      </p:cBhvr>
+                                    </p:animEffect>
+                                  </p:childTnLst>
+                                </p:cTn>
+                              </p:par>
+                            </p:childTnLst>
+                          </p:cTn>
+                        </p:par>
+                        <p:par>
+                          <p:cTn id="29" fill="hold">
+                            <p:stCondLst>
+                              <p:cond delay="2900"/>
+                            </p:stCondLst>
+                            <p:childTnLst>
+                              <p:par>
+                                <p:cTn id="30" presetID="10" presetClass="entr" presetSubtype="0" fill="hold" grpId="0" nodeType="afterEffect">
+                                  <p:stCondLst>
+                                    <p:cond delay="900"/>
+                                  </p:stCondLst>
+                                  <p:childTnLst>
+                                    <p:set>
+                                      <p:cBhvr>
+                                        <p:cTn id="31" dur="1" fill="hold">
+                                          <p:stCondLst>
+                                            <p:cond delay="0"/>
+                                          </p:stCondLst>
+                                        </p:cTn>
+                                        <p:tgtEl>
+                                          <p:spTgt spid="14"/>
+                                        </p:tgtEl>
+                                        <p:attrNameLst>
+                                          <p:attrName>style.visibility</p:attrName>
+                                        </p:attrNameLst>
+                                      </p:cBhvr>
+                                      <p:to>
+                                        <p:strVal val="visible"/>
+                                      </p:to>
+                                    </p:set>
+                                    <p:animEffect transition="in" filter="fade">
+                                      <p:cBhvr>
+                                        <p:cTn id="32" dur="250"/>
+                                        <p:tgtEl>
+                                          <p:spTgt spid="14"/>
+                                        </p:tgtEl>
+                                      </p:cBhvr>
+                                    </p:animEffect>
+                                  </p:childTnLst>
+                                </p:cTn>
+                              </p:par>
+                            </p:childTnLst>
+                          </p:cTn>
+                        </p:par>
+                        <p:par>
+                          <p:cTn id="33" fill="hold">
+                            <p:stCondLst>
+                              <p:cond delay="4050"/>
+                            </p:stCondLst>
+                            <p:childTnLst>
+                              <p:par>
+                                <p:cTn id="34" presetID="53" presetClass="entr" presetSubtype="16" fill="hold" nodeType="afterEffect">
+                                  <p:stCondLst>
+                                    <p:cond delay="0"/>
+                                  </p:stCondLst>
+                                  <p:childTnLst>
+                                    <p:set>
+                                      <p:cBhvr>
+                                        <p:cTn id="35" dur="1" fill="hold">
+                                          <p:stCondLst>
+                                            <p:cond delay="0"/>
+                                          </p:stCondLst>
+                                        </p:cTn>
+                                        <p:tgtEl>
+                                          <p:spTgt spid="11"/>
+                                        </p:tgtEl>
+                                        <p:attrNameLst>
+                                          <p:attrName>style.visibility</p:attrName>
+                                        </p:attrNameLst>
+                                      </p:cBhvr>
+                                      <p:to>
+                                        <p:strVal val="visible"/>
+                                      </p:to>
+                                    </p:set>
+                                    <p:anim calcmode="lin" valueType="num">
+                                      <p:cBhvr>
+                                        <p:cTn id="36" dur="500" fill="hold"/>
+                                        <p:tgtEl>
+                                          <p:spTgt spid="11"/>
+                                        </p:tgtEl>
+                                        <p:attrNameLst>
+                                          <p:attrName>ppt_w</p:attrName>
+                                        </p:attrNameLst>
+                                      </p:cBhvr>
+                                      <p:tavLst>
+                                        <p:tav tm="0">
+                                          <p:val>
+                                            <p:fltVal val="0"/>
+                                          </p:val>
+                                        </p:tav>
+                                        <p:tav tm="100000">
+                                          <p:val>
+                                            <p:strVal val="#ppt_w"/>
+                                          </p:val>
+                                        </p:tav>
+                                      </p:tavLst>
+                                    </p:anim>
+                                    <p:anim calcmode="lin" valueType="num">
+                                      <p:cBhvr>
+                                        <p:cTn id="37" dur="500" fill="hold"/>
+                                        <p:tgtEl>
+                                          <p:spTgt spid="11"/>
+                                        </p:tgtEl>
+                                        <p:attrNameLst>
+                                          <p:attrName>ppt_h</p:attrName>
+                                        </p:attrNameLst>
+                                      </p:cBhvr>
+                                      <p:tavLst>
+                                        <p:tav tm="0">
+                                          <p:val>
+                                            <p:fltVal val="0"/>
+                                          </p:val>
+                                        </p:tav>
+                                        <p:tav tm="100000">
+                                          <p:val>
+                                            <p:strVal val="#ppt_h"/>
+                                          </p:val>
+                                        </p:tav>
+                                      </p:tavLst>
+                                    </p:anim>
+                                    <p:animEffect transition="in" filter="fade">
+                                      <p:cBhvr>
+                                        <p:cTn id="38" dur="500"/>
+                                        <p:tgtEl>
+                                          <p:spTgt spid="11"/>
+                                        </p:tgtEl>
+                                      </p:cBhvr>
+                                    </p:animEffect>
+                                  </p:childTnLst>
+                                </p:cTn>
+                              </p:par>
+                            </p:childTnLst>
+                          </p:cTn>
+                        </p:par>
+                        <p:par>
+                          <p:cTn id="39" fill="hold">
+                            <p:stCondLst>
+                              <p:cond delay="4550"/>
+                            </p:stCondLst>
+                            <p:childTnLst>
+                              <p:par>
+                                <p:cTn id="40" presetID="53" presetClass="entr" presetSubtype="16" fill="hold" grpId="0" nodeType="afterEffect">
+                                  <p:stCondLst>
+                                    <p:cond delay="0"/>
+                                  </p:stCondLst>
+                                  <p:childTnLst>
+                                    <p:set>
+                                      <p:cBhvr>
+                                        <p:cTn id="41" dur="1" fill="hold">
+                                          <p:stCondLst>
+                                            <p:cond delay="0"/>
+                                          </p:stCondLst>
+                                        </p:cTn>
+                                        <p:tgtEl>
+                                          <p:spTgt spid="28"/>
+                                        </p:tgtEl>
+                                        <p:attrNameLst>
+                                          <p:attrName>style.visibility</p:attrName>
+                                        </p:attrNameLst>
+                                      </p:cBhvr>
+                                      <p:to>
+                                        <p:strVal val="visible"/>
+                                      </p:to>
+                                    </p:set>
+                                    <p:anim calcmode="lin" valueType="num">
+                                      <p:cBhvr>
+                                        <p:cTn id="42" dur="500" fill="hold"/>
+                                        <p:tgtEl>
+                                          <p:spTgt spid="28"/>
+                                        </p:tgtEl>
+                                        <p:attrNameLst>
+                                          <p:attrName>ppt_w</p:attrName>
+                                        </p:attrNameLst>
+                                      </p:cBhvr>
+                                      <p:tavLst>
+                                        <p:tav tm="0">
+                                          <p:val>
+                                            <p:fltVal val="0"/>
+                                          </p:val>
+                                        </p:tav>
+                                        <p:tav tm="100000">
+                                          <p:val>
+                                            <p:strVal val="#ppt_w"/>
+                                          </p:val>
+                                        </p:tav>
+                                      </p:tavLst>
+                                    </p:anim>
+                                    <p:anim calcmode="lin" valueType="num">
+                                      <p:cBhvr>
+                                        <p:cTn id="43" dur="500" fill="hold"/>
+                                        <p:tgtEl>
+                                          <p:spTgt spid="28"/>
+                                        </p:tgtEl>
+                                        <p:attrNameLst>
+                                          <p:attrName>ppt_h</p:attrName>
+                                        </p:attrNameLst>
+                                      </p:cBhvr>
+                                      <p:tavLst>
+                                        <p:tav tm="0">
+                                          <p:val>
+                                            <p:fltVal val="0"/>
+                                          </p:val>
+                                        </p:tav>
+                                        <p:tav tm="100000">
+                                          <p:val>
+                                            <p:strVal val="#ppt_h"/>
+                                          </p:val>
+                                        </p:tav>
+                                      </p:tavLst>
+                                    </p:anim>
+                                    <p:animEffect transition="in" filter="fade">
+                                      <p:cBhvr>
+                                        <p:cTn id="44" dur="500"/>
+                                        <p:tgtEl>
+                                          <p:spTgt spid="28"/>
+                                        </p:tgtEl>
+                                      </p:cBhvr>
+                                    </p:animEffect>
+                                  </p:childTnLst>
+                                </p:cTn>
+                              </p:par>
+                            </p:childTnLst>
+                          </p:cTn>
+                        </p:par>
+                        <p:par>
+                          <p:cTn id="45" fill="hold">
+                            <p:stCondLst>
+                              <p:cond delay="5050"/>
+                            </p:stCondLst>
+                            <p:childTnLst>
+                              <p:par>
+                                <p:cTn id="46" presetID="53" presetClass="entr" presetSubtype="16" fill="hold" grpId="0" nodeType="afterEffect">
+                                  <p:stCondLst>
+                                    <p:cond delay="0"/>
+                                  </p:stCondLst>
+                                  <p:childTnLst>
+                                    <p:set>
+                                      <p:cBhvr>
+                                        <p:cTn id="47" dur="1" fill="hold">
+                                          <p:stCondLst>
+                                            <p:cond delay="0"/>
+                                          </p:stCondLst>
+                                        </p:cTn>
+                                        <p:tgtEl>
+                                          <p:spTgt spid="29"/>
+                                        </p:tgtEl>
+                                        <p:attrNameLst>
+                                          <p:attrName>style.visibility</p:attrName>
+                                        </p:attrNameLst>
+                                      </p:cBhvr>
+                                      <p:to>
+                                        <p:strVal val="visible"/>
+                                      </p:to>
+                                    </p:set>
+                                    <p:anim calcmode="lin" valueType="num">
+                                      <p:cBhvr>
+                                        <p:cTn id="48" dur="500" fill="hold"/>
+                                        <p:tgtEl>
+                                          <p:spTgt spid="29"/>
+                                        </p:tgtEl>
+                                        <p:attrNameLst>
+                                          <p:attrName>ppt_w</p:attrName>
+                                        </p:attrNameLst>
+                                      </p:cBhvr>
+                                      <p:tavLst>
+                                        <p:tav tm="0">
+                                          <p:val>
+                                            <p:fltVal val="0"/>
+                                          </p:val>
+                                        </p:tav>
+                                        <p:tav tm="100000">
+                                          <p:val>
+                                            <p:strVal val="#ppt_w"/>
+                                          </p:val>
+                                        </p:tav>
+                                      </p:tavLst>
+                                    </p:anim>
+                                    <p:anim calcmode="lin" valueType="num">
+                                      <p:cBhvr>
+                                        <p:cTn id="49" dur="500" fill="hold"/>
+                                        <p:tgtEl>
+                                          <p:spTgt spid="29"/>
+                                        </p:tgtEl>
+                                        <p:attrNameLst>
+                                          <p:attrName>ppt_h</p:attrName>
+                                        </p:attrNameLst>
+                                      </p:cBhvr>
+                                      <p:tavLst>
+                                        <p:tav tm="0">
+                                          <p:val>
+                                            <p:fltVal val="0"/>
+                                          </p:val>
+                                        </p:tav>
+                                        <p:tav tm="100000">
+                                          <p:val>
+                                            <p:strVal val="#ppt_h"/>
+                                          </p:val>
+                                        </p:tav>
+                                      </p:tavLst>
+                                    </p:anim>
+                                    <p:animEffect transition="in" filter="fade">
+                                      <p:cBhvr>
+                                        <p:cTn id="50" dur="500"/>
+                                        <p:tgtEl>
+                                          <p:spTgt spid="29"/>
+                                        </p:tgtEl>
+                                      </p:cBhvr>
+                                    </p:animEffect>
+                                  </p:childTnLst>
+                                </p:cTn>
+                              </p:par>
+                            </p:childTnLst>
+                          </p:cTn>
+                        </p:par>
+                        <p:par>
+                          <p:cTn id="51" fill="hold">
+                            <p:stCondLst>
+                              <p:cond delay="5550"/>
+                            </p:stCondLst>
+                            <p:childTnLst>
+                              <p:par>
+                                <p:cTn id="52" presetID="53" presetClass="entr" presetSubtype="16" fill="hold" grpId="0" nodeType="afterEffect">
+                                  <p:stCondLst>
+                                    <p:cond delay="0"/>
+                                  </p:stCondLst>
+                                  <p:childTnLst>
+                                    <p:set>
+                                      <p:cBhvr>
+                                        <p:cTn id="53" dur="1" fill="hold">
+                                          <p:stCondLst>
+                                            <p:cond delay="0"/>
+                                          </p:stCondLst>
+                                        </p:cTn>
+                                        <p:tgtEl>
+                                          <p:spTgt spid="30"/>
+                                        </p:tgtEl>
+                                        <p:attrNameLst>
+                                          <p:attrName>style.visibility</p:attrName>
+                                        </p:attrNameLst>
+                                      </p:cBhvr>
+                                      <p:to>
+                                        <p:strVal val="visible"/>
+                                      </p:to>
+                                    </p:set>
+                                    <p:anim calcmode="lin" valueType="num">
+                                      <p:cBhvr>
+                                        <p:cTn id="54" dur="500" fill="hold"/>
+                                        <p:tgtEl>
+                                          <p:spTgt spid="30"/>
+                                        </p:tgtEl>
+                                        <p:attrNameLst>
+                                          <p:attrName>ppt_w</p:attrName>
+                                        </p:attrNameLst>
+                                      </p:cBhvr>
+                                      <p:tavLst>
+                                        <p:tav tm="0">
+                                          <p:val>
+                                            <p:fltVal val="0"/>
+                                          </p:val>
+                                        </p:tav>
+                                        <p:tav tm="100000">
+                                          <p:val>
+                                            <p:strVal val="#ppt_w"/>
+                                          </p:val>
+                                        </p:tav>
+                                      </p:tavLst>
+                                    </p:anim>
+                                    <p:anim calcmode="lin" valueType="num">
+                                      <p:cBhvr>
+                                        <p:cTn id="55" dur="500" fill="hold"/>
+                                        <p:tgtEl>
+                                          <p:spTgt spid="30"/>
+                                        </p:tgtEl>
+                                        <p:attrNameLst>
+                                          <p:attrName>ppt_h</p:attrName>
+                                        </p:attrNameLst>
+                                      </p:cBhvr>
+                                      <p:tavLst>
+                                        <p:tav tm="0">
+                                          <p:val>
+                                            <p:fltVal val="0"/>
+                                          </p:val>
+                                        </p:tav>
+                                        <p:tav tm="100000">
+                                          <p:val>
+                                            <p:strVal val="#ppt_h"/>
+                                          </p:val>
+                                        </p:tav>
+                                      </p:tavLst>
+                                    </p:anim>
+                                    <p:animEffect transition="in" filter="fade">
+                                      <p:cBhvr>
+                                        <p:cTn id="56" dur="500"/>
+                                        <p:tgtEl>
+                                          <p:spTgt spid="30"/>
+                                        </p:tgtEl>
+                                      </p:cBhvr>
+                                    </p:animEffect>
+                                  </p:childTnLst>
+                                </p:cTn>
+                              </p:par>
+                            </p:childTnLst>
+                          </p:cTn>
+                        </p:par>
+                        <p:par>
+                          <p:cTn id="57" fill="hold">
+                            <p:stCondLst>
+                              <p:cond delay="6050"/>
+                            </p:stCondLst>
+                            <p:childTnLst>
+                              <p:par>
+                                <p:cTn id="58" presetID="12" presetClass="entr" presetSubtype="1" fill="hold" nodeType="afterEffect">
+                                  <p:stCondLst>
+                                    <p:cond delay="400"/>
+                                  </p:stCondLst>
+                                  <p:childTnLst>
+                                    <p:set>
+                                      <p:cBhvr>
+                                        <p:cTn id="59" dur="1" fill="hold">
+                                          <p:stCondLst>
+                                            <p:cond delay="0"/>
+                                          </p:stCondLst>
+                                        </p:cTn>
+                                        <p:tgtEl>
+                                          <p:spTgt spid="19"/>
+                                        </p:tgtEl>
+                                        <p:attrNameLst>
+                                          <p:attrName>style.visibility</p:attrName>
+                                        </p:attrNameLst>
+                                      </p:cBhvr>
+                                      <p:to>
+                                        <p:strVal val="visible"/>
+                                      </p:to>
+                                    </p:set>
+                                    <p:anim calcmode="lin" valueType="num">
+                                      <p:cBhvr additive="base">
+                                        <p:cTn id="60" dur="500"/>
+                                        <p:tgtEl>
+                                          <p:spTgt spid="19"/>
+                                        </p:tgtEl>
+                                        <p:attrNameLst>
+                                          <p:attrName>ppt_y</p:attrName>
+                                        </p:attrNameLst>
+                                      </p:cBhvr>
+                                      <p:tavLst>
+                                        <p:tav tm="0">
+                                          <p:val>
+                                            <p:strVal val="#ppt_y-#ppt_h*1.125000"/>
+                                          </p:val>
+                                        </p:tav>
+                                        <p:tav tm="100000">
+                                          <p:val>
+                                            <p:strVal val="#ppt_y"/>
+                                          </p:val>
+                                        </p:tav>
+                                      </p:tavLst>
+                                    </p:anim>
+                                    <p:animEffect transition="in" filter="wipe(down)">
+                                      <p:cBhvr>
+                                        <p:cTn id="61" dur="500"/>
+                                        <p:tgtEl>
+                                          <p:spTgt spid="19"/>
+                                        </p:tgtEl>
+                                      </p:cBhvr>
+                                    </p:animEffect>
+                                  </p:childTnLst>
+                                </p:cTn>
+                              </p:par>
+                            </p:childTnLst>
+                          </p:cTn>
+                        </p:par>
+                        <p:par>
+                          <p:cTn id="62" fill="hold">
+                            <p:stCondLst>
+                              <p:cond delay="6950"/>
+                            </p:stCondLst>
+                            <p:childTnLst>
+                              <p:par>
+                                <p:cTn id="63" presetID="10" presetClass="entr" presetSubtype="0" fill="hold" grpId="0" nodeType="afterEffect">
+                                  <p:stCondLst>
+                                    <p:cond delay="0"/>
+                                  </p:stCondLst>
+                                  <p:childTnLst>
+                                    <p:set>
+                                      <p:cBhvr>
+                                        <p:cTn id="64" dur="1" fill="hold">
+                                          <p:stCondLst>
+                                            <p:cond delay="0"/>
+                                          </p:stCondLst>
+                                        </p:cTn>
+                                        <p:tgtEl>
+                                          <p:spTgt spid="15"/>
+                                        </p:tgtEl>
+                                        <p:attrNameLst>
+                                          <p:attrName>style.visibility</p:attrName>
+                                        </p:attrNameLst>
+                                      </p:cBhvr>
+                                      <p:to>
+                                        <p:strVal val="visible"/>
+                                      </p:to>
+                                    </p:set>
+                                    <p:animEffect transition="in" filter="fade">
+                                      <p:cBhvr>
+                                        <p:cTn id="65" dur="250"/>
+                                        <p:tgtEl>
+                                          <p:spTgt spid="15"/>
+                                        </p:tgtEl>
+                                      </p:cBhvr>
+                                    </p:animEffect>
+                                  </p:childTnLst>
+                                </p:cTn>
+                              </p:par>
+                            </p:childTnLst>
+                          </p:cTn>
+                        </p:par>
+                        <p:par>
+                          <p:cTn id="66" fill="hold">
+                            <p:stCondLst>
+                              <p:cond delay="7200"/>
+                            </p:stCondLst>
+                            <p:childTnLst>
+                              <p:par>
+                                <p:cTn id="67" presetID="53" presetClass="entr" presetSubtype="16" fill="hold" nodeType="afterEffect">
+                                  <p:stCondLst>
+                                    <p:cond delay="0"/>
+                                  </p:stCondLst>
+                                  <p:childTnLst>
+                                    <p:set>
+                                      <p:cBhvr>
+                                        <p:cTn id="68" dur="1" fill="hold">
+                                          <p:stCondLst>
+                                            <p:cond delay="0"/>
+                                          </p:stCondLst>
+                                        </p:cTn>
+                                        <p:tgtEl>
+                                          <p:spTgt spid="8"/>
+                                        </p:tgtEl>
+                                        <p:attrNameLst>
+                                          <p:attrName>style.visibility</p:attrName>
+                                        </p:attrNameLst>
+                                      </p:cBhvr>
+                                      <p:to>
+                                        <p:strVal val="visible"/>
+                                      </p:to>
+                                    </p:set>
+                                    <p:anim calcmode="lin" valueType="num">
+                                      <p:cBhvr>
+                                        <p:cTn id="69" dur="500" fill="hold"/>
+                                        <p:tgtEl>
+                                          <p:spTgt spid="8"/>
+                                        </p:tgtEl>
+                                        <p:attrNameLst>
+                                          <p:attrName>ppt_w</p:attrName>
+                                        </p:attrNameLst>
+                                      </p:cBhvr>
+                                      <p:tavLst>
+                                        <p:tav tm="0">
+                                          <p:val>
+                                            <p:fltVal val="0"/>
+                                          </p:val>
+                                        </p:tav>
+                                        <p:tav tm="100000">
+                                          <p:val>
+                                            <p:strVal val="#ppt_w"/>
+                                          </p:val>
+                                        </p:tav>
+                                      </p:tavLst>
+                                    </p:anim>
+                                    <p:anim calcmode="lin" valueType="num">
+                                      <p:cBhvr>
+                                        <p:cTn id="70" dur="500" fill="hold"/>
+                                        <p:tgtEl>
+                                          <p:spTgt spid="8"/>
+                                        </p:tgtEl>
+                                        <p:attrNameLst>
+                                          <p:attrName>ppt_h</p:attrName>
+                                        </p:attrNameLst>
+                                      </p:cBhvr>
+                                      <p:tavLst>
+                                        <p:tav tm="0">
+                                          <p:val>
+                                            <p:fltVal val="0"/>
+                                          </p:val>
+                                        </p:tav>
+                                        <p:tav tm="100000">
+                                          <p:val>
+                                            <p:strVal val="#ppt_h"/>
+                                          </p:val>
+                                        </p:tav>
+                                      </p:tavLst>
+                                    </p:anim>
+                                    <p:animEffect transition="in" filter="fade">
+                                      <p:cBhvr>
+                                        <p:cTn id="71" dur="500"/>
+                                        <p:tgtEl>
+                                          <p:spTgt spid="8"/>
+                                        </p:tgtEl>
+                                      </p:cBhvr>
+                                    </p:animEffect>
+                                  </p:childTnLst>
+                                </p:cTn>
+                              </p:par>
+                            </p:childTnLst>
+                          </p:cTn>
+                        </p:par>
+                        <p:par>
+                          <p:cTn id="72" fill="hold">
+                            <p:stCondLst>
+                              <p:cond delay="7700"/>
+                            </p:stCondLst>
+                            <p:childTnLst>
+                              <p:par>
+                                <p:cTn id="73" presetID="53" presetClass="entr" presetSubtype="16" fill="hold" grpId="0" nodeType="afterEffect">
+                                  <p:stCondLst>
+                                    <p:cond delay="0"/>
+                                  </p:stCondLst>
+                                  <p:childTnLst>
+                                    <p:set>
+                                      <p:cBhvr>
+                                        <p:cTn id="74" dur="1" fill="hold">
+                                          <p:stCondLst>
+                                            <p:cond delay="0"/>
+                                          </p:stCondLst>
+                                        </p:cTn>
+                                        <p:tgtEl>
+                                          <p:spTgt spid="31"/>
+                                        </p:tgtEl>
+                                        <p:attrNameLst>
+                                          <p:attrName>style.visibility</p:attrName>
+                                        </p:attrNameLst>
+                                      </p:cBhvr>
+                                      <p:to>
+                                        <p:strVal val="visible"/>
+                                      </p:to>
+                                    </p:set>
+                                    <p:anim calcmode="lin" valueType="num">
+                                      <p:cBhvr>
+                                        <p:cTn id="75" dur="500" fill="hold"/>
+                                        <p:tgtEl>
+                                          <p:spTgt spid="31"/>
+                                        </p:tgtEl>
+                                        <p:attrNameLst>
+                                          <p:attrName>ppt_w</p:attrName>
+                                        </p:attrNameLst>
+                                      </p:cBhvr>
+                                      <p:tavLst>
+                                        <p:tav tm="0">
+                                          <p:val>
+                                            <p:fltVal val="0"/>
+                                          </p:val>
+                                        </p:tav>
+                                        <p:tav tm="100000">
+                                          <p:val>
+                                            <p:strVal val="#ppt_w"/>
+                                          </p:val>
+                                        </p:tav>
+                                      </p:tavLst>
+                                    </p:anim>
+                                    <p:anim calcmode="lin" valueType="num">
+                                      <p:cBhvr>
+                                        <p:cTn id="76" dur="500" fill="hold"/>
+                                        <p:tgtEl>
+                                          <p:spTgt spid="31"/>
+                                        </p:tgtEl>
+                                        <p:attrNameLst>
+                                          <p:attrName>ppt_h</p:attrName>
+                                        </p:attrNameLst>
+                                      </p:cBhvr>
+                                      <p:tavLst>
+                                        <p:tav tm="0">
+                                          <p:val>
+                                            <p:fltVal val="0"/>
+                                          </p:val>
+                                        </p:tav>
+                                        <p:tav tm="100000">
+                                          <p:val>
+                                            <p:strVal val="#ppt_h"/>
+                                          </p:val>
+                                        </p:tav>
+                                      </p:tavLst>
+                                    </p:anim>
+                                    <p:animEffect transition="in" filter="fade">
+                                      <p:cBhvr>
+                                        <p:cTn id="77" dur="500"/>
+                                        <p:tgtEl>
+                                          <p:spTgt spid="31"/>
+                                        </p:tgtEl>
+                                      </p:cBhvr>
+                                    </p:animEffect>
+                                  </p:childTnLst>
+                                </p:cTn>
+                              </p:par>
+                            </p:childTnLst>
+                          </p:cTn>
+                        </p:par>
+                        <p:par>
+                          <p:cTn id="78" fill="hold">
+                            <p:stCondLst>
+                              <p:cond delay="8200"/>
+                            </p:stCondLst>
+                            <p:childTnLst>
+                              <p:par>
+                                <p:cTn id="79" presetID="53" presetClass="entr" presetSubtype="16" fill="hold" grpId="0" nodeType="afterEffect">
+                                  <p:stCondLst>
+                                    <p:cond delay="0"/>
+                                  </p:stCondLst>
+                                  <p:childTnLst>
+                                    <p:set>
+                                      <p:cBhvr>
+                                        <p:cTn id="80" dur="1" fill="hold">
+                                          <p:stCondLst>
+                                            <p:cond delay="0"/>
+                                          </p:stCondLst>
+                                        </p:cTn>
+                                        <p:tgtEl>
+                                          <p:spTgt spid="32"/>
+                                        </p:tgtEl>
+                                        <p:attrNameLst>
+                                          <p:attrName>style.visibility</p:attrName>
+                                        </p:attrNameLst>
+                                      </p:cBhvr>
+                                      <p:to>
+                                        <p:strVal val="visible"/>
+                                      </p:to>
+                                    </p:set>
+                                    <p:anim calcmode="lin" valueType="num">
+                                      <p:cBhvr>
+                                        <p:cTn id="81" dur="500" fill="hold"/>
+                                        <p:tgtEl>
+                                          <p:spTgt spid="32"/>
+                                        </p:tgtEl>
+                                        <p:attrNameLst>
+                                          <p:attrName>ppt_w</p:attrName>
+                                        </p:attrNameLst>
+                                      </p:cBhvr>
+                                      <p:tavLst>
+                                        <p:tav tm="0">
+                                          <p:val>
+                                            <p:fltVal val="0"/>
+                                          </p:val>
+                                        </p:tav>
+                                        <p:tav tm="100000">
+                                          <p:val>
+                                            <p:strVal val="#ppt_w"/>
+                                          </p:val>
+                                        </p:tav>
+                                      </p:tavLst>
+                                    </p:anim>
+                                    <p:anim calcmode="lin" valueType="num">
+                                      <p:cBhvr>
+                                        <p:cTn id="82" dur="500" fill="hold"/>
+                                        <p:tgtEl>
+                                          <p:spTgt spid="32"/>
+                                        </p:tgtEl>
+                                        <p:attrNameLst>
+                                          <p:attrName>ppt_h</p:attrName>
+                                        </p:attrNameLst>
+                                      </p:cBhvr>
+                                      <p:tavLst>
+                                        <p:tav tm="0">
+                                          <p:val>
+                                            <p:fltVal val="0"/>
+                                          </p:val>
+                                        </p:tav>
+                                        <p:tav tm="100000">
+                                          <p:val>
+                                            <p:strVal val="#ppt_h"/>
+                                          </p:val>
+                                        </p:tav>
+                                      </p:tavLst>
+                                    </p:anim>
+                                    <p:animEffect transition="in" filter="fade">
+                                      <p:cBhvr>
+                                        <p:cTn id="83" dur="500"/>
+                                        <p:tgtEl>
+                                          <p:spTgt spid="32"/>
+                                        </p:tgtEl>
+                                      </p:cBhvr>
+                                    </p:animEffect>
+                                  </p:childTnLst>
+                                </p:cTn>
+                              </p:par>
+                            </p:childTnLst>
+                          </p:cTn>
+                        </p:par>
+                        <p:par>
+                          <p:cTn id="84" fill="hold">
+                            <p:stCondLst>
+                              <p:cond delay="8700"/>
+                            </p:stCondLst>
+                            <p:childTnLst>
+                              <p:par>
+                                <p:cTn id="85" presetID="53" presetClass="entr" presetSubtype="16" fill="hold" grpId="0" nodeType="afterEffect">
+                                  <p:stCondLst>
+                                    <p:cond delay="0"/>
+                                  </p:stCondLst>
+                                  <p:childTnLst>
+                                    <p:set>
+                                      <p:cBhvr>
+                                        <p:cTn id="86" dur="1" fill="hold">
+                                          <p:stCondLst>
+                                            <p:cond delay="0"/>
+                                          </p:stCondLst>
+                                        </p:cTn>
+                                        <p:tgtEl>
+                                          <p:spTgt spid="33"/>
+                                        </p:tgtEl>
+                                        <p:attrNameLst>
+                                          <p:attrName>style.visibility</p:attrName>
+                                        </p:attrNameLst>
+                                      </p:cBhvr>
+                                      <p:to>
+                                        <p:strVal val="visible"/>
+                                      </p:to>
+                                    </p:set>
+                                    <p:anim calcmode="lin" valueType="num">
+                                      <p:cBhvr>
+                                        <p:cTn id="87" dur="500" fill="hold"/>
+                                        <p:tgtEl>
+                                          <p:spTgt spid="33"/>
+                                        </p:tgtEl>
+                                        <p:attrNameLst>
+                                          <p:attrName>ppt_w</p:attrName>
+                                        </p:attrNameLst>
+                                      </p:cBhvr>
+                                      <p:tavLst>
+                                        <p:tav tm="0">
+                                          <p:val>
+                                            <p:fltVal val="0"/>
+                                          </p:val>
+                                        </p:tav>
+                                        <p:tav tm="100000">
+                                          <p:val>
+                                            <p:strVal val="#ppt_w"/>
+                                          </p:val>
+                                        </p:tav>
+                                      </p:tavLst>
+                                    </p:anim>
+                                    <p:anim calcmode="lin" valueType="num">
+                                      <p:cBhvr>
+                                        <p:cTn id="88" dur="500" fill="hold"/>
+                                        <p:tgtEl>
+                                          <p:spTgt spid="33"/>
+                                        </p:tgtEl>
+                                        <p:attrNameLst>
+                                          <p:attrName>ppt_h</p:attrName>
+                                        </p:attrNameLst>
+                                      </p:cBhvr>
+                                      <p:tavLst>
+                                        <p:tav tm="0">
+                                          <p:val>
+                                            <p:fltVal val="0"/>
+                                          </p:val>
+                                        </p:tav>
+                                        <p:tav tm="100000">
+                                          <p:val>
+                                            <p:strVal val="#ppt_h"/>
+                                          </p:val>
+                                        </p:tav>
+                                      </p:tavLst>
+                                    </p:anim>
+                                    <p:animEffect transition="in" filter="fade">
+                                      <p:cBhvr>
+                                        <p:cTn id="89" dur="500"/>
+                                        <p:tgtEl>
+                                          <p:spTgt spid="33"/>
+                                        </p:tgtEl>
+                                      </p:cBhvr>
+                                    </p:animEffect>
+                                  </p:childTnLst>
+                                </p:cTn>
+                              </p:par>
+                            </p:childTnLst>
+                          </p:cTn>
+                        </p:par>
+                        <p:par>
+                          <p:cTn id="90" fill="hold">
+                            <p:stCondLst>
+                              <p:cond delay="9200"/>
+                            </p:stCondLst>
+                            <p:childTnLst>
+                              <p:par>
+                                <p:cTn id="91" presetID="12" presetClass="entr" presetSubtype="1" fill="hold" nodeType="afterEffect">
+                                  <p:stCondLst>
+                                    <p:cond delay="400"/>
+                                  </p:stCondLst>
+                                  <p:childTnLst>
+                                    <p:set>
+                                      <p:cBhvr>
+                                        <p:cTn id="92" dur="1" fill="hold">
+                                          <p:stCondLst>
+                                            <p:cond delay="0"/>
+                                          </p:stCondLst>
+                                        </p:cTn>
+                                        <p:tgtEl>
+                                          <p:spTgt spid="22"/>
+                                        </p:tgtEl>
+                                        <p:attrNameLst>
+                                          <p:attrName>style.visibility</p:attrName>
+                                        </p:attrNameLst>
+                                      </p:cBhvr>
+                                      <p:to>
+                                        <p:strVal val="visible"/>
+                                      </p:to>
+                                    </p:set>
+                                    <p:anim calcmode="lin" valueType="num">
+                                      <p:cBhvr additive="base">
+                                        <p:cTn id="93" dur="500"/>
+                                        <p:tgtEl>
+                                          <p:spTgt spid="22"/>
+                                        </p:tgtEl>
+                                        <p:attrNameLst>
+                                          <p:attrName>ppt_y</p:attrName>
+                                        </p:attrNameLst>
+                                      </p:cBhvr>
+                                      <p:tavLst>
+                                        <p:tav tm="0">
+                                          <p:val>
+                                            <p:strVal val="#ppt_y-#ppt_h*1.125000"/>
+                                          </p:val>
+                                        </p:tav>
+                                        <p:tav tm="100000">
+                                          <p:val>
+                                            <p:strVal val="#ppt_y"/>
+                                          </p:val>
+                                        </p:tav>
+                                      </p:tavLst>
+                                    </p:anim>
+                                    <p:animEffect transition="in" filter="wipe(down)">
+                                      <p:cBhvr>
+                                        <p:cTn id="94" dur="500"/>
+                                        <p:tgtEl>
+                                          <p:spTgt spid="22"/>
+                                        </p:tgtEl>
+                                      </p:cBhvr>
+                                    </p:animEffect>
+                                  </p:childTnLst>
+                                </p:cTn>
+                              </p:par>
+                            </p:childTnLst>
+                          </p:cTn>
+                        </p:par>
+                      </p:childTnLst>
+                    </p:cTn>
+                  </p:par>
+                </p:childTnLst>
+              </p:cTn>
+              <p:prevCondLst>
+                <p:cond evt="onPrev" delay="0">
+                  <p:tgtEl>
+                    <p:sldTgt/>
+                  </p:tgtEl>
+                </p:cond>
+              </p:prevCondLst>
+              <p:nextCondLst>
+                <p:cond evt="onNext" delay="0">
+                  <p:tgtEl>
+                    <p:sldTgt/>
+                  </p:tgtEl>
+                </p:cond>
+              </p:nextCondLst>
+            </p:seq>
+          </p:childTnLst>
+        </p:cTn>
+      </p:par>
+    </p:tnLst>
+    <p:bldLst>
+      <p:bldP spid="14" grpId="0" animBg="1"/>
+      <p:bldP spid="15" grpId="0" animBg="1"/>
+      <p:bldP spid="25" grpId="0" animBg="1"/>
+      <p:bldP spid="26" grpId="0" animBg="1"/>
+      <p:bldP spid="27" grpId="0" animBg="1"/>
+      <p:bldP spid="28" grpId="0" animBg="1"/>
+      <p:bldP spid="29" grpId="0" animBg="1"/>
+      <p:bldP spid="30" grpId="0" animBg="1"/>
+      <p:bldP spid="31" grpId="0" animBg="1"/>
+      <p:bldP spid="32" grpId="0" animBg="1"/>
+      <p:bldP spid="33" grpId="0" animBg="1"/>
+    </p:bldLst>
+  </p:timing>
 </p:sld>
 </file>
 
@@ -6154,10 +11483,10 @@
       </p:grpSpPr>
       <p:sp>
         <p:nvSpPr>
-          <p:cNvPr id="2" name="제목 1">
+          <p:cNvPr id="4" name="제목 3">
             <a:extLst>
               <a:ext uri="{FF2B5EF4-FFF2-40B4-BE49-F238E27FC236}">
-                <a16:creationId xmlns:a16="http://schemas.microsoft.com/office/drawing/2014/main" id="{180F9419-C650-4254-AB9C-3FE676C8B76C}"/>
+                <a16:creationId xmlns:a16="http://schemas.microsoft.com/office/drawing/2014/main" id="{2E59D981-36C2-4A38-A29E-527C91275220}"/>
               </a:ext>
             </a:extLst>
           </p:cNvPr>
@@ -6170,26 +11499,71 @@
         </p:nvSpPr>
         <p:spPr/>
         <p:txBody>
-          <a:bodyPr/>
+          <a:bodyPr>
+            <a:normAutofit fontScale="90000"/>
+          </a:bodyPr>
           <a:lstStyle/>
           <a:p>
             <a:r>
-              <a:rPr lang="en-US" altLang="ko-KR" dirty="0"/>
-              <a:t>5. </a:t>
+              <a:rPr lang="en-US" altLang="ko-KR" dirty="0">
+                <a:latin typeface="맑은고딕"/>
+              </a:rPr>
+              <a:t>Wire Frame</a:t>
             </a:r>
-            <a:r>
-              <a:rPr lang="ko-KR" altLang="en-US" dirty="0"/>
-              <a:t>기능 설명</a:t>
-            </a:r>
+            <a:endParaRPr lang="ko-KR" altLang="en-US" dirty="0">
+              <a:latin typeface="맑은고딕"/>
+            </a:endParaRPr>
           </a:p>
         </p:txBody>
       </p:sp>
+    </p:spTree>
+    <p:extLst>
+      <p:ext uri="{BB962C8B-B14F-4D97-AF65-F5344CB8AC3E}">
+        <p14:creationId xmlns:p14="http://schemas.microsoft.com/office/powerpoint/2010/main" val="1995435416"/>
+      </p:ext>
+    </p:extLst>
+  </p:cSld>
+  <p:clrMapOvr>
+    <a:masterClrMapping/>
+  </p:clrMapOvr>
+  <mc:AlternateContent xmlns:mc="http://schemas.openxmlformats.org/markup-compatibility/2006" xmlns:p14="http://schemas.microsoft.com/office/powerpoint/2010/main">
+    <mc:Choice Requires="p14">
+      <p:transition spd="slow" p14:dur="1250" advClick="0">
+        <p14:gallery dir="l"/>
+      </p:transition>
+    </mc:Choice>
+    <mc:Fallback xmlns="" xmlns:m="http://schemas.openxmlformats.org/officeDocument/2006/math" xmlns:w="http://schemas.openxmlformats.org/wordprocessingml/2006/main" xmlns:wp="http://schemas.openxmlformats.org/drawingml/2006/wordprocessingDrawing" xmlns:a14="http://schemas.microsoft.com/office/drawing/2010/main" xmlns:p15="http://schemas.microsoft.com/office/powerpoint/2012/main" xmlns:p159="http://schemas.microsoft.com/office/powerpoint/2015/09/main">
+      <p:transition spd="slow" advClick="0">
+        <p:fade/>
+      </p:transition>
+    </mc:Fallback>
+  </mc:AlternateContent>
+</p:sld>
+</file>
+
+<file path=ppt/slides/slide8.xml><?xml version="1.0" encoding="utf-8"?>
+<p:sld xmlns:a="http://schemas.openxmlformats.org/drawingml/2006/main" xmlns:r="http://schemas.openxmlformats.org/officeDocument/2006/relationships" xmlns:p="http://schemas.openxmlformats.org/presentationml/2006/main">
+  <p:cSld>
+    <p:spTree>
+      <p:nvGrpSpPr>
+        <p:cNvPr id="1" name=""/>
+        <p:cNvGrpSpPr/>
+        <p:nvPr/>
+      </p:nvGrpSpPr>
+      <p:grpSpPr>
+        <a:xfrm>
+          <a:off x="0" y="0"/>
+          <a:ext cx="0" cy="0"/>
+          <a:chOff x="0" y="0"/>
+          <a:chExt cx="0" cy="0"/>
+        </a:xfrm>
+      </p:grpSpPr>
       <p:sp>
         <p:nvSpPr>
-          <p:cNvPr id="3" name="텍스트 개체 틀 2">
+          <p:cNvPr id="4" name="제목 3">
             <a:extLst>
               <a:ext uri="{FF2B5EF4-FFF2-40B4-BE49-F238E27FC236}">
-                <a16:creationId xmlns:a16="http://schemas.microsoft.com/office/drawing/2014/main" id="{9B37A7F3-F4A4-4F26-9993-8FCC40E94655}"/>
+                <a16:creationId xmlns:a16="http://schemas.microsoft.com/office/drawing/2014/main" id="{9516BA3D-65EF-44BB-B499-887399C4083C}"/>
               </a:ext>
             </a:extLst>
           </p:cNvPr>
@@ -6197,22 +11571,1188 @@
             <a:spLocks noGrp="1"/>
           </p:cNvSpPr>
           <p:nvPr>
-            <p:ph type="body" sz="quarter" idx="10"/>
+            <p:ph type="title"/>
           </p:nvPr>
         </p:nvSpPr>
         <p:spPr/>
         <p:txBody>
-          <a:bodyPr/>
+          <a:bodyPr>
+            <a:normAutofit fontScale="90000"/>
+          </a:bodyPr>
           <a:lstStyle/>
           <a:p>
-            <a:endParaRPr lang="ko-KR" altLang="en-US" dirty="0"/>
+            <a:r>
+              <a:rPr lang="en-US" altLang="ko-KR" dirty="0">
+                <a:latin typeface="맑은고딕"/>
+              </a:rPr>
+              <a:t>URL MAPPING</a:t>
+            </a:r>
+            <a:endParaRPr lang="ko-KR" altLang="en-US" dirty="0">
+              <a:latin typeface="맑은고딕"/>
+            </a:endParaRPr>
+          </a:p>
+        </p:txBody>
+      </p:sp>
+      <p:grpSp>
+        <p:nvGrpSpPr>
+          <p:cNvPr id="46" name="그룹 45">
+            <a:extLst>
+              <a:ext uri="{FF2B5EF4-FFF2-40B4-BE49-F238E27FC236}">
+                <a16:creationId xmlns:a16="http://schemas.microsoft.com/office/drawing/2014/main" id="{7E3CD143-CDCE-4517-99C3-0977DAF7AC73}"/>
+              </a:ext>
+            </a:extLst>
+          </p:cNvPr>
+          <p:cNvGrpSpPr/>
+          <p:nvPr/>
+        </p:nvGrpSpPr>
+        <p:grpSpPr>
+          <a:xfrm>
+            <a:off x="956077" y="1629200"/>
+            <a:ext cx="9872961" cy="4234559"/>
+            <a:chOff x="956077" y="1629200"/>
+            <a:chExt cx="9872961" cy="4234559"/>
+          </a:xfrm>
+        </p:grpSpPr>
+        <p:sp>
+          <p:nvSpPr>
+            <p:cNvPr id="5" name="TextBox 4">
+              <a:extLst>
+                <a:ext uri="{FF2B5EF4-FFF2-40B4-BE49-F238E27FC236}">
+                  <a16:creationId xmlns:a16="http://schemas.microsoft.com/office/drawing/2014/main" id="{A927A0BE-6310-49CD-A46D-E7F6E5CFC94F}"/>
+                </a:ext>
+              </a:extLst>
+            </p:cNvPr>
+            <p:cNvSpPr txBox="1"/>
+            <p:nvPr/>
+          </p:nvSpPr>
+          <p:spPr>
+            <a:xfrm>
+              <a:off x="4209802" y="1629200"/>
+              <a:ext cx="780983" cy="338554"/>
+            </a:xfrm>
+            <a:prstGeom prst="rect">
+              <a:avLst/>
+            </a:prstGeom>
+            <a:noFill/>
+          </p:spPr>
+          <p:txBody>
+            <a:bodyPr wrap="none" rtlCol="0">
+              <a:spAutoFit/>
+            </a:bodyPr>
+            <a:lstStyle/>
+            <a:p>
+              <a:r>
+                <a:rPr lang="en-US" altLang="ko-KR" sz="1600" dirty="0">
+                  <a:latin typeface="+mj-ea"/>
+                  <a:ea typeface="+mj-ea"/>
+                </a:rPr>
+                <a:t>/Login</a:t>
+              </a:r>
+              <a:endParaRPr lang="ko-KR" altLang="en-US" sz="1600" dirty="0">
+                <a:latin typeface="+mj-ea"/>
+                <a:ea typeface="+mj-ea"/>
+              </a:endParaRPr>
+            </a:p>
+          </p:txBody>
+        </p:sp>
+        <p:sp>
+          <p:nvSpPr>
+            <p:cNvPr id="7" name="TextBox 6">
+              <a:extLst>
+                <a:ext uri="{FF2B5EF4-FFF2-40B4-BE49-F238E27FC236}">
+                  <a16:creationId xmlns:a16="http://schemas.microsoft.com/office/drawing/2014/main" id="{E52DCC07-DA2A-40CE-A719-E2910C12A50A}"/>
+                </a:ext>
+              </a:extLst>
+            </p:cNvPr>
+            <p:cNvSpPr txBox="1"/>
+            <p:nvPr/>
+          </p:nvSpPr>
+          <p:spPr>
+            <a:xfrm>
+              <a:off x="4209802" y="2045304"/>
+              <a:ext cx="1888594" cy="338554"/>
+            </a:xfrm>
+            <a:prstGeom prst="rect">
+              <a:avLst/>
+            </a:prstGeom>
+            <a:noFill/>
+          </p:spPr>
+          <p:txBody>
+            <a:bodyPr wrap="none" rtlCol="0">
+              <a:spAutoFit/>
+            </a:bodyPr>
+            <a:lstStyle/>
+            <a:p>
+              <a:r>
+                <a:rPr lang="en-US" altLang="ko-KR" sz="1600" dirty="0">
+                  <a:latin typeface="+mj-ea"/>
+                  <a:ea typeface="+mj-ea"/>
+                </a:rPr>
+                <a:t>/Register/personal</a:t>
+              </a:r>
+              <a:endParaRPr lang="ko-KR" altLang="en-US" sz="1600" dirty="0">
+                <a:latin typeface="+mj-ea"/>
+                <a:ea typeface="+mj-ea"/>
+              </a:endParaRPr>
+            </a:p>
+          </p:txBody>
+        </p:sp>
+        <p:sp>
+          <p:nvSpPr>
+            <p:cNvPr id="8" name="TextBox 7">
+              <a:extLst>
+                <a:ext uri="{FF2B5EF4-FFF2-40B4-BE49-F238E27FC236}">
+                  <a16:creationId xmlns:a16="http://schemas.microsoft.com/office/drawing/2014/main" id="{E5B0D13A-B35F-45F6-8BE2-470733F6AC91}"/>
+                </a:ext>
+              </a:extLst>
+            </p:cNvPr>
+            <p:cNvSpPr txBox="1"/>
+            <p:nvPr/>
+          </p:nvSpPr>
+          <p:spPr>
+            <a:xfrm>
+              <a:off x="4209802" y="2312909"/>
+              <a:ext cx="1991186" cy="338554"/>
+            </a:xfrm>
+            <a:prstGeom prst="rect">
+              <a:avLst/>
+            </a:prstGeom>
+            <a:noFill/>
+          </p:spPr>
+          <p:txBody>
+            <a:bodyPr wrap="none" rtlCol="0">
+              <a:spAutoFit/>
+            </a:bodyPr>
+            <a:lstStyle/>
+            <a:p>
+              <a:r>
+                <a:rPr lang="en-US" altLang="ko-KR" sz="1600" dirty="0">
+                  <a:latin typeface="+mj-ea"/>
+                  <a:ea typeface="+mj-ea"/>
+                </a:rPr>
+                <a:t>/Register/corporate</a:t>
+              </a:r>
+              <a:endParaRPr lang="ko-KR" altLang="en-US" sz="1600" dirty="0">
+                <a:latin typeface="+mj-ea"/>
+                <a:ea typeface="+mj-ea"/>
+              </a:endParaRPr>
+            </a:p>
+          </p:txBody>
+        </p:sp>
+        <p:sp>
+          <p:nvSpPr>
+            <p:cNvPr id="9" name="TextBox 8">
+              <a:extLst>
+                <a:ext uri="{FF2B5EF4-FFF2-40B4-BE49-F238E27FC236}">
+                  <a16:creationId xmlns:a16="http://schemas.microsoft.com/office/drawing/2014/main" id="{C99F23EE-DF3F-47D8-99ED-E1D6D3CF745A}"/>
+                </a:ext>
+              </a:extLst>
+            </p:cNvPr>
+            <p:cNvSpPr txBox="1"/>
+            <p:nvPr/>
+          </p:nvSpPr>
+          <p:spPr>
+            <a:xfrm>
+              <a:off x="4209802" y="2580514"/>
+              <a:ext cx="1650195" cy="338554"/>
+            </a:xfrm>
+            <a:prstGeom prst="rect">
+              <a:avLst/>
+            </a:prstGeom>
+            <a:noFill/>
+          </p:spPr>
+          <p:txBody>
+            <a:bodyPr wrap="none" rtlCol="0">
+              <a:spAutoFit/>
+            </a:bodyPr>
+            <a:lstStyle/>
+            <a:p>
+              <a:r>
+                <a:rPr lang="en-US" altLang="ko-KR" sz="1600" dirty="0">
+                  <a:latin typeface="+mj-ea"/>
+                  <a:ea typeface="+mj-ea"/>
+                </a:rPr>
+                <a:t>/Register/group</a:t>
+              </a:r>
+              <a:endParaRPr lang="ko-KR" altLang="en-US" sz="1600" dirty="0">
+                <a:latin typeface="+mj-ea"/>
+                <a:ea typeface="+mj-ea"/>
+              </a:endParaRPr>
+            </a:p>
+          </p:txBody>
+        </p:sp>
+        <p:sp>
+          <p:nvSpPr>
+            <p:cNvPr id="10" name="TextBox 9">
+              <a:extLst>
+                <a:ext uri="{FF2B5EF4-FFF2-40B4-BE49-F238E27FC236}">
+                  <a16:creationId xmlns:a16="http://schemas.microsoft.com/office/drawing/2014/main" id="{0AC47CE4-DF82-4746-81FC-72EE5DEAD0A7}"/>
+                </a:ext>
+              </a:extLst>
+            </p:cNvPr>
+            <p:cNvSpPr txBox="1"/>
+            <p:nvPr/>
+          </p:nvSpPr>
+          <p:spPr>
+            <a:xfrm>
+              <a:off x="4209802" y="3392078"/>
+              <a:ext cx="1174039" cy="338554"/>
+            </a:xfrm>
+            <a:prstGeom prst="rect">
+              <a:avLst/>
+            </a:prstGeom>
+            <a:noFill/>
+          </p:spPr>
+          <p:txBody>
+            <a:bodyPr wrap="none" rtlCol="0">
+              <a:spAutoFit/>
+            </a:bodyPr>
+            <a:lstStyle/>
+            <a:p>
+              <a:r>
+                <a:rPr lang="en-US" altLang="ko-KR" sz="1600" dirty="0">
+                  <a:latin typeface="+mj-ea"/>
+                  <a:ea typeface="+mj-ea"/>
+                </a:rPr>
+                <a:t>/campaign</a:t>
+              </a:r>
+              <a:endParaRPr lang="ko-KR" altLang="en-US" sz="1600" dirty="0">
+                <a:latin typeface="+mj-ea"/>
+                <a:ea typeface="+mj-ea"/>
+              </a:endParaRPr>
+            </a:p>
+          </p:txBody>
+        </p:sp>
+        <p:sp>
+          <p:nvSpPr>
+            <p:cNvPr id="11" name="TextBox 10">
+              <a:extLst>
+                <a:ext uri="{FF2B5EF4-FFF2-40B4-BE49-F238E27FC236}">
+                  <a16:creationId xmlns:a16="http://schemas.microsoft.com/office/drawing/2014/main" id="{9953F7AD-0F4E-4368-A448-DCA724A03C30}"/>
+                </a:ext>
+              </a:extLst>
+            </p:cNvPr>
+            <p:cNvSpPr txBox="1"/>
+            <p:nvPr/>
+          </p:nvSpPr>
+          <p:spPr>
+            <a:xfrm>
+              <a:off x="6110244" y="3741196"/>
+              <a:ext cx="2071721" cy="338554"/>
+            </a:xfrm>
+            <a:prstGeom prst="rect">
+              <a:avLst/>
+            </a:prstGeom>
+            <a:noFill/>
+          </p:spPr>
+          <p:txBody>
+            <a:bodyPr wrap="none" rtlCol="0">
+              <a:spAutoFit/>
+            </a:bodyPr>
+            <a:lstStyle/>
+            <a:p>
+              <a:r>
+                <a:rPr lang="en-US" altLang="ko-KR" sz="1600" dirty="0">
+                  <a:latin typeface="+mj-ea"/>
+                  <a:ea typeface="+mj-ea"/>
+                </a:rPr>
+                <a:t>/campaign/detail/:id</a:t>
+              </a:r>
+              <a:endParaRPr lang="ko-KR" altLang="en-US" sz="1600" dirty="0">
+                <a:latin typeface="+mj-ea"/>
+                <a:ea typeface="+mj-ea"/>
+              </a:endParaRPr>
+            </a:p>
+          </p:txBody>
+        </p:sp>
+        <p:sp>
+          <p:nvSpPr>
+            <p:cNvPr id="12" name="TextBox 11">
+              <a:extLst>
+                <a:ext uri="{FF2B5EF4-FFF2-40B4-BE49-F238E27FC236}">
+                  <a16:creationId xmlns:a16="http://schemas.microsoft.com/office/drawing/2014/main" id="{1859284C-9088-4771-898F-EC7E1973ED44}"/>
+                </a:ext>
+              </a:extLst>
+            </p:cNvPr>
+            <p:cNvSpPr txBox="1"/>
+            <p:nvPr/>
+          </p:nvSpPr>
+          <p:spPr>
+            <a:xfrm>
+              <a:off x="8829836" y="4080934"/>
+              <a:ext cx="1999202" cy="338554"/>
+            </a:xfrm>
+            <a:prstGeom prst="rect">
+              <a:avLst/>
+            </a:prstGeom>
+            <a:noFill/>
+          </p:spPr>
+          <p:txBody>
+            <a:bodyPr wrap="none" rtlCol="0">
+              <a:spAutoFit/>
+            </a:bodyPr>
+            <a:lstStyle/>
+            <a:p>
+              <a:r>
+                <a:rPr lang="en-US" altLang="ko-KR" sz="1600" dirty="0">
+                  <a:latin typeface="+mj-ea"/>
+                  <a:ea typeface="+mj-ea"/>
+                </a:rPr>
+                <a:t>/campaign/form/:id</a:t>
+              </a:r>
+              <a:endParaRPr lang="ko-KR" altLang="en-US" sz="1600" dirty="0">
+                <a:latin typeface="+mj-ea"/>
+                <a:ea typeface="+mj-ea"/>
+              </a:endParaRPr>
+            </a:p>
+          </p:txBody>
+        </p:sp>
+        <p:sp>
+          <p:nvSpPr>
+            <p:cNvPr id="13" name="TextBox 12">
+              <a:extLst>
+                <a:ext uri="{FF2B5EF4-FFF2-40B4-BE49-F238E27FC236}">
+                  <a16:creationId xmlns:a16="http://schemas.microsoft.com/office/drawing/2014/main" id="{9608C900-732D-4F4E-910C-0ADB2DFC4EBA}"/>
+                </a:ext>
+              </a:extLst>
+            </p:cNvPr>
+            <p:cNvSpPr txBox="1"/>
+            <p:nvPr/>
+          </p:nvSpPr>
+          <p:spPr>
+            <a:xfrm>
+              <a:off x="4209802" y="4765326"/>
+              <a:ext cx="1765227" cy="338554"/>
+            </a:xfrm>
+            <a:prstGeom prst="rect">
+              <a:avLst/>
+            </a:prstGeom>
+            <a:noFill/>
+          </p:spPr>
+          <p:txBody>
+            <a:bodyPr wrap="none" rtlCol="0">
+              <a:spAutoFit/>
+            </a:bodyPr>
+            <a:lstStyle/>
+            <a:p>
+              <a:r>
+                <a:rPr lang="en-US" altLang="ko-KR" sz="1600" dirty="0">
+                  <a:latin typeface="+mj-ea"/>
+                  <a:ea typeface="+mj-ea"/>
+                </a:rPr>
+                <a:t>/</a:t>
+              </a:r>
+              <a:r>
+                <a:rPr lang="en-US" altLang="ko-KR" sz="1600" dirty="0" err="1">
+                  <a:latin typeface="+mj-ea"/>
+                  <a:ea typeface="+mj-ea"/>
+                </a:rPr>
+                <a:t>carbonFootprint</a:t>
+              </a:r>
+              <a:endParaRPr lang="ko-KR" altLang="en-US" sz="1600" dirty="0">
+                <a:latin typeface="+mj-ea"/>
+                <a:ea typeface="+mj-ea"/>
+              </a:endParaRPr>
+            </a:p>
+          </p:txBody>
+        </p:sp>
+        <p:sp>
+          <p:nvSpPr>
+            <p:cNvPr id="14" name="TextBox 13">
+              <a:extLst>
+                <a:ext uri="{FF2B5EF4-FFF2-40B4-BE49-F238E27FC236}">
+                  <a16:creationId xmlns:a16="http://schemas.microsoft.com/office/drawing/2014/main" id="{6E23F1BE-BF83-4367-B0E7-0569C233B856}"/>
+                </a:ext>
+              </a:extLst>
+            </p:cNvPr>
+            <p:cNvSpPr txBox="1"/>
+            <p:nvPr/>
+          </p:nvSpPr>
+          <p:spPr>
+            <a:xfrm>
+              <a:off x="4209802" y="5525205"/>
+              <a:ext cx="1010533" cy="338554"/>
+            </a:xfrm>
+            <a:prstGeom prst="rect">
+              <a:avLst/>
+            </a:prstGeom>
+            <a:noFill/>
+          </p:spPr>
+          <p:txBody>
+            <a:bodyPr wrap="none" rtlCol="0">
+              <a:spAutoFit/>
+            </a:bodyPr>
+            <a:lstStyle/>
+            <a:p>
+              <a:r>
+                <a:rPr lang="en-US" altLang="ko-KR" sz="1600" dirty="0">
+                  <a:latin typeface="+mj-ea"/>
+                  <a:ea typeface="+mj-ea"/>
+                </a:rPr>
+                <a:t>/</a:t>
+              </a:r>
+              <a:r>
+                <a:rPr lang="en-US" altLang="ko-KR" sz="1600" dirty="0" err="1">
+                  <a:latin typeface="+mj-ea"/>
+                  <a:ea typeface="+mj-ea"/>
+                </a:rPr>
+                <a:t>mypage</a:t>
+              </a:r>
+              <a:endParaRPr lang="ko-KR" altLang="en-US" sz="1600" dirty="0">
+                <a:latin typeface="+mj-ea"/>
+                <a:ea typeface="+mj-ea"/>
+              </a:endParaRPr>
+            </a:p>
+          </p:txBody>
+        </p:sp>
+        <p:sp>
+          <p:nvSpPr>
+            <p:cNvPr id="15" name="TextBox 14">
+              <a:extLst>
+                <a:ext uri="{FF2B5EF4-FFF2-40B4-BE49-F238E27FC236}">
+                  <a16:creationId xmlns:a16="http://schemas.microsoft.com/office/drawing/2014/main" id="{0EF40F83-AECF-45B2-92C0-935F136EF338}"/>
+                </a:ext>
+              </a:extLst>
+            </p:cNvPr>
+            <p:cNvSpPr txBox="1"/>
+            <p:nvPr/>
+          </p:nvSpPr>
+          <p:spPr>
+            <a:xfrm>
+              <a:off x="8829836" y="3741196"/>
+              <a:ext cx="1913024" cy="338554"/>
+            </a:xfrm>
+            <a:prstGeom prst="rect">
+              <a:avLst/>
+            </a:prstGeom>
+            <a:noFill/>
+          </p:spPr>
+          <p:txBody>
+            <a:bodyPr wrap="none" rtlCol="0">
+              <a:spAutoFit/>
+            </a:bodyPr>
+            <a:lstStyle/>
+            <a:p>
+              <a:r>
+                <a:rPr lang="en-US" altLang="ko-KR" sz="1600" dirty="0">
+                  <a:latin typeface="+mj-ea"/>
+                  <a:ea typeface="+mj-ea"/>
+                </a:rPr>
+                <a:t>/campaign/edit/:id</a:t>
+              </a:r>
+              <a:endParaRPr lang="ko-KR" altLang="en-US" sz="1600" dirty="0">
+                <a:latin typeface="+mj-ea"/>
+                <a:ea typeface="+mj-ea"/>
+              </a:endParaRPr>
+            </a:p>
+          </p:txBody>
+        </p:sp>
+        <p:sp>
+          <p:nvSpPr>
+            <p:cNvPr id="16" name="TextBox 15">
+              <a:extLst>
+                <a:ext uri="{FF2B5EF4-FFF2-40B4-BE49-F238E27FC236}">
+                  <a16:creationId xmlns:a16="http://schemas.microsoft.com/office/drawing/2014/main" id="{B84C6FE9-B917-4C83-BEA2-83A6AA9849D0}"/>
+                </a:ext>
+              </a:extLst>
+            </p:cNvPr>
+            <p:cNvSpPr txBox="1"/>
+            <p:nvPr/>
+          </p:nvSpPr>
+          <p:spPr>
+            <a:xfrm>
+              <a:off x="6110244" y="3392078"/>
+              <a:ext cx="1709314" cy="338554"/>
+            </a:xfrm>
+            <a:prstGeom prst="rect">
+              <a:avLst/>
+            </a:prstGeom>
+            <a:noFill/>
+          </p:spPr>
+          <p:txBody>
+            <a:bodyPr wrap="none" rtlCol="0">
+              <a:spAutoFit/>
+            </a:bodyPr>
+            <a:lstStyle/>
+            <a:p>
+              <a:r>
+                <a:rPr lang="en-US" altLang="ko-KR" sz="1600" dirty="0">
+                  <a:latin typeface="+mj-ea"/>
+                  <a:ea typeface="+mj-ea"/>
+                </a:rPr>
+                <a:t>/campaign/write</a:t>
+              </a:r>
+              <a:endParaRPr lang="ko-KR" altLang="en-US" sz="1600" dirty="0">
+                <a:latin typeface="+mj-ea"/>
+                <a:ea typeface="+mj-ea"/>
+              </a:endParaRPr>
+            </a:p>
+          </p:txBody>
+        </p:sp>
+        <p:cxnSp>
+          <p:nvCxnSpPr>
+            <p:cNvPr id="21" name="직선 화살표 연결선 20">
+              <a:extLst>
+                <a:ext uri="{FF2B5EF4-FFF2-40B4-BE49-F238E27FC236}">
+                  <a16:creationId xmlns:a16="http://schemas.microsoft.com/office/drawing/2014/main" id="{A5883CC8-0EF3-4B71-9B57-EAD4E50449E6}"/>
+                </a:ext>
+              </a:extLst>
+            </p:cNvPr>
+            <p:cNvCxnSpPr>
+              <a:stCxn id="10" idx="3"/>
+              <a:endCxn id="16" idx="1"/>
+            </p:cNvCxnSpPr>
+            <p:nvPr/>
+          </p:nvCxnSpPr>
+          <p:spPr>
+            <a:xfrm>
+              <a:off x="5383841" y="3561355"/>
+              <a:ext cx="726403" cy="0"/>
+            </a:xfrm>
+            <a:prstGeom prst="straightConnector1">
+              <a:avLst/>
+            </a:prstGeom>
+            <a:ln>
+              <a:tailEnd type="triangle"/>
+            </a:ln>
+          </p:spPr>
+          <p:style>
+            <a:lnRef idx="1">
+              <a:schemeClr val="accent1"/>
+            </a:lnRef>
+            <a:fillRef idx="0">
+              <a:schemeClr val="accent1"/>
+            </a:fillRef>
+            <a:effectRef idx="0">
+              <a:schemeClr val="accent1"/>
+            </a:effectRef>
+            <a:fontRef idx="minor">
+              <a:schemeClr val="tx1"/>
+            </a:fontRef>
+          </p:style>
+        </p:cxnSp>
+        <p:cxnSp>
+          <p:nvCxnSpPr>
+            <p:cNvPr id="23" name="직선 화살표 연결선 22">
+              <a:extLst>
+                <a:ext uri="{FF2B5EF4-FFF2-40B4-BE49-F238E27FC236}">
+                  <a16:creationId xmlns:a16="http://schemas.microsoft.com/office/drawing/2014/main" id="{1D31084D-A330-4F64-9CE7-873EC34CC32D}"/>
+                </a:ext>
+              </a:extLst>
+            </p:cNvPr>
+            <p:cNvCxnSpPr>
+              <a:stCxn id="11" idx="3"/>
+              <a:endCxn id="15" idx="1"/>
+            </p:cNvCxnSpPr>
+            <p:nvPr/>
+          </p:nvCxnSpPr>
+          <p:spPr>
+            <a:xfrm>
+              <a:off x="8181965" y="3910473"/>
+              <a:ext cx="647871" cy="0"/>
+            </a:xfrm>
+            <a:prstGeom prst="straightConnector1">
+              <a:avLst/>
+            </a:prstGeom>
+            <a:ln>
+              <a:tailEnd type="triangle"/>
+            </a:ln>
+          </p:spPr>
+          <p:style>
+            <a:lnRef idx="1">
+              <a:schemeClr val="accent1"/>
+            </a:lnRef>
+            <a:fillRef idx="0">
+              <a:schemeClr val="accent1"/>
+            </a:fillRef>
+            <a:effectRef idx="0">
+              <a:schemeClr val="accent1"/>
+            </a:effectRef>
+            <a:fontRef idx="minor">
+              <a:schemeClr val="tx1"/>
+            </a:fontRef>
+          </p:style>
+        </p:cxnSp>
+        <p:cxnSp>
+          <p:nvCxnSpPr>
+            <p:cNvPr id="25" name="연결선: 꺾임 24">
+              <a:extLst>
+                <a:ext uri="{FF2B5EF4-FFF2-40B4-BE49-F238E27FC236}">
+                  <a16:creationId xmlns:a16="http://schemas.microsoft.com/office/drawing/2014/main" id="{F66F7A8D-095F-4A32-A29F-980F54C68D2B}"/>
+                </a:ext>
+              </a:extLst>
+            </p:cNvPr>
+            <p:cNvCxnSpPr>
+              <a:stCxn id="11" idx="3"/>
+              <a:endCxn id="12" idx="1"/>
+            </p:cNvCxnSpPr>
+            <p:nvPr/>
+          </p:nvCxnSpPr>
+          <p:spPr>
+            <a:xfrm>
+              <a:off x="8181965" y="3910473"/>
+              <a:ext cx="647871" cy="339738"/>
+            </a:xfrm>
+            <a:prstGeom prst="bentConnector3">
+              <a:avLst/>
+            </a:prstGeom>
+            <a:ln>
+              <a:tailEnd type="triangle"/>
+            </a:ln>
+          </p:spPr>
+          <p:style>
+            <a:lnRef idx="1">
+              <a:schemeClr val="accent1"/>
+            </a:lnRef>
+            <a:fillRef idx="0">
+              <a:schemeClr val="accent1"/>
+            </a:fillRef>
+            <a:effectRef idx="0">
+              <a:schemeClr val="accent1"/>
+            </a:effectRef>
+            <a:fontRef idx="minor">
+              <a:schemeClr val="tx1"/>
+            </a:fontRef>
+          </p:style>
+        </p:cxnSp>
+        <p:cxnSp>
+          <p:nvCxnSpPr>
+            <p:cNvPr id="27" name="연결선: 꺾임 26">
+              <a:extLst>
+                <a:ext uri="{FF2B5EF4-FFF2-40B4-BE49-F238E27FC236}">
+                  <a16:creationId xmlns:a16="http://schemas.microsoft.com/office/drawing/2014/main" id="{7CADFF96-2C94-4080-92A7-09C15B6CFB2E}"/>
+                </a:ext>
+              </a:extLst>
+            </p:cNvPr>
+            <p:cNvCxnSpPr>
+              <a:stCxn id="10" idx="3"/>
+              <a:endCxn id="11" idx="1"/>
+            </p:cNvCxnSpPr>
+            <p:nvPr/>
+          </p:nvCxnSpPr>
+          <p:spPr>
+            <a:xfrm>
+              <a:off x="5383841" y="3561355"/>
+              <a:ext cx="726403" cy="349118"/>
+            </a:xfrm>
+            <a:prstGeom prst="bentConnector3">
+              <a:avLst/>
+            </a:prstGeom>
+            <a:ln>
+              <a:tailEnd type="triangle"/>
+            </a:ln>
+          </p:spPr>
+          <p:style>
+            <a:lnRef idx="1">
+              <a:schemeClr val="accent1"/>
+            </a:lnRef>
+            <a:fillRef idx="0">
+              <a:schemeClr val="accent1"/>
+            </a:fillRef>
+            <a:effectRef idx="0">
+              <a:schemeClr val="accent1"/>
+            </a:effectRef>
+            <a:fontRef idx="minor">
+              <a:schemeClr val="tx1"/>
+            </a:fontRef>
+          </p:style>
+        </p:cxnSp>
+        <p:sp>
+          <p:nvSpPr>
+            <p:cNvPr id="31" name="제목 3">
+              <a:extLst>
+                <a:ext uri="{FF2B5EF4-FFF2-40B4-BE49-F238E27FC236}">
+                  <a16:creationId xmlns:a16="http://schemas.microsoft.com/office/drawing/2014/main" id="{4623F2E3-3140-491F-8ECB-72E28F541FAF}"/>
+                </a:ext>
+              </a:extLst>
+            </p:cNvPr>
+            <p:cNvSpPr txBox="1">
+              <a:spLocks/>
+            </p:cNvSpPr>
+            <p:nvPr/>
+          </p:nvSpPr>
+          <p:spPr>
+            <a:xfrm>
+              <a:off x="956077" y="3105841"/>
+              <a:ext cx="1068266" cy="426183"/>
+            </a:xfrm>
+            <a:prstGeom prst="rect">
+              <a:avLst/>
+            </a:prstGeom>
+          </p:spPr>
+          <p:txBody>
+            <a:bodyPr vert="horz" lIns="91440" tIns="45720" rIns="91440" bIns="45720" rtlCol="0" anchor="t">
+              <a:normAutofit fontScale="90000" lnSpcReduction="10000"/>
+            </a:bodyPr>
+            <a:lstStyle>
+              <a:lvl1pPr algn="l" defTabSz="914400" rtl="0" eaLnBrk="1" latinLnBrk="1" hangingPunct="1">
+                <a:lnSpc>
+                  <a:spcPct val="90000"/>
+                </a:lnSpc>
+                <a:spcBef>
+                  <a:spcPct val="0"/>
+                </a:spcBef>
+                <a:buNone/>
+                <a:defRPr sz="2800" b="1" kern="1200">
+                  <a:solidFill>
+                    <a:schemeClr val="accent4">
+                      <a:lumMod val="75000"/>
+                    </a:schemeClr>
+                  </a:solidFill>
+                  <a:effectLst>
+                    <a:outerShdw blurRad="38100" dist="38100" dir="2700000" algn="tl">
+                      <a:srgbClr val="000000">
+                        <a:alpha val="43137"/>
+                      </a:srgbClr>
+                    </a:outerShdw>
+                  </a:effectLst>
+                  <a:latin typeface="+mj-lt"/>
+                  <a:ea typeface="+mj-ea"/>
+                  <a:cs typeface="+mj-cs"/>
+                </a:defRPr>
+              </a:lvl1pPr>
+            </a:lstStyle>
+            <a:p>
+              <a:pPr algn="ctr"/>
+              <a:r>
+                <a:rPr lang="en-US" altLang="ko-KR" dirty="0">
+                  <a:latin typeface="맑은고딕"/>
+                </a:rPr>
+                <a:t>User</a:t>
+              </a:r>
+              <a:endParaRPr lang="ko-KR" altLang="en-US" dirty="0">
+                <a:latin typeface="맑은고딕"/>
+              </a:endParaRPr>
+            </a:p>
+          </p:txBody>
+        </p:sp>
+        <p:cxnSp>
+          <p:nvCxnSpPr>
+            <p:cNvPr id="33" name="연결선: 꺾임 32">
+              <a:extLst>
+                <a:ext uri="{FF2B5EF4-FFF2-40B4-BE49-F238E27FC236}">
+                  <a16:creationId xmlns:a16="http://schemas.microsoft.com/office/drawing/2014/main" id="{93FF7BC4-9688-4DDD-A11C-6ABC2388D688}"/>
+                </a:ext>
+              </a:extLst>
+            </p:cNvPr>
+            <p:cNvCxnSpPr>
+              <a:stCxn id="31" idx="3"/>
+              <a:endCxn id="5" idx="1"/>
+            </p:cNvCxnSpPr>
+            <p:nvPr/>
+          </p:nvCxnSpPr>
+          <p:spPr>
+            <a:xfrm flipV="1">
+              <a:off x="2024343" y="1798477"/>
+              <a:ext cx="2185459" cy="1520456"/>
+            </a:xfrm>
+            <a:prstGeom prst="bentConnector3">
+              <a:avLst/>
+            </a:prstGeom>
+            <a:ln>
+              <a:tailEnd type="triangle"/>
+            </a:ln>
+          </p:spPr>
+          <p:style>
+            <a:lnRef idx="1">
+              <a:schemeClr val="accent1"/>
+            </a:lnRef>
+            <a:fillRef idx="0">
+              <a:schemeClr val="accent1"/>
+            </a:fillRef>
+            <a:effectRef idx="0">
+              <a:schemeClr val="accent1"/>
+            </a:effectRef>
+            <a:fontRef idx="minor">
+              <a:schemeClr val="tx1"/>
+            </a:fontRef>
+          </p:style>
+        </p:cxnSp>
+        <p:cxnSp>
+          <p:nvCxnSpPr>
+            <p:cNvPr id="35" name="연결선: 꺾임 34">
+              <a:extLst>
+                <a:ext uri="{FF2B5EF4-FFF2-40B4-BE49-F238E27FC236}">
+                  <a16:creationId xmlns:a16="http://schemas.microsoft.com/office/drawing/2014/main" id="{CA935610-13BF-41B9-A054-3149B832C10A}"/>
+                </a:ext>
+              </a:extLst>
+            </p:cNvPr>
+            <p:cNvCxnSpPr>
+              <a:stCxn id="31" idx="3"/>
+              <a:endCxn id="7" idx="1"/>
+            </p:cNvCxnSpPr>
+            <p:nvPr/>
+          </p:nvCxnSpPr>
+          <p:spPr>
+            <a:xfrm flipV="1">
+              <a:off x="2024343" y="2214581"/>
+              <a:ext cx="2185459" cy="1104352"/>
+            </a:xfrm>
+            <a:prstGeom prst="bentConnector3">
+              <a:avLst/>
+            </a:prstGeom>
+            <a:ln>
+              <a:tailEnd type="triangle"/>
+            </a:ln>
+          </p:spPr>
+          <p:style>
+            <a:lnRef idx="1">
+              <a:schemeClr val="accent1"/>
+            </a:lnRef>
+            <a:fillRef idx="0">
+              <a:schemeClr val="accent1"/>
+            </a:fillRef>
+            <a:effectRef idx="0">
+              <a:schemeClr val="accent1"/>
+            </a:effectRef>
+            <a:fontRef idx="minor">
+              <a:schemeClr val="tx1"/>
+            </a:fontRef>
+          </p:style>
+        </p:cxnSp>
+        <p:cxnSp>
+          <p:nvCxnSpPr>
+            <p:cNvPr id="37" name="연결선: 꺾임 36">
+              <a:extLst>
+                <a:ext uri="{FF2B5EF4-FFF2-40B4-BE49-F238E27FC236}">
+                  <a16:creationId xmlns:a16="http://schemas.microsoft.com/office/drawing/2014/main" id="{39D719D6-758A-4451-98CA-071B81041D69}"/>
+                </a:ext>
+              </a:extLst>
+            </p:cNvPr>
+            <p:cNvCxnSpPr>
+              <a:stCxn id="31" idx="3"/>
+              <a:endCxn id="8" idx="1"/>
+            </p:cNvCxnSpPr>
+            <p:nvPr/>
+          </p:nvCxnSpPr>
+          <p:spPr>
+            <a:xfrm flipV="1">
+              <a:off x="2024343" y="2482186"/>
+              <a:ext cx="2185459" cy="836747"/>
+            </a:xfrm>
+            <a:prstGeom prst="bentConnector3">
+              <a:avLst/>
+            </a:prstGeom>
+            <a:ln>
+              <a:tailEnd type="triangle"/>
+            </a:ln>
+          </p:spPr>
+          <p:style>
+            <a:lnRef idx="1">
+              <a:schemeClr val="accent1"/>
+            </a:lnRef>
+            <a:fillRef idx="0">
+              <a:schemeClr val="accent1"/>
+            </a:fillRef>
+            <a:effectRef idx="0">
+              <a:schemeClr val="accent1"/>
+            </a:effectRef>
+            <a:fontRef idx="minor">
+              <a:schemeClr val="tx1"/>
+            </a:fontRef>
+          </p:style>
+        </p:cxnSp>
+        <p:cxnSp>
+          <p:nvCxnSpPr>
+            <p:cNvPr id="39" name="연결선: 꺾임 38">
+              <a:extLst>
+                <a:ext uri="{FF2B5EF4-FFF2-40B4-BE49-F238E27FC236}">
+                  <a16:creationId xmlns:a16="http://schemas.microsoft.com/office/drawing/2014/main" id="{74D0E8DE-1EFC-4E2F-9F48-01B0F4D1C8C1}"/>
+                </a:ext>
+              </a:extLst>
+            </p:cNvPr>
+            <p:cNvCxnSpPr>
+              <a:stCxn id="31" idx="3"/>
+              <a:endCxn id="9" idx="1"/>
+            </p:cNvCxnSpPr>
+            <p:nvPr/>
+          </p:nvCxnSpPr>
+          <p:spPr>
+            <a:xfrm flipV="1">
+              <a:off x="2024343" y="2749791"/>
+              <a:ext cx="2185459" cy="569142"/>
+            </a:xfrm>
+            <a:prstGeom prst="bentConnector3">
+              <a:avLst/>
+            </a:prstGeom>
+            <a:ln>
+              <a:tailEnd type="triangle"/>
+            </a:ln>
+          </p:spPr>
+          <p:style>
+            <a:lnRef idx="1">
+              <a:schemeClr val="accent1"/>
+            </a:lnRef>
+            <a:fillRef idx="0">
+              <a:schemeClr val="accent1"/>
+            </a:fillRef>
+            <a:effectRef idx="0">
+              <a:schemeClr val="accent1"/>
+            </a:effectRef>
+            <a:fontRef idx="minor">
+              <a:schemeClr val="tx1"/>
+            </a:fontRef>
+          </p:style>
+        </p:cxnSp>
+        <p:cxnSp>
+          <p:nvCxnSpPr>
+            <p:cNvPr id="41" name="연결선: 꺾임 40">
+              <a:extLst>
+                <a:ext uri="{FF2B5EF4-FFF2-40B4-BE49-F238E27FC236}">
+                  <a16:creationId xmlns:a16="http://schemas.microsoft.com/office/drawing/2014/main" id="{DACDF71B-AF9A-42C9-A984-7ED6882D0A2C}"/>
+                </a:ext>
+              </a:extLst>
+            </p:cNvPr>
+            <p:cNvCxnSpPr>
+              <a:stCxn id="31" idx="3"/>
+              <a:endCxn id="10" idx="1"/>
+            </p:cNvCxnSpPr>
+            <p:nvPr/>
+          </p:nvCxnSpPr>
+          <p:spPr>
+            <a:xfrm>
+              <a:off x="2024343" y="3318933"/>
+              <a:ext cx="2185459" cy="242422"/>
+            </a:xfrm>
+            <a:prstGeom prst="bentConnector3">
+              <a:avLst/>
+            </a:prstGeom>
+            <a:ln>
+              <a:tailEnd type="triangle"/>
+            </a:ln>
+          </p:spPr>
+          <p:style>
+            <a:lnRef idx="1">
+              <a:schemeClr val="accent1"/>
+            </a:lnRef>
+            <a:fillRef idx="0">
+              <a:schemeClr val="accent1"/>
+            </a:fillRef>
+            <a:effectRef idx="0">
+              <a:schemeClr val="accent1"/>
+            </a:effectRef>
+            <a:fontRef idx="minor">
+              <a:schemeClr val="tx1"/>
+            </a:fontRef>
+          </p:style>
+        </p:cxnSp>
+        <p:cxnSp>
+          <p:nvCxnSpPr>
+            <p:cNvPr id="43" name="연결선: 꺾임 42">
+              <a:extLst>
+                <a:ext uri="{FF2B5EF4-FFF2-40B4-BE49-F238E27FC236}">
+                  <a16:creationId xmlns:a16="http://schemas.microsoft.com/office/drawing/2014/main" id="{4FC27D49-5AE9-480A-9882-DA13029FD690}"/>
+                </a:ext>
+              </a:extLst>
+            </p:cNvPr>
+            <p:cNvCxnSpPr>
+              <a:stCxn id="31" idx="3"/>
+              <a:endCxn id="13" idx="1"/>
+            </p:cNvCxnSpPr>
+            <p:nvPr/>
+          </p:nvCxnSpPr>
+          <p:spPr>
+            <a:xfrm>
+              <a:off x="2024343" y="3318933"/>
+              <a:ext cx="2185459" cy="1615670"/>
+            </a:xfrm>
+            <a:prstGeom prst="bentConnector3">
+              <a:avLst/>
+            </a:prstGeom>
+            <a:ln>
+              <a:tailEnd type="triangle"/>
+            </a:ln>
+          </p:spPr>
+          <p:style>
+            <a:lnRef idx="1">
+              <a:schemeClr val="accent1"/>
+            </a:lnRef>
+            <a:fillRef idx="0">
+              <a:schemeClr val="accent1"/>
+            </a:fillRef>
+            <a:effectRef idx="0">
+              <a:schemeClr val="accent1"/>
+            </a:effectRef>
+            <a:fontRef idx="minor">
+              <a:schemeClr val="tx1"/>
+            </a:fontRef>
+          </p:style>
+        </p:cxnSp>
+        <p:cxnSp>
+          <p:nvCxnSpPr>
+            <p:cNvPr id="45" name="연결선: 꺾임 44">
+              <a:extLst>
+                <a:ext uri="{FF2B5EF4-FFF2-40B4-BE49-F238E27FC236}">
+                  <a16:creationId xmlns:a16="http://schemas.microsoft.com/office/drawing/2014/main" id="{98DCC09A-2B9D-471C-A907-2E8B3B3B0535}"/>
+                </a:ext>
+              </a:extLst>
+            </p:cNvPr>
+            <p:cNvCxnSpPr>
+              <a:stCxn id="31" idx="3"/>
+              <a:endCxn id="14" idx="1"/>
+            </p:cNvCxnSpPr>
+            <p:nvPr/>
+          </p:nvCxnSpPr>
+          <p:spPr>
+            <a:xfrm>
+              <a:off x="2024343" y="3318933"/>
+              <a:ext cx="2185459" cy="2375549"/>
+            </a:xfrm>
+            <a:prstGeom prst="bentConnector3">
+              <a:avLst/>
+            </a:prstGeom>
+            <a:ln>
+              <a:tailEnd type="triangle"/>
+            </a:ln>
+          </p:spPr>
+          <p:style>
+            <a:lnRef idx="1">
+              <a:schemeClr val="accent1"/>
+            </a:lnRef>
+            <a:fillRef idx="0">
+              <a:schemeClr val="accent1"/>
+            </a:fillRef>
+            <a:effectRef idx="0">
+              <a:schemeClr val="accent1"/>
+            </a:effectRef>
+            <a:fontRef idx="minor">
+              <a:schemeClr val="tx1"/>
+            </a:fontRef>
+          </p:style>
+        </p:cxnSp>
+      </p:grpSp>
+    </p:spTree>
+    <p:extLst>
+      <p:ext uri="{BB962C8B-B14F-4D97-AF65-F5344CB8AC3E}">
+        <p14:creationId xmlns:p14="http://schemas.microsoft.com/office/powerpoint/2010/main" val="2878354626"/>
+      </p:ext>
+    </p:extLst>
+  </p:cSld>
+  <p:clrMapOvr>
+    <a:masterClrMapping/>
+  </p:clrMapOvr>
+  <mc:AlternateContent xmlns:mc="http://schemas.openxmlformats.org/markup-compatibility/2006" xmlns:p14="http://schemas.microsoft.com/office/powerpoint/2010/main">
+    <mc:Choice Requires="p14">
+      <p:transition spd="slow" p14:dur="1250" advClick="0">
+        <p14:gallery dir="l"/>
+      </p:transition>
+    </mc:Choice>
+    <mc:Fallback xmlns="" xmlns:m="http://schemas.openxmlformats.org/officeDocument/2006/math" xmlns:w="http://schemas.openxmlformats.org/wordprocessingml/2006/main" xmlns:wp="http://schemas.openxmlformats.org/drawingml/2006/wordprocessingDrawing" xmlns:a14="http://schemas.microsoft.com/office/drawing/2010/main" xmlns:p15="http://schemas.microsoft.com/office/powerpoint/2012/main" xmlns:p159="http://schemas.microsoft.com/office/powerpoint/2015/09/main">
+      <p:transition spd="slow" advClick="0">
+        <p:fade/>
+      </p:transition>
+    </mc:Fallback>
+  </mc:AlternateContent>
+</p:sld>
+</file>
+
+<file path=ppt/slides/slide9.xml><?xml version="1.0" encoding="utf-8"?>
+<p:sld xmlns:a="http://schemas.openxmlformats.org/drawingml/2006/main" xmlns:r="http://schemas.openxmlformats.org/officeDocument/2006/relationships" xmlns:p="http://schemas.openxmlformats.org/presentationml/2006/main">
+  <p:cSld>
+    <p:spTree>
+      <p:nvGrpSpPr>
+        <p:cNvPr id="1" name=""/>
+        <p:cNvGrpSpPr/>
+        <p:nvPr/>
+      </p:nvGrpSpPr>
+      <p:grpSpPr>
+        <a:xfrm>
+          <a:off x="0" y="0"/>
+          <a:ext cx="0" cy="0"/>
+          <a:chOff x="0" y="0"/>
+          <a:chExt cx="0" cy="0"/>
+        </a:xfrm>
+      </p:grpSpPr>
+      <p:pic>
+        <p:nvPicPr>
+          <p:cNvPr id="4" name="그림 3">
+            <a:extLst>
+              <a:ext uri="{FF2B5EF4-FFF2-40B4-BE49-F238E27FC236}">
+                <a16:creationId xmlns:a16="http://schemas.microsoft.com/office/drawing/2014/main" id="{FEAE9C74-9157-4721-ACFE-E1519DD409C3}"/>
+              </a:ext>
+            </a:extLst>
+          </p:cNvPr>
+          <p:cNvPicPr>
+            <a:picLocks noChangeAspect="1"/>
+          </p:cNvPicPr>
+          <p:nvPr/>
+        </p:nvPicPr>
+        <p:blipFill>
+          <a:blip r:embed="rId2">
+            <a:clrChange>
+              <a:clrFrom>
+                <a:srgbClr val="FFFFFF"/>
+              </a:clrFrom>
+              <a:clrTo>
+                <a:srgbClr val="FFFFFF">
+                  <a:alpha val="0"/>
+                </a:srgbClr>
+              </a:clrTo>
+            </a:clrChange>
+            <a:extLst>
+              <a:ext uri="{28A0092B-C50C-407E-A947-70E740481C1C}">
+                <a14:useLocalDpi xmlns:a14="http://schemas.microsoft.com/office/drawing/2010/main" val="0"/>
+              </a:ext>
+            </a:extLst>
+          </a:blip>
+          <a:stretch>
+            <a:fillRect/>
+          </a:stretch>
+        </p:blipFill>
+        <p:spPr>
+          <a:xfrm>
+            <a:off x="1097036" y="914401"/>
+            <a:ext cx="9997928" cy="5029198"/>
+          </a:xfrm>
+          <a:prstGeom prst="rect">
+            <a:avLst/>
+          </a:prstGeom>
+        </p:spPr>
+      </p:pic>
+      <p:sp>
+        <p:nvSpPr>
+          <p:cNvPr id="5" name="제목 4">
+            <a:extLst>
+              <a:ext uri="{FF2B5EF4-FFF2-40B4-BE49-F238E27FC236}">
+                <a16:creationId xmlns:a16="http://schemas.microsoft.com/office/drawing/2014/main" id="{7B81C2B2-0169-4F6A-B59A-B9CC9615F22A}"/>
+              </a:ext>
+            </a:extLst>
+          </p:cNvPr>
+          <p:cNvSpPr>
+            <a:spLocks noGrp="1"/>
+          </p:cNvSpPr>
+          <p:nvPr>
+            <p:ph type="title"/>
+          </p:nvPr>
+        </p:nvSpPr>
+        <p:spPr/>
+        <p:txBody>
+          <a:bodyPr>
+            <a:normAutofit fontScale="90000"/>
+          </a:bodyPr>
+          <a:lstStyle/>
+          <a:p>
+            <a:r>
+              <a:rPr lang="en-US" altLang="ko-KR" dirty="0">
+                <a:latin typeface="맑은 고딕" panose="020B0503020000020004" pitchFamily="50" charset="-127"/>
+                <a:ea typeface="맑은 고딕" panose="020B0503020000020004" pitchFamily="50" charset="-127"/>
+              </a:rPr>
+              <a:t>ERD</a:t>
+            </a:r>
+            <a:r>
+              <a:rPr lang="ko-KR" altLang="en-US" dirty="0">
+                <a:latin typeface="맑은 고딕" panose="020B0503020000020004" pitchFamily="50" charset="-127"/>
+                <a:ea typeface="맑은 고딕" panose="020B0503020000020004" pitchFamily="50" charset="-127"/>
+              </a:rPr>
+              <a:t> 상세</a:t>
+            </a:r>
           </a:p>
         </p:txBody>
       </p:sp>
     </p:spTree>
     <p:extLst>
       <p:ext uri="{BB962C8B-B14F-4D97-AF65-F5344CB8AC3E}">
-        <p14:creationId xmlns:p14="http://schemas.microsoft.com/office/powerpoint/2010/main" val="1848822794"/>
+        <p14:creationId xmlns:p14="http://schemas.microsoft.com/office/powerpoint/2010/main" val="2050446697"/>
       </p:ext>
     </p:extLst>
   </p:cSld>

--- a/템플릿/환경켐페인소셜웹.pptx
+++ b/템플릿/환경켐페인소셜웹.pptx
@@ -802,7 +802,7 @@
         <p14:gallery dir="l"/>
       </p:transition>
     </mc:Choice>
-    <mc:Fallback xmlns="" xmlns:m="http://schemas.openxmlformats.org/officeDocument/2006/math" xmlns:w="http://schemas.openxmlformats.org/wordprocessingml/2006/main" xmlns:wp="http://schemas.openxmlformats.org/drawingml/2006/wordprocessingDrawing" xmlns:a14="http://schemas.microsoft.com/office/drawing/2010/main" xmlns:p15="http://schemas.microsoft.com/office/powerpoint/2012/main" xmlns:p159="http://schemas.microsoft.com/office/powerpoint/2015/09/main">
+    <mc:Fallback xmlns:p159="http://schemas.microsoft.com/office/powerpoint/2015/09/main" xmlns:p15="http://schemas.microsoft.com/office/powerpoint/2012/main" xmlns:a14="http://schemas.microsoft.com/office/drawing/2010/main" xmlns:wp="http://schemas.openxmlformats.org/drawingml/2006/wordprocessingDrawing" xmlns:w="http://schemas.openxmlformats.org/wordprocessingml/2006/main" xmlns:m="http://schemas.openxmlformats.org/officeDocument/2006/math" xmlns="">
       <p:transition spd="slow" advClick="0">
         <p:fade/>
       </p:transition>
@@ -1299,7 +1299,7 @@
         <p14:gallery dir="l"/>
       </p:transition>
     </mc:Choice>
-    <mc:Fallback xmlns="" xmlns:m="http://schemas.openxmlformats.org/officeDocument/2006/math" xmlns:w="http://schemas.openxmlformats.org/wordprocessingml/2006/main" xmlns:wp="http://schemas.openxmlformats.org/drawingml/2006/wordprocessingDrawing" xmlns:a14="http://schemas.microsoft.com/office/drawing/2010/main" xmlns:p15="http://schemas.microsoft.com/office/powerpoint/2012/main" xmlns:p159="http://schemas.microsoft.com/office/powerpoint/2015/09/main">
+    <mc:Fallback xmlns:p159="http://schemas.microsoft.com/office/powerpoint/2015/09/main" xmlns:p15="http://schemas.microsoft.com/office/powerpoint/2012/main" xmlns:a14="http://schemas.microsoft.com/office/drawing/2010/main" xmlns:wp="http://schemas.openxmlformats.org/drawingml/2006/wordprocessingDrawing" xmlns:w="http://schemas.openxmlformats.org/wordprocessingml/2006/main" xmlns:m="http://schemas.openxmlformats.org/officeDocument/2006/math" xmlns="">
       <p:transition spd="slow" advClick="0">
         <p:fade/>
       </p:transition>
@@ -1578,7 +1578,7 @@
         <p14:gallery dir="l"/>
       </p:transition>
     </mc:Choice>
-    <mc:Fallback xmlns="" xmlns:m="http://schemas.openxmlformats.org/officeDocument/2006/math" xmlns:w="http://schemas.openxmlformats.org/wordprocessingml/2006/main" xmlns:wp="http://schemas.openxmlformats.org/drawingml/2006/wordprocessingDrawing" xmlns:a14="http://schemas.microsoft.com/office/drawing/2010/main" xmlns:p15="http://schemas.microsoft.com/office/powerpoint/2012/main" xmlns:p159="http://schemas.microsoft.com/office/powerpoint/2015/09/main">
+    <mc:Fallback xmlns:p159="http://schemas.microsoft.com/office/powerpoint/2015/09/main" xmlns:p15="http://schemas.microsoft.com/office/powerpoint/2012/main" xmlns:a14="http://schemas.microsoft.com/office/drawing/2010/main" xmlns:wp="http://schemas.openxmlformats.org/drawingml/2006/wordprocessingDrawing" xmlns:w="http://schemas.openxmlformats.org/wordprocessingml/2006/main" xmlns:m="http://schemas.openxmlformats.org/officeDocument/2006/math" xmlns="">
       <p:transition spd="slow" advClick="0">
         <p:fade/>
       </p:transition>
@@ -1785,7 +1785,7 @@
         <p14:gallery dir="l"/>
       </p:transition>
     </mc:Choice>
-    <mc:Fallback xmlns="" xmlns:m="http://schemas.openxmlformats.org/officeDocument/2006/math" xmlns:w="http://schemas.openxmlformats.org/wordprocessingml/2006/main" xmlns:wp="http://schemas.openxmlformats.org/drawingml/2006/wordprocessingDrawing" xmlns:a14="http://schemas.microsoft.com/office/drawing/2010/main" xmlns:p15="http://schemas.microsoft.com/office/powerpoint/2012/main" xmlns:p159="http://schemas.microsoft.com/office/powerpoint/2015/09/main">
+    <mc:Fallback xmlns:p159="http://schemas.microsoft.com/office/powerpoint/2015/09/main" xmlns:p15="http://schemas.microsoft.com/office/powerpoint/2012/main" xmlns:a14="http://schemas.microsoft.com/office/drawing/2010/main" xmlns:wp="http://schemas.openxmlformats.org/drawingml/2006/wordprocessingDrawing" xmlns:w="http://schemas.openxmlformats.org/wordprocessingml/2006/main" xmlns:m="http://schemas.openxmlformats.org/officeDocument/2006/math" xmlns="">
       <p:transition spd="slow" advClick="0">
         <p:fade/>
       </p:transition>
@@ -2002,7 +2002,7 @@
         <p14:gallery dir="l"/>
       </p:transition>
     </mc:Choice>
-    <mc:Fallback xmlns="" xmlns:m="http://schemas.openxmlformats.org/officeDocument/2006/math" xmlns:w="http://schemas.openxmlformats.org/wordprocessingml/2006/main" xmlns:wp="http://schemas.openxmlformats.org/drawingml/2006/wordprocessingDrawing" xmlns:a14="http://schemas.microsoft.com/office/drawing/2010/main" xmlns:p15="http://schemas.microsoft.com/office/powerpoint/2012/main" xmlns:p159="http://schemas.microsoft.com/office/powerpoint/2015/09/main">
+    <mc:Fallback xmlns:p159="http://schemas.microsoft.com/office/powerpoint/2015/09/main" xmlns:p15="http://schemas.microsoft.com/office/powerpoint/2012/main" xmlns:a14="http://schemas.microsoft.com/office/drawing/2010/main" xmlns:wp="http://schemas.openxmlformats.org/drawingml/2006/wordprocessingDrawing" xmlns:w="http://schemas.openxmlformats.org/wordprocessingml/2006/main" xmlns:m="http://schemas.openxmlformats.org/officeDocument/2006/math" xmlns="">
       <p:transition spd="slow" advClick="0">
         <p:fade/>
       </p:transition>
@@ -2243,7 +2243,7 @@
         <p14:gallery dir="l"/>
       </p:transition>
     </mc:Choice>
-    <mc:Fallback xmlns="" xmlns:m="http://schemas.openxmlformats.org/officeDocument/2006/math" xmlns:w="http://schemas.openxmlformats.org/wordprocessingml/2006/main" xmlns:wp="http://schemas.openxmlformats.org/drawingml/2006/wordprocessingDrawing" xmlns:a14="http://schemas.microsoft.com/office/drawing/2010/main" xmlns:p15="http://schemas.microsoft.com/office/powerpoint/2012/main" xmlns:p159="http://schemas.microsoft.com/office/powerpoint/2015/09/main">
+    <mc:Fallback xmlns:p159="http://schemas.microsoft.com/office/powerpoint/2015/09/main" xmlns:p15="http://schemas.microsoft.com/office/powerpoint/2012/main" xmlns:a14="http://schemas.microsoft.com/office/drawing/2010/main" xmlns:wp="http://schemas.openxmlformats.org/drawingml/2006/wordprocessingDrawing" xmlns:w="http://schemas.openxmlformats.org/wordprocessingml/2006/main" xmlns:m="http://schemas.openxmlformats.org/officeDocument/2006/math" xmlns="">
       <p:transition spd="slow" advClick="0">
         <p:fade/>
       </p:transition>
@@ -2420,7 +2420,7 @@
         <p14:gallery dir="l"/>
       </p:transition>
     </mc:Choice>
-    <mc:Fallback xmlns="" xmlns:m="http://schemas.openxmlformats.org/officeDocument/2006/math" xmlns:w="http://schemas.openxmlformats.org/wordprocessingml/2006/main" xmlns:wp="http://schemas.openxmlformats.org/drawingml/2006/wordprocessingDrawing" xmlns:a14="http://schemas.microsoft.com/office/drawing/2010/main" xmlns:p15="http://schemas.microsoft.com/office/powerpoint/2012/main" xmlns:p159="http://schemas.microsoft.com/office/powerpoint/2015/09/main">
+    <mc:Fallback xmlns:p159="http://schemas.microsoft.com/office/powerpoint/2015/09/main" xmlns:p15="http://schemas.microsoft.com/office/powerpoint/2012/main" xmlns:a14="http://schemas.microsoft.com/office/drawing/2010/main" xmlns:wp="http://schemas.openxmlformats.org/drawingml/2006/wordprocessingDrawing" xmlns:w="http://schemas.openxmlformats.org/wordprocessingml/2006/main" xmlns:m="http://schemas.openxmlformats.org/officeDocument/2006/math" xmlns="">
       <p:transition spd="slow" advClick="0">
         <p:fade/>
       </p:transition>
@@ -2627,7 +2627,7 @@
         <p14:gallery dir="l"/>
       </p:transition>
     </mc:Choice>
-    <mc:Fallback xmlns="" xmlns:m="http://schemas.openxmlformats.org/officeDocument/2006/math" xmlns:w="http://schemas.openxmlformats.org/wordprocessingml/2006/main" xmlns:wp="http://schemas.openxmlformats.org/drawingml/2006/wordprocessingDrawing" xmlns:a14="http://schemas.microsoft.com/office/drawing/2010/main" xmlns:p15="http://schemas.microsoft.com/office/powerpoint/2012/main" xmlns:p159="http://schemas.microsoft.com/office/powerpoint/2015/09/main">
+    <mc:Fallback xmlns:p159="http://schemas.microsoft.com/office/powerpoint/2015/09/main" xmlns:p15="http://schemas.microsoft.com/office/powerpoint/2012/main" xmlns:a14="http://schemas.microsoft.com/office/drawing/2010/main" xmlns:wp="http://schemas.openxmlformats.org/drawingml/2006/wordprocessingDrawing" xmlns:w="http://schemas.openxmlformats.org/wordprocessingml/2006/main" xmlns:m="http://schemas.openxmlformats.org/officeDocument/2006/math" xmlns="">
       <p:transition spd="slow" advClick="0">
         <p:fade/>
       </p:transition>
@@ -2895,7 +2895,7 @@
         <p14:gallery dir="l"/>
       </p:transition>
     </mc:Choice>
-    <mc:Fallback xmlns="" xmlns:m="http://schemas.openxmlformats.org/officeDocument/2006/math" xmlns:w="http://schemas.openxmlformats.org/wordprocessingml/2006/main" xmlns:wp="http://schemas.openxmlformats.org/drawingml/2006/wordprocessingDrawing" xmlns:a14="http://schemas.microsoft.com/office/drawing/2010/main" xmlns:p15="http://schemas.microsoft.com/office/powerpoint/2012/main" xmlns:p159="http://schemas.microsoft.com/office/powerpoint/2015/09/main">
+    <mc:Fallback xmlns:p159="http://schemas.microsoft.com/office/powerpoint/2015/09/main" xmlns:p15="http://schemas.microsoft.com/office/powerpoint/2012/main" xmlns:a14="http://schemas.microsoft.com/office/drawing/2010/main" xmlns:wp="http://schemas.openxmlformats.org/drawingml/2006/wordprocessingDrawing" xmlns:w="http://schemas.openxmlformats.org/wordprocessingml/2006/main" xmlns:m="http://schemas.openxmlformats.org/officeDocument/2006/math" xmlns="">
       <p:transition spd="slow" advClick="0">
         <p:fade/>
       </p:transition>
@@ -3185,7 +3185,7 @@
         <p14:gallery dir="l"/>
       </p:transition>
     </mc:Choice>
-    <mc:Fallback xmlns="" xmlns:m="http://schemas.openxmlformats.org/officeDocument/2006/math" xmlns:w="http://schemas.openxmlformats.org/wordprocessingml/2006/main" xmlns:wp="http://schemas.openxmlformats.org/drawingml/2006/wordprocessingDrawing" xmlns:a14="http://schemas.microsoft.com/office/drawing/2010/main" xmlns:p15="http://schemas.microsoft.com/office/powerpoint/2012/main" xmlns:p159="http://schemas.microsoft.com/office/powerpoint/2015/09/main">
+    <mc:Fallback xmlns:p159="http://schemas.microsoft.com/office/powerpoint/2015/09/main" xmlns:p15="http://schemas.microsoft.com/office/powerpoint/2012/main" xmlns:a14="http://schemas.microsoft.com/office/drawing/2010/main" xmlns:wp="http://schemas.openxmlformats.org/drawingml/2006/wordprocessingDrawing" xmlns:w="http://schemas.openxmlformats.org/wordprocessingml/2006/main" xmlns:m="http://schemas.openxmlformats.org/officeDocument/2006/math" xmlns="">
       <p:transition spd="slow" advClick="0">
         <p:fade/>
       </p:transition>
@@ -3622,7 +3622,7 @@
         <p14:gallery dir="l"/>
       </p:transition>
     </mc:Choice>
-    <mc:Fallback xmlns="" xmlns:m="http://schemas.openxmlformats.org/officeDocument/2006/math" xmlns:w="http://schemas.openxmlformats.org/wordprocessingml/2006/main" xmlns:wp="http://schemas.openxmlformats.org/drawingml/2006/wordprocessingDrawing" xmlns:a14="http://schemas.microsoft.com/office/drawing/2010/main" xmlns:p15="http://schemas.microsoft.com/office/powerpoint/2012/main" xmlns:p159="http://schemas.microsoft.com/office/powerpoint/2015/09/main">
+    <mc:Fallback xmlns:p159="http://schemas.microsoft.com/office/powerpoint/2015/09/main" xmlns:p15="http://schemas.microsoft.com/office/powerpoint/2012/main" xmlns:a14="http://schemas.microsoft.com/office/drawing/2010/main" xmlns:wp="http://schemas.openxmlformats.org/drawingml/2006/wordprocessingDrawing" xmlns:w="http://schemas.openxmlformats.org/wordprocessingml/2006/main" xmlns:m="http://schemas.openxmlformats.org/officeDocument/2006/math" xmlns="">
       <p:transition spd="slow" advClick="0">
         <p:fade/>
       </p:transition>
@@ -3756,7 +3756,7 @@
         <p14:gallery dir="l"/>
       </p:transition>
     </mc:Choice>
-    <mc:Fallback xmlns="" xmlns:m="http://schemas.openxmlformats.org/officeDocument/2006/math" xmlns:w="http://schemas.openxmlformats.org/wordprocessingml/2006/main" xmlns:wp="http://schemas.openxmlformats.org/drawingml/2006/wordprocessingDrawing" xmlns:a14="http://schemas.microsoft.com/office/drawing/2010/main" xmlns:p15="http://schemas.microsoft.com/office/powerpoint/2012/main" xmlns:p159="http://schemas.microsoft.com/office/powerpoint/2015/09/main">
+    <mc:Fallback xmlns:p159="http://schemas.microsoft.com/office/powerpoint/2015/09/main" xmlns:p15="http://schemas.microsoft.com/office/powerpoint/2012/main" xmlns:a14="http://schemas.microsoft.com/office/drawing/2010/main" xmlns:wp="http://schemas.openxmlformats.org/drawingml/2006/wordprocessingDrawing" xmlns:w="http://schemas.openxmlformats.org/wordprocessingml/2006/main" xmlns:m="http://schemas.openxmlformats.org/officeDocument/2006/math" xmlns="">
       <p:transition spd="slow" advClick="0">
         <p:fade/>
       </p:transition>
@@ -3863,7 +3863,7 @@
         <p14:gallery dir="l"/>
       </p:transition>
     </mc:Choice>
-    <mc:Fallback xmlns="" xmlns:m="http://schemas.openxmlformats.org/officeDocument/2006/math" xmlns:w="http://schemas.openxmlformats.org/wordprocessingml/2006/main" xmlns:wp="http://schemas.openxmlformats.org/drawingml/2006/wordprocessingDrawing" xmlns:a14="http://schemas.microsoft.com/office/drawing/2010/main" xmlns:p15="http://schemas.microsoft.com/office/powerpoint/2012/main" xmlns:p159="http://schemas.microsoft.com/office/powerpoint/2015/09/main">
+    <mc:Fallback xmlns:p159="http://schemas.microsoft.com/office/powerpoint/2015/09/main" xmlns:p15="http://schemas.microsoft.com/office/powerpoint/2012/main" xmlns:a14="http://schemas.microsoft.com/office/drawing/2010/main" xmlns:wp="http://schemas.openxmlformats.org/drawingml/2006/wordprocessingDrawing" xmlns:w="http://schemas.openxmlformats.org/wordprocessingml/2006/main" xmlns:m="http://schemas.openxmlformats.org/officeDocument/2006/math" xmlns="">
       <p:transition spd="slow" advClick="0">
         <p:fade/>
       </p:transition>
@@ -4165,7 +4165,7 @@
         <p14:gallery dir="l"/>
       </p:transition>
     </mc:Choice>
-    <mc:Fallback xmlns="" xmlns:m="http://schemas.openxmlformats.org/officeDocument/2006/math" xmlns:w="http://schemas.openxmlformats.org/wordprocessingml/2006/main" xmlns:wp="http://schemas.openxmlformats.org/drawingml/2006/wordprocessingDrawing" xmlns:a14="http://schemas.microsoft.com/office/drawing/2010/main" xmlns:p15="http://schemas.microsoft.com/office/powerpoint/2012/main" xmlns:p159="http://schemas.microsoft.com/office/powerpoint/2015/09/main">
+    <mc:Fallback xmlns:p159="http://schemas.microsoft.com/office/powerpoint/2015/09/main" xmlns:p15="http://schemas.microsoft.com/office/powerpoint/2012/main" xmlns:a14="http://schemas.microsoft.com/office/drawing/2010/main" xmlns:wp="http://schemas.openxmlformats.org/drawingml/2006/wordprocessingDrawing" xmlns:w="http://schemas.openxmlformats.org/wordprocessingml/2006/main" xmlns:m="http://schemas.openxmlformats.org/officeDocument/2006/math" xmlns="">
       <p:transition spd="slow" advClick="0">
         <p:fade/>
       </p:transition>
@@ -4583,7 +4583,7 @@
         <p14:gallery dir="l"/>
       </p:transition>
     </mc:Choice>
-    <mc:Fallback xmlns="" xmlns:m="http://schemas.openxmlformats.org/officeDocument/2006/math" xmlns:w="http://schemas.openxmlformats.org/wordprocessingml/2006/main" xmlns:wp="http://schemas.openxmlformats.org/drawingml/2006/wordprocessingDrawing" xmlns:a14="http://schemas.microsoft.com/office/drawing/2010/main" xmlns:p15="http://schemas.microsoft.com/office/powerpoint/2012/main" xmlns:p159="http://schemas.microsoft.com/office/powerpoint/2015/09/main">
+    <mc:Fallback xmlns:p159="http://schemas.microsoft.com/office/powerpoint/2015/09/main" xmlns:p15="http://schemas.microsoft.com/office/powerpoint/2012/main" xmlns:a14="http://schemas.microsoft.com/office/drawing/2010/main" xmlns:wp="http://schemas.openxmlformats.org/drawingml/2006/wordprocessingDrawing" xmlns:w="http://schemas.openxmlformats.org/wordprocessingml/2006/main" xmlns:m="http://schemas.openxmlformats.org/officeDocument/2006/math" xmlns="">
       <p:transition spd="slow" advClick="0">
         <p:fade/>
       </p:transition>
@@ -4682,7 +4682,7 @@
         <p14:gallery dir="l"/>
       </p:transition>
     </mc:Choice>
-    <mc:Fallback xmlns="" xmlns:m="http://schemas.openxmlformats.org/officeDocument/2006/math" xmlns:w="http://schemas.openxmlformats.org/wordprocessingml/2006/main" xmlns:wp="http://schemas.openxmlformats.org/drawingml/2006/wordprocessingDrawing" xmlns:a14="http://schemas.microsoft.com/office/drawing/2010/main" xmlns:p15="http://schemas.microsoft.com/office/powerpoint/2012/main" xmlns:p159="http://schemas.microsoft.com/office/powerpoint/2015/09/main">
+    <mc:Fallback xmlns:p159="http://schemas.microsoft.com/office/powerpoint/2015/09/main" xmlns:p15="http://schemas.microsoft.com/office/powerpoint/2012/main" xmlns:a14="http://schemas.microsoft.com/office/drawing/2010/main" xmlns:wp="http://schemas.openxmlformats.org/drawingml/2006/wordprocessingDrawing" xmlns:w="http://schemas.openxmlformats.org/wordprocessingml/2006/main" xmlns:m="http://schemas.openxmlformats.org/officeDocument/2006/math" xmlns="">
       <p:transition spd="slow" advClick="0">
         <p:fade/>
       </p:transition>
@@ -8338,7 +8338,7 @@
         <p14:gallery dir="l"/>
       </p:transition>
     </mc:Choice>
-    <mc:Fallback xmlns="" xmlns:m="http://schemas.openxmlformats.org/officeDocument/2006/math" xmlns:w="http://schemas.openxmlformats.org/wordprocessingml/2006/main" xmlns:wp="http://schemas.openxmlformats.org/drawingml/2006/wordprocessingDrawing" xmlns:a14="http://schemas.microsoft.com/office/drawing/2010/main" xmlns:p15="http://schemas.microsoft.com/office/powerpoint/2012/main" xmlns:p159="http://schemas.microsoft.com/office/powerpoint/2015/09/main">
+    <mc:Fallback xmlns:p159="http://schemas.microsoft.com/office/powerpoint/2015/09/main" xmlns:p15="http://schemas.microsoft.com/office/powerpoint/2012/main" xmlns:a14="http://schemas.microsoft.com/office/drawing/2010/main" xmlns:wp="http://schemas.openxmlformats.org/drawingml/2006/wordprocessingDrawing" xmlns:w="http://schemas.openxmlformats.org/wordprocessingml/2006/main" xmlns:m="http://schemas.openxmlformats.org/officeDocument/2006/math" xmlns="">
       <p:transition spd="slow" advClick="0">
         <p:fade/>
       </p:transition>
@@ -10842,7 +10842,7 @@
         <p14:gallery dir="l"/>
       </p:transition>
     </mc:Choice>
-    <mc:Fallback xmlns="" xmlns:m="http://schemas.openxmlformats.org/officeDocument/2006/math" xmlns:w="http://schemas.openxmlformats.org/wordprocessingml/2006/main" xmlns:wp="http://schemas.openxmlformats.org/drawingml/2006/wordprocessingDrawing" xmlns:a14="http://schemas.microsoft.com/office/drawing/2010/main" xmlns:p15="http://schemas.microsoft.com/office/powerpoint/2012/main" xmlns:p159="http://schemas.microsoft.com/office/powerpoint/2015/09/main">
+    <mc:Fallback xmlns:p159="http://schemas.microsoft.com/office/powerpoint/2015/09/main" xmlns:p15="http://schemas.microsoft.com/office/powerpoint/2012/main" xmlns:a14="http://schemas.microsoft.com/office/drawing/2010/main" xmlns:wp="http://schemas.openxmlformats.org/drawingml/2006/wordprocessingDrawing" xmlns:w="http://schemas.openxmlformats.org/wordprocessingml/2006/main" xmlns:m="http://schemas.openxmlformats.org/officeDocument/2006/math" xmlns="">
       <p:transition spd="slow" advClick="0">
         <p:fade/>
       </p:transition>
@@ -11139,7 +11139,7 @@
         <p14:gallery dir="l"/>
       </p:transition>
     </mc:Choice>
-    <mc:Fallback xmlns="" xmlns:m="http://schemas.openxmlformats.org/officeDocument/2006/math" xmlns:w="http://schemas.openxmlformats.org/wordprocessingml/2006/main" xmlns:wp="http://schemas.openxmlformats.org/drawingml/2006/wordprocessingDrawing" xmlns:a14="http://schemas.microsoft.com/office/drawing/2010/main" xmlns:p15="http://schemas.microsoft.com/office/powerpoint/2012/main" xmlns:p159="http://schemas.microsoft.com/office/powerpoint/2015/09/main">
+    <mc:Fallback xmlns:p159="http://schemas.microsoft.com/office/powerpoint/2015/09/main" xmlns:p15="http://schemas.microsoft.com/office/powerpoint/2012/main" xmlns:a14="http://schemas.microsoft.com/office/drawing/2010/main" xmlns:wp="http://schemas.openxmlformats.org/drawingml/2006/wordprocessingDrawing" xmlns:w="http://schemas.openxmlformats.org/wordprocessingml/2006/main" xmlns:m="http://schemas.openxmlformats.org/officeDocument/2006/math" xmlns="">
       <p:transition spd="slow" advClick="0">
         <p:fade/>
       </p:transition>
@@ -11238,7 +11238,7 @@
         <p14:gallery dir="l"/>
       </p:transition>
     </mc:Choice>
-    <mc:Fallback xmlns="" xmlns:m="http://schemas.openxmlformats.org/officeDocument/2006/math" xmlns:w="http://schemas.openxmlformats.org/wordprocessingml/2006/main" xmlns:wp="http://schemas.openxmlformats.org/drawingml/2006/wordprocessingDrawing" xmlns:a14="http://schemas.microsoft.com/office/drawing/2010/main" xmlns:p15="http://schemas.microsoft.com/office/powerpoint/2012/main" xmlns:p159="http://schemas.microsoft.com/office/powerpoint/2015/09/main">
+    <mc:Fallback xmlns:p159="http://schemas.microsoft.com/office/powerpoint/2015/09/main" xmlns:p15="http://schemas.microsoft.com/office/powerpoint/2012/main" xmlns:a14="http://schemas.microsoft.com/office/drawing/2010/main" xmlns:wp="http://schemas.openxmlformats.org/drawingml/2006/wordprocessingDrawing" xmlns:w="http://schemas.openxmlformats.org/wordprocessingml/2006/main" xmlns:m="http://schemas.openxmlformats.org/officeDocument/2006/math" xmlns="">
       <p:transition spd="slow" advClick="0">
         <p:fade/>
       </p:transition>
@@ -11337,7 +11337,7 @@
         <p14:gallery dir="l"/>
       </p:transition>
     </mc:Choice>
-    <mc:Fallback xmlns="" xmlns:m="http://schemas.openxmlformats.org/officeDocument/2006/math" xmlns:w="http://schemas.openxmlformats.org/wordprocessingml/2006/main" xmlns:wp="http://schemas.openxmlformats.org/drawingml/2006/wordprocessingDrawing" xmlns:a14="http://schemas.microsoft.com/office/drawing/2010/main" xmlns:p15="http://schemas.microsoft.com/office/powerpoint/2012/main" xmlns:p159="http://schemas.microsoft.com/office/powerpoint/2015/09/main">
+    <mc:Fallback xmlns:p159="http://schemas.microsoft.com/office/powerpoint/2015/09/main" xmlns:p15="http://schemas.microsoft.com/office/powerpoint/2012/main" xmlns:a14="http://schemas.microsoft.com/office/drawing/2010/main" xmlns:wp="http://schemas.openxmlformats.org/drawingml/2006/wordprocessingDrawing" xmlns:w="http://schemas.openxmlformats.org/wordprocessingml/2006/main" xmlns:m="http://schemas.openxmlformats.org/officeDocument/2006/math" xmlns="">
       <p:transition spd="slow" advClick="0">
         <p:fade/>
       </p:transition>
@@ -11455,7 +11455,7 @@
         <p14:gallery dir="l"/>
       </p:transition>
     </mc:Choice>
-    <mc:Fallback xmlns="" xmlns:m="http://schemas.openxmlformats.org/officeDocument/2006/math" xmlns:w="http://schemas.openxmlformats.org/wordprocessingml/2006/main" xmlns:wp="http://schemas.openxmlformats.org/drawingml/2006/wordprocessingDrawing" xmlns:a14="http://schemas.microsoft.com/office/drawing/2010/main" xmlns:p15="http://schemas.microsoft.com/office/powerpoint/2012/main" xmlns:p159="http://schemas.microsoft.com/office/powerpoint/2015/09/main">
+    <mc:Fallback xmlns:p159="http://schemas.microsoft.com/office/powerpoint/2015/09/main" xmlns:p15="http://schemas.microsoft.com/office/powerpoint/2012/main" xmlns:a14="http://schemas.microsoft.com/office/drawing/2010/main" xmlns:wp="http://schemas.openxmlformats.org/drawingml/2006/wordprocessingDrawing" xmlns:w="http://schemas.openxmlformats.org/wordprocessingml/2006/main" xmlns:m="http://schemas.openxmlformats.org/officeDocument/2006/math" xmlns="">
       <p:transition spd="slow" advClick="0">
         <p:fade/>
       </p:transition>
@@ -11532,7 +11532,7 @@
         <p14:gallery dir="l"/>
       </p:transition>
     </mc:Choice>
-    <mc:Fallback xmlns="" xmlns:m="http://schemas.openxmlformats.org/officeDocument/2006/math" xmlns:w="http://schemas.openxmlformats.org/wordprocessingml/2006/main" xmlns:wp="http://schemas.openxmlformats.org/drawingml/2006/wordprocessingDrawing" xmlns:a14="http://schemas.microsoft.com/office/drawing/2010/main" xmlns:p15="http://schemas.microsoft.com/office/powerpoint/2012/main" xmlns:p159="http://schemas.microsoft.com/office/powerpoint/2015/09/main">
+    <mc:Fallback xmlns:p159="http://schemas.microsoft.com/office/powerpoint/2015/09/main" xmlns:p15="http://schemas.microsoft.com/office/powerpoint/2012/main" xmlns:a14="http://schemas.microsoft.com/office/drawing/2010/main" xmlns:wp="http://schemas.openxmlformats.org/drawingml/2006/wordprocessingDrawing" xmlns:w="http://schemas.openxmlformats.org/wordprocessingml/2006/main" xmlns:m="http://schemas.openxmlformats.org/officeDocument/2006/math" xmlns="">
       <p:transition spd="slow" advClick="0">
         <p:fade/>
       </p:transition>
@@ -12637,7 +12637,7 @@
         <p14:gallery dir="l"/>
       </p:transition>
     </mc:Choice>
-    <mc:Fallback xmlns="" xmlns:m="http://schemas.openxmlformats.org/officeDocument/2006/math" xmlns:w="http://schemas.openxmlformats.org/wordprocessingml/2006/main" xmlns:wp="http://schemas.openxmlformats.org/drawingml/2006/wordprocessingDrawing" xmlns:a14="http://schemas.microsoft.com/office/drawing/2010/main" xmlns:p15="http://schemas.microsoft.com/office/powerpoint/2012/main" xmlns:p159="http://schemas.microsoft.com/office/powerpoint/2015/09/main">
+    <mc:Fallback xmlns:p159="http://schemas.microsoft.com/office/powerpoint/2015/09/main" xmlns:p15="http://schemas.microsoft.com/office/powerpoint/2012/main" xmlns:a14="http://schemas.microsoft.com/office/drawing/2010/main" xmlns:wp="http://schemas.openxmlformats.org/drawingml/2006/wordprocessingDrawing" xmlns:w="http://schemas.openxmlformats.org/wordprocessingml/2006/main" xmlns:m="http://schemas.openxmlformats.org/officeDocument/2006/math" xmlns="">
       <p:transition spd="slow" advClick="0">
         <p:fade/>
       </p:transition>
@@ -12765,7 +12765,7 @@
         <p14:gallery dir="l"/>
       </p:transition>
     </mc:Choice>
-    <mc:Fallback xmlns="" xmlns:m="http://schemas.openxmlformats.org/officeDocument/2006/math" xmlns:w="http://schemas.openxmlformats.org/wordprocessingml/2006/main" xmlns:wp="http://schemas.openxmlformats.org/drawingml/2006/wordprocessingDrawing" xmlns:a14="http://schemas.microsoft.com/office/drawing/2010/main" xmlns:p15="http://schemas.microsoft.com/office/powerpoint/2012/main" xmlns:p159="http://schemas.microsoft.com/office/powerpoint/2015/09/main">
+    <mc:Fallback xmlns:p159="http://schemas.microsoft.com/office/powerpoint/2015/09/main" xmlns:p15="http://schemas.microsoft.com/office/powerpoint/2012/main" xmlns:a14="http://schemas.microsoft.com/office/drawing/2010/main" xmlns:wp="http://schemas.openxmlformats.org/drawingml/2006/wordprocessingDrawing" xmlns:w="http://schemas.openxmlformats.org/wordprocessingml/2006/main" xmlns:m="http://schemas.openxmlformats.org/officeDocument/2006/math" xmlns="">
       <p:transition spd="slow" advClick="0">
         <p:fade/>
       </p:transition>
